--- a/src/asset/assetSources/ColorPkr-Icons.pptx
+++ b/src/asset/assetSources/ColorPkr-Icons.pptx
@@ -5,9 +5,8 @@
     <p:sldMasterId id="2147483648" r:id="rId1"/>
   </p:sldMasterIdLst>
   <p:sldIdLst>
-    <p:sldId id="256" r:id="rId2"/>
-    <p:sldId id="257" r:id="rId3"/>
-    <p:sldId id="259" r:id="rId4"/>
+    <p:sldId id="257" r:id="rId2"/>
+    <p:sldId id="259" r:id="rId3"/>
   </p:sldIdLst>
   <p:sldSz cx="12192000" cy="6858000"/>
   <p:notesSz cx="6858000" cy="9144000"/>
@@ -263,7 +262,7 @@
           <a:p>
             <a:fld id="{127E456F-8AE8-4014-B338-718F1CA4F223}" type="datetimeFigureOut">
               <a:rPr lang="fr-CA" smtClean="0"/>
-              <a:t>2026-02-10</a:t>
+              <a:t>2026-02-13</a:t>
             </a:fld>
             <a:endParaRPr lang="fr-CA"/>
           </a:p>
@@ -463,7 +462,7 @@
           <a:p>
             <a:fld id="{127E456F-8AE8-4014-B338-718F1CA4F223}" type="datetimeFigureOut">
               <a:rPr lang="fr-CA" smtClean="0"/>
-              <a:t>2026-02-10</a:t>
+              <a:t>2026-02-13</a:t>
             </a:fld>
             <a:endParaRPr lang="fr-CA"/>
           </a:p>
@@ -673,7 +672,7 @@
           <a:p>
             <a:fld id="{127E456F-8AE8-4014-B338-718F1CA4F223}" type="datetimeFigureOut">
               <a:rPr lang="fr-CA" smtClean="0"/>
-              <a:t>2026-02-10</a:t>
+              <a:t>2026-02-13</a:t>
             </a:fld>
             <a:endParaRPr lang="fr-CA"/>
           </a:p>
@@ -873,7 +872,7 @@
           <a:p>
             <a:fld id="{127E456F-8AE8-4014-B338-718F1CA4F223}" type="datetimeFigureOut">
               <a:rPr lang="fr-CA" smtClean="0"/>
-              <a:t>2026-02-10</a:t>
+              <a:t>2026-02-13</a:t>
             </a:fld>
             <a:endParaRPr lang="fr-CA"/>
           </a:p>
@@ -1149,7 +1148,7 @@
           <a:p>
             <a:fld id="{127E456F-8AE8-4014-B338-718F1CA4F223}" type="datetimeFigureOut">
               <a:rPr lang="fr-CA" smtClean="0"/>
-              <a:t>2026-02-10</a:t>
+              <a:t>2026-02-13</a:t>
             </a:fld>
             <a:endParaRPr lang="fr-CA"/>
           </a:p>
@@ -1417,7 +1416,7 @@
           <a:p>
             <a:fld id="{127E456F-8AE8-4014-B338-718F1CA4F223}" type="datetimeFigureOut">
               <a:rPr lang="fr-CA" smtClean="0"/>
-              <a:t>2026-02-10</a:t>
+              <a:t>2026-02-13</a:t>
             </a:fld>
             <a:endParaRPr lang="fr-CA"/>
           </a:p>
@@ -1832,7 +1831,7 @@
           <a:p>
             <a:fld id="{127E456F-8AE8-4014-B338-718F1CA4F223}" type="datetimeFigureOut">
               <a:rPr lang="fr-CA" smtClean="0"/>
-              <a:t>2026-02-10</a:t>
+              <a:t>2026-02-13</a:t>
             </a:fld>
             <a:endParaRPr lang="fr-CA"/>
           </a:p>
@@ -1974,7 +1973,7 @@
           <a:p>
             <a:fld id="{127E456F-8AE8-4014-B338-718F1CA4F223}" type="datetimeFigureOut">
               <a:rPr lang="fr-CA" smtClean="0"/>
-              <a:t>2026-02-10</a:t>
+              <a:t>2026-02-13</a:t>
             </a:fld>
             <a:endParaRPr lang="fr-CA"/>
           </a:p>
@@ -2087,7 +2086,7 @@
           <a:p>
             <a:fld id="{127E456F-8AE8-4014-B338-718F1CA4F223}" type="datetimeFigureOut">
               <a:rPr lang="fr-CA" smtClean="0"/>
-              <a:t>2026-02-10</a:t>
+              <a:t>2026-02-13</a:t>
             </a:fld>
             <a:endParaRPr lang="fr-CA"/>
           </a:p>
@@ -2400,7 +2399,7 @@
           <a:p>
             <a:fld id="{127E456F-8AE8-4014-B338-718F1CA4F223}" type="datetimeFigureOut">
               <a:rPr lang="fr-CA" smtClean="0"/>
-              <a:t>2026-02-10</a:t>
+              <a:t>2026-02-13</a:t>
             </a:fld>
             <a:endParaRPr lang="fr-CA"/>
           </a:p>
@@ -2689,7 +2688,7 @@
           <a:p>
             <a:fld id="{127E456F-8AE8-4014-B338-718F1CA4F223}" type="datetimeFigureOut">
               <a:rPr lang="fr-CA" smtClean="0"/>
-              <a:t>2026-02-10</a:t>
+              <a:t>2026-02-13</a:t>
             </a:fld>
             <a:endParaRPr lang="fr-CA"/>
           </a:p>
@@ -2932,7 +2931,7 @@
           <a:p>
             <a:fld id="{127E456F-8AE8-4014-B338-718F1CA4F223}" type="datetimeFigureOut">
               <a:rPr lang="fr-CA" smtClean="0"/>
-              <a:t>2026-02-10</a:t>
+              <a:t>2026-02-13</a:t>
             </a:fld>
             <a:endParaRPr lang="fr-CA"/>
           </a:p>
@@ -3345,779 +3344,6 @@
     </p:bg>
     <p:spTree>
       <p:nvGrpSpPr>
-        <p:cNvPr id="1" name=""/>
-        <p:cNvGrpSpPr/>
-        <p:nvPr/>
-      </p:nvGrpSpPr>
-      <p:grpSpPr>
-        <a:xfrm>
-          <a:off x="0" y="0"/>
-          <a:ext cx="0" cy="0"/>
-          <a:chOff x="0" y="0"/>
-          <a:chExt cx="0" cy="0"/>
-        </a:xfrm>
-      </p:grpSpPr>
-      <p:sp>
-        <p:nvSpPr>
-          <p:cNvPr id="4" name="Rectangle 3">
-            <a:extLst>
-              <a:ext uri="{FF2B5EF4-FFF2-40B4-BE49-F238E27FC236}">
-                <a16:creationId xmlns:a16="http://schemas.microsoft.com/office/drawing/2014/main" id="{69DC0C58-D90C-6976-F9D5-209D8E13E66A}"/>
-              </a:ext>
-            </a:extLst>
-          </p:cNvPr>
-          <p:cNvSpPr>
-            <a:spLocks noChangeAspect="1"/>
-          </p:cNvSpPr>
-          <p:nvPr/>
-        </p:nvSpPr>
-        <p:spPr>
-          <a:xfrm>
-            <a:off x="580104" y="1690688"/>
-            <a:ext cx="1440000" cy="1440000"/>
-          </a:xfrm>
-          <a:prstGeom prst="rect">
-            <a:avLst/>
-          </a:prstGeom>
-          <a:solidFill>
-            <a:schemeClr val="tx1"/>
-          </a:solidFill>
-          <a:ln>
-            <a:noFill/>
-          </a:ln>
-        </p:spPr>
-        <p:style>
-          <a:lnRef idx="2">
-            <a:schemeClr val="accent1">
-              <a:shade val="15000"/>
-            </a:schemeClr>
-          </a:lnRef>
-          <a:fillRef idx="1">
-            <a:schemeClr val="accent1"/>
-          </a:fillRef>
-          <a:effectRef idx="0">
-            <a:schemeClr val="accent1"/>
-          </a:effectRef>
-          <a:fontRef idx="minor">
-            <a:schemeClr val="lt1"/>
-          </a:fontRef>
-        </p:style>
-        <p:txBody>
-          <a:bodyPr rtlCol="0" anchor="ctr"/>
-          <a:lstStyle/>
-          <a:p>
-            <a:pPr algn="ctr"/>
-            <a:endParaRPr lang="fr-CA"/>
-          </a:p>
-        </p:txBody>
-      </p:sp>
-      <p:sp>
-        <p:nvSpPr>
-          <p:cNvPr id="5" name="Rectangle 4">
-            <a:extLst>
-              <a:ext uri="{FF2B5EF4-FFF2-40B4-BE49-F238E27FC236}">
-                <a16:creationId xmlns:a16="http://schemas.microsoft.com/office/drawing/2014/main" id="{6A91CB45-DABD-B882-11A3-B403194AB270}"/>
-              </a:ext>
-            </a:extLst>
-          </p:cNvPr>
-          <p:cNvSpPr>
-            <a:spLocks noChangeAspect="1"/>
-          </p:cNvSpPr>
-          <p:nvPr/>
-        </p:nvSpPr>
-        <p:spPr>
-          <a:xfrm>
-            <a:off x="2696360" y="1735196"/>
-            <a:ext cx="1440000" cy="1440000"/>
-          </a:xfrm>
-          <a:prstGeom prst="rect">
-            <a:avLst/>
-          </a:prstGeom>
-          <a:solidFill>
-            <a:srgbClr val="808080"/>
-          </a:solidFill>
-          <a:ln>
-            <a:noFill/>
-          </a:ln>
-        </p:spPr>
-        <p:style>
-          <a:lnRef idx="2">
-            <a:schemeClr val="accent1">
-              <a:shade val="15000"/>
-            </a:schemeClr>
-          </a:lnRef>
-          <a:fillRef idx="1">
-            <a:schemeClr val="accent1"/>
-          </a:fillRef>
-          <a:effectRef idx="0">
-            <a:schemeClr val="accent1"/>
-          </a:effectRef>
-          <a:fontRef idx="minor">
-            <a:schemeClr val="lt1"/>
-          </a:fontRef>
-        </p:style>
-        <p:txBody>
-          <a:bodyPr rtlCol="0" anchor="ctr"/>
-          <a:lstStyle/>
-          <a:p>
-            <a:pPr algn="ctr"/>
-            <a:endParaRPr lang="fr-CA"/>
-          </a:p>
-        </p:txBody>
-      </p:sp>
-      <p:sp>
-        <p:nvSpPr>
-          <p:cNvPr id="6" name="TextBox 5">
-            <a:extLst>
-              <a:ext uri="{FF2B5EF4-FFF2-40B4-BE49-F238E27FC236}">
-                <a16:creationId xmlns:a16="http://schemas.microsoft.com/office/drawing/2014/main" id="{EF7EBB47-DD2A-9D73-57E8-5EB9DD4A7B6D}"/>
-              </a:ext>
-            </a:extLst>
-          </p:cNvPr>
-          <p:cNvSpPr txBox="1"/>
-          <p:nvPr/>
-        </p:nvSpPr>
-        <p:spPr>
-          <a:xfrm>
-            <a:off x="786816" y="3716594"/>
-            <a:ext cx="855171" cy="369332"/>
-          </a:xfrm>
-          <a:prstGeom prst="rect">
-            <a:avLst/>
-          </a:prstGeom>
-          <a:noFill/>
-        </p:spPr>
-        <p:txBody>
-          <a:bodyPr wrap="none" rtlCol="0">
-            <a:spAutoFit/>
-          </a:bodyPr>
-          <a:lstStyle/>
-          <a:p>
-            <a:r>
-              <a:rPr lang="en-US" dirty="0">
-                <a:solidFill>
-                  <a:schemeClr val="bg1"/>
-                </a:solidFill>
-              </a:rPr>
-              <a:t>Button</a:t>
-            </a:r>
-            <a:endParaRPr lang="fr-CA" dirty="0">
-              <a:solidFill>
-                <a:schemeClr val="bg1"/>
-              </a:solidFill>
-            </a:endParaRPr>
-          </a:p>
-        </p:txBody>
-      </p:sp>
-      <p:sp>
-        <p:nvSpPr>
-          <p:cNvPr id="7" name="TextBox 6">
-            <a:extLst>
-              <a:ext uri="{FF2B5EF4-FFF2-40B4-BE49-F238E27FC236}">
-                <a16:creationId xmlns:a16="http://schemas.microsoft.com/office/drawing/2014/main" id="{D2C2F37E-A30F-B1EB-76E6-296B9DCC918B}"/>
-              </a:ext>
-            </a:extLst>
-          </p:cNvPr>
-          <p:cNvSpPr txBox="1"/>
-          <p:nvPr/>
-        </p:nvSpPr>
-        <p:spPr>
-          <a:xfrm>
-            <a:off x="2246397" y="3682804"/>
-            <a:ext cx="899926" cy="369332"/>
-          </a:xfrm>
-          <a:prstGeom prst="rect">
-            <a:avLst/>
-          </a:prstGeom>
-          <a:noFill/>
-        </p:spPr>
-        <p:txBody>
-          <a:bodyPr wrap="none" rtlCol="0">
-            <a:spAutoFit/>
-          </a:bodyPr>
-          <a:lstStyle/>
-          <a:p>
-            <a:r>
-              <a:rPr lang="en-US" dirty="0">
-                <a:solidFill>
-                  <a:schemeClr val="bg1"/>
-                </a:solidFill>
-              </a:rPr>
-              <a:t>Hoover</a:t>
-            </a:r>
-            <a:endParaRPr lang="fr-CA" dirty="0">
-              <a:solidFill>
-                <a:schemeClr val="bg1"/>
-              </a:solidFill>
-            </a:endParaRPr>
-          </a:p>
-        </p:txBody>
-      </p:sp>
-      <p:sp>
-        <p:nvSpPr>
-          <p:cNvPr id="8" name="Title 7">
-            <a:extLst>
-              <a:ext uri="{FF2B5EF4-FFF2-40B4-BE49-F238E27FC236}">
-                <a16:creationId xmlns:a16="http://schemas.microsoft.com/office/drawing/2014/main" id="{DED72085-ECF1-6624-2EA9-7F2451848D74}"/>
-              </a:ext>
-            </a:extLst>
-          </p:cNvPr>
-          <p:cNvSpPr>
-            <a:spLocks noGrp="1"/>
-          </p:cNvSpPr>
-          <p:nvPr>
-            <p:ph type="title"/>
-          </p:nvPr>
-        </p:nvSpPr>
-        <p:spPr/>
-        <p:txBody>
-          <a:bodyPr/>
-          <a:lstStyle/>
-          <a:p>
-            <a:r>
-              <a:rPr lang="en-US" dirty="0"/>
-              <a:t>Couleurs</a:t>
-            </a:r>
-            <a:endParaRPr lang="fr-CA" dirty="0"/>
-          </a:p>
-        </p:txBody>
-      </p:sp>
-      <p:sp>
-        <p:nvSpPr>
-          <p:cNvPr id="10" name="Rectangle 9">
-            <a:extLst>
-              <a:ext uri="{FF2B5EF4-FFF2-40B4-BE49-F238E27FC236}">
-                <a16:creationId xmlns:a16="http://schemas.microsoft.com/office/drawing/2014/main" id="{E360654D-51F8-57A7-BDFC-95B92966EF25}"/>
-              </a:ext>
-            </a:extLst>
-          </p:cNvPr>
-          <p:cNvSpPr>
-            <a:spLocks noChangeAspect="1"/>
-          </p:cNvSpPr>
-          <p:nvPr/>
-        </p:nvSpPr>
-        <p:spPr>
-          <a:xfrm>
-            <a:off x="5966952" y="732043"/>
-            <a:ext cx="1440000" cy="1440000"/>
-          </a:xfrm>
-          <a:prstGeom prst="rect">
-            <a:avLst/>
-          </a:prstGeom>
-          <a:solidFill>
-            <a:schemeClr val="tx1"/>
-          </a:solidFill>
-          <a:ln>
-            <a:noFill/>
-          </a:ln>
-        </p:spPr>
-        <p:style>
-          <a:lnRef idx="2">
-            <a:schemeClr val="accent1">
-              <a:shade val="15000"/>
-            </a:schemeClr>
-          </a:lnRef>
-          <a:fillRef idx="1">
-            <a:schemeClr val="accent1"/>
-          </a:fillRef>
-          <a:effectRef idx="0">
-            <a:schemeClr val="accent1"/>
-          </a:effectRef>
-          <a:fontRef idx="minor">
-            <a:schemeClr val="lt1"/>
-          </a:fontRef>
-        </p:style>
-        <p:txBody>
-          <a:bodyPr rtlCol="0" anchor="ctr"/>
-          <a:lstStyle/>
-          <a:p>
-            <a:pPr algn="ctr"/>
-            <a:endParaRPr lang="fr-CA"/>
-          </a:p>
-        </p:txBody>
-      </p:sp>
-      <p:sp>
-        <p:nvSpPr>
-          <p:cNvPr id="9" name="Oval 8">
-            <a:extLst>
-              <a:ext uri="{FF2B5EF4-FFF2-40B4-BE49-F238E27FC236}">
-                <a16:creationId xmlns:a16="http://schemas.microsoft.com/office/drawing/2014/main" id="{326A28D6-C800-CF44-24C8-8CE0DBEDF716}"/>
-              </a:ext>
-            </a:extLst>
-          </p:cNvPr>
-          <p:cNvSpPr/>
-          <p:nvPr/>
-        </p:nvSpPr>
-        <p:spPr>
-          <a:xfrm>
-            <a:off x="6866952" y="3867470"/>
-            <a:ext cx="1080000" cy="1080000"/>
-          </a:xfrm>
-          <a:prstGeom prst="ellipse">
-            <a:avLst/>
-          </a:prstGeom>
-          <a:solidFill>
-            <a:srgbClr val="333333"/>
-          </a:solidFill>
-          <a:ln>
-            <a:noFill/>
-          </a:ln>
-        </p:spPr>
-        <p:style>
-          <a:lnRef idx="2">
-            <a:schemeClr val="accent1">
-              <a:shade val="15000"/>
-            </a:schemeClr>
-          </a:lnRef>
-          <a:fillRef idx="1">
-            <a:schemeClr val="accent1"/>
-          </a:fillRef>
-          <a:effectRef idx="0">
-            <a:schemeClr val="accent1"/>
-          </a:effectRef>
-          <a:fontRef idx="minor">
-            <a:schemeClr val="lt1"/>
-          </a:fontRef>
-        </p:style>
-        <p:txBody>
-          <a:bodyPr rtlCol="0" anchor="ctr"/>
-          <a:lstStyle/>
-          <a:p>
-            <a:pPr algn="ctr"/>
-            <a:endParaRPr lang="fr-CA"/>
-          </a:p>
-        </p:txBody>
-      </p:sp>
-      <p:sp>
-        <p:nvSpPr>
-          <p:cNvPr id="11" name="Oval 10">
-            <a:extLst>
-              <a:ext uri="{FF2B5EF4-FFF2-40B4-BE49-F238E27FC236}">
-                <a16:creationId xmlns:a16="http://schemas.microsoft.com/office/drawing/2014/main" id="{A3DB0EBF-C7F2-7CB6-1249-0B22656CB866}"/>
-              </a:ext>
-            </a:extLst>
-          </p:cNvPr>
-          <p:cNvSpPr/>
-          <p:nvPr/>
-        </p:nvSpPr>
-        <p:spPr>
-          <a:xfrm>
-            <a:off x="7200000" y="2590688"/>
-            <a:ext cx="1080000" cy="1080000"/>
-          </a:xfrm>
-          <a:prstGeom prst="ellipse">
-            <a:avLst/>
-          </a:prstGeom>
-          <a:solidFill>
-            <a:srgbClr val="333333"/>
-          </a:solidFill>
-          <a:ln>
-            <a:noFill/>
-          </a:ln>
-        </p:spPr>
-        <p:style>
-          <a:lnRef idx="2">
-            <a:schemeClr val="accent1">
-              <a:shade val="15000"/>
-            </a:schemeClr>
-          </a:lnRef>
-          <a:fillRef idx="1">
-            <a:schemeClr val="accent1"/>
-          </a:fillRef>
-          <a:effectRef idx="0">
-            <a:schemeClr val="accent1"/>
-          </a:effectRef>
-          <a:fontRef idx="minor">
-            <a:schemeClr val="lt1"/>
-          </a:fontRef>
-        </p:style>
-        <p:txBody>
-          <a:bodyPr rtlCol="0" anchor="ctr"/>
-          <a:lstStyle/>
-          <a:p>
-            <a:pPr algn="ctr"/>
-            <a:endParaRPr lang="fr-CA"/>
-          </a:p>
-        </p:txBody>
-      </p:sp>
-      <p:sp>
-        <p:nvSpPr>
-          <p:cNvPr id="12" name="Rectangle 11">
-            <a:extLst>
-              <a:ext uri="{FF2B5EF4-FFF2-40B4-BE49-F238E27FC236}">
-                <a16:creationId xmlns:a16="http://schemas.microsoft.com/office/drawing/2014/main" id="{595C3A9D-A45B-F0B4-FA3D-F70E1002AF8F}"/>
-              </a:ext>
-            </a:extLst>
-          </p:cNvPr>
-          <p:cNvSpPr/>
-          <p:nvPr/>
-        </p:nvSpPr>
-        <p:spPr>
-          <a:xfrm>
-            <a:off x="10155736" y="1235944"/>
-            <a:ext cx="1080000" cy="3171526"/>
-          </a:xfrm>
-          <a:prstGeom prst="rect">
-            <a:avLst/>
-          </a:prstGeom>
-          <a:ln>
-            <a:noFill/>
-          </a:ln>
-        </p:spPr>
-        <p:style>
-          <a:lnRef idx="2">
-            <a:schemeClr val="accent1">
-              <a:shade val="15000"/>
-            </a:schemeClr>
-          </a:lnRef>
-          <a:fillRef idx="1">
-            <a:schemeClr val="accent1"/>
-          </a:fillRef>
-          <a:effectRef idx="0">
-            <a:schemeClr val="accent1"/>
-          </a:effectRef>
-          <a:fontRef idx="minor">
-            <a:schemeClr val="lt1"/>
-          </a:fontRef>
-        </p:style>
-        <p:txBody>
-          <a:bodyPr rtlCol="0" anchor="ctr"/>
-          <a:lstStyle/>
-          <a:p>
-            <a:pPr algn="ctr"/>
-            <a:endParaRPr lang="fr-CA"/>
-          </a:p>
-        </p:txBody>
-      </p:sp>
-      <p:grpSp>
-        <p:nvGrpSpPr>
-          <p:cNvPr id="2" name="Group 1">
-            <a:extLst>
-              <a:ext uri="{FF2B5EF4-FFF2-40B4-BE49-F238E27FC236}">
-                <a16:creationId xmlns:a16="http://schemas.microsoft.com/office/drawing/2014/main" id="{ACB90AC7-CED3-42DE-2711-483D466FDC8D}"/>
-              </a:ext>
-            </a:extLst>
-          </p:cNvPr>
-          <p:cNvGrpSpPr/>
-          <p:nvPr/>
-        </p:nvGrpSpPr>
-        <p:grpSpPr>
-          <a:xfrm>
-            <a:off x="5022038" y="2538961"/>
-            <a:ext cx="1038462" cy="846402"/>
-            <a:chOff x="7707494" y="2865508"/>
-            <a:chExt cx="1038462" cy="846402"/>
-          </a:xfrm>
-        </p:grpSpPr>
-        <p:sp>
-          <p:nvSpPr>
-            <p:cNvPr id="3" name="Rectangle: Top Corners Rounded 2">
-              <a:extLst>
-                <a:ext uri="{FF2B5EF4-FFF2-40B4-BE49-F238E27FC236}">
-                  <a16:creationId xmlns:a16="http://schemas.microsoft.com/office/drawing/2014/main" id="{F0619745-10FD-4D56-13D4-FB9BA2F8A879}"/>
-                </a:ext>
-              </a:extLst>
-            </p:cNvPr>
-            <p:cNvSpPr/>
-            <p:nvPr/>
-          </p:nvSpPr>
-          <p:spPr>
-            <a:xfrm>
-              <a:off x="7707494" y="3147653"/>
-              <a:ext cx="841194" cy="564257"/>
-            </a:xfrm>
-            <a:prstGeom prst="round2SameRect">
-              <a:avLst/>
-            </a:prstGeom>
-            <a:solidFill>
-              <a:srgbClr val="5F5F5F"/>
-            </a:solidFill>
-            <a:ln>
-              <a:noFill/>
-            </a:ln>
-          </p:spPr>
-          <p:style>
-            <a:lnRef idx="2">
-              <a:schemeClr val="accent1">
-                <a:shade val="15000"/>
-              </a:schemeClr>
-            </a:lnRef>
-            <a:fillRef idx="1">
-              <a:schemeClr val="accent1"/>
-            </a:fillRef>
-            <a:effectRef idx="0">
-              <a:schemeClr val="accent1"/>
-            </a:effectRef>
-            <a:fontRef idx="minor">
-              <a:schemeClr val="lt1"/>
-            </a:fontRef>
-          </p:style>
-          <p:txBody>
-            <a:bodyPr rtlCol="0" anchor="ctr"/>
-            <a:lstStyle/>
-            <a:p>
-              <a:pPr algn="ctr"/>
-              <a:endParaRPr lang="fr-CA"/>
-            </a:p>
-          </p:txBody>
-        </p:sp>
-        <p:sp>
-          <p:nvSpPr>
-            <p:cNvPr id="13" name="Rectangle 12">
-              <a:extLst>
-                <a:ext uri="{FF2B5EF4-FFF2-40B4-BE49-F238E27FC236}">
-                  <a16:creationId xmlns:a16="http://schemas.microsoft.com/office/drawing/2014/main" id="{0707F7AF-1BA1-546A-A575-5D7F8144921C}"/>
-                </a:ext>
-              </a:extLst>
-            </p:cNvPr>
-            <p:cNvSpPr/>
-            <p:nvPr/>
-          </p:nvSpPr>
-          <p:spPr>
-            <a:xfrm>
-              <a:off x="7806128" y="2865508"/>
-              <a:ext cx="841194" cy="649582"/>
-            </a:xfrm>
-            <a:prstGeom prst="rect">
-              <a:avLst/>
-            </a:prstGeom>
-            <a:solidFill>
-              <a:schemeClr val="bg1"/>
-            </a:solidFill>
-            <a:ln>
-              <a:noFill/>
-            </a:ln>
-          </p:spPr>
-          <p:style>
-            <a:lnRef idx="2">
-              <a:schemeClr val="accent1">
-                <a:shade val="15000"/>
-              </a:schemeClr>
-            </a:lnRef>
-            <a:fillRef idx="1">
-              <a:schemeClr val="accent1"/>
-            </a:fillRef>
-            <a:effectRef idx="0">
-              <a:schemeClr val="accent1"/>
-            </a:effectRef>
-            <a:fontRef idx="minor">
-              <a:schemeClr val="lt1"/>
-            </a:fontRef>
-          </p:style>
-          <p:txBody>
-            <a:bodyPr rtlCol="0" anchor="ctr"/>
-            <a:lstStyle/>
-            <a:p>
-              <a:pPr algn="ctr"/>
-              <a:endParaRPr lang="fr-CA"/>
-            </a:p>
-          </p:txBody>
-        </p:sp>
-        <p:sp>
-          <p:nvSpPr>
-            <p:cNvPr id="14" name="Arrow: Up 13">
-              <a:extLst>
-                <a:ext uri="{FF2B5EF4-FFF2-40B4-BE49-F238E27FC236}">
-                  <a16:creationId xmlns:a16="http://schemas.microsoft.com/office/drawing/2014/main" id="{A55AA800-6C8A-B3F2-C388-D3D27DB6C57B}"/>
-                </a:ext>
-              </a:extLst>
-            </p:cNvPr>
-            <p:cNvSpPr/>
-            <p:nvPr/>
-          </p:nvSpPr>
-          <p:spPr>
-            <a:xfrm>
-              <a:off x="8043629" y="2964253"/>
-              <a:ext cx="402462" cy="339202"/>
-            </a:xfrm>
-            <a:prstGeom prst="upArrow">
-              <a:avLst/>
-            </a:prstGeom>
-            <a:solidFill>
-              <a:srgbClr val="CCCCCC"/>
-            </a:solidFill>
-            <a:ln>
-              <a:noFill/>
-            </a:ln>
-          </p:spPr>
-          <p:style>
-            <a:lnRef idx="2">
-              <a:schemeClr val="accent1">
-                <a:shade val="15000"/>
-              </a:schemeClr>
-            </a:lnRef>
-            <a:fillRef idx="1">
-              <a:schemeClr val="accent1"/>
-            </a:fillRef>
-            <a:effectRef idx="0">
-              <a:schemeClr val="accent1"/>
-            </a:effectRef>
-            <a:fontRef idx="minor">
-              <a:schemeClr val="lt1"/>
-            </a:fontRef>
-          </p:style>
-          <p:txBody>
-            <a:bodyPr rtlCol="0" anchor="ctr"/>
-            <a:lstStyle/>
-            <a:p>
-              <a:pPr algn="ctr"/>
-              <a:endParaRPr lang="fr-CA"/>
-            </a:p>
-          </p:txBody>
-        </p:sp>
-        <p:sp>
-          <p:nvSpPr>
-            <p:cNvPr id="15" name="Freeform: Shape 14">
-              <a:extLst>
-                <a:ext uri="{FF2B5EF4-FFF2-40B4-BE49-F238E27FC236}">
-                  <a16:creationId xmlns:a16="http://schemas.microsoft.com/office/drawing/2014/main" id="{45488EF2-C2D9-9748-BB5B-A921567C0A41}"/>
-                </a:ext>
-              </a:extLst>
-            </p:cNvPr>
-            <p:cNvSpPr/>
-            <p:nvPr/>
-          </p:nvSpPr>
-          <p:spPr>
-            <a:xfrm>
-              <a:off x="7707494" y="3227294"/>
-              <a:ext cx="1038462" cy="484616"/>
-            </a:xfrm>
-            <a:custGeom>
-              <a:avLst/>
-              <a:gdLst>
-                <a:gd name="csX0" fmla="*/ 714375 w 714375"/>
-                <a:gd name="csY0" fmla="*/ 38100 h 333375"/>
-                <a:gd name="csX1" fmla="*/ 680085 w 714375"/>
-                <a:gd name="csY1" fmla="*/ 0 h 333375"/>
-                <a:gd name="csX2" fmla="*/ 160973 w 714375"/>
-                <a:gd name="csY2" fmla="*/ 0 h 333375"/>
-                <a:gd name="csX3" fmla="*/ 128588 w 714375"/>
-                <a:gd name="csY3" fmla="*/ 20955 h 333375"/>
-                <a:gd name="csX4" fmla="*/ 0 w 714375"/>
-                <a:gd name="csY4" fmla="*/ 333375 h 333375"/>
-                <a:gd name="csX5" fmla="*/ 581025 w 714375"/>
-                <a:gd name="csY5" fmla="*/ 333375 h 333375"/>
-                <a:gd name="csX6" fmla="*/ 710565 w 714375"/>
-                <a:gd name="csY6" fmla="*/ 55245 h 333375"/>
-                <a:gd name="csX7" fmla="*/ 714375 w 714375"/>
-                <a:gd name="csY7" fmla="*/ 38100 h 333375"/>
-                <a:gd name="csX8" fmla="*/ 714375 w 714375"/>
-                <a:gd name="csY8" fmla="*/ 38100 h 333375"/>
-              </a:gdLst>
-              <a:ahLst/>
-              <a:cxnLst>
-                <a:cxn ang="0">
-                  <a:pos x="csX0" y="csY0"/>
-                </a:cxn>
-                <a:cxn ang="0">
-                  <a:pos x="csX1" y="csY1"/>
-                </a:cxn>
-                <a:cxn ang="0">
-                  <a:pos x="csX2" y="csY2"/>
-                </a:cxn>
-                <a:cxn ang="0">
-                  <a:pos x="csX3" y="csY3"/>
-                </a:cxn>
-                <a:cxn ang="0">
-                  <a:pos x="csX4" y="csY4"/>
-                </a:cxn>
-                <a:cxn ang="0">
-                  <a:pos x="csX5" y="csY5"/>
-                </a:cxn>
-                <a:cxn ang="0">
-                  <a:pos x="csX6" y="csY6"/>
-                </a:cxn>
-                <a:cxn ang="0">
-                  <a:pos x="csX7" y="csY7"/>
-                </a:cxn>
-                <a:cxn ang="0">
-                  <a:pos x="csX8" y="csY8"/>
-                </a:cxn>
-              </a:cxnLst>
-              <a:rect l="l" t="t" r="r" b="b"/>
-              <a:pathLst>
-                <a:path w="714375" h="333375">
-                  <a:moveTo>
-                    <a:pt x="714375" y="38100"/>
-                  </a:moveTo>
-                  <a:cubicBezTo>
-                    <a:pt x="714375" y="18098"/>
-                    <a:pt x="700088" y="1905"/>
-                    <a:pt x="680085" y="0"/>
-                  </a:cubicBezTo>
-                  <a:lnTo>
-                    <a:pt x="160973" y="0"/>
-                  </a:lnTo>
-                  <a:cubicBezTo>
-                    <a:pt x="146685" y="0"/>
-                    <a:pt x="134303" y="8573"/>
-                    <a:pt x="128588" y="20955"/>
-                  </a:cubicBezTo>
-                  <a:lnTo>
-                    <a:pt x="0" y="333375"/>
-                  </a:lnTo>
-                  <a:lnTo>
-                    <a:pt x="581025" y="333375"/>
-                  </a:lnTo>
-                  <a:lnTo>
-                    <a:pt x="710565" y="55245"/>
-                  </a:lnTo>
-                  <a:cubicBezTo>
-                    <a:pt x="713423" y="49530"/>
-                    <a:pt x="714375" y="43815"/>
-                    <a:pt x="714375" y="38100"/>
-                  </a:cubicBezTo>
-                  <a:lnTo>
-                    <a:pt x="714375" y="38100"/>
-                  </a:lnTo>
-                  <a:close/>
-                </a:path>
-              </a:pathLst>
-            </a:custGeom>
-            <a:solidFill>
-              <a:srgbClr val="999999"/>
-            </a:solidFill>
-            <a:ln w="9525" cap="flat">
-              <a:noFill/>
-              <a:prstDash val="solid"/>
-              <a:miter/>
-            </a:ln>
-          </p:spPr>
-          <p:txBody>
-            <a:bodyPr/>
-            <a:lstStyle/>
-            <a:p>
-              <a:endParaRPr lang="fr-CA" dirty="0"/>
-            </a:p>
-          </p:txBody>
-        </p:sp>
-      </p:grpSp>
-    </p:spTree>
-    <p:extLst>
-      <p:ext uri="{BB962C8B-B14F-4D97-AF65-F5344CB8AC3E}">
-        <p14:creationId xmlns:p14="http://schemas.microsoft.com/office/powerpoint/2010/main" val="2493014837"/>
-      </p:ext>
-    </p:extLst>
-  </p:cSld>
-  <p:clrMapOvr>
-    <a:masterClrMapping/>
-  </p:clrMapOvr>
-</p:sld>
-</file>
-
-<file path=ppt/slides/slide2.xml><?xml version="1.0" encoding="utf-8"?>
-<p:sld xmlns:a="http://schemas.openxmlformats.org/drawingml/2006/main" xmlns:r="http://schemas.openxmlformats.org/officeDocument/2006/relationships" xmlns:p="http://schemas.openxmlformats.org/presentationml/2006/main">
-  <p:cSld>
-    <p:bg>
-      <p:bgPr>
-        <a:solidFill>
-          <a:srgbClr val="444444"/>
-        </a:solidFill>
-        <a:effectLst/>
-      </p:bgPr>
-    </p:bg>
-    <p:spTree>
-      <p:nvGrpSpPr>
         <p:cNvPr id="1" name="">
           <a:extLst>
             <a:ext uri="{FF2B5EF4-FFF2-40B4-BE49-F238E27FC236}">
@@ -4152,7 +3378,7 @@
         </p:nvSpPr>
         <p:spPr>
           <a:xfrm>
-            <a:off x="580104" y="1690688"/>
+            <a:off x="490601" y="295196"/>
             <a:ext cx="1440000" cy="1440000"/>
           </a:xfrm>
           <a:prstGeom prst="rect">
@@ -4206,7 +3432,7 @@
         </p:nvSpPr>
         <p:spPr>
           <a:xfrm>
-            <a:off x="2696360" y="1735196"/>
+            <a:off x="2280239" y="333277"/>
             <a:ext cx="1440000" cy="1440000"/>
           </a:xfrm>
           <a:prstGeom prst="rect">
@@ -4258,7 +3484,7 @@
         </p:nvGrpSpPr>
         <p:grpSpPr>
           <a:xfrm>
-            <a:off x="10482086" y="270275"/>
+            <a:off x="6966673" y="1924634"/>
             <a:ext cx="1080000" cy="1080000"/>
             <a:chOff x="8491670" y="3710070"/>
             <a:chExt cx="1080000" cy="1080000"/>
@@ -4473,7 +3699,7 @@
         </p:nvGrpSpPr>
         <p:grpSpPr>
           <a:xfrm>
-            <a:off x="9462443" y="156414"/>
+            <a:off x="3228671" y="1966589"/>
             <a:ext cx="704791" cy="1078575"/>
             <a:chOff x="3060759" y="2067817"/>
             <a:chExt cx="485497" cy="742979"/>
@@ -4698,7 +3924,7 @@
         </p:nvSpPr>
         <p:spPr>
           <a:xfrm>
-            <a:off x="5240037" y="1234989"/>
+            <a:off x="4132182" y="1830434"/>
             <a:ext cx="1309732" cy="1296000"/>
           </a:xfrm>
           <a:custGeom>
@@ -5018,7 +4244,7 @@
         </p:nvGrpSpPr>
         <p:grpSpPr>
           <a:xfrm>
-            <a:off x="7557661" y="1879952"/>
+            <a:off x="5686578" y="1936348"/>
             <a:ext cx="818844" cy="1056573"/>
             <a:chOff x="7639356" y="1399046"/>
             <a:chExt cx="1671791" cy="2157150"/>
@@ -5492,13 +4718,15 @@
               </a:ext>
             </a:extLst>
           </p:cNvPr>
-          <p:cNvSpPr txBox="1"/>
+          <p:cNvSpPr txBox="1">
+            <a:spLocks noChangeAspect="1"/>
+          </p:cNvSpPr>
           <p:nvPr/>
         </p:nvSpPr>
         <p:spPr>
           <a:xfrm>
-            <a:off x="5513962" y="3354308"/>
-            <a:ext cx="569082" cy="1235720"/>
+            <a:off x="10167235" y="2016376"/>
+            <a:ext cx="497369" cy="1080000"/>
           </a:xfrm>
           <a:custGeom>
             <a:avLst/>
@@ -5632,160 +4860,6 @@
           </a:p>
         </p:txBody>
       </p:sp>
-      <p:sp>
-        <p:nvSpPr>
-          <p:cNvPr id="10" name="Freeform: Shape 9">
-            <a:extLst>
-              <a:ext uri="{FF2B5EF4-FFF2-40B4-BE49-F238E27FC236}">
-                <a16:creationId xmlns:a16="http://schemas.microsoft.com/office/drawing/2014/main" id="{C4243FB3-25BE-A057-A83D-8FE765E0CF86}"/>
-              </a:ext>
-            </a:extLst>
-          </p:cNvPr>
-          <p:cNvSpPr/>
-          <p:nvPr/>
-        </p:nvSpPr>
-        <p:spPr>
-          <a:xfrm>
-            <a:off x="7661902" y="3381618"/>
-            <a:ext cx="666750" cy="504834"/>
-          </a:xfrm>
-          <a:custGeom>
-            <a:avLst/>
-            <a:gdLst>
-              <a:gd name="csX0" fmla="*/ 189548 w 666750"/>
-              <a:gd name="csY0" fmla="*/ 161925 h 504834"/>
-              <a:gd name="csX1" fmla="*/ 666750 w 666750"/>
-              <a:gd name="csY1" fmla="*/ 161925 h 504834"/>
-              <a:gd name="csX2" fmla="*/ 666750 w 666750"/>
-              <a:gd name="csY2" fmla="*/ 114300 h 504834"/>
-              <a:gd name="csX3" fmla="*/ 628650 w 666750"/>
-              <a:gd name="csY3" fmla="*/ 76200 h 504834"/>
-              <a:gd name="csX4" fmla="*/ 342900 w 666750"/>
-              <a:gd name="csY4" fmla="*/ 76200 h 504834"/>
-              <a:gd name="csX5" fmla="*/ 238125 w 666750"/>
-              <a:gd name="csY5" fmla="*/ 6668 h 504834"/>
-              <a:gd name="csX6" fmla="*/ 217170 w 666750"/>
-              <a:gd name="csY6" fmla="*/ 0 h 504834"/>
-              <a:gd name="csX7" fmla="*/ 38100 w 666750"/>
-              <a:gd name="csY7" fmla="*/ 0 h 504834"/>
-              <a:gd name="csX8" fmla="*/ 0 w 666750"/>
-              <a:gd name="csY8" fmla="*/ 38100 h 504834"/>
-              <a:gd name="csX9" fmla="*/ 0 w 666750"/>
-              <a:gd name="csY9" fmla="*/ 504825 h 504834"/>
-              <a:gd name="csX10" fmla="*/ 122873 w 666750"/>
-              <a:gd name="csY10" fmla="*/ 206693 h 504834"/>
-              <a:gd name="csX11" fmla="*/ 189548 w 666750"/>
-              <a:gd name="csY11" fmla="*/ 161925 h 504834"/>
-            </a:gdLst>
-            <a:ahLst/>
-            <a:cxnLst>
-              <a:cxn ang="0">
-                <a:pos x="csX0" y="csY0"/>
-              </a:cxn>
-              <a:cxn ang="0">
-                <a:pos x="csX1" y="csY1"/>
-              </a:cxn>
-              <a:cxn ang="0">
-                <a:pos x="csX2" y="csY2"/>
-              </a:cxn>
-              <a:cxn ang="0">
-                <a:pos x="csX3" y="csY3"/>
-              </a:cxn>
-              <a:cxn ang="0">
-                <a:pos x="csX4" y="csY4"/>
-              </a:cxn>
-              <a:cxn ang="0">
-                <a:pos x="csX5" y="csY5"/>
-              </a:cxn>
-              <a:cxn ang="0">
-                <a:pos x="csX6" y="csY6"/>
-              </a:cxn>
-              <a:cxn ang="0">
-                <a:pos x="csX7" y="csY7"/>
-              </a:cxn>
-              <a:cxn ang="0">
-                <a:pos x="csX8" y="csY8"/>
-              </a:cxn>
-              <a:cxn ang="0">
-                <a:pos x="csX9" y="csY9"/>
-              </a:cxn>
-              <a:cxn ang="0">
-                <a:pos x="csX10" y="csY10"/>
-              </a:cxn>
-              <a:cxn ang="0">
-                <a:pos x="csX11" y="csY11"/>
-              </a:cxn>
-            </a:cxnLst>
-            <a:rect l="l" t="t" r="r" b="b"/>
-            <a:pathLst>
-              <a:path w="666750" h="504834">
-                <a:moveTo>
-                  <a:pt x="189548" y="161925"/>
-                </a:moveTo>
-                <a:lnTo>
-                  <a:pt x="666750" y="161925"/>
-                </a:lnTo>
-                <a:lnTo>
-                  <a:pt x="666750" y="114300"/>
-                </a:lnTo>
-                <a:cubicBezTo>
-                  <a:pt x="666750" y="93345"/>
-                  <a:pt x="649605" y="76200"/>
-                  <a:pt x="628650" y="76200"/>
-                </a:cubicBezTo>
-                <a:lnTo>
-                  <a:pt x="342900" y="76200"/>
-                </a:lnTo>
-                <a:lnTo>
-                  <a:pt x="238125" y="6668"/>
-                </a:lnTo>
-                <a:cubicBezTo>
-                  <a:pt x="231458" y="2857"/>
-                  <a:pt x="224790" y="0"/>
-                  <a:pt x="217170" y="0"/>
-                </a:cubicBezTo>
-                <a:lnTo>
-                  <a:pt x="38100" y="0"/>
-                </a:lnTo>
-                <a:cubicBezTo>
-                  <a:pt x="17145" y="0"/>
-                  <a:pt x="0" y="17145"/>
-                  <a:pt x="0" y="38100"/>
-                </a:cubicBezTo>
-                <a:lnTo>
-                  <a:pt x="0" y="504825"/>
-                </a:lnTo>
-                <a:cubicBezTo>
-                  <a:pt x="0" y="506730"/>
-                  <a:pt x="122873" y="206693"/>
-                  <a:pt x="122873" y="206693"/>
-                </a:cubicBezTo>
-                <a:cubicBezTo>
-                  <a:pt x="134303" y="180023"/>
-                  <a:pt x="160020" y="161925"/>
-                  <a:pt x="189548" y="161925"/>
-                </a:cubicBezTo>
-                <a:close/>
-              </a:path>
-            </a:pathLst>
-          </a:custGeom>
-          <a:solidFill>
-            <a:srgbClr val="333333"/>
-          </a:solidFill>
-          <a:ln w="9525" cap="flat">
-            <a:noFill/>
-            <a:prstDash val="solid"/>
-            <a:miter/>
-          </a:ln>
-        </p:spPr>
-        <p:txBody>
-          <a:bodyPr/>
-          <a:lstStyle/>
-          <a:p>
-            <a:endParaRPr lang="fr-CA"/>
-          </a:p>
-        </p:txBody>
-      </p:sp>
       <p:grpSp>
         <p:nvGrpSpPr>
           <p:cNvPr id="66" name="Group 65">
@@ -5800,7 +4874,7 @@
         </p:nvGrpSpPr>
         <p:grpSpPr>
           <a:xfrm>
-            <a:off x="3000239" y="3757786"/>
+            <a:off x="692589" y="2253024"/>
             <a:ext cx="832242" cy="832242"/>
             <a:chOff x="1611721" y="3648318"/>
             <a:chExt cx="2440062" cy="2440062"/>
@@ -6189,841 +5263,6 @@
           </p:txBody>
         </p:sp>
       </p:grpSp>
-      <p:sp>
-        <p:nvSpPr>
-          <p:cNvPr id="7" name="Freeform: Shape 6">
-            <a:extLst>
-              <a:ext uri="{FF2B5EF4-FFF2-40B4-BE49-F238E27FC236}">
-                <a16:creationId xmlns:a16="http://schemas.microsoft.com/office/drawing/2014/main" id="{891C271F-9945-7BC7-C812-63BB9082D64B}"/>
-              </a:ext>
-            </a:extLst>
-          </p:cNvPr>
-          <p:cNvSpPr/>
-          <p:nvPr/>
-        </p:nvSpPr>
-        <p:spPr>
-          <a:xfrm>
-            <a:off x="7086915" y="4637381"/>
-            <a:ext cx="666750" cy="504834"/>
-          </a:xfrm>
-          <a:custGeom>
-            <a:avLst/>
-            <a:gdLst>
-              <a:gd name="csX0" fmla="*/ 189548 w 666750"/>
-              <a:gd name="csY0" fmla="*/ 161925 h 504834"/>
-              <a:gd name="csX1" fmla="*/ 666750 w 666750"/>
-              <a:gd name="csY1" fmla="*/ 161925 h 504834"/>
-              <a:gd name="csX2" fmla="*/ 666750 w 666750"/>
-              <a:gd name="csY2" fmla="*/ 114300 h 504834"/>
-              <a:gd name="csX3" fmla="*/ 628650 w 666750"/>
-              <a:gd name="csY3" fmla="*/ 76200 h 504834"/>
-              <a:gd name="csX4" fmla="*/ 342900 w 666750"/>
-              <a:gd name="csY4" fmla="*/ 76200 h 504834"/>
-              <a:gd name="csX5" fmla="*/ 238125 w 666750"/>
-              <a:gd name="csY5" fmla="*/ 6668 h 504834"/>
-              <a:gd name="csX6" fmla="*/ 217170 w 666750"/>
-              <a:gd name="csY6" fmla="*/ 0 h 504834"/>
-              <a:gd name="csX7" fmla="*/ 38100 w 666750"/>
-              <a:gd name="csY7" fmla="*/ 0 h 504834"/>
-              <a:gd name="csX8" fmla="*/ 0 w 666750"/>
-              <a:gd name="csY8" fmla="*/ 38100 h 504834"/>
-              <a:gd name="csX9" fmla="*/ 0 w 666750"/>
-              <a:gd name="csY9" fmla="*/ 504825 h 504834"/>
-              <a:gd name="csX10" fmla="*/ 122873 w 666750"/>
-              <a:gd name="csY10" fmla="*/ 206693 h 504834"/>
-              <a:gd name="csX11" fmla="*/ 189548 w 666750"/>
-              <a:gd name="csY11" fmla="*/ 161925 h 504834"/>
-            </a:gdLst>
-            <a:ahLst/>
-            <a:cxnLst>
-              <a:cxn ang="0">
-                <a:pos x="csX0" y="csY0"/>
-              </a:cxn>
-              <a:cxn ang="0">
-                <a:pos x="csX1" y="csY1"/>
-              </a:cxn>
-              <a:cxn ang="0">
-                <a:pos x="csX2" y="csY2"/>
-              </a:cxn>
-              <a:cxn ang="0">
-                <a:pos x="csX3" y="csY3"/>
-              </a:cxn>
-              <a:cxn ang="0">
-                <a:pos x="csX4" y="csY4"/>
-              </a:cxn>
-              <a:cxn ang="0">
-                <a:pos x="csX5" y="csY5"/>
-              </a:cxn>
-              <a:cxn ang="0">
-                <a:pos x="csX6" y="csY6"/>
-              </a:cxn>
-              <a:cxn ang="0">
-                <a:pos x="csX7" y="csY7"/>
-              </a:cxn>
-              <a:cxn ang="0">
-                <a:pos x="csX8" y="csY8"/>
-              </a:cxn>
-              <a:cxn ang="0">
-                <a:pos x="csX9" y="csY9"/>
-              </a:cxn>
-              <a:cxn ang="0">
-                <a:pos x="csX10" y="csY10"/>
-              </a:cxn>
-              <a:cxn ang="0">
-                <a:pos x="csX11" y="csY11"/>
-              </a:cxn>
-            </a:cxnLst>
-            <a:rect l="l" t="t" r="r" b="b"/>
-            <a:pathLst>
-              <a:path w="666750" h="504834">
-                <a:moveTo>
-                  <a:pt x="189548" y="161925"/>
-                </a:moveTo>
-                <a:lnTo>
-                  <a:pt x="666750" y="161925"/>
-                </a:lnTo>
-                <a:lnTo>
-                  <a:pt x="666750" y="114300"/>
-                </a:lnTo>
-                <a:cubicBezTo>
-                  <a:pt x="666750" y="93345"/>
-                  <a:pt x="649605" y="76200"/>
-                  <a:pt x="628650" y="76200"/>
-                </a:cubicBezTo>
-                <a:lnTo>
-                  <a:pt x="342900" y="76200"/>
-                </a:lnTo>
-                <a:lnTo>
-                  <a:pt x="238125" y="6668"/>
-                </a:lnTo>
-                <a:cubicBezTo>
-                  <a:pt x="231458" y="2857"/>
-                  <a:pt x="224790" y="0"/>
-                  <a:pt x="217170" y="0"/>
-                </a:cubicBezTo>
-                <a:lnTo>
-                  <a:pt x="38100" y="0"/>
-                </a:lnTo>
-                <a:cubicBezTo>
-                  <a:pt x="17145" y="0"/>
-                  <a:pt x="0" y="17145"/>
-                  <a:pt x="0" y="38100"/>
-                </a:cubicBezTo>
-                <a:lnTo>
-                  <a:pt x="0" y="504825"/>
-                </a:lnTo>
-                <a:cubicBezTo>
-                  <a:pt x="0" y="506730"/>
-                  <a:pt x="122873" y="206693"/>
-                  <a:pt x="122873" y="206693"/>
-                </a:cubicBezTo>
-                <a:cubicBezTo>
-                  <a:pt x="134303" y="180023"/>
-                  <a:pt x="160020" y="161925"/>
-                  <a:pt x="189548" y="161925"/>
-                </a:cubicBezTo>
-                <a:close/>
-              </a:path>
-            </a:pathLst>
-          </a:custGeom>
-          <a:solidFill>
-            <a:srgbClr val="000000"/>
-          </a:solidFill>
-          <a:ln w="9525" cap="flat">
-            <a:noFill/>
-            <a:prstDash val="solid"/>
-            <a:miter/>
-          </a:ln>
-        </p:spPr>
-        <p:txBody>
-          <a:bodyPr/>
-          <a:lstStyle/>
-          <a:p>
-            <a:endParaRPr lang="fr-CA"/>
-          </a:p>
-        </p:txBody>
-      </p:sp>
-      <p:sp>
-        <p:nvSpPr>
-          <p:cNvPr id="8" name="Freeform: Shape 7">
-            <a:extLst>
-              <a:ext uri="{FF2B5EF4-FFF2-40B4-BE49-F238E27FC236}">
-                <a16:creationId xmlns:a16="http://schemas.microsoft.com/office/drawing/2014/main" id="{FD4B82A8-5073-305E-832B-D66B26ADEB32}"/>
-              </a:ext>
-            </a:extLst>
-          </p:cNvPr>
-          <p:cNvSpPr/>
-          <p:nvPr/>
-        </p:nvSpPr>
-        <p:spPr>
-          <a:xfrm>
-            <a:off x="7115490" y="4837406"/>
-            <a:ext cx="714375" cy="333375"/>
-          </a:xfrm>
-          <a:custGeom>
-            <a:avLst/>
-            <a:gdLst>
-              <a:gd name="csX0" fmla="*/ 714375 w 714375"/>
-              <a:gd name="csY0" fmla="*/ 38100 h 333375"/>
-              <a:gd name="csX1" fmla="*/ 680085 w 714375"/>
-              <a:gd name="csY1" fmla="*/ 0 h 333375"/>
-              <a:gd name="csX2" fmla="*/ 160973 w 714375"/>
-              <a:gd name="csY2" fmla="*/ 0 h 333375"/>
-              <a:gd name="csX3" fmla="*/ 128588 w 714375"/>
-              <a:gd name="csY3" fmla="*/ 20955 h 333375"/>
-              <a:gd name="csX4" fmla="*/ 0 w 714375"/>
-              <a:gd name="csY4" fmla="*/ 333375 h 333375"/>
-              <a:gd name="csX5" fmla="*/ 581025 w 714375"/>
-              <a:gd name="csY5" fmla="*/ 333375 h 333375"/>
-              <a:gd name="csX6" fmla="*/ 710565 w 714375"/>
-              <a:gd name="csY6" fmla="*/ 55245 h 333375"/>
-              <a:gd name="csX7" fmla="*/ 714375 w 714375"/>
-              <a:gd name="csY7" fmla="*/ 38100 h 333375"/>
-              <a:gd name="csX8" fmla="*/ 714375 w 714375"/>
-              <a:gd name="csY8" fmla="*/ 38100 h 333375"/>
-            </a:gdLst>
-            <a:ahLst/>
-            <a:cxnLst>
-              <a:cxn ang="0">
-                <a:pos x="csX0" y="csY0"/>
-              </a:cxn>
-              <a:cxn ang="0">
-                <a:pos x="csX1" y="csY1"/>
-              </a:cxn>
-              <a:cxn ang="0">
-                <a:pos x="csX2" y="csY2"/>
-              </a:cxn>
-              <a:cxn ang="0">
-                <a:pos x="csX3" y="csY3"/>
-              </a:cxn>
-              <a:cxn ang="0">
-                <a:pos x="csX4" y="csY4"/>
-              </a:cxn>
-              <a:cxn ang="0">
-                <a:pos x="csX5" y="csY5"/>
-              </a:cxn>
-              <a:cxn ang="0">
-                <a:pos x="csX6" y="csY6"/>
-              </a:cxn>
-              <a:cxn ang="0">
-                <a:pos x="csX7" y="csY7"/>
-              </a:cxn>
-              <a:cxn ang="0">
-                <a:pos x="csX8" y="csY8"/>
-              </a:cxn>
-            </a:cxnLst>
-            <a:rect l="l" t="t" r="r" b="b"/>
-            <a:pathLst>
-              <a:path w="714375" h="333375">
-                <a:moveTo>
-                  <a:pt x="714375" y="38100"/>
-                </a:moveTo>
-                <a:cubicBezTo>
-                  <a:pt x="714375" y="18098"/>
-                  <a:pt x="700088" y="1905"/>
-                  <a:pt x="680085" y="0"/>
-                </a:cubicBezTo>
-                <a:lnTo>
-                  <a:pt x="160973" y="0"/>
-                </a:lnTo>
-                <a:cubicBezTo>
-                  <a:pt x="146685" y="0"/>
-                  <a:pt x="134303" y="8573"/>
-                  <a:pt x="128588" y="20955"/>
-                </a:cubicBezTo>
-                <a:lnTo>
-                  <a:pt x="0" y="333375"/>
-                </a:lnTo>
-                <a:lnTo>
-                  <a:pt x="581025" y="333375"/>
-                </a:lnTo>
-                <a:lnTo>
-                  <a:pt x="710565" y="55245"/>
-                </a:lnTo>
-                <a:cubicBezTo>
-                  <a:pt x="713423" y="49530"/>
-                  <a:pt x="714375" y="43815"/>
-                  <a:pt x="714375" y="38100"/>
-                </a:cubicBezTo>
-                <a:lnTo>
-                  <a:pt x="714375" y="38100"/>
-                </a:lnTo>
-                <a:close/>
-              </a:path>
-            </a:pathLst>
-          </a:custGeom>
-          <a:solidFill>
-            <a:srgbClr val="000000"/>
-          </a:solidFill>
-          <a:ln w="9525" cap="flat">
-            <a:noFill/>
-            <a:prstDash val="solid"/>
-            <a:miter/>
-          </a:ln>
-        </p:spPr>
-        <p:txBody>
-          <a:bodyPr/>
-          <a:lstStyle/>
-          <a:p>
-            <a:endParaRPr lang="fr-CA"/>
-          </a:p>
-        </p:txBody>
-      </p:sp>
-      <p:sp>
-        <p:nvSpPr>
-          <p:cNvPr id="12" name="Freeform: Shape 11">
-            <a:extLst>
-              <a:ext uri="{FF2B5EF4-FFF2-40B4-BE49-F238E27FC236}">
-                <a16:creationId xmlns:a16="http://schemas.microsoft.com/office/drawing/2014/main" id="{35366BD2-A06E-E735-61DA-A86316B3E372}"/>
-              </a:ext>
-            </a:extLst>
-          </p:cNvPr>
-          <p:cNvSpPr/>
-          <p:nvPr/>
-        </p:nvSpPr>
-        <p:spPr>
-          <a:xfrm>
-            <a:off x="7652377" y="3553077"/>
-            <a:ext cx="714375" cy="333375"/>
-          </a:xfrm>
-          <a:custGeom>
-            <a:avLst/>
-            <a:gdLst>
-              <a:gd name="csX0" fmla="*/ 714375 w 714375"/>
-              <a:gd name="csY0" fmla="*/ 38100 h 333375"/>
-              <a:gd name="csX1" fmla="*/ 680085 w 714375"/>
-              <a:gd name="csY1" fmla="*/ 0 h 333375"/>
-              <a:gd name="csX2" fmla="*/ 160973 w 714375"/>
-              <a:gd name="csY2" fmla="*/ 0 h 333375"/>
-              <a:gd name="csX3" fmla="*/ 128588 w 714375"/>
-              <a:gd name="csY3" fmla="*/ 20955 h 333375"/>
-              <a:gd name="csX4" fmla="*/ 0 w 714375"/>
-              <a:gd name="csY4" fmla="*/ 333375 h 333375"/>
-              <a:gd name="csX5" fmla="*/ 581025 w 714375"/>
-              <a:gd name="csY5" fmla="*/ 333375 h 333375"/>
-              <a:gd name="csX6" fmla="*/ 710565 w 714375"/>
-              <a:gd name="csY6" fmla="*/ 55245 h 333375"/>
-              <a:gd name="csX7" fmla="*/ 714375 w 714375"/>
-              <a:gd name="csY7" fmla="*/ 38100 h 333375"/>
-              <a:gd name="csX8" fmla="*/ 714375 w 714375"/>
-              <a:gd name="csY8" fmla="*/ 38100 h 333375"/>
-            </a:gdLst>
-            <a:ahLst/>
-            <a:cxnLst>
-              <a:cxn ang="0">
-                <a:pos x="csX0" y="csY0"/>
-              </a:cxn>
-              <a:cxn ang="0">
-                <a:pos x="csX1" y="csY1"/>
-              </a:cxn>
-              <a:cxn ang="0">
-                <a:pos x="csX2" y="csY2"/>
-              </a:cxn>
-              <a:cxn ang="0">
-                <a:pos x="csX3" y="csY3"/>
-              </a:cxn>
-              <a:cxn ang="0">
-                <a:pos x="csX4" y="csY4"/>
-              </a:cxn>
-              <a:cxn ang="0">
-                <a:pos x="csX5" y="csY5"/>
-              </a:cxn>
-              <a:cxn ang="0">
-                <a:pos x="csX6" y="csY6"/>
-              </a:cxn>
-              <a:cxn ang="0">
-                <a:pos x="csX7" y="csY7"/>
-              </a:cxn>
-              <a:cxn ang="0">
-                <a:pos x="csX8" y="csY8"/>
-              </a:cxn>
-            </a:cxnLst>
-            <a:rect l="l" t="t" r="r" b="b"/>
-            <a:pathLst>
-              <a:path w="714375" h="333375">
-                <a:moveTo>
-                  <a:pt x="714375" y="38100"/>
-                </a:moveTo>
-                <a:cubicBezTo>
-                  <a:pt x="714375" y="18098"/>
-                  <a:pt x="700088" y="1905"/>
-                  <a:pt x="680085" y="0"/>
-                </a:cubicBezTo>
-                <a:lnTo>
-                  <a:pt x="160973" y="0"/>
-                </a:lnTo>
-                <a:cubicBezTo>
-                  <a:pt x="146685" y="0"/>
-                  <a:pt x="134303" y="8573"/>
-                  <a:pt x="128588" y="20955"/>
-                </a:cubicBezTo>
-                <a:lnTo>
-                  <a:pt x="0" y="333375"/>
-                </a:lnTo>
-                <a:lnTo>
-                  <a:pt x="581025" y="333375"/>
-                </a:lnTo>
-                <a:lnTo>
-                  <a:pt x="710565" y="55245"/>
-                </a:lnTo>
-                <a:cubicBezTo>
-                  <a:pt x="713423" y="49530"/>
-                  <a:pt x="714375" y="43815"/>
-                  <a:pt x="714375" y="38100"/>
-                </a:cubicBezTo>
-                <a:lnTo>
-                  <a:pt x="714375" y="38100"/>
-                </a:lnTo>
-                <a:close/>
-              </a:path>
-            </a:pathLst>
-          </a:custGeom>
-          <a:solidFill>
-            <a:srgbClr val="FFFFFF"/>
-          </a:solidFill>
-          <a:ln w="9525" cap="flat">
-            <a:noFill/>
-            <a:prstDash val="solid"/>
-            <a:miter/>
-          </a:ln>
-        </p:spPr>
-        <p:txBody>
-          <a:bodyPr/>
-          <a:lstStyle/>
-          <a:p>
-            <a:endParaRPr lang="fr-CA"/>
-          </a:p>
-        </p:txBody>
-      </p:sp>
-      <p:sp>
-        <p:nvSpPr>
-          <p:cNvPr id="11" name="Freeform: Shape 10">
-            <a:extLst>
-              <a:ext uri="{FF2B5EF4-FFF2-40B4-BE49-F238E27FC236}">
-                <a16:creationId xmlns:a16="http://schemas.microsoft.com/office/drawing/2014/main" id="{4BF8CBDB-BF99-0EC1-041D-46821D3A201B}"/>
-              </a:ext>
-            </a:extLst>
-          </p:cNvPr>
-          <p:cNvSpPr/>
-          <p:nvPr/>
-        </p:nvSpPr>
-        <p:spPr>
-          <a:xfrm>
-            <a:off x="7690477" y="3581643"/>
-            <a:ext cx="714375" cy="333375"/>
-          </a:xfrm>
-          <a:custGeom>
-            <a:avLst/>
-            <a:gdLst>
-              <a:gd name="csX0" fmla="*/ 714375 w 714375"/>
-              <a:gd name="csY0" fmla="*/ 38100 h 333375"/>
-              <a:gd name="csX1" fmla="*/ 680085 w 714375"/>
-              <a:gd name="csY1" fmla="*/ 0 h 333375"/>
-              <a:gd name="csX2" fmla="*/ 160973 w 714375"/>
-              <a:gd name="csY2" fmla="*/ 0 h 333375"/>
-              <a:gd name="csX3" fmla="*/ 128588 w 714375"/>
-              <a:gd name="csY3" fmla="*/ 20955 h 333375"/>
-              <a:gd name="csX4" fmla="*/ 0 w 714375"/>
-              <a:gd name="csY4" fmla="*/ 333375 h 333375"/>
-              <a:gd name="csX5" fmla="*/ 581025 w 714375"/>
-              <a:gd name="csY5" fmla="*/ 333375 h 333375"/>
-              <a:gd name="csX6" fmla="*/ 710565 w 714375"/>
-              <a:gd name="csY6" fmla="*/ 55245 h 333375"/>
-              <a:gd name="csX7" fmla="*/ 714375 w 714375"/>
-              <a:gd name="csY7" fmla="*/ 38100 h 333375"/>
-              <a:gd name="csX8" fmla="*/ 714375 w 714375"/>
-              <a:gd name="csY8" fmla="*/ 38100 h 333375"/>
-            </a:gdLst>
-            <a:ahLst/>
-            <a:cxnLst>
-              <a:cxn ang="0">
-                <a:pos x="csX0" y="csY0"/>
-              </a:cxn>
-              <a:cxn ang="0">
-                <a:pos x="csX1" y="csY1"/>
-              </a:cxn>
-              <a:cxn ang="0">
-                <a:pos x="csX2" y="csY2"/>
-              </a:cxn>
-              <a:cxn ang="0">
-                <a:pos x="csX3" y="csY3"/>
-              </a:cxn>
-              <a:cxn ang="0">
-                <a:pos x="csX4" y="csY4"/>
-              </a:cxn>
-              <a:cxn ang="0">
-                <a:pos x="csX5" y="csY5"/>
-              </a:cxn>
-              <a:cxn ang="0">
-                <a:pos x="csX6" y="csY6"/>
-              </a:cxn>
-              <a:cxn ang="0">
-                <a:pos x="csX7" y="csY7"/>
-              </a:cxn>
-              <a:cxn ang="0">
-                <a:pos x="csX8" y="csY8"/>
-              </a:cxn>
-            </a:cxnLst>
-            <a:rect l="l" t="t" r="r" b="b"/>
-            <a:pathLst>
-              <a:path w="714375" h="333375">
-                <a:moveTo>
-                  <a:pt x="714375" y="38100"/>
-                </a:moveTo>
-                <a:cubicBezTo>
-                  <a:pt x="714375" y="18098"/>
-                  <a:pt x="700088" y="1905"/>
-                  <a:pt x="680085" y="0"/>
-                </a:cubicBezTo>
-                <a:lnTo>
-                  <a:pt x="160973" y="0"/>
-                </a:lnTo>
-                <a:cubicBezTo>
-                  <a:pt x="146685" y="0"/>
-                  <a:pt x="134303" y="8573"/>
-                  <a:pt x="128588" y="20955"/>
-                </a:cubicBezTo>
-                <a:lnTo>
-                  <a:pt x="0" y="333375"/>
-                </a:lnTo>
-                <a:lnTo>
-                  <a:pt x="581025" y="333375"/>
-                </a:lnTo>
-                <a:lnTo>
-                  <a:pt x="710565" y="55245"/>
-                </a:lnTo>
-                <a:cubicBezTo>
-                  <a:pt x="713423" y="49530"/>
-                  <a:pt x="714375" y="43815"/>
-                  <a:pt x="714375" y="38100"/>
-                </a:cubicBezTo>
-                <a:lnTo>
-                  <a:pt x="714375" y="38100"/>
-                </a:lnTo>
-                <a:close/>
-              </a:path>
-            </a:pathLst>
-          </a:custGeom>
-          <a:solidFill>
-            <a:srgbClr val="999999"/>
-          </a:solidFill>
-          <a:ln w="9525" cap="flat">
-            <a:noFill/>
-            <a:prstDash val="solid"/>
-            <a:miter/>
-          </a:ln>
-        </p:spPr>
-        <p:txBody>
-          <a:bodyPr/>
-          <a:lstStyle/>
-          <a:p>
-            <a:endParaRPr lang="fr-CA"/>
-          </a:p>
-        </p:txBody>
-      </p:sp>
-      <p:grpSp>
-        <p:nvGrpSpPr>
-          <p:cNvPr id="16" name="Group 15">
-            <a:extLst>
-              <a:ext uri="{FF2B5EF4-FFF2-40B4-BE49-F238E27FC236}">
-                <a16:creationId xmlns:a16="http://schemas.microsoft.com/office/drawing/2014/main" id="{A116056B-E9C2-6557-80DD-7169BC56A8B3}"/>
-              </a:ext>
-            </a:extLst>
-          </p:cNvPr>
-          <p:cNvGrpSpPr>
-            <a:grpSpLocks noChangeAspect="1"/>
-          </p:cNvGrpSpPr>
-          <p:nvPr/>
-        </p:nvGrpSpPr>
-        <p:grpSpPr>
-          <a:xfrm>
-            <a:off x="9293195" y="2690125"/>
-            <a:ext cx="1080000" cy="775385"/>
-            <a:chOff x="3477276" y="354071"/>
-            <a:chExt cx="7480273" cy="5370453"/>
-          </a:xfrm>
-        </p:grpSpPr>
-        <p:sp>
-          <p:nvSpPr>
-            <p:cNvPr id="17" name="Freeform: Shape 16">
-              <a:extLst>
-                <a:ext uri="{FF2B5EF4-FFF2-40B4-BE49-F238E27FC236}">
-                  <a16:creationId xmlns:a16="http://schemas.microsoft.com/office/drawing/2014/main" id="{63A3F379-ADE8-C1F1-CF1A-8C34F73418B0}"/>
-                </a:ext>
-              </a:extLst>
-            </p:cNvPr>
-            <p:cNvSpPr/>
-            <p:nvPr/>
-          </p:nvSpPr>
-          <p:spPr>
-            <a:xfrm>
-              <a:off x="3477276" y="354071"/>
-              <a:ext cx="6713066" cy="5082841"/>
-            </a:xfrm>
-            <a:custGeom>
-              <a:avLst/>
-              <a:gdLst>
-                <a:gd name="csX0" fmla="*/ 189548 w 666750"/>
-                <a:gd name="csY0" fmla="*/ 161925 h 504834"/>
-                <a:gd name="csX1" fmla="*/ 666750 w 666750"/>
-                <a:gd name="csY1" fmla="*/ 161925 h 504834"/>
-                <a:gd name="csX2" fmla="*/ 666750 w 666750"/>
-                <a:gd name="csY2" fmla="*/ 114300 h 504834"/>
-                <a:gd name="csX3" fmla="*/ 628650 w 666750"/>
-                <a:gd name="csY3" fmla="*/ 76200 h 504834"/>
-                <a:gd name="csX4" fmla="*/ 342900 w 666750"/>
-                <a:gd name="csY4" fmla="*/ 76200 h 504834"/>
-                <a:gd name="csX5" fmla="*/ 238125 w 666750"/>
-                <a:gd name="csY5" fmla="*/ 6668 h 504834"/>
-                <a:gd name="csX6" fmla="*/ 217170 w 666750"/>
-                <a:gd name="csY6" fmla="*/ 0 h 504834"/>
-                <a:gd name="csX7" fmla="*/ 38100 w 666750"/>
-                <a:gd name="csY7" fmla="*/ 0 h 504834"/>
-                <a:gd name="csX8" fmla="*/ 0 w 666750"/>
-                <a:gd name="csY8" fmla="*/ 38100 h 504834"/>
-                <a:gd name="csX9" fmla="*/ 0 w 666750"/>
-                <a:gd name="csY9" fmla="*/ 504825 h 504834"/>
-                <a:gd name="csX10" fmla="*/ 122873 w 666750"/>
-                <a:gd name="csY10" fmla="*/ 206693 h 504834"/>
-                <a:gd name="csX11" fmla="*/ 189548 w 666750"/>
-                <a:gd name="csY11" fmla="*/ 161925 h 504834"/>
-              </a:gdLst>
-              <a:ahLst/>
-              <a:cxnLst>
-                <a:cxn ang="0">
-                  <a:pos x="csX0" y="csY0"/>
-                </a:cxn>
-                <a:cxn ang="0">
-                  <a:pos x="csX1" y="csY1"/>
-                </a:cxn>
-                <a:cxn ang="0">
-                  <a:pos x="csX2" y="csY2"/>
-                </a:cxn>
-                <a:cxn ang="0">
-                  <a:pos x="csX3" y="csY3"/>
-                </a:cxn>
-                <a:cxn ang="0">
-                  <a:pos x="csX4" y="csY4"/>
-                </a:cxn>
-                <a:cxn ang="0">
-                  <a:pos x="csX5" y="csY5"/>
-                </a:cxn>
-                <a:cxn ang="0">
-                  <a:pos x="csX6" y="csY6"/>
-                </a:cxn>
-                <a:cxn ang="0">
-                  <a:pos x="csX7" y="csY7"/>
-                </a:cxn>
-                <a:cxn ang="0">
-                  <a:pos x="csX8" y="csY8"/>
-                </a:cxn>
-                <a:cxn ang="0">
-                  <a:pos x="csX9" y="csY9"/>
-                </a:cxn>
-                <a:cxn ang="0">
-                  <a:pos x="csX10" y="csY10"/>
-                </a:cxn>
-                <a:cxn ang="0">
-                  <a:pos x="csX11" y="csY11"/>
-                </a:cxn>
-              </a:cxnLst>
-              <a:rect l="l" t="t" r="r" b="b"/>
-              <a:pathLst>
-                <a:path w="666750" h="504834">
-                  <a:moveTo>
-                    <a:pt x="189548" y="161925"/>
-                  </a:moveTo>
-                  <a:lnTo>
-                    <a:pt x="666750" y="161925"/>
-                  </a:lnTo>
-                  <a:lnTo>
-                    <a:pt x="666750" y="114300"/>
-                  </a:lnTo>
-                  <a:cubicBezTo>
-                    <a:pt x="666750" y="93345"/>
-                    <a:pt x="649605" y="76200"/>
-                    <a:pt x="628650" y="76200"/>
-                  </a:cubicBezTo>
-                  <a:lnTo>
-                    <a:pt x="342900" y="76200"/>
-                  </a:lnTo>
-                  <a:lnTo>
-                    <a:pt x="238125" y="6668"/>
-                  </a:lnTo>
-                  <a:cubicBezTo>
-                    <a:pt x="231458" y="2857"/>
-                    <a:pt x="224790" y="0"/>
-                    <a:pt x="217170" y="0"/>
-                  </a:cubicBezTo>
-                  <a:lnTo>
-                    <a:pt x="38100" y="0"/>
-                  </a:lnTo>
-                  <a:cubicBezTo>
-                    <a:pt x="17145" y="0"/>
-                    <a:pt x="0" y="17145"/>
-                    <a:pt x="0" y="38100"/>
-                  </a:cubicBezTo>
-                  <a:lnTo>
-                    <a:pt x="0" y="504825"/>
-                  </a:lnTo>
-                  <a:cubicBezTo>
-                    <a:pt x="0" y="506730"/>
-                    <a:pt x="122873" y="206693"/>
-                    <a:pt x="122873" y="206693"/>
-                  </a:cubicBezTo>
-                  <a:cubicBezTo>
-                    <a:pt x="134303" y="180023"/>
-                    <a:pt x="160020" y="161925"/>
-                    <a:pt x="189548" y="161925"/>
-                  </a:cubicBezTo>
-                  <a:close/>
-                </a:path>
-              </a:pathLst>
-            </a:custGeom>
-            <a:solidFill>
-              <a:srgbClr val="CCCCCC"/>
-            </a:solidFill>
-            <a:ln w="9525" cap="flat">
-              <a:noFill/>
-              <a:prstDash val="solid"/>
-              <a:miter/>
-            </a:ln>
-          </p:spPr>
-          <p:txBody>
-            <a:bodyPr/>
-            <a:lstStyle/>
-            <a:p>
-              <a:endParaRPr lang="fr-CA"/>
-            </a:p>
-          </p:txBody>
-        </p:sp>
-        <p:sp>
-          <p:nvSpPr>
-            <p:cNvPr id="18" name="Freeform: Shape 17">
-              <a:extLst>
-                <a:ext uri="{FF2B5EF4-FFF2-40B4-BE49-F238E27FC236}">
-                  <a16:creationId xmlns:a16="http://schemas.microsoft.com/office/drawing/2014/main" id="{62152F7B-3C4D-E2F8-909E-9837A5A87618}"/>
-                </a:ext>
-              </a:extLst>
-            </p:cNvPr>
-            <p:cNvSpPr/>
-            <p:nvPr/>
-          </p:nvSpPr>
-          <p:spPr>
-            <a:xfrm>
-              <a:off x="3764979" y="2367991"/>
-              <a:ext cx="7192570" cy="3356533"/>
-            </a:xfrm>
-            <a:custGeom>
-              <a:avLst/>
-              <a:gdLst>
-                <a:gd name="csX0" fmla="*/ 714375 w 714375"/>
-                <a:gd name="csY0" fmla="*/ 38100 h 333375"/>
-                <a:gd name="csX1" fmla="*/ 680085 w 714375"/>
-                <a:gd name="csY1" fmla="*/ 0 h 333375"/>
-                <a:gd name="csX2" fmla="*/ 160973 w 714375"/>
-                <a:gd name="csY2" fmla="*/ 0 h 333375"/>
-                <a:gd name="csX3" fmla="*/ 128588 w 714375"/>
-                <a:gd name="csY3" fmla="*/ 20955 h 333375"/>
-                <a:gd name="csX4" fmla="*/ 0 w 714375"/>
-                <a:gd name="csY4" fmla="*/ 333375 h 333375"/>
-                <a:gd name="csX5" fmla="*/ 581025 w 714375"/>
-                <a:gd name="csY5" fmla="*/ 333375 h 333375"/>
-                <a:gd name="csX6" fmla="*/ 710565 w 714375"/>
-                <a:gd name="csY6" fmla="*/ 55245 h 333375"/>
-                <a:gd name="csX7" fmla="*/ 714375 w 714375"/>
-                <a:gd name="csY7" fmla="*/ 38100 h 333375"/>
-                <a:gd name="csX8" fmla="*/ 714375 w 714375"/>
-                <a:gd name="csY8" fmla="*/ 38100 h 333375"/>
-              </a:gdLst>
-              <a:ahLst/>
-              <a:cxnLst>
-                <a:cxn ang="0">
-                  <a:pos x="csX0" y="csY0"/>
-                </a:cxn>
-                <a:cxn ang="0">
-                  <a:pos x="csX1" y="csY1"/>
-                </a:cxn>
-                <a:cxn ang="0">
-                  <a:pos x="csX2" y="csY2"/>
-                </a:cxn>
-                <a:cxn ang="0">
-                  <a:pos x="csX3" y="csY3"/>
-                </a:cxn>
-                <a:cxn ang="0">
-                  <a:pos x="csX4" y="csY4"/>
-                </a:cxn>
-                <a:cxn ang="0">
-                  <a:pos x="csX5" y="csY5"/>
-                </a:cxn>
-                <a:cxn ang="0">
-                  <a:pos x="csX6" y="csY6"/>
-                </a:cxn>
-                <a:cxn ang="0">
-                  <a:pos x="csX7" y="csY7"/>
-                </a:cxn>
-                <a:cxn ang="0">
-                  <a:pos x="csX8" y="csY8"/>
-                </a:cxn>
-              </a:cxnLst>
-              <a:rect l="l" t="t" r="r" b="b"/>
-              <a:pathLst>
-                <a:path w="714375" h="333375">
-                  <a:moveTo>
-                    <a:pt x="714375" y="38100"/>
-                  </a:moveTo>
-                  <a:cubicBezTo>
-                    <a:pt x="714375" y="18098"/>
-                    <a:pt x="700088" y="1905"/>
-                    <a:pt x="680085" y="0"/>
-                  </a:cubicBezTo>
-                  <a:lnTo>
-                    <a:pt x="160973" y="0"/>
-                  </a:lnTo>
-                  <a:cubicBezTo>
-                    <a:pt x="146685" y="0"/>
-                    <a:pt x="134303" y="8573"/>
-                    <a:pt x="128588" y="20955"/>
-                  </a:cubicBezTo>
-                  <a:lnTo>
-                    <a:pt x="0" y="333375"/>
-                  </a:lnTo>
-                  <a:lnTo>
-                    <a:pt x="581025" y="333375"/>
-                  </a:lnTo>
-                  <a:lnTo>
-                    <a:pt x="710565" y="55245"/>
-                  </a:lnTo>
-                  <a:cubicBezTo>
-                    <a:pt x="713423" y="49530"/>
-                    <a:pt x="714375" y="43815"/>
-                    <a:pt x="714375" y="38100"/>
-                  </a:cubicBezTo>
-                  <a:lnTo>
-                    <a:pt x="714375" y="38100"/>
-                  </a:lnTo>
-                  <a:close/>
-                </a:path>
-              </a:pathLst>
-            </a:custGeom>
-            <a:solidFill>
-              <a:schemeClr val="bg1"/>
-            </a:solidFill>
-            <a:ln w="9525" cap="flat">
-              <a:noFill/>
-              <a:prstDash val="solid"/>
-              <a:miter/>
-            </a:ln>
-          </p:spPr>
-          <p:txBody>
-            <a:bodyPr/>
-            <a:lstStyle/>
-            <a:p>
-              <a:endParaRPr lang="fr-CA"/>
-            </a:p>
-          </p:txBody>
-        </p:sp>
-      </p:grpSp>
       <p:grpSp>
         <p:nvGrpSpPr>
           <p:cNvPr id="31" name="Group 30">
@@ -7038,7 +5277,7 @@
         </p:nvGrpSpPr>
         <p:grpSpPr>
           <a:xfrm>
-            <a:off x="1209044" y="4344491"/>
+            <a:off x="8583139" y="2095784"/>
             <a:ext cx="1094767" cy="1090613"/>
             <a:chOff x="4234060" y="4446885"/>
             <a:chExt cx="1094767" cy="1090613"/>
@@ -8049,812 +6288,9 @@
           </p:sp>
         </p:grpSp>
       </p:grpSp>
-    </p:spTree>
-    <p:extLst>
-      <p:ext uri="{BB962C8B-B14F-4D97-AF65-F5344CB8AC3E}">
-        <p14:creationId xmlns:p14="http://schemas.microsoft.com/office/powerpoint/2010/main" val="603778871"/>
-      </p:ext>
-    </p:extLst>
-  </p:cSld>
-  <p:clrMapOvr>
-    <a:masterClrMapping/>
-  </p:clrMapOvr>
-</p:sld>
-</file>
-
-<file path=ppt/slides/slide3.xml><?xml version="1.0" encoding="utf-8"?>
-<p:sld xmlns:a="http://schemas.openxmlformats.org/drawingml/2006/main" xmlns:r="http://schemas.openxmlformats.org/officeDocument/2006/relationships" xmlns:p="http://schemas.openxmlformats.org/presentationml/2006/main">
-  <p:cSld>
-    <p:bg>
-      <p:bgPr>
-        <a:solidFill>
-          <a:srgbClr val="444444"/>
-        </a:solidFill>
-        <a:effectLst/>
-      </p:bgPr>
-    </p:bg>
-    <p:spTree>
-      <p:nvGrpSpPr>
-        <p:cNvPr id="1" name="">
-          <a:extLst>
-            <a:ext uri="{FF2B5EF4-FFF2-40B4-BE49-F238E27FC236}">
-              <a16:creationId xmlns:a16="http://schemas.microsoft.com/office/drawing/2014/main" id="{B8A7F415-8A09-87F1-31A3-5B8B6B7DE6D2}"/>
-            </a:ext>
-          </a:extLst>
-        </p:cNvPr>
-        <p:cNvGrpSpPr/>
-        <p:nvPr/>
-      </p:nvGrpSpPr>
-      <p:grpSpPr>
-        <a:xfrm>
-          <a:off x="0" y="0"/>
-          <a:ext cx="0" cy="0"/>
-          <a:chOff x="0" y="0"/>
-          <a:chExt cx="0" cy="0"/>
-        </a:xfrm>
-      </p:grpSpPr>
-      <p:sp>
-        <p:nvSpPr>
-          <p:cNvPr id="23" name="Freeform: Shape 22">
-            <a:extLst>
-              <a:ext uri="{FF2B5EF4-FFF2-40B4-BE49-F238E27FC236}">
-                <a16:creationId xmlns:a16="http://schemas.microsoft.com/office/drawing/2014/main" id="{DF2A6E15-DACC-7839-7B83-DECE9A7A45F1}"/>
-              </a:ext>
-            </a:extLst>
-          </p:cNvPr>
-          <p:cNvSpPr/>
-          <p:nvPr/>
-        </p:nvSpPr>
-        <p:spPr>
-          <a:xfrm>
-            <a:off x="4386898" y="2936525"/>
-            <a:ext cx="969231" cy="733860"/>
-          </a:xfrm>
-          <a:custGeom>
-            <a:avLst/>
-            <a:gdLst>
-              <a:gd name="csX0" fmla="*/ 189548 w 666750"/>
-              <a:gd name="csY0" fmla="*/ 161925 h 504834"/>
-              <a:gd name="csX1" fmla="*/ 666750 w 666750"/>
-              <a:gd name="csY1" fmla="*/ 161925 h 504834"/>
-              <a:gd name="csX2" fmla="*/ 666750 w 666750"/>
-              <a:gd name="csY2" fmla="*/ 114300 h 504834"/>
-              <a:gd name="csX3" fmla="*/ 628650 w 666750"/>
-              <a:gd name="csY3" fmla="*/ 76200 h 504834"/>
-              <a:gd name="csX4" fmla="*/ 342900 w 666750"/>
-              <a:gd name="csY4" fmla="*/ 76200 h 504834"/>
-              <a:gd name="csX5" fmla="*/ 238125 w 666750"/>
-              <a:gd name="csY5" fmla="*/ 6668 h 504834"/>
-              <a:gd name="csX6" fmla="*/ 217170 w 666750"/>
-              <a:gd name="csY6" fmla="*/ 0 h 504834"/>
-              <a:gd name="csX7" fmla="*/ 38100 w 666750"/>
-              <a:gd name="csY7" fmla="*/ 0 h 504834"/>
-              <a:gd name="csX8" fmla="*/ 0 w 666750"/>
-              <a:gd name="csY8" fmla="*/ 38100 h 504834"/>
-              <a:gd name="csX9" fmla="*/ 0 w 666750"/>
-              <a:gd name="csY9" fmla="*/ 504825 h 504834"/>
-              <a:gd name="csX10" fmla="*/ 122873 w 666750"/>
-              <a:gd name="csY10" fmla="*/ 206693 h 504834"/>
-              <a:gd name="csX11" fmla="*/ 189548 w 666750"/>
-              <a:gd name="csY11" fmla="*/ 161925 h 504834"/>
-            </a:gdLst>
-            <a:ahLst/>
-            <a:cxnLst>
-              <a:cxn ang="0">
-                <a:pos x="csX0" y="csY0"/>
-              </a:cxn>
-              <a:cxn ang="0">
-                <a:pos x="csX1" y="csY1"/>
-              </a:cxn>
-              <a:cxn ang="0">
-                <a:pos x="csX2" y="csY2"/>
-              </a:cxn>
-              <a:cxn ang="0">
-                <a:pos x="csX3" y="csY3"/>
-              </a:cxn>
-              <a:cxn ang="0">
-                <a:pos x="csX4" y="csY4"/>
-              </a:cxn>
-              <a:cxn ang="0">
-                <a:pos x="csX5" y="csY5"/>
-              </a:cxn>
-              <a:cxn ang="0">
-                <a:pos x="csX6" y="csY6"/>
-              </a:cxn>
-              <a:cxn ang="0">
-                <a:pos x="csX7" y="csY7"/>
-              </a:cxn>
-              <a:cxn ang="0">
-                <a:pos x="csX8" y="csY8"/>
-              </a:cxn>
-              <a:cxn ang="0">
-                <a:pos x="csX9" y="csY9"/>
-              </a:cxn>
-              <a:cxn ang="0">
-                <a:pos x="csX10" y="csY10"/>
-              </a:cxn>
-              <a:cxn ang="0">
-                <a:pos x="csX11" y="csY11"/>
-              </a:cxn>
-            </a:cxnLst>
-            <a:rect l="l" t="t" r="r" b="b"/>
-            <a:pathLst>
-              <a:path w="666750" h="504834">
-                <a:moveTo>
-                  <a:pt x="189548" y="161925"/>
-                </a:moveTo>
-                <a:lnTo>
-                  <a:pt x="666750" y="161925"/>
-                </a:lnTo>
-                <a:lnTo>
-                  <a:pt x="666750" y="114300"/>
-                </a:lnTo>
-                <a:cubicBezTo>
-                  <a:pt x="666750" y="93345"/>
-                  <a:pt x="649605" y="76200"/>
-                  <a:pt x="628650" y="76200"/>
-                </a:cubicBezTo>
-                <a:lnTo>
-                  <a:pt x="342900" y="76200"/>
-                </a:lnTo>
-                <a:lnTo>
-                  <a:pt x="238125" y="6668"/>
-                </a:lnTo>
-                <a:cubicBezTo>
-                  <a:pt x="231458" y="2857"/>
-                  <a:pt x="224790" y="0"/>
-                  <a:pt x="217170" y="0"/>
-                </a:cubicBezTo>
-                <a:lnTo>
-                  <a:pt x="38100" y="0"/>
-                </a:lnTo>
-                <a:cubicBezTo>
-                  <a:pt x="17145" y="0"/>
-                  <a:pt x="0" y="17145"/>
-                  <a:pt x="0" y="38100"/>
-                </a:cubicBezTo>
-                <a:lnTo>
-                  <a:pt x="0" y="504825"/>
-                </a:lnTo>
-                <a:cubicBezTo>
-                  <a:pt x="0" y="506730"/>
-                  <a:pt x="122873" y="206693"/>
-                  <a:pt x="122873" y="206693"/>
-                </a:cubicBezTo>
-                <a:cubicBezTo>
-                  <a:pt x="134303" y="180023"/>
-                  <a:pt x="160020" y="161925"/>
-                  <a:pt x="189548" y="161925"/>
-                </a:cubicBezTo>
-                <a:close/>
-              </a:path>
-            </a:pathLst>
-          </a:custGeom>
-          <a:solidFill>
-            <a:srgbClr val="999999"/>
-          </a:solidFill>
-          <a:ln w="9525" cap="flat">
-            <a:noFill/>
-            <a:prstDash val="solid"/>
-            <a:miter/>
-          </a:ln>
-        </p:spPr>
-        <p:txBody>
-          <a:bodyPr/>
-          <a:lstStyle/>
-          <a:p>
-            <a:endParaRPr lang="fr-CA" dirty="0"/>
-          </a:p>
-        </p:txBody>
-      </p:sp>
       <p:grpSp>
         <p:nvGrpSpPr>
-          <p:cNvPr id="9" name="Group 8">
-            <a:extLst>
-              <a:ext uri="{FF2B5EF4-FFF2-40B4-BE49-F238E27FC236}">
-                <a16:creationId xmlns:a16="http://schemas.microsoft.com/office/drawing/2014/main" id="{341569D8-EFF3-0B82-3821-A4CAE20CCBDE}"/>
-              </a:ext>
-            </a:extLst>
-          </p:cNvPr>
-          <p:cNvGrpSpPr/>
-          <p:nvPr/>
-        </p:nvGrpSpPr>
-        <p:grpSpPr>
-          <a:xfrm rot="706775">
-            <a:off x="4702531" y="1686599"/>
-            <a:ext cx="660515" cy="852277"/>
-            <a:chOff x="7639356" y="1399046"/>
-            <a:chExt cx="1671791" cy="2157150"/>
-          </a:xfrm>
-        </p:grpSpPr>
-        <p:sp>
-          <p:nvSpPr>
-            <p:cNvPr id="16" name="Freeform: Shape 15">
-              <a:extLst>
-                <a:ext uri="{FF2B5EF4-FFF2-40B4-BE49-F238E27FC236}">
-                  <a16:creationId xmlns:a16="http://schemas.microsoft.com/office/drawing/2014/main" id="{FEAAFE98-CE4C-AEB2-AE96-6655715A708E}"/>
-                </a:ext>
-              </a:extLst>
-            </p:cNvPr>
-            <p:cNvSpPr/>
-            <p:nvPr/>
-          </p:nvSpPr>
-          <p:spPr>
-            <a:xfrm>
-              <a:off x="7698658" y="1435510"/>
-              <a:ext cx="1543665" cy="2035277"/>
-            </a:xfrm>
-            <a:custGeom>
-              <a:avLst/>
-              <a:gdLst>
-                <a:gd name="csX0" fmla="*/ 9832 w 1543665"/>
-                <a:gd name="csY0" fmla="*/ 0 h 2035277"/>
-                <a:gd name="csX1" fmla="*/ 9832 w 1543665"/>
-                <a:gd name="csY1" fmla="*/ 0 h 2035277"/>
-                <a:gd name="csX2" fmla="*/ 88490 w 1543665"/>
-                <a:gd name="csY2" fmla="*/ 39329 h 2035277"/>
-                <a:gd name="csX3" fmla="*/ 511277 w 1543665"/>
-                <a:gd name="csY3" fmla="*/ 78658 h 2035277"/>
-                <a:gd name="csX4" fmla="*/ 825910 w 1543665"/>
-                <a:gd name="csY4" fmla="*/ 58993 h 2035277"/>
-                <a:gd name="csX5" fmla="*/ 914400 w 1543665"/>
-                <a:gd name="csY5" fmla="*/ 78658 h 2035277"/>
-                <a:gd name="csX6" fmla="*/ 943897 w 1543665"/>
-                <a:gd name="csY6" fmla="*/ 68825 h 2035277"/>
-                <a:gd name="csX7" fmla="*/ 1022555 w 1543665"/>
-                <a:gd name="csY7" fmla="*/ 58993 h 2035277"/>
-                <a:gd name="csX8" fmla="*/ 943897 w 1543665"/>
-                <a:gd name="csY8" fmla="*/ 589935 h 2035277"/>
-                <a:gd name="csX9" fmla="*/ 1533832 w 1543665"/>
-                <a:gd name="csY9" fmla="*/ 609600 h 2035277"/>
-                <a:gd name="csX10" fmla="*/ 1543665 w 1543665"/>
-                <a:gd name="csY10" fmla="*/ 2025445 h 2035277"/>
-                <a:gd name="csX11" fmla="*/ 0 w 1543665"/>
-                <a:gd name="csY11" fmla="*/ 2035277 h 2035277"/>
-                <a:gd name="csX12" fmla="*/ 19665 w 1543665"/>
-                <a:gd name="csY12" fmla="*/ 117987 h 2035277"/>
-              </a:gdLst>
-              <a:ahLst/>
-              <a:cxnLst>
-                <a:cxn ang="0">
-                  <a:pos x="csX0" y="csY0"/>
-                </a:cxn>
-                <a:cxn ang="0">
-                  <a:pos x="csX1" y="csY1"/>
-                </a:cxn>
-                <a:cxn ang="0">
-                  <a:pos x="csX2" y="csY2"/>
-                </a:cxn>
-                <a:cxn ang="0">
-                  <a:pos x="csX3" y="csY3"/>
-                </a:cxn>
-                <a:cxn ang="0">
-                  <a:pos x="csX4" y="csY4"/>
-                </a:cxn>
-                <a:cxn ang="0">
-                  <a:pos x="csX5" y="csY5"/>
-                </a:cxn>
-                <a:cxn ang="0">
-                  <a:pos x="csX6" y="csY6"/>
-                </a:cxn>
-                <a:cxn ang="0">
-                  <a:pos x="csX7" y="csY7"/>
-                </a:cxn>
-                <a:cxn ang="0">
-                  <a:pos x="csX8" y="csY8"/>
-                </a:cxn>
-                <a:cxn ang="0">
-                  <a:pos x="csX9" y="csY9"/>
-                </a:cxn>
-                <a:cxn ang="0">
-                  <a:pos x="csX10" y="csY10"/>
-                </a:cxn>
-                <a:cxn ang="0">
-                  <a:pos x="csX11" y="csY11"/>
-                </a:cxn>
-                <a:cxn ang="0">
-                  <a:pos x="csX12" y="csY12"/>
-                </a:cxn>
-              </a:cxnLst>
-              <a:rect l="l" t="t" r="r" b="b"/>
-              <a:pathLst>
-                <a:path w="1543665" h="2035277">
-                  <a:moveTo>
-                    <a:pt x="9832" y="0"/>
-                  </a:moveTo>
-                  <a:lnTo>
-                    <a:pt x="9832" y="0"/>
-                  </a:lnTo>
-                  <a:cubicBezTo>
-                    <a:pt x="36051" y="13110"/>
-                    <a:pt x="60680" y="30059"/>
-                    <a:pt x="88490" y="39329"/>
-                  </a:cubicBezTo>
-                  <a:cubicBezTo>
-                    <a:pt x="235693" y="88396"/>
-                    <a:pt x="344663" y="73104"/>
-                    <a:pt x="511277" y="78658"/>
-                  </a:cubicBezTo>
-                  <a:cubicBezTo>
-                    <a:pt x="616155" y="72103"/>
-                    <a:pt x="720866" y="61832"/>
-                    <a:pt x="825910" y="58993"/>
-                  </a:cubicBezTo>
-                  <a:cubicBezTo>
-                    <a:pt x="837179" y="58688"/>
-                    <a:pt x="900213" y="75111"/>
-                    <a:pt x="914400" y="78658"/>
-                  </a:cubicBezTo>
-                  <a:cubicBezTo>
-                    <a:pt x="924232" y="75380"/>
-                    <a:pt x="933700" y="70679"/>
-                    <a:pt x="943897" y="68825"/>
-                  </a:cubicBezTo>
-                  <a:cubicBezTo>
-                    <a:pt x="969894" y="64098"/>
-                    <a:pt x="1022555" y="58993"/>
-                    <a:pt x="1022555" y="58993"/>
-                  </a:cubicBezTo>
-                  <a:lnTo>
-                    <a:pt x="943897" y="589935"/>
-                  </a:lnTo>
-                  <a:lnTo>
-                    <a:pt x="1533832" y="609600"/>
-                  </a:lnTo>
-                  <a:cubicBezTo>
-                    <a:pt x="1537110" y="1081548"/>
-                    <a:pt x="1540387" y="1553497"/>
-                    <a:pt x="1543665" y="2025445"/>
-                  </a:cubicBezTo>
-                  <a:lnTo>
-                    <a:pt x="0" y="2035277"/>
-                  </a:lnTo>
-                  <a:lnTo>
-                    <a:pt x="19665" y="117987"/>
-                  </a:lnTo>
-                </a:path>
-              </a:pathLst>
-            </a:custGeom>
-            <a:solidFill>
-              <a:schemeClr val="bg1"/>
-            </a:solidFill>
-          </p:spPr>
-          <p:style>
-            <a:lnRef idx="2">
-              <a:schemeClr val="accent1">
-                <a:shade val="15000"/>
-              </a:schemeClr>
-            </a:lnRef>
-            <a:fillRef idx="1">
-              <a:schemeClr val="accent1"/>
-            </a:fillRef>
-            <a:effectRef idx="0">
-              <a:schemeClr val="accent1"/>
-            </a:effectRef>
-            <a:fontRef idx="minor">
-              <a:schemeClr val="lt1"/>
-            </a:fontRef>
-          </p:style>
-          <p:txBody>
-            <a:bodyPr rtlCol="0" anchor="ctr"/>
-            <a:lstStyle/>
-            <a:p>
-              <a:pPr algn="ctr"/>
-              <a:endParaRPr lang="fr-CA"/>
-            </a:p>
-          </p:txBody>
-        </p:sp>
-        <p:sp>
-          <p:nvSpPr>
-            <p:cNvPr id="17" name="Freeform: Shape 16">
-              <a:extLst>
-                <a:ext uri="{FF2B5EF4-FFF2-40B4-BE49-F238E27FC236}">
-                  <a16:creationId xmlns:a16="http://schemas.microsoft.com/office/drawing/2014/main" id="{FF70371F-2D68-12D5-55A1-16DBB0644E91}"/>
-                </a:ext>
-              </a:extLst>
-            </p:cNvPr>
-            <p:cNvSpPr/>
-            <p:nvPr/>
-          </p:nvSpPr>
-          <p:spPr>
-            <a:xfrm>
-              <a:off x="8610600" y="1473994"/>
-              <a:ext cx="588169" cy="581025"/>
-            </a:xfrm>
-            <a:custGeom>
-              <a:avLst/>
-              <a:gdLst>
-                <a:gd name="csX0" fmla="*/ 66675 w 588169"/>
-                <a:gd name="csY0" fmla="*/ 0 h 581025"/>
-                <a:gd name="csX1" fmla="*/ 588169 w 588169"/>
-                <a:gd name="csY1" fmla="*/ 514350 h 581025"/>
-                <a:gd name="csX2" fmla="*/ 0 w 588169"/>
-                <a:gd name="csY2" fmla="*/ 581025 h 581025"/>
-                <a:gd name="csX3" fmla="*/ 66675 w 588169"/>
-                <a:gd name="csY3" fmla="*/ 0 h 581025"/>
-              </a:gdLst>
-              <a:ahLst/>
-              <a:cxnLst>
-                <a:cxn ang="0">
-                  <a:pos x="csX0" y="csY0"/>
-                </a:cxn>
-                <a:cxn ang="0">
-                  <a:pos x="csX1" y="csY1"/>
-                </a:cxn>
-                <a:cxn ang="0">
-                  <a:pos x="csX2" y="csY2"/>
-                </a:cxn>
-                <a:cxn ang="0">
-                  <a:pos x="csX3" y="csY3"/>
-                </a:cxn>
-              </a:cxnLst>
-              <a:rect l="l" t="t" r="r" b="b"/>
-              <a:pathLst>
-                <a:path w="588169" h="581025">
-                  <a:moveTo>
-                    <a:pt x="66675" y="0"/>
-                  </a:moveTo>
-                  <a:lnTo>
-                    <a:pt x="588169" y="514350"/>
-                  </a:lnTo>
-                  <a:lnTo>
-                    <a:pt x="0" y="581025"/>
-                  </a:lnTo>
-                  <a:lnTo>
-                    <a:pt x="66675" y="0"/>
-                  </a:lnTo>
-                  <a:close/>
-                </a:path>
-              </a:pathLst>
-            </a:custGeom>
-            <a:solidFill>
-              <a:srgbClr val="999999"/>
-            </a:solidFill>
-            <a:ln>
-              <a:noFill/>
-            </a:ln>
-          </p:spPr>
-          <p:style>
-            <a:lnRef idx="2">
-              <a:schemeClr val="accent1">
-                <a:shade val="15000"/>
-              </a:schemeClr>
-            </a:lnRef>
-            <a:fillRef idx="1">
-              <a:schemeClr val="accent1"/>
-            </a:fillRef>
-            <a:effectRef idx="0">
-              <a:schemeClr val="accent1"/>
-            </a:effectRef>
-            <a:fontRef idx="minor">
-              <a:schemeClr val="lt1"/>
-            </a:fontRef>
-          </p:style>
-          <p:txBody>
-            <a:bodyPr rtlCol="0" anchor="ctr"/>
-            <a:lstStyle/>
-            <a:p>
-              <a:pPr algn="ctr"/>
-              <a:endParaRPr lang="fr-CA"/>
-            </a:p>
-          </p:txBody>
-        </p:sp>
-        <p:sp>
-          <p:nvSpPr>
-            <p:cNvPr id="18" name="Graphic 45" descr="Paper with solid fill">
-              <a:extLst>
-                <a:ext uri="{FF2B5EF4-FFF2-40B4-BE49-F238E27FC236}">
-                  <a16:creationId xmlns:a16="http://schemas.microsoft.com/office/drawing/2014/main" id="{E64DC5C4-4133-5634-C798-705E41122933}"/>
-                </a:ext>
-              </a:extLst>
-            </p:cNvPr>
-            <p:cNvSpPr/>
-            <p:nvPr/>
-          </p:nvSpPr>
-          <p:spPr>
-            <a:xfrm>
-              <a:off x="7639356" y="1399046"/>
-              <a:ext cx="1671791" cy="2157150"/>
-            </a:xfrm>
-            <a:custGeom>
-              <a:avLst/>
-              <a:gdLst>
-                <a:gd name="csX0" fmla="*/ 57150 w 590550"/>
-                <a:gd name="csY0" fmla="*/ 704850 h 762000"/>
-                <a:gd name="csX1" fmla="*/ 57150 w 590550"/>
-                <a:gd name="csY1" fmla="*/ 57150 h 762000"/>
-                <a:gd name="csX2" fmla="*/ 323850 w 590550"/>
-                <a:gd name="csY2" fmla="*/ 57150 h 762000"/>
-                <a:gd name="csX3" fmla="*/ 323850 w 590550"/>
-                <a:gd name="csY3" fmla="*/ 257175 h 762000"/>
-                <a:gd name="csX4" fmla="*/ 533400 w 590550"/>
-                <a:gd name="csY4" fmla="*/ 257175 h 762000"/>
-                <a:gd name="csX5" fmla="*/ 533400 w 590550"/>
-                <a:gd name="csY5" fmla="*/ 704850 h 762000"/>
-                <a:gd name="csX6" fmla="*/ 57150 w 590550"/>
-                <a:gd name="csY6" fmla="*/ 704850 h 762000"/>
-                <a:gd name="csX7" fmla="*/ 381000 w 590550"/>
-                <a:gd name="csY7" fmla="*/ 80963 h 762000"/>
-                <a:gd name="csX8" fmla="*/ 500063 w 590550"/>
-                <a:gd name="csY8" fmla="*/ 200025 h 762000"/>
-                <a:gd name="csX9" fmla="*/ 381000 w 590550"/>
-                <a:gd name="csY9" fmla="*/ 200025 h 762000"/>
-                <a:gd name="csX10" fmla="*/ 381000 w 590550"/>
-                <a:gd name="csY10" fmla="*/ 80963 h 762000"/>
-                <a:gd name="csX11" fmla="*/ 381000 w 590550"/>
-                <a:gd name="csY11" fmla="*/ 0 h 762000"/>
-                <a:gd name="csX12" fmla="*/ 0 w 590550"/>
-                <a:gd name="csY12" fmla="*/ 0 h 762000"/>
-                <a:gd name="csX13" fmla="*/ 0 w 590550"/>
-                <a:gd name="csY13" fmla="*/ 762000 h 762000"/>
-                <a:gd name="csX14" fmla="*/ 590550 w 590550"/>
-                <a:gd name="csY14" fmla="*/ 762000 h 762000"/>
-                <a:gd name="csX15" fmla="*/ 590550 w 590550"/>
-                <a:gd name="csY15" fmla="*/ 209550 h 762000"/>
-                <a:gd name="csX16" fmla="*/ 381000 w 590550"/>
-                <a:gd name="csY16" fmla="*/ 0 h 762000"/>
-              </a:gdLst>
-              <a:ahLst/>
-              <a:cxnLst>
-                <a:cxn ang="0">
-                  <a:pos x="csX0" y="csY0"/>
-                </a:cxn>
-                <a:cxn ang="0">
-                  <a:pos x="csX1" y="csY1"/>
-                </a:cxn>
-                <a:cxn ang="0">
-                  <a:pos x="csX2" y="csY2"/>
-                </a:cxn>
-                <a:cxn ang="0">
-                  <a:pos x="csX3" y="csY3"/>
-                </a:cxn>
-                <a:cxn ang="0">
-                  <a:pos x="csX4" y="csY4"/>
-                </a:cxn>
-                <a:cxn ang="0">
-                  <a:pos x="csX5" y="csY5"/>
-                </a:cxn>
-                <a:cxn ang="0">
-                  <a:pos x="csX6" y="csY6"/>
-                </a:cxn>
-                <a:cxn ang="0">
-                  <a:pos x="csX7" y="csY7"/>
-                </a:cxn>
-                <a:cxn ang="0">
-                  <a:pos x="csX8" y="csY8"/>
-                </a:cxn>
-                <a:cxn ang="0">
-                  <a:pos x="csX9" y="csY9"/>
-                </a:cxn>
-                <a:cxn ang="0">
-                  <a:pos x="csX10" y="csY10"/>
-                </a:cxn>
-                <a:cxn ang="0">
-                  <a:pos x="csX11" y="csY11"/>
-                </a:cxn>
-                <a:cxn ang="0">
-                  <a:pos x="csX12" y="csY12"/>
-                </a:cxn>
-                <a:cxn ang="0">
-                  <a:pos x="csX13" y="csY13"/>
-                </a:cxn>
-                <a:cxn ang="0">
-                  <a:pos x="csX14" y="csY14"/>
-                </a:cxn>
-                <a:cxn ang="0">
-                  <a:pos x="csX15" y="csY15"/>
-                </a:cxn>
-                <a:cxn ang="0">
-                  <a:pos x="csX16" y="csY16"/>
-                </a:cxn>
-              </a:cxnLst>
-              <a:rect l="l" t="t" r="r" b="b"/>
-              <a:pathLst>
-                <a:path w="590550" h="762000">
-                  <a:moveTo>
-                    <a:pt x="57150" y="704850"/>
-                  </a:moveTo>
-                  <a:lnTo>
-                    <a:pt x="57150" y="57150"/>
-                  </a:lnTo>
-                  <a:lnTo>
-                    <a:pt x="323850" y="57150"/>
-                  </a:lnTo>
-                  <a:lnTo>
-                    <a:pt x="323850" y="257175"/>
-                  </a:lnTo>
-                  <a:lnTo>
-                    <a:pt x="533400" y="257175"/>
-                  </a:lnTo>
-                  <a:lnTo>
-                    <a:pt x="533400" y="704850"/>
-                  </a:lnTo>
-                  <a:lnTo>
-                    <a:pt x="57150" y="704850"/>
-                  </a:lnTo>
-                  <a:close/>
-                  <a:moveTo>
-                    <a:pt x="381000" y="80963"/>
-                  </a:moveTo>
-                  <a:lnTo>
-                    <a:pt x="500063" y="200025"/>
-                  </a:lnTo>
-                  <a:lnTo>
-                    <a:pt x="381000" y="200025"/>
-                  </a:lnTo>
-                  <a:lnTo>
-                    <a:pt x="381000" y="80963"/>
-                  </a:lnTo>
-                  <a:close/>
-                  <a:moveTo>
-                    <a:pt x="381000" y="0"/>
-                  </a:moveTo>
-                  <a:lnTo>
-                    <a:pt x="0" y="0"/>
-                  </a:lnTo>
-                  <a:lnTo>
-                    <a:pt x="0" y="762000"/>
-                  </a:lnTo>
-                  <a:lnTo>
-                    <a:pt x="590550" y="762000"/>
-                  </a:lnTo>
-                  <a:lnTo>
-                    <a:pt x="590550" y="209550"/>
-                  </a:lnTo>
-                  <a:lnTo>
-                    <a:pt x="381000" y="0"/>
-                  </a:lnTo>
-                  <a:close/>
-                </a:path>
-              </a:pathLst>
-            </a:custGeom>
-            <a:solidFill>
-              <a:srgbClr val="333333"/>
-            </a:solidFill>
-            <a:ln w="9525" cap="flat">
-              <a:noFill/>
-              <a:prstDash val="solid"/>
-              <a:miter/>
-            </a:ln>
-          </p:spPr>
-          <p:txBody>
-            <a:bodyPr/>
-            <a:lstStyle/>
-            <a:p>
-              <a:endParaRPr lang="fr-CA" dirty="0"/>
-            </a:p>
-          </p:txBody>
-        </p:sp>
-      </p:grpSp>
-      <p:sp>
-        <p:nvSpPr>
-          <p:cNvPr id="24" name="Freeform: Shape 23">
-            <a:extLst>
-              <a:ext uri="{FF2B5EF4-FFF2-40B4-BE49-F238E27FC236}">
-                <a16:creationId xmlns:a16="http://schemas.microsoft.com/office/drawing/2014/main" id="{963CCA2A-3B34-4E23-560B-85ACA9F23197}"/>
-              </a:ext>
-            </a:extLst>
-          </p:cNvPr>
-          <p:cNvSpPr/>
-          <p:nvPr/>
-        </p:nvSpPr>
-        <p:spPr>
-          <a:xfrm>
-            <a:off x="4428436" y="3227294"/>
-            <a:ext cx="1038462" cy="484616"/>
-          </a:xfrm>
-          <a:custGeom>
-            <a:avLst/>
-            <a:gdLst>
-              <a:gd name="csX0" fmla="*/ 714375 w 714375"/>
-              <a:gd name="csY0" fmla="*/ 38100 h 333375"/>
-              <a:gd name="csX1" fmla="*/ 680085 w 714375"/>
-              <a:gd name="csY1" fmla="*/ 0 h 333375"/>
-              <a:gd name="csX2" fmla="*/ 160973 w 714375"/>
-              <a:gd name="csY2" fmla="*/ 0 h 333375"/>
-              <a:gd name="csX3" fmla="*/ 128588 w 714375"/>
-              <a:gd name="csY3" fmla="*/ 20955 h 333375"/>
-              <a:gd name="csX4" fmla="*/ 0 w 714375"/>
-              <a:gd name="csY4" fmla="*/ 333375 h 333375"/>
-              <a:gd name="csX5" fmla="*/ 581025 w 714375"/>
-              <a:gd name="csY5" fmla="*/ 333375 h 333375"/>
-              <a:gd name="csX6" fmla="*/ 710565 w 714375"/>
-              <a:gd name="csY6" fmla="*/ 55245 h 333375"/>
-              <a:gd name="csX7" fmla="*/ 714375 w 714375"/>
-              <a:gd name="csY7" fmla="*/ 38100 h 333375"/>
-              <a:gd name="csX8" fmla="*/ 714375 w 714375"/>
-              <a:gd name="csY8" fmla="*/ 38100 h 333375"/>
-            </a:gdLst>
-            <a:ahLst/>
-            <a:cxnLst>
-              <a:cxn ang="0">
-                <a:pos x="csX0" y="csY0"/>
-              </a:cxn>
-              <a:cxn ang="0">
-                <a:pos x="csX1" y="csY1"/>
-              </a:cxn>
-              <a:cxn ang="0">
-                <a:pos x="csX2" y="csY2"/>
-              </a:cxn>
-              <a:cxn ang="0">
-                <a:pos x="csX3" y="csY3"/>
-              </a:cxn>
-              <a:cxn ang="0">
-                <a:pos x="csX4" y="csY4"/>
-              </a:cxn>
-              <a:cxn ang="0">
-                <a:pos x="csX5" y="csY5"/>
-              </a:cxn>
-              <a:cxn ang="0">
-                <a:pos x="csX6" y="csY6"/>
-              </a:cxn>
-              <a:cxn ang="0">
-                <a:pos x="csX7" y="csY7"/>
-              </a:cxn>
-              <a:cxn ang="0">
-                <a:pos x="csX8" y="csY8"/>
-              </a:cxn>
-            </a:cxnLst>
-            <a:rect l="l" t="t" r="r" b="b"/>
-            <a:pathLst>
-              <a:path w="714375" h="333375">
-                <a:moveTo>
-                  <a:pt x="714375" y="38100"/>
-                </a:moveTo>
-                <a:cubicBezTo>
-                  <a:pt x="714375" y="18098"/>
-                  <a:pt x="700088" y="1905"/>
-                  <a:pt x="680085" y="0"/>
-                </a:cubicBezTo>
-                <a:lnTo>
-                  <a:pt x="160973" y="0"/>
-                </a:lnTo>
-                <a:cubicBezTo>
-                  <a:pt x="146685" y="0"/>
-                  <a:pt x="134303" y="8573"/>
-                  <a:pt x="128588" y="20955"/>
-                </a:cubicBezTo>
-                <a:lnTo>
-                  <a:pt x="0" y="333375"/>
-                </a:lnTo>
-                <a:lnTo>
-                  <a:pt x="581025" y="333375"/>
-                </a:lnTo>
-                <a:lnTo>
-                  <a:pt x="710565" y="55245"/>
-                </a:lnTo>
-                <a:cubicBezTo>
-                  <a:pt x="713423" y="49530"/>
-                  <a:pt x="714375" y="43815"/>
-                  <a:pt x="714375" y="38100"/>
-                </a:cubicBezTo>
-                <a:lnTo>
-                  <a:pt x="714375" y="38100"/>
-                </a:lnTo>
-                <a:close/>
-              </a:path>
-            </a:pathLst>
-          </a:custGeom>
-          <a:solidFill>
-            <a:srgbClr val="CCCCCC"/>
-          </a:solidFill>
-          <a:ln w="9525" cap="flat">
-            <a:noFill/>
-            <a:prstDash val="solid"/>
-            <a:miter/>
-          </a:ln>
-        </p:spPr>
-        <p:txBody>
-          <a:bodyPr/>
-          <a:lstStyle/>
-          <a:p>
-            <a:endParaRPr lang="fr-CA" dirty="0"/>
-          </a:p>
-        </p:txBody>
-      </p:sp>
-      <p:grpSp>
-        <p:nvGrpSpPr>
-          <p:cNvPr id="30" name="Group 29">
+          <p:cNvPr id="2" name="Group 1">
             <a:extLst>
               <a:ext uri="{FF2B5EF4-FFF2-40B4-BE49-F238E27FC236}">
                 <a16:creationId xmlns:a16="http://schemas.microsoft.com/office/drawing/2014/main" id="{8978D270-AAE2-0742-91AC-F28EAFDD4777}"/>
@@ -8866,7 +6302,7 @@
         </p:nvGrpSpPr>
         <p:grpSpPr>
           <a:xfrm>
-            <a:off x="7707494" y="2865508"/>
+            <a:off x="1980980" y="2196289"/>
             <a:ext cx="1038462" cy="846402"/>
             <a:chOff x="7707494" y="2865508"/>
             <a:chExt cx="1038462" cy="846402"/>
@@ -8926,7 +6362,7 @@
         </p:sp>
         <p:sp>
           <p:nvSpPr>
-            <p:cNvPr id="28" name="Rectangle 27">
+            <p:cNvPr id="5" name="Rectangle 4">
               <a:extLst>
                 <a:ext uri="{FF2B5EF4-FFF2-40B4-BE49-F238E27FC236}">
                   <a16:creationId xmlns:a16="http://schemas.microsoft.com/office/drawing/2014/main" id="{20904508-24B5-230B-3F63-24F693C5C438}"/>
@@ -8978,7 +6414,7 @@
         </p:sp>
         <p:sp>
           <p:nvSpPr>
-            <p:cNvPr id="29" name="Arrow: Up 28">
+            <p:cNvPr id="24" name="Arrow: Up 23">
               <a:extLst>
                 <a:ext uri="{FF2B5EF4-FFF2-40B4-BE49-F238E27FC236}">
                   <a16:creationId xmlns:a16="http://schemas.microsoft.com/office/drawing/2014/main" id="{3FFA69AB-7551-6965-F14A-676B2EBF9FB9}"/>
@@ -9154,6 +6590,4401 @@
             </a:p>
           </p:txBody>
         </p:sp>
+      </p:grpSp>
+      <p:grpSp>
+        <p:nvGrpSpPr>
+          <p:cNvPr id="32" name="Group 31">
+            <a:extLst>
+              <a:ext uri="{FF2B5EF4-FFF2-40B4-BE49-F238E27FC236}">
+                <a16:creationId xmlns:a16="http://schemas.microsoft.com/office/drawing/2014/main" id="{E0ABDAE3-D3F8-130F-8437-45E1B52383AE}"/>
+              </a:ext>
+            </a:extLst>
+          </p:cNvPr>
+          <p:cNvGrpSpPr>
+            <a:grpSpLocks noChangeAspect="1"/>
+          </p:cNvGrpSpPr>
+          <p:nvPr/>
+        </p:nvGrpSpPr>
+        <p:grpSpPr>
+          <a:xfrm>
+            <a:off x="1151845" y="3352451"/>
+            <a:ext cx="964747" cy="828000"/>
+            <a:chOff x="3600000" y="2709000"/>
+            <a:chExt cx="2520000" cy="2162806"/>
+          </a:xfrm>
+        </p:grpSpPr>
+        <p:sp>
+          <p:nvSpPr>
+            <p:cNvPr id="33" name="Rectangle 32">
+              <a:extLst>
+                <a:ext uri="{FF2B5EF4-FFF2-40B4-BE49-F238E27FC236}">
+                  <a16:creationId xmlns:a16="http://schemas.microsoft.com/office/drawing/2014/main" id="{1E84AABC-9EA9-133A-0B88-D2856DDCFCB2}"/>
+                </a:ext>
+              </a:extLst>
+            </p:cNvPr>
+            <p:cNvSpPr/>
+            <p:nvPr/>
+          </p:nvSpPr>
+          <p:spPr>
+            <a:xfrm>
+              <a:off x="3600000" y="4149000"/>
+              <a:ext cx="360000" cy="720000"/>
+            </a:xfrm>
+            <a:prstGeom prst="rect">
+              <a:avLst/>
+            </a:prstGeom>
+            <a:solidFill>
+              <a:srgbClr val="333333"/>
+            </a:solidFill>
+            <a:ln>
+              <a:noFill/>
+            </a:ln>
+          </p:spPr>
+          <p:style>
+            <a:lnRef idx="2">
+              <a:schemeClr val="accent1">
+                <a:shade val="15000"/>
+              </a:schemeClr>
+            </a:lnRef>
+            <a:fillRef idx="1">
+              <a:schemeClr val="accent1"/>
+            </a:fillRef>
+            <a:effectRef idx="0">
+              <a:schemeClr val="accent1"/>
+            </a:effectRef>
+            <a:fontRef idx="minor">
+              <a:schemeClr val="lt1"/>
+            </a:fontRef>
+          </p:style>
+          <p:txBody>
+            <a:bodyPr rtlCol="0" anchor="ctr"/>
+            <a:lstStyle/>
+            <a:p>
+              <a:pPr algn="ctr"/>
+              <a:endParaRPr lang="fr-CA"/>
+            </a:p>
+          </p:txBody>
+        </p:sp>
+        <p:sp>
+          <p:nvSpPr>
+            <p:cNvPr id="34" name="Rectangle 33">
+              <a:extLst>
+                <a:ext uri="{FF2B5EF4-FFF2-40B4-BE49-F238E27FC236}">
+                  <a16:creationId xmlns:a16="http://schemas.microsoft.com/office/drawing/2014/main" id="{AFA1ABDE-FFC1-1411-CAD2-4530C4FB51F3}"/>
+                </a:ext>
+              </a:extLst>
+            </p:cNvPr>
+            <p:cNvSpPr/>
+            <p:nvPr/>
+          </p:nvSpPr>
+          <p:spPr>
+            <a:xfrm>
+              <a:off x="4140000" y="3789000"/>
+              <a:ext cx="360000" cy="1080000"/>
+            </a:xfrm>
+            <a:prstGeom prst="rect">
+              <a:avLst/>
+            </a:prstGeom>
+            <a:solidFill>
+              <a:srgbClr val="666666"/>
+            </a:solidFill>
+            <a:ln>
+              <a:noFill/>
+            </a:ln>
+          </p:spPr>
+          <p:style>
+            <a:lnRef idx="2">
+              <a:schemeClr val="accent1">
+                <a:shade val="15000"/>
+              </a:schemeClr>
+            </a:lnRef>
+            <a:fillRef idx="1">
+              <a:schemeClr val="accent1"/>
+            </a:fillRef>
+            <a:effectRef idx="0">
+              <a:schemeClr val="accent1"/>
+            </a:effectRef>
+            <a:fontRef idx="minor">
+              <a:schemeClr val="lt1"/>
+            </a:fontRef>
+          </p:style>
+          <p:txBody>
+            <a:bodyPr rtlCol="0" anchor="ctr"/>
+            <a:lstStyle/>
+            <a:p>
+              <a:pPr algn="ctr"/>
+              <a:endParaRPr lang="fr-CA"/>
+            </a:p>
+          </p:txBody>
+        </p:sp>
+        <p:sp>
+          <p:nvSpPr>
+            <p:cNvPr id="35" name="Rectangle 34">
+              <a:extLst>
+                <a:ext uri="{FF2B5EF4-FFF2-40B4-BE49-F238E27FC236}">
+                  <a16:creationId xmlns:a16="http://schemas.microsoft.com/office/drawing/2014/main" id="{7F1DDE08-B2DC-0856-28BE-B11CDD4F7A96}"/>
+                </a:ext>
+              </a:extLst>
+            </p:cNvPr>
+            <p:cNvSpPr/>
+            <p:nvPr/>
+          </p:nvSpPr>
+          <p:spPr>
+            <a:xfrm>
+              <a:off x="4680000" y="3429000"/>
+              <a:ext cx="360000" cy="1440000"/>
+            </a:xfrm>
+            <a:prstGeom prst="rect">
+              <a:avLst/>
+            </a:prstGeom>
+            <a:solidFill>
+              <a:srgbClr val="999999"/>
+            </a:solidFill>
+            <a:ln>
+              <a:noFill/>
+            </a:ln>
+          </p:spPr>
+          <p:style>
+            <a:lnRef idx="2">
+              <a:schemeClr val="accent1">
+                <a:shade val="15000"/>
+              </a:schemeClr>
+            </a:lnRef>
+            <a:fillRef idx="1">
+              <a:schemeClr val="accent1"/>
+            </a:fillRef>
+            <a:effectRef idx="0">
+              <a:schemeClr val="accent1"/>
+            </a:effectRef>
+            <a:fontRef idx="minor">
+              <a:schemeClr val="lt1"/>
+            </a:fontRef>
+          </p:style>
+          <p:txBody>
+            <a:bodyPr rtlCol="0" anchor="ctr"/>
+            <a:lstStyle/>
+            <a:p>
+              <a:pPr algn="ctr"/>
+              <a:endParaRPr lang="fr-CA"/>
+            </a:p>
+          </p:txBody>
+        </p:sp>
+        <p:sp>
+          <p:nvSpPr>
+            <p:cNvPr id="36" name="Rectangle 35">
+              <a:extLst>
+                <a:ext uri="{FF2B5EF4-FFF2-40B4-BE49-F238E27FC236}">
+                  <a16:creationId xmlns:a16="http://schemas.microsoft.com/office/drawing/2014/main" id="{77B51DF3-BDD9-8C87-11AA-ED5EFAB1CC4E}"/>
+                </a:ext>
+              </a:extLst>
+            </p:cNvPr>
+            <p:cNvSpPr/>
+            <p:nvPr/>
+          </p:nvSpPr>
+          <p:spPr>
+            <a:xfrm>
+              <a:off x="5220000" y="3071806"/>
+              <a:ext cx="360000" cy="1800000"/>
+            </a:xfrm>
+            <a:prstGeom prst="rect">
+              <a:avLst/>
+            </a:prstGeom>
+            <a:solidFill>
+              <a:srgbClr val="CCCCCC"/>
+            </a:solidFill>
+            <a:ln>
+              <a:noFill/>
+            </a:ln>
+          </p:spPr>
+          <p:style>
+            <a:lnRef idx="2">
+              <a:schemeClr val="accent1">
+                <a:shade val="15000"/>
+              </a:schemeClr>
+            </a:lnRef>
+            <a:fillRef idx="1">
+              <a:schemeClr val="accent1"/>
+            </a:fillRef>
+            <a:effectRef idx="0">
+              <a:schemeClr val="accent1"/>
+            </a:effectRef>
+            <a:fontRef idx="minor">
+              <a:schemeClr val="lt1"/>
+            </a:fontRef>
+          </p:style>
+          <p:txBody>
+            <a:bodyPr rtlCol="0" anchor="ctr"/>
+            <a:lstStyle/>
+            <a:p>
+              <a:pPr algn="ctr"/>
+              <a:endParaRPr lang="fr-CA"/>
+            </a:p>
+          </p:txBody>
+        </p:sp>
+        <p:sp>
+          <p:nvSpPr>
+            <p:cNvPr id="37" name="Rectangle 36">
+              <a:extLst>
+                <a:ext uri="{FF2B5EF4-FFF2-40B4-BE49-F238E27FC236}">
+                  <a16:creationId xmlns:a16="http://schemas.microsoft.com/office/drawing/2014/main" id="{8A174F69-ABB0-DCEA-17E2-A4D69D897FC1}"/>
+                </a:ext>
+              </a:extLst>
+            </p:cNvPr>
+            <p:cNvSpPr/>
+            <p:nvPr/>
+          </p:nvSpPr>
+          <p:spPr>
+            <a:xfrm>
+              <a:off x="5760000" y="2709000"/>
+              <a:ext cx="360000" cy="2160000"/>
+            </a:xfrm>
+            <a:prstGeom prst="rect">
+              <a:avLst/>
+            </a:prstGeom>
+            <a:solidFill>
+              <a:srgbClr val="FFFFFF"/>
+            </a:solidFill>
+            <a:ln>
+              <a:noFill/>
+            </a:ln>
+          </p:spPr>
+          <p:style>
+            <a:lnRef idx="2">
+              <a:schemeClr val="accent1">
+                <a:shade val="15000"/>
+              </a:schemeClr>
+            </a:lnRef>
+            <a:fillRef idx="1">
+              <a:schemeClr val="accent1"/>
+            </a:fillRef>
+            <a:effectRef idx="0">
+              <a:schemeClr val="accent1"/>
+            </a:effectRef>
+            <a:fontRef idx="minor">
+              <a:schemeClr val="lt1"/>
+            </a:fontRef>
+          </p:style>
+          <p:txBody>
+            <a:bodyPr rtlCol="0" anchor="ctr"/>
+            <a:lstStyle/>
+            <a:p>
+              <a:pPr algn="ctr"/>
+              <a:endParaRPr lang="fr-CA"/>
+            </a:p>
+          </p:txBody>
+        </p:sp>
+      </p:grpSp>
+      <p:grpSp>
+        <p:nvGrpSpPr>
+          <p:cNvPr id="43" name="Group 42">
+            <a:extLst>
+              <a:ext uri="{FF2B5EF4-FFF2-40B4-BE49-F238E27FC236}">
+                <a16:creationId xmlns:a16="http://schemas.microsoft.com/office/drawing/2014/main" id="{907A82E9-F182-782E-A18E-CF560A8AD210}"/>
+              </a:ext>
+            </a:extLst>
+          </p:cNvPr>
+          <p:cNvGrpSpPr>
+            <a:grpSpLocks noChangeAspect="1"/>
+          </p:cNvGrpSpPr>
+          <p:nvPr/>
+        </p:nvGrpSpPr>
+        <p:grpSpPr>
+          <a:xfrm>
+            <a:off x="3228671" y="3535929"/>
+            <a:ext cx="898512" cy="720000"/>
+            <a:chOff x="3422976" y="2520000"/>
+            <a:chExt cx="1797024" cy="1440000"/>
+          </a:xfrm>
+        </p:grpSpPr>
+        <p:sp>
+          <p:nvSpPr>
+            <p:cNvPr id="39" name="Oval 38">
+              <a:extLst>
+                <a:ext uri="{FF2B5EF4-FFF2-40B4-BE49-F238E27FC236}">
+                  <a16:creationId xmlns:a16="http://schemas.microsoft.com/office/drawing/2014/main" id="{22728371-99EF-E551-B7AA-DD372CEFEFD6}"/>
+                </a:ext>
+              </a:extLst>
+            </p:cNvPr>
+            <p:cNvSpPr/>
+            <p:nvPr/>
+          </p:nvSpPr>
+          <p:spPr>
+            <a:xfrm>
+              <a:off x="3780000" y="3600000"/>
+              <a:ext cx="360000" cy="360000"/>
+            </a:xfrm>
+            <a:prstGeom prst="ellipse">
+              <a:avLst/>
+            </a:prstGeom>
+            <a:solidFill>
+              <a:schemeClr val="bg1"/>
+            </a:solidFill>
+            <a:ln>
+              <a:noFill/>
+            </a:ln>
+          </p:spPr>
+          <p:style>
+            <a:lnRef idx="2">
+              <a:schemeClr val="accent1">
+                <a:shade val="15000"/>
+              </a:schemeClr>
+            </a:lnRef>
+            <a:fillRef idx="1">
+              <a:schemeClr val="accent1"/>
+            </a:fillRef>
+            <a:effectRef idx="0">
+              <a:schemeClr val="accent1"/>
+            </a:effectRef>
+            <a:fontRef idx="minor">
+              <a:schemeClr val="lt1"/>
+            </a:fontRef>
+          </p:style>
+          <p:txBody>
+            <a:bodyPr rtlCol="0" anchor="ctr"/>
+            <a:lstStyle/>
+            <a:p>
+              <a:pPr algn="ctr"/>
+              <a:endParaRPr lang="fr-CA"/>
+            </a:p>
+          </p:txBody>
+        </p:sp>
+        <p:sp>
+          <p:nvSpPr>
+            <p:cNvPr id="40" name="Oval 39">
+              <a:extLst>
+                <a:ext uri="{FF2B5EF4-FFF2-40B4-BE49-F238E27FC236}">
+                  <a16:creationId xmlns:a16="http://schemas.microsoft.com/office/drawing/2014/main" id="{F6242348-C0C1-4FA1-FA3E-3574ABFA98FD}"/>
+                </a:ext>
+              </a:extLst>
+            </p:cNvPr>
+            <p:cNvSpPr/>
+            <p:nvPr/>
+          </p:nvSpPr>
+          <p:spPr>
+            <a:xfrm>
+              <a:off x="4140000" y="3600000"/>
+              <a:ext cx="360000" cy="360000"/>
+            </a:xfrm>
+            <a:prstGeom prst="ellipse">
+              <a:avLst/>
+            </a:prstGeom>
+            <a:solidFill>
+              <a:srgbClr val="DDDDDD"/>
+            </a:solidFill>
+            <a:ln>
+              <a:noFill/>
+            </a:ln>
+          </p:spPr>
+          <p:style>
+            <a:lnRef idx="2">
+              <a:schemeClr val="accent1">
+                <a:shade val="15000"/>
+              </a:schemeClr>
+            </a:lnRef>
+            <a:fillRef idx="1">
+              <a:schemeClr val="accent1"/>
+            </a:fillRef>
+            <a:effectRef idx="0">
+              <a:schemeClr val="accent1"/>
+            </a:effectRef>
+            <a:fontRef idx="minor">
+              <a:schemeClr val="lt1"/>
+            </a:fontRef>
+          </p:style>
+          <p:txBody>
+            <a:bodyPr rtlCol="0" anchor="ctr"/>
+            <a:lstStyle/>
+            <a:p>
+              <a:pPr algn="ctr"/>
+              <a:endParaRPr lang="fr-CA"/>
+            </a:p>
+          </p:txBody>
+        </p:sp>
+        <p:sp>
+          <p:nvSpPr>
+            <p:cNvPr id="41" name="Oval 40">
+              <a:extLst>
+                <a:ext uri="{FF2B5EF4-FFF2-40B4-BE49-F238E27FC236}">
+                  <a16:creationId xmlns:a16="http://schemas.microsoft.com/office/drawing/2014/main" id="{F6975A0E-17C3-8BD6-8690-BD795BA826F4}"/>
+                </a:ext>
+              </a:extLst>
+            </p:cNvPr>
+            <p:cNvSpPr/>
+            <p:nvPr/>
+          </p:nvSpPr>
+          <p:spPr>
+            <a:xfrm>
+              <a:off x="4140000" y="3240000"/>
+              <a:ext cx="360000" cy="360000"/>
+            </a:xfrm>
+            <a:prstGeom prst="ellipse">
+              <a:avLst/>
+            </a:prstGeom>
+            <a:solidFill>
+              <a:schemeClr val="bg1"/>
+            </a:solidFill>
+            <a:ln>
+              <a:noFill/>
+            </a:ln>
+          </p:spPr>
+          <p:style>
+            <a:lnRef idx="2">
+              <a:schemeClr val="accent1">
+                <a:shade val="15000"/>
+              </a:schemeClr>
+            </a:lnRef>
+            <a:fillRef idx="1">
+              <a:schemeClr val="accent1"/>
+            </a:fillRef>
+            <a:effectRef idx="0">
+              <a:schemeClr val="accent1"/>
+            </a:effectRef>
+            <a:fontRef idx="minor">
+              <a:schemeClr val="lt1"/>
+            </a:fontRef>
+          </p:style>
+          <p:txBody>
+            <a:bodyPr rtlCol="0" anchor="ctr"/>
+            <a:lstStyle/>
+            <a:p>
+              <a:pPr algn="ctr"/>
+              <a:endParaRPr lang="fr-CA"/>
+            </a:p>
+          </p:txBody>
+        </p:sp>
+        <p:sp>
+          <p:nvSpPr>
+            <p:cNvPr id="42" name="Oval 41">
+              <a:extLst>
+                <a:ext uri="{FF2B5EF4-FFF2-40B4-BE49-F238E27FC236}">
+                  <a16:creationId xmlns:a16="http://schemas.microsoft.com/office/drawing/2014/main" id="{0DFD413D-6AD1-4C96-7C61-1CE28B7C1292}"/>
+                </a:ext>
+              </a:extLst>
+            </p:cNvPr>
+            <p:cNvSpPr/>
+            <p:nvPr/>
+          </p:nvSpPr>
+          <p:spPr>
+            <a:xfrm>
+              <a:off x="4500000" y="3600000"/>
+              <a:ext cx="360000" cy="360000"/>
+            </a:xfrm>
+            <a:prstGeom prst="ellipse">
+              <a:avLst/>
+            </a:prstGeom>
+            <a:solidFill>
+              <a:srgbClr val="BBBBBB"/>
+            </a:solidFill>
+            <a:ln>
+              <a:noFill/>
+            </a:ln>
+          </p:spPr>
+          <p:style>
+            <a:lnRef idx="2">
+              <a:schemeClr val="accent1">
+                <a:shade val="15000"/>
+              </a:schemeClr>
+            </a:lnRef>
+            <a:fillRef idx="1">
+              <a:schemeClr val="accent1"/>
+            </a:fillRef>
+            <a:effectRef idx="0">
+              <a:schemeClr val="accent1"/>
+            </a:effectRef>
+            <a:fontRef idx="minor">
+              <a:schemeClr val="lt1"/>
+            </a:fontRef>
+          </p:style>
+          <p:txBody>
+            <a:bodyPr rtlCol="0" anchor="ctr"/>
+            <a:lstStyle/>
+            <a:p>
+              <a:pPr algn="ctr"/>
+              <a:endParaRPr lang="fr-CA"/>
+            </a:p>
+          </p:txBody>
+        </p:sp>
+        <p:sp>
+          <p:nvSpPr>
+            <p:cNvPr id="45" name="Oval 44">
+              <a:extLst>
+                <a:ext uri="{FF2B5EF4-FFF2-40B4-BE49-F238E27FC236}">
+                  <a16:creationId xmlns:a16="http://schemas.microsoft.com/office/drawing/2014/main" id="{366A2DF7-8C01-673C-347E-DC53D5AF7EE2}"/>
+                </a:ext>
+              </a:extLst>
+            </p:cNvPr>
+            <p:cNvSpPr/>
+            <p:nvPr/>
+          </p:nvSpPr>
+          <p:spPr>
+            <a:xfrm>
+              <a:off x="4500000" y="3240000"/>
+              <a:ext cx="360000" cy="360000"/>
+            </a:xfrm>
+            <a:prstGeom prst="ellipse">
+              <a:avLst/>
+            </a:prstGeom>
+            <a:solidFill>
+              <a:srgbClr val="DDDDDD"/>
+            </a:solidFill>
+            <a:ln>
+              <a:noFill/>
+            </a:ln>
+          </p:spPr>
+          <p:style>
+            <a:lnRef idx="2">
+              <a:schemeClr val="accent1">
+                <a:shade val="15000"/>
+              </a:schemeClr>
+            </a:lnRef>
+            <a:fillRef idx="1">
+              <a:schemeClr val="accent1"/>
+            </a:fillRef>
+            <a:effectRef idx="0">
+              <a:schemeClr val="accent1"/>
+            </a:effectRef>
+            <a:fontRef idx="minor">
+              <a:schemeClr val="lt1"/>
+            </a:fontRef>
+          </p:style>
+          <p:txBody>
+            <a:bodyPr rtlCol="0" anchor="ctr"/>
+            <a:lstStyle/>
+            <a:p>
+              <a:pPr algn="ctr"/>
+              <a:endParaRPr lang="fr-CA"/>
+            </a:p>
+          </p:txBody>
+        </p:sp>
+        <p:sp>
+          <p:nvSpPr>
+            <p:cNvPr id="46" name="Oval 45">
+              <a:extLst>
+                <a:ext uri="{FF2B5EF4-FFF2-40B4-BE49-F238E27FC236}">
+                  <a16:creationId xmlns:a16="http://schemas.microsoft.com/office/drawing/2014/main" id="{62549675-E8CB-5DD7-C8AF-33A9C1FAC9B8}"/>
+                </a:ext>
+              </a:extLst>
+            </p:cNvPr>
+            <p:cNvSpPr/>
+            <p:nvPr/>
+          </p:nvSpPr>
+          <p:spPr>
+            <a:xfrm>
+              <a:off x="4860000" y="3600000"/>
+              <a:ext cx="360000" cy="360000"/>
+            </a:xfrm>
+            <a:prstGeom prst="ellipse">
+              <a:avLst/>
+            </a:prstGeom>
+            <a:solidFill>
+              <a:srgbClr val="999999"/>
+            </a:solidFill>
+            <a:ln>
+              <a:noFill/>
+            </a:ln>
+          </p:spPr>
+          <p:style>
+            <a:lnRef idx="2">
+              <a:schemeClr val="accent1">
+                <a:shade val="15000"/>
+              </a:schemeClr>
+            </a:lnRef>
+            <a:fillRef idx="1">
+              <a:schemeClr val="accent1"/>
+            </a:fillRef>
+            <a:effectRef idx="0">
+              <a:schemeClr val="accent1"/>
+            </a:effectRef>
+            <a:fontRef idx="minor">
+              <a:schemeClr val="lt1"/>
+            </a:fontRef>
+          </p:style>
+          <p:txBody>
+            <a:bodyPr rtlCol="0" anchor="ctr"/>
+            <a:lstStyle/>
+            <a:p>
+              <a:pPr algn="ctr"/>
+              <a:endParaRPr lang="fr-CA"/>
+            </a:p>
+          </p:txBody>
+        </p:sp>
+        <p:sp>
+          <p:nvSpPr>
+            <p:cNvPr id="51" name="Oval 50">
+              <a:extLst>
+                <a:ext uri="{FF2B5EF4-FFF2-40B4-BE49-F238E27FC236}">
+                  <a16:creationId xmlns:a16="http://schemas.microsoft.com/office/drawing/2014/main" id="{B7BF02D5-C38D-93EA-0E9F-2D7CD8A9C7F9}"/>
+                </a:ext>
+              </a:extLst>
+            </p:cNvPr>
+            <p:cNvSpPr/>
+            <p:nvPr/>
+          </p:nvSpPr>
+          <p:spPr>
+            <a:xfrm>
+              <a:off x="4860000" y="3240000"/>
+              <a:ext cx="360000" cy="360000"/>
+            </a:xfrm>
+            <a:prstGeom prst="ellipse">
+              <a:avLst/>
+            </a:prstGeom>
+            <a:solidFill>
+              <a:srgbClr val="BBBBBB"/>
+            </a:solidFill>
+            <a:ln>
+              <a:noFill/>
+            </a:ln>
+          </p:spPr>
+          <p:style>
+            <a:lnRef idx="2">
+              <a:schemeClr val="accent1">
+                <a:shade val="15000"/>
+              </a:schemeClr>
+            </a:lnRef>
+            <a:fillRef idx="1">
+              <a:schemeClr val="accent1"/>
+            </a:fillRef>
+            <a:effectRef idx="0">
+              <a:schemeClr val="accent1"/>
+            </a:effectRef>
+            <a:fontRef idx="minor">
+              <a:schemeClr val="lt1"/>
+            </a:fontRef>
+          </p:style>
+          <p:txBody>
+            <a:bodyPr rtlCol="0" anchor="ctr"/>
+            <a:lstStyle/>
+            <a:p>
+              <a:pPr algn="ctr"/>
+              <a:endParaRPr lang="fr-CA"/>
+            </a:p>
+          </p:txBody>
+        </p:sp>
+        <p:sp>
+          <p:nvSpPr>
+            <p:cNvPr id="52" name="Oval 51">
+              <a:extLst>
+                <a:ext uri="{FF2B5EF4-FFF2-40B4-BE49-F238E27FC236}">
+                  <a16:creationId xmlns:a16="http://schemas.microsoft.com/office/drawing/2014/main" id="{971FC259-2763-0A85-F63E-54D7173F5CD8}"/>
+                </a:ext>
+              </a:extLst>
+            </p:cNvPr>
+            <p:cNvSpPr/>
+            <p:nvPr/>
+          </p:nvSpPr>
+          <p:spPr>
+            <a:xfrm>
+              <a:off x="4500000" y="2880000"/>
+              <a:ext cx="360000" cy="360000"/>
+            </a:xfrm>
+            <a:prstGeom prst="ellipse">
+              <a:avLst/>
+            </a:prstGeom>
+            <a:solidFill>
+              <a:schemeClr val="bg1"/>
+            </a:solidFill>
+            <a:ln>
+              <a:noFill/>
+            </a:ln>
+          </p:spPr>
+          <p:style>
+            <a:lnRef idx="2">
+              <a:schemeClr val="accent1">
+                <a:shade val="15000"/>
+              </a:schemeClr>
+            </a:lnRef>
+            <a:fillRef idx="1">
+              <a:schemeClr val="accent1"/>
+            </a:fillRef>
+            <a:effectRef idx="0">
+              <a:schemeClr val="accent1"/>
+            </a:effectRef>
+            <a:fontRef idx="minor">
+              <a:schemeClr val="lt1"/>
+            </a:fontRef>
+          </p:style>
+          <p:txBody>
+            <a:bodyPr rtlCol="0" anchor="ctr"/>
+            <a:lstStyle/>
+            <a:p>
+              <a:pPr algn="ctr"/>
+              <a:endParaRPr lang="fr-CA"/>
+            </a:p>
+          </p:txBody>
+        </p:sp>
+        <p:sp>
+          <p:nvSpPr>
+            <p:cNvPr id="54" name="Oval 53">
+              <a:extLst>
+                <a:ext uri="{FF2B5EF4-FFF2-40B4-BE49-F238E27FC236}">
+                  <a16:creationId xmlns:a16="http://schemas.microsoft.com/office/drawing/2014/main" id="{159E21A8-8573-FAD4-7289-5C556B78E45E}"/>
+                </a:ext>
+              </a:extLst>
+            </p:cNvPr>
+            <p:cNvSpPr/>
+            <p:nvPr/>
+          </p:nvSpPr>
+          <p:spPr>
+            <a:xfrm>
+              <a:off x="4860000" y="2880000"/>
+              <a:ext cx="360000" cy="360000"/>
+            </a:xfrm>
+            <a:prstGeom prst="ellipse">
+              <a:avLst/>
+            </a:prstGeom>
+            <a:solidFill>
+              <a:srgbClr val="DDDDDD"/>
+            </a:solidFill>
+            <a:ln>
+              <a:noFill/>
+            </a:ln>
+          </p:spPr>
+          <p:style>
+            <a:lnRef idx="2">
+              <a:schemeClr val="accent1">
+                <a:shade val="15000"/>
+              </a:schemeClr>
+            </a:lnRef>
+            <a:fillRef idx="1">
+              <a:schemeClr val="accent1"/>
+            </a:fillRef>
+            <a:effectRef idx="0">
+              <a:schemeClr val="accent1"/>
+            </a:effectRef>
+            <a:fontRef idx="minor">
+              <a:schemeClr val="lt1"/>
+            </a:fontRef>
+          </p:style>
+          <p:txBody>
+            <a:bodyPr rtlCol="0" anchor="ctr"/>
+            <a:lstStyle/>
+            <a:p>
+              <a:pPr algn="ctr"/>
+              <a:endParaRPr lang="fr-CA"/>
+            </a:p>
+          </p:txBody>
+        </p:sp>
+        <p:sp>
+          <p:nvSpPr>
+            <p:cNvPr id="55" name="Oval 54">
+              <a:extLst>
+                <a:ext uri="{FF2B5EF4-FFF2-40B4-BE49-F238E27FC236}">
+                  <a16:creationId xmlns:a16="http://schemas.microsoft.com/office/drawing/2014/main" id="{2FD5E9A5-3F83-28A0-C475-C2C6F28D8F23}"/>
+                </a:ext>
+              </a:extLst>
+            </p:cNvPr>
+            <p:cNvSpPr/>
+            <p:nvPr/>
+          </p:nvSpPr>
+          <p:spPr>
+            <a:xfrm>
+              <a:off x="4860000" y="2520000"/>
+              <a:ext cx="360000" cy="360000"/>
+            </a:xfrm>
+            <a:prstGeom prst="ellipse">
+              <a:avLst/>
+            </a:prstGeom>
+            <a:solidFill>
+              <a:schemeClr val="bg1"/>
+            </a:solidFill>
+            <a:ln>
+              <a:noFill/>
+            </a:ln>
+          </p:spPr>
+          <p:style>
+            <a:lnRef idx="2">
+              <a:schemeClr val="accent1">
+                <a:shade val="15000"/>
+              </a:schemeClr>
+            </a:lnRef>
+            <a:fillRef idx="1">
+              <a:schemeClr val="accent1"/>
+            </a:fillRef>
+            <a:effectRef idx="0">
+              <a:schemeClr val="accent1"/>
+            </a:effectRef>
+            <a:fontRef idx="minor">
+              <a:schemeClr val="lt1"/>
+            </a:fontRef>
+          </p:style>
+          <p:txBody>
+            <a:bodyPr rtlCol="0" anchor="ctr"/>
+            <a:lstStyle/>
+            <a:p>
+              <a:pPr algn="ctr"/>
+              <a:endParaRPr lang="fr-CA"/>
+            </a:p>
+          </p:txBody>
+        </p:sp>
+        <p:sp>
+          <p:nvSpPr>
+            <p:cNvPr id="56" name="Arrow: Right 55">
+              <a:extLst>
+                <a:ext uri="{FF2B5EF4-FFF2-40B4-BE49-F238E27FC236}">
+                  <a16:creationId xmlns:a16="http://schemas.microsoft.com/office/drawing/2014/main" id="{CE031C65-40C0-3B4A-5DDD-12C5E7E657E5}"/>
+                </a:ext>
+              </a:extLst>
+            </p:cNvPr>
+            <p:cNvSpPr/>
+            <p:nvPr/>
+          </p:nvSpPr>
+          <p:spPr>
+            <a:xfrm rot="18900000">
+              <a:off x="3422976" y="2637684"/>
+              <a:ext cx="1482838" cy="484632"/>
+            </a:xfrm>
+            <a:prstGeom prst="rightArrow">
+              <a:avLst/>
+            </a:prstGeom>
+            <a:gradFill>
+              <a:gsLst>
+                <a:gs pos="100000">
+                  <a:srgbClr val="CCCCCC"/>
+                </a:gs>
+                <a:gs pos="0">
+                  <a:srgbClr val="666666"/>
+                </a:gs>
+              </a:gsLst>
+              <a:lin ang="0" scaled="0"/>
+            </a:gradFill>
+            <a:ln>
+              <a:noFill/>
+            </a:ln>
+          </p:spPr>
+          <p:style>
+            <a:lnRef idx="2">
+              <a:schemeClr val="accent1">
+                <a:shade val="15000"/>
+              </a:schemeClr>
+            </a:lnRef>
+            <a:fillRef idx="1">
+              <a:schemeClr val="accent1"/>
+            </a:fillRef>
+            <a:effectRef idx="0">
+              <a:schemeClr val="accent1"/>
+            </a:effectRef>
+            <a:fontRef idx="minor">
+              <a:schemeClr val="lt1"/>
+            </a:fontRef>
+          </p:style>
+          <p:txBody>
+            <a:bodyPr rtlCol="0" anchor="ctr"/>
+            <a:lstStyle/>
+            <a:p>
+              <a:pPr algn="ctr"/>
+              <a:endParaRPr lang="fr-CA"/>
+            </a:p>
+          </p:txBody>
+        </p:sp>
+      </p:grpSp>
+      <p:sp>
+        <p:nvSpPr>
+          <p:cNvPr id="60" name="Freeform: Shape 59">
+            <a:extLst>
+              <a:ext uri="{FF2B5EF4-FFF2-40B4-BE49-F238E27FC236}">
+                <a16:creationId xmlns:a16="http://schemas.microsoft.com/office/drawing/2014/main" id="{EF495629-2470-FEBD-ED7A-4C427A5587E6}"/>
+              </a:ext>
+            </a:extLst>
+          </p:cNvPr>
+          <p:cNvSpPr/>
+          <p:nvPr/>
+        </p:nvSpPr>
+        <p:spPr>
+          <a:xfrm>
+            <a:off x="5008353" y="3424112"/>
+            <a:ext cx="818844" cy="811252"/>
+          </a:xfrm>
+          <a:custGeom>
+            <a:avLst/>
+            <a:gdLst>
+              <a:gd name="csX0" fmla="*/ 169550 w 1594572"/>
+              <a:gd name="csY0" fmla="*/ 1489389 h 1595185"/>
+              <a:gd name="csX1" fmla="*/ 119742 w 1594572"/>
+              <a:gd name="csY1" fmla="*/ 1499351 h 1595185"/>
+              <a:gd name="csX2" fmla="*/ 91850 w 1594572"/>
+              <a:gd name="csY2" fmla="*/ 1457512 h 1595185"/>
+              <a:gd name="csX3" fmla="*/ 119742 w 1594572"/>
+              <a:gd name="csY3" fmla="*/ 1415673 h 1595185"/>
+              <a:gd name="csX4" fmla="*/ 169550 w 1594572"/>
+              <a:gd name="csY4" fmla="*/ 1425635 h 1595185"/>
+              <a:gd name="csX5" fmla="*/ 169550 w 1594572"/>
+              <a:gd name="csY5" fmla="*/ 1489389 h 1595185"/>
+              <a:gd name="csX6" fmla="*/ 1576123 w 1594572"/>
+              <a:gd name="csY6" fmla="*/ 176455 h 1595185"/>
+              <a:gd name="csX7" fmla="*/ 1414746 w 1594572"/>
+              <a:gd name="csY7" fmla="*/ 337832 h 1595185"/>
+              <a:gd name="csX8" fmla="*/ 1287237 w 1594572"/>
+              <a:gd name="csY8" fmla="*/ 303963 h 1595185"/>
+              <a:gd name="csX9" fmla="*/ 1255361 w 1594572"/>
+              <a:gd name="csY9" fmla="*/ 178447 h 1595185"/>
+              <a:gd name="csX10" fmla="*/ 1416738 w 1594572"/>
+              <a:gd name="csY10" fmla="*/ 17070 h 1595185"/>
+              <a:gd name="csX11" fmla="*/ 1137814 w 1594572"/>
+              <a:gd name="csY11" fmla="*/ 70862 h 1595185"/>
+              <a:gd name="csX12" fmla="*/ 1058122 w 1594572"/>
+              <a:gd name="csY12" fmla="*/ 343809 h 1595185"/>
+              <a:gd name="csX13" fmla="*/ 42042 w 1594572"/>
+              <a:gd name="csY13" fmla="*/ 1359889 h 1595185"/>
+              <a:gd name="csX14" fmla="*/ 4188 w 1594572"/>
+              <a:gd name="csY14" fmla="*/ 1493374 h 1595185"/>
+              <a:gd name="csX15" fmla="*/ 101812 w 1594572"/>
+              <a:gd name="csY15" fmla="*/ 1590997 h 1595185"/>
+              <a:gd name="csX16" fmla="*/ 235296 w 1594572"/>
+              <a:gd name="csY16" fmla="*/ 1553143 h 1595185"/>
+              <a:gd name="csX17" fmla="*/ 1251376 w 1594572"/>
+              <a:gd name="csY17" fmla="*/ 537064 h 1595185"/>
+              <a:gd name="csX18" fmla="*/ 1524323 w 1594572"/>
+              <a:gd name="csY18" fmla="*/ 457371 h 1595185"/>
+              <a:gd name="csX19" fmla="*/ 1576123 w 1594572"/>
+              <a:gd name="csY19" fmla="*/ 176455 h 1595185"/>
+            </a:gdLst>
+            <a:ahLst/>
+            <a:cxnLst>
+              <a:cxn ang="0">
+                <a:pos x="csX0" y="csY0"/>
+              </a:cxn>
+              <a:cxn ang="0">
+                <a:pos x="csX1" y="csY1"/>
+              </a:cxn>
+              <a:cxn ang="0">
+                <a:pos x="csX2" y="csY2"/>
+              </a:cxn>
+              <a:cxn ang="0">
+                <a:pos x="csX3" y="csY3"/>
+              </a:cxn>
+              <a:cxn ang="0">
+                <a:pos x="csX4" y="csY4"/>
+              </a:cxn>
+              <a:cxn ang="0">
+                <a:pos x="csX5" y="csY5"/>
+              </a:cxn>
+              <a:cxn ang="0">
+                <a:pos x="csX6" y="csY6"/>
+              </a:cxn>
+              <a:cxn ang="0">
+                <a:pos x="csX7" y="csY7"/>
+              </a:cxn>
+              <a:cxn ang="0">
+                <a:pos x="csX8" y="csY8"/>
+              </a:cxn>
+              <a:cxn ang="0">
+                <a:pos x="csX9" y="csY9"/>
+              </a:cxn>
+              <a:cxn ang="0">
+                <a:pos x="csX10" y="csY10"/>
+              </a:cxn>
+              <a:cxn ang="0">
+                <a:pos x="csX11" y="csY11"/>
+              </a:cxn>
+              <a:cxn ang="0">
+                <a:pos x="csX12" y="csY12"/>
+              </a:cxn>
+              <a:cxn ang="0">
+                <a:pos x="csX13" y="csY13"/>
+              </a:cxn>
+              <a:cxn ang="0">
+                <a:pos x="csX14" y="csY14"/>
+              </a:cxn>
+              <a:cxn ang="0">
+                <a:pos x="csX15" y="csY15"/>
+              </a:cxn>
+              <a:cxn ang="0">
+                <a:pos x="csX16" y="csY16"/>
+              </a:cxn>
+              <a:cxn ang="0">
+                <a:pos x="csX17" y="csY17"/>
+              </a:cxn>
+              <a:cxn ang="0">
+                <a:pos x="csX18" y="csY18"/>
+              </a:cxn>
+              <a:cxn ang="0">
+                <a:pos x="csX19" y="csY19"/>
+              </a:cxn>
+            </a:cxnLst>
+            <a:rect l="l" t="t" r="r" b="b"/>
+            <a:pathLst>
+              <a:path w="1594572" h="1595185">
+                <a:moveTo>
+                  <a:pt x="169550" y="1489389"/>
+                </a:moveTo>
+                <a:cubicBezTo>
+                  <a:pt x="155604" y="1503335"/>
+                  <a:pt x="137673" y="1507320"/>
+                  <a:pt x="119742" y="1499351"/>
+                </a:cubicBezTo>
+                <a:cubicBezTo>
+                  <a:pt x="101812" y="1491381"/>
+                  <a:pt x="91850" y="1475443"/>
+                  <a:pt x="91850" y="1457512"/>
+                </a:cubicBezTo>
+                <a:cubicBezTo>
+                  <a:pt x="91850" y="1439581"/>
+                  <a:pt x="103804" y="1421650"/>
+                  <a:pt x="119742" y="1415673"/>
+                </a:cubicBezTo>
+                <a:cubicBezTo>
+                  <a:pt x="137673" y="1407704"/>
+                  <a:pt x="155604" y="1411689"/>
+                  <a:pt x="169550" y="1425635"/>
+                </a:cubicBezTo>
+                <a:cubicBezTo>
+                  <a:pt x="187481" y="1441573"/>
+                  <a:pt x="187481" y="1471458"/>
+                  <a:pt x="169550" y="1489389"/>
+                </a:cubicBezTo>
+                <a:close/>
+                <a:moveTo>
+                  <a:pt x="1576123" y="176455"/>
+                </a:moveTo>
+                <a:lnTo>
+                  <a:pt x="1414746" y="337832"/>
+                </a:lnTo>
+                <a:lnTo>
+                  <a:pt x="1287237" y="303963"/>
+                </a:lnTo>
+                <a:lnTo>
+                  <a:pt x="1255361" y="178447"/>
+                </a:lnTo>
+                <a:lnTo>
+                  <a:pt x="1416738" y="17070"/>
+                </a:lnTo>
+                <a:cubicBezTo>
+                  <a:pt x="1321107" y="-18792"/>
+                  <a:pt x="1213522" y="3124"/>
+                  <a:pt x="1137814" y="70862"/>
+                </a:cubicBezTo>
+                <a:cubicBezTo>
+                  <a:pt x="1062106" y="140593"/>
+                  <a:pt x="1032221" y="244194"/>
+                  <a:pt x="1058122" y="343809"/>
+                </a:cubicBezTo>
+                <a:lnTo>
+                  <a:pt x="42042" y="1359889"/>
+                </a:lnTo>
+                <a:cubicBezTo>
+                  <a:pt x="6181" y="1393758"/>
+                  <a:pt x="-7766" y="1445558"/>
+                  <a:pt x="4188" y="1493374"/>
+                </a:cubicBezTo>
+                <a:cubicBezTo>
+                  <a:pt x="16142" y="1541189"/>
+                  <a:pt x="53996" y="1579043"/>
+                  <a:pt x="101812" y="1590997"/>
+                </a:cubicBezTo>
+                <a:cubicBezTo>
+                  <a:pt x="149627" y="1602951"/>
+                  <a:pt x="199435" y="1589005"/>
+                  <a:pt x="235296" y="1553143"/>
+                </a:cubicBezTo>
+                <a:lnTo>
+                  <a:pt x="1251376" y="537064"/>
+                </a:lnTo>
+                <a:cubicBezTo>
+                  <a:pt x="1350992" y="562964"/>
+                  <a:pt x="1454592" y="533079"/>
+                  <a:pt x="1524323" y="457371"/>
+                </a:cubicBezTo>
+                <a:cubicBezTo>
+                  <a:pt x="1592061" y="381663"/>
+                  <a:pt x="1613977" y="272086"/>
+                  <a:pt x="1576123" y="176455"/>
+                </a:cubicBezTo>
+                <a:close/>
+              </a:path>
+            </a:pathLst>
+          </a:custGeom>
+          <a:solidFill>
+            <a:srgbClr val="CCCCCC"/>
+          </a:solidFill>
+          <a:ln w="19844" cap="flat">
+            <a:noFill/>
+            <a:prstDash val="solid"/>
+            <a:miter/>
+          </a:ln>
+        </p:spPr>
+        <p:txBody>
+          <a:bodyPr/>
+          <a:lstStyle/>
+          <a:p>
+            <a:endParaRPr lang="fr-CA"/>
+          </a:p>
+        </p:txBody>
+      </p:sp>
+      <p:grpSp>
+        <p:nvGrpSpPr>
+          <p:cNvPr id="78" name="Group 77">
+            <a:extLst>
+              <a:ext uri="{FF2B5EF4-FFF2-40B4-BE49-F238E27FC236}">
+                <a16:creationId xmlns:a16="http://schemas.microsoft.com/office/drawing/2014/main" id="{701FC54C-CD52-760F-5006-A5F6D2D0E13A}"/>
+              </a:ext>
+            </a:extLst>
+          </p:cNvPr>
+          <p:cNvGrpSpPr>
+            <a:grpSpLocks noChangeAspect="1"/>
+          </p:cNvGrpSpPr>
+          <p:nvPr/>
+        </p:nvGrpSpPr>
+        <p:grpSpPr>
+          <a:xfrm>
+            <a:off x="6478026" y="3252096"/>
+            <a:ext cx="720000" cy="1202232"/>
+            <a:chOff x="5183005" y="451610"/>
+            <a:chExt cx="2151245" cy="3592076"/>
+          </a:xfrm>
+        </p:grpSpPr>
+        <p:sp>
+          <p:nvSpPr>
+            <p:cNvPr id="79" name="Oval 78">
+              <a:extLst>
+                <a:ext uri="{FF2B5EF4-FFF2-40B4-BE49-F238E27FC236}">
+                  <a16:creationId xmlns:a16="http://schemas.microsoft.com/office/drawing/2014/main" id="{0EF5B0D4-F9DA-97C7-C6A5-F34A7251B1F1}"/>
+                </a:ext>
+              </a:extLst>
+            </p:cNvPr>
+            <p:cNvSpPr/>
+            <p:nvPr/>
+          </p:nvSpPr>
+          <p:spPr>
+            <a:xfrm>
+              <a:off x="5715000" y="2997200"/>
+              <a:ext cx="825500" cy="901700"/>
+            </a:xfrm>
+            <a:prstGeom prst="ellipse">
+              <a:avLst/>
+            </a:prstGeom>
+            <a:solidFill>
+              <a:srgbClr val="999999"/>
+            </a:solidFill>
+            <a:ln>
+              <a:noFill/>
+            </a:ln>
+          </p:spPr>
+          <p:style>
+            <a:lnRef idx="2">
+              <a:schemeClr val="accent1">
+                <a:shade val="15000"/>
+              </a:schemeClr>
+            </a:lnRef>
+            <a:fillRef idx="1">
+              <a:schemeClr val="accent1"/>
+            </a:fillRef>
+            <a:effectRef idx="0">
+              <a:schemeClr val="accent1"/>
+            </a:effectRef>
+            <a:fontRef idx="minor">
+              <a:schemeClr val="lt1"/>
+            </a:fontRef>
+          </p:style>
+          <p:txBody>
+            <a:bodyPr rtlCol="0" anchor="ctr"/>
+            <a:lstStyle/>
+            <a:p>
+              <a:pPr algn="ctr"/>
+              <a:endParaRPr lang="fr-CA"/>
+            </a:p>
+          </p:txBody>
+        </p:sp>
+        <p:grpSp>
+          <p:nvGrpSpPr>
+            <p:cNvPr id="80" name="Group 79">
+              <a:extLst>
+                <a:ext uri="{FF2B5EF4-FFF2-40B4-BE49-F238E27FC236}">
+                  <a16:creationId xmlns:a16="http://schemas.microsoft.com/office/drawing/2014/main" id="{F114F929-CC97-0FFE-2FFA-177CDF0B284B}"/>
+                </a:ext>
+              </a:extLst>
+            </p:cNvPr>
+            <p:cNvGrpSpPr/>
+            <p:nvPr/>
+          </p:nvGrpSpPr>
+          <p:grpSpPr>
+            <a:xfrm>
+              <a:off x="5183005" y="451610"/>
+              <a:ext cx="2151245" cy="3592076"/>
+              <a:chOff x="5183005" y="451610"/>
+              <a:chExt cx="2151245" cy="3592076"/>
+            </a:xfrm>
+          </p:grpSpPr>
+          <p:sp>
+            <p:nvSpPr>
+              <p:cNvPr id="81" name="Freeform: Shape 80">
+                <a:extLst>
+                  <a:ext uri="{FF2B5EF4-FFF2-40B4-BE49-F238E27FC236}">
+                    <a16:creationId xmlns:a16="http://schemas.microsoft.com/office/drawing/2014/main" id="{0448A6B4-0CBC-CE10-C296-35A9C346E0BE}"/>
+                  </a:ext>
+                </a:extLst>
+              </p:cNvPr>
+              <p:cNvSpPr/>
+              <p:nvPr/>
+            </p:nvSpPr>
+            <p:spPr>
+              <a:xfrm>
+                <a:off x="5189006" y="451610"/>
+                <a:ext cx="1848676" cy="380337"/>
+              </a:xfrm>
+              <a:custGeom>
+                <a:avLst/>
+                <a:gdLst>
+                  <a:gd name="csX0" fmla="*/ 28575 w 361949"/>
+                  <a:gd name="csY0" fmla="*/ 85725 h 85725"/>
+                  <a:gd name="csX1" fmla="*/ 333375 w 361949"/>
+                  <a:gd name="csY1" fmla="*/ 85725 h 85725"/>
+                  <a:gd name="csX2" fmla="*/ 361950 w 361949"/>
+                  <a:gd name="csY2" fmla="*/ 57150 h 85725"/>
+                  <a:gd name="csX3" fmla="*/ 333375 w 361949"/>
+                  <a:gd name="csY3" fmla="*/ 28575 h 85725"/>
+                  <a:gd name="csX4" fmla="*/ 242888 w 361949"/>
+                  <a:gd name="csY4" fmla="*/ 28575 h 85725"/>
+                  <a:gd name="csX5" fmla="*/ 233867 w 361949"/>
+                  <a:gd name="csY5" fmla="*/ 10535 h 85725"/>
+                  <a:gd name="csX6" fmla="*/ 216827 w 361949"/>
+                  <a:gd name="csY6" fmla="*/ 0 h 85725"/>
+                  <a:gd name="csX7" fmla="*/ 145123 w 361949"/>
+                  <a:gd name="csY7" fmla="*/ 0 h 85725"/>
+                  <a:gd name="csX8" fmla="*/ 128083 w 361949"/>
+                  <a:gd name="csY8" fmla="*/ 10535 h 85725"/>
+                  <a:gd name="csX9" fmla="*/ 119063 w 361949"/>
+                  <a:gd name="csY9" fmla="*/ 28575 h 85725"/>
+                  <a:gd name="csX10" fmla="*/ 28575 w 361949"/>
+                  <a:gd name="csY10" fmla="*/ 28575 h 85725"/>
+                  <a:gd name="csX11" fmla="*/ 0 w 361949"/>
+                  <a:gd name="csY11" fmla="*/ 57150 h 85725"/>
+                  <a:gd name="csX12" fmla="*/ 28575 w 361949"/>
+                  <a:gd name="csY12" fmla="*/ 85725 h 85725"/>
+                </a:gdLst>
+                <a:ahLst/>
+                <a:cxnLst>
+                  <a:cxn ang="0">
+                    <a:pos x="csX0" y="csY0"/>
+                  </a:cxn>
+                  <a:cxn ang="0">
+                    <a:pos x="csX1" y="csY1"/>
+                  </a:cxn>
+                  <a:cxn ang="0">
+                    <a:pos x="csX2" y="csY2"/>
+                  </a:cxn>
+                  <a:cxn ang="0">
+                    <a:pos x="csX3" y="csY3"/>
+                  </a:cxn>
+                  <a:cxn ang="0">
+                    <a:pos x="csX4" y="csY4"/>
+                  </a:cxn>
+                  <a:cxn ang="0">
+                    <a:pos x="csX5" y="csY5"/>
+                  </a:cxn>
+                  <a:cxn ang="0">
+                    <a:pos x="csX6" y="csY6"/>
+                  </a:cxn>
+                  <a:cxn ang="0">
+                    <a:pos x="csX7" y="csY7"/>
+                  </a:cxn>
+                  <a:cxn ang="0">
+                    <a:pos x="csX8" y="csY8"/>
+                  </a:cxn>
+                  <a:cxn ang="0">
+                    <a:pos x="csX9" y="csY9"/>
+                  </a:cxn>
+                  <a:cxn ang="0">
+                    <a:pos x="csX10" y="csY10"/>
+                  </a:cxn>
+                  <a:cxn ang="0">
+                    <a:pos x="csX11" y="csY11"/>
+                  </a:cxn>
+                  <a:cxn ang="0">
+                    <a:pos x="csX12" y="csY12"/>
+                  </a:cxn>
+                </a:cxnLst>
+                <a:rect l="l" t="t" r="r" b="b"/>
+                <a:pathLst>
+                  <a:path w="361949" h="85725">
+                    <a:moveTo>
+                      <a:pt x="28575" y="85725"/>
+                    </a:moveTo>
+                    <a:lnTo>
+                      <a:pt x="333375" y="85725"/>
+                    </a:lnTo>
+                    <a:cubicBezTo>
+                      <a:pt x="349156" y="85725"/>
+                      <a:pt x="361950" y="72932"/>
+                      <a:pt x="361950" y="57150"/>
+                    </a:cubicBezTo>
+                    <a:cubicBezTo>
+                      <a:pt x="361950" y="41369"/>
+                      <a:pt x="349156" y="28575"/>
+                      <a:pt x="333375" y="28575"/>
+                    </a:cubicBezTo>
+                    <a:lnTo>
+                      <a:pt x="242888" y="28575"/>
+                    </a:lnTo>
+                    <a:lnTo>
+                      <a:pt x="233867" y="10535"/>
+                    </a:lnTo>
+                    <a:cubicBezTo>
+                      <a:pt x="230641" y="4079"/>
+                      <a:pt x="224044" y="0"/>
+                      <a:pt x="216827" y="0"/>
+                    </a:cubicBezTo>
+                    <a:lnTo>
+                      <a:pt x="145123" y="0"/>
+                    </a:lnTo>
+                    <a:cubicBezTo>
+                      <a:pt x="137906" y="0"/>
+                      <a:pt x="131309" y="4079"/>
+                      <a:pt x="128083" y="10535"/>
+                    </a:cubicBezTo>
+                    <a:lnTo>
+                      <a:pt x="119063" y="28575"/>
+                    </a:lnTo>
+                    <a:lnTo>
+                      <a:pt x="28575" y="28575"/>
+                    </a:lnTo>
+                    <a:cubicBezTo>
+                      <a:pt x="12793" y="28575"/>
+                      <a:pt x="0" y="41369"/>
+                      <a:pt x="0" y="57150"/>
+                    </a:cubicBezTo>
+                    <a:cubicBezTo>
+                      <a:pt x="0" y="72932"/>
+                      <a:pt x="12793" y="85725"/>
+                      <a:pt x="28575" y="85725"/>
+                    </a:cubicBezTo>
+                    <a:close/>
+                  </a:path>
+                </a:pathLst>
+              </a:custGeom>
+              <a:solidFill>
+                <a:srgbClr val="333333"/>
+              </a:solidFill>
+              <a:ln w="9525" cap="flat">
+                <a:noFill/>
+                <a:prstDash val="solid"/>
+                <a:miter/>
+              </a:ln>
+            </p:spPr>
+            <p:txBody>
+              <a:bodyPr/>
+              <a:lstStyle/>
+              <a:p>
+                <a:endParaRPr lang="fr-CA"/>
+              </a:p>
+            </p:txBody>
+          </p:sp>
+          <p:sp>
+            <p:nvSpPr>
+              <p:cNvPr id="82" name="Freeform: Shape 81">
+                <a:extLst>
+                  <a:ext uri="{FF2B5EF4-FFF2-40B4-BE49-F238E27FC236}">
+                    <a16:creationId xmlns:a16="http://schemas.microsoft.com/office/drawing/2014/main" id="{A2A864EE-C294-028A-89A3-2BE948E62AF9}"/>
+                  </a:ext>
+                </a:extLst>
+              </p:cNvPr>
+              <p:cNvSpPr/>
+              <p:nvPr/>
+            </p:nvSpPr>
+            <p:spPr>
+              <a:xfrm>
+                <a:off x="5273570" y="1000986"/>
+                <a:ext cx="2060680" cy="1394571"/>
+              </a:xfrm>
+              <a:custGeom>
+                <a:avLst/>
+                <a:gdLst>
+                  <a:gd name="csX0" fmla="*/ 365322 w 403457"/>
+                  <a:gd name="csY0" fmla="*/ 47625 h 314325"/>
+                  <a:gd name="csX1" fmla="*/ 318078 w 403457"/>
+                  <a:gd name="csY1" fmla="*/ 47625 h 314325"/>
+                  <a:gd name="csX2" fmla="*/ 323850 w 403457"/>
+                  <a:gd name="csY2" fmla="*/ 0 h 314325"/>
+                  <a:gd name="csX3" fmla="*/ 0 w 403457"/>
+                  <a:gd name="csY3" fmla="*/ 0 h 314325"/>
+                  <a:gd name="csX4" fmla="*/ 38100 w 403457"/>
+                  <a:gd name="csY4" fmla="*/ 314325 h 314325"/>
+                  <a:gd name="csX5" fmla="*/ 285750 w 403457"/>
+                  <a:gd name="csY5" fmla="*/ 314325 h 314325"/>
+                  <a:gd name="csX6" fmla="*/ 293570 w 403457"/>
+                  <a:gd name="csY6" fmla="*/ 249784 h 314325"/>
+                  <a:gd name="csX7" fmla="*/ 352625 w 403457"/>
+                  <a:gd name="csY7" fmla="*/ 241906 h 314325"/>
+                  <a:gd name="csX8" fmla="*/ 385267 w 403457"/>
+                  <a:gd name="csY8" fmla="*/ 209798 h 314325"/>
+                  <a:gd name="csX9" fmla="*/ 403031 w 403457"/>
+                  <a:gd name="csY9" fmla="*/ 91373 h 314325"/>
+                  <a:gd name="csX10" fmla="*/ 371001 w 403457"/>
+                  <a:gd name="csY10" fmla="*/ 48046 h 314325"/>
+                  <a:gd name="csX11" fmla="*/ 365322 w 403457"/>
+                  <a:gd name="csY11" fmla="*/ 47625 h 314325"/>
+                  <a:gd name="csX12" fmla="*/ 347605 w 403457"/>
+                  <a:gd name="csY12" fmla="*/ 204140 h 314325"/>
+                  <a:gd name="csX13" fmla="*/ 298352 w 403457"/>
+                  <a:gd name="csY13" fmla="*/ 210712 h 314325"/>
+                  <a:gd name="csX14" fmla="*/ 313449 w 403457"/>
+                  <a:gd name="csY14" fmla="*/ 85725 h 314325"/>
+                  <a:gd name="csX15" fmla="*/ 365322 w 403457"/>
+                  <a:gd name="csY15" fmla="*/ 85725 h 314325"/>
+                </a:gdLst>
+                <a:ahLst/>
+                <a:cxnLst>
+                  <a:cxn ang="0">
+                    <a:pos x="csX0" y="csY0"/>
+                  </a:cxn>
+                  <a:cxn ang="0">
+                    <a:pos x="csX1" y="csY1"/>
+                  </a:cxn>
+                  <a:cxn ang="0">
+                    <a:pos x="csX2" y="csY2"/>
+                  </a:cxn>
+                  <a:cxn ang="0">
+                    <a:pos x="csX3" y="csY3"/>
+                  </a:cxn>
+                  <a:cxn ang="0">
+                    <a:pos x="csX4" y="csY4"/>
+                  </a:cxn>
+                  <a:cxn ang="0">
+                    <a:pos x="csX5" y="csY5"/>
+                  </a:cxn>
+                  <a:cxn ang="0">
+                    <a:pos x="csX6" y="csY6"/>
+                  </a:cxn>
+                  <a:cxn ang="0">
+                    <a:pos x="csX7" y="csY7"/>
+                  </a:cxn>
+                  <a:cxn ang="0">
+                    <a:pos x="csX8" y="csY8"/>
+                  </a:cxn>
+                  <a:cxn ang="0">
+                    <a:pos x="csX9" y="csY9"/>
+                  </a:cxn>
+                  <a:cxn ang="0">
+                    <a:pos x="csX10" y="csY10"/>
+                  </a:cxn>
+                  <a:cxn ang="0">
+                    <a:pos x="csX11" y="csY11"/>
+                  </a:cxn>
+                  <a:cxn ang="0">
+                    <a:pos x="csX12" y="csY12"/>
+                  </a:cxn>
+                  <a:cxn ang="0">
+                    <a:pos x="csX13" y="csY13"/>
+                  </a:cxn>
+                  <a:cxn ang="0">
+                    <a:pos x="csX14" y="csY14"/>
+                  </a:cxn>
+                  <a:cxn ang="0">
+                    <a:pos x="csX15" y="csY15"/>
+                  </a:cxn>
+                </a:cxnLst>
+                <a:rect l="l" t="t" r="r" b="b"/>
+                <a:pathLst>
+                  <a:path w="403457" h="314325">
+                    <a:moveTo>
+                      <a:pt x="365322" y="47625"/>
+                    </a:moveTo>
+                    <a:lnTo>
+                      <a:pt x="318078" y="47625"/>
+                    </a:lnTo>
+                    <a:lnTo>
+                      <a:pt x="323850" y="0"/>
+                    </a:lnTo>
+                    <a:lnTo>
+                      <a:pt x="0" y="0"/>
+                    </a:lnTo>
+                    <a:lnTo>
+                      <a:pt x="38100" y="314325"/>
+                    </a:lnTo>
+                    <a:lnTo>
+                      <a:pt x="285750" y="314325"/>
+                    </a:lnTo>
+                    <a:lnTo>
+                      <a:pt x="293570" y="249784"/>
+                    </a:lnTo>
+                    <a:lnTo>
+                      <a:pt x="352625" y="241906"/>
+                    </a:lnTo>
+                    <a:cubicBezTo>
+                      <a:pt x="369440" y="239664"/>
+                      <a:pt x="382749" y="226574"/>
+                      <a:pt x="385267" y="209798"/>
+                    </a:cubicBezTo>
+                    <a:lnTo>
+                      <a:pt x="403031" y="91373"/>
+                    </a:lnTo>
+                    <a:cubicBezTo>
+                      <a:pt x="406151" y="70564"/>
+                      <a:pt x="391810" y="51165"/>
+                      <a:pt x="371001" y="48046"/>
+                    </a:cubicBezTo>
+                    <a:cubicBezTo>
+                      <a:pt x="369121" y="47764"/>
+                      <a:pt x="367223" y="47623"/>
+                      <a:pt x="365322" y="47625"/>
+                    </a:cubicBezTo>
+                    <a:close/>
+                    <a:moveTo>
+                      <a:pt x="347605" y="204140"/>
+                    </a:moveTo>
+                    <a:lnTo>
+                      <a:pt x="298352" y="210712"/>
+                    </a:lnTo>
+                    <a:lnTo>
+                      <a:pt x="313449" y="85725"/>
+                    </a:lnTo>
+                    <a:lnTo>
+                      <a:pt x="365322" y="85725"/>
+                    </a:lnTo>
+                    <a:close/>
+                  </a:path>
+                </a:pathLst>
+              </a:custGeom>
+              <a:solidFill>
+                <a:srgbClr val="CCCCCC"/>
+              </a:solidFill>
+              <a:ln w="9525" cap="flat">
+                <a:noFill/>
+                <a:prstDash val="solid"/>
+                <a:miter/>
+              </a:ln>
+            </p:spPr>
+            <p:txBody>
+              <a:bodyPr/>
+              <a:lstStyle/>
+              <a:p>
+                <a:endParaRPr lang="fr-CA"/>
+              </a:p>
+            </p:txBody>
+          </p:sp>
+          <p:sp>
+            <p:nvSpPr>
+              <p:cNvPr id="83" name="Freeform: Shape 82">
+                <a:extLst>
+                  <a:ext uri="{FF2B5EF4-FFF2-40B4-BE49-F238E27FC236}">
+                    <a16:creationId xmlns:a16="http://schemas.microsoft.com/office/drawing/2014/main" id="{DEDD12CF-6D6B-F9CD-9095-910C9F22AC17}"/>
+                  </a:ext>
+                </a:extLst>
+              </p:cNvPr>
+              <p:cNvSpPr/>
+              <p:nvPr/>
+            </p:nvSpPr>
+            <p:spPr>
+              <a:xfrm>
+                <a:off x="5183005" y="2564596"/>
+                <a:ext cx="1862500" cy="1479090"/>
+              </a:xfrm>
+              <a:custGeom>
+                <a:avLst/>
+                <a:gdLst>
+                  <a:gd name="csX0" fmla="*/ 382353 w 400049"/>
+                  <a:gd name="csY0" fmla="*/ 129854 h 361950"/>
+                  <a:gd name="csX1" fmla="*/ 371923 w 400049"/>
+                  <a:gd name="csY1" fmla="*/ 101594 h 361950"/>
+                  <a:gd name="csX2" fmla="*/ 344024 w 400049"/>
+                  <a:gd name="csY2" fmla="*/ 62541 h 361950"/>
+                  <a:gd name="csX3" fmla="*/ 333375 w 400049"/>
+                  <a:gd name="csY3" fmla="*/ 29318 h 361950"/>
+                  <a:gd name="csX4" fmla="*/ 333375 w 400049"/>
+                  <a:gd name="csY4" fmla="*/ 0 h 361950"/>
+                  <a:gd name="csX5" fmla="*/ 66675 w 400049"/>
+                  <a:gd name="csY5" fmla="*/ 0 h 361950"/>
+                  <a:gd name="csX6" fmla="*/ 66675 w 400049"/>
+                  <a:gd name="csY6" fmla="*/ 29308 h 361950"/>
+                  <a:gd name="csX7" fmla="*/ 56026 w 400049"/>
+                  <a:gd name="csY7" fmla="*/ 62532 h 361950"/>
+                  <a:gd name="csX8" fmla="*/ 28127 w 400049"/>
+                  <a:gd name="csY8" fmla="*/ 101584 h 361950"/>
+                  <a:gd name="csX9" fmla="*/ 17697 w 400049"/>
+                  <a:gd name="csY9" fmla="*/ 129845 h 361950"/>
+                  <a:gd name="csX10" fmla="*/ 0 w 400049"/>
+                  <a:gd name="csY10" fmla="*/ 333375 h 361950"/>
+                  <a:gd name="csX11" fmla="*/ 38100 w 400049"/>
+                  <a:gd name="csY11" fmla="*/ 333375 h 361950"/>
+                  <a:gd name="csX12" fmla="*/ 38100 w 400049"/>
+                  <a:gd name="csY12" fmla="*/ 361950 h 361950"/>
+                  <a:gd name="csX13" fmla="*/ 114300 w 400049"/>
+                  <a:gd name="csY13" fmla="*/ 361950 h 361950"/>
+                  <a:gd name="csX14" fmla="*/ 114300 w 400049"/>
+                  <a:gd name="csY14" fmla="*/ 333375 h 361950"/>
+                  <a:gd name="csX15" fmla="*/ 285750 w 400049"/>
+                  <a:gd name="csY15" fmla="*/ 333375 h 361950"/>
+                  <a:gd name="csX16" fmla="*/ 285750 w 400049"/>
+                  <a:gd name="csY16" fmla="*/ 361950 h 361950"/>
+                  <a:gd name="csX17" fmla="*/ 361950 w 400049"/>
+                  <a:gd name="csY17" fmla="*/ 361950 h 361950"/>
+                  <a:gd name="csX18" fmla="*/ 361950 w 400049"/>
+                  <a:gd name="csY18" fmla="*/ 333375 h 361950"/>
+                  <a:gd name="csX19" fmla="*/ 400050 w 400049"/>
+                  <a:gd name="csY19" fmla="*/ 333375 h 361950"/>
+                  <a:gd name="csX20" fmla="*/ 200025 w 400049"/>
+                  <a:gd name="csY20" fmla="*/ 242888 h 361950"/>
+                  <a:gd name="csX21" fmla="*/ 147638 w 400049"/>
+                  <a:gd name="csY21" fmla="*/ 190500 h 361950"/>
+                  <a:gd name="csX22" fmla="*/ 200025 w 400049"/>
+                  <a:gd name="csY22" fmla="*/ 138113 h 361950"/>
+                  <a:gd name="csX23" fmla="*/ 252413 w 400049"/>
+                  <a:gd name="csY23" fmla="*/ 190500 h 361950"/>
+                  <a:gd name="csX24" fmla="*/ 200025 w 400049"/>
+                  <a:gd name="csY24" fmla="*/ 242888 h 361950"/>
+                  <a:gd name="csX0" fmla="*/ 364656 w 382353"/>
+                  <a:gd name="csY0" fmla="*/ 129854 h 361950"/>
+                  <a:gd name="csX1" fmla="*/ 354226 w 382353"/>
+                  <a:gd name="csY1" fmla="*/ 101594 h 361950"/>
+                  <a:gd name="csX2" fmla="*/ 326327 w 382353"/>
+                  <a:gd name="csY2" fmla="*/ 62541 h 361950"/>
+                  <a:gd name="csX3" fmla="*/ 315678 w 382353"/>
+                  <a:gd name="csY3" fmla="*/ 29318 h 361950"/>
+                  <a:gd name="csX4" fmla="*/ 315678 w 382353"/>
+                  <a:gd name="csY4" fmla="*/ 0 h 361950"/>
+                  <a:gd name="csX5" fmla="*/ 48978 w 382353"/>
+                  <a:gd name="csY5" fmla="*/ 0 h 361950"/>
+                  <a:gd name="csX6" fmla="*/ 48978 w 382353"/>
+                  <a:gd name="csY6" fmla="*/ 29308 h 361950"/>
+                  <a:gd name="csX7" fmla="*/ 38329 w 382353"/>
+                  <a:gd name="csY7" fmla="*/ 62532 h 361950"/>
+                  <a:gd name="csX8" fmla="*/ 10430 w 382353"/>
+                  <a:gd name="csY8" fmla="*/ 101584 h 361950"/>
+                  <a:gd name="csX9" fmla="*/ 0 w 382353"/>
+                  <a:gd name="csY9" fmla="*/ 129845 h 361950"/>
+                  <a:gd name="csX10" fmla="*/ 20403 w 382353"/>
+                  <a:gd name="csY10" fmla="*/ 333375 h 361950"/>
+                  <a:gd name="csX11" fmla="*/ 20403 w 382353"/>
+                  <a:gd name="csY11" fmla="*/ 361950 h 361950"/>
+                  <a:gd name="csX12" fmla="*/ 96603 w 382353"/>
+                  <a:gd name="csY12" fmla="*/ 361950 h 361950"/>
+                  <a:gd name="csX13" fmla="*/ 96603 w 382353"/>
+                  <a:gd name="csY13" fmla="*/ 333375 h 361950"/>
+                  <a:gd name="csX14" fmla="*/ 268053 w 382353"/>
+                  <a:gd name="csY14" fmla="*/ 333375 h 361950"/>
+                  <a:gd name="csX15" fmla="*/ 268053 w 382353"/>
+                  <a:gd name="csY15" fmla="*/ 361950 h 361950"/>
+                  <a:gd name="csX16" fmla="*/ 344253 w 382353"/>
+                  <a:gd name="csY16" fmla="*/ 361950 h 361950"/>
+                  <a:gd name="csX17" fmla="*/ 344253 w 382353"/>
+                  <a:gd name="csY17" fmla="*/ 333375 h 361950"/>
+                  <a:gd name="csX18" fmla="*/ 382353 w 382353"/>
+                  <a:gd name="csY18" fmla="*/ 333375 h 361950"/>
+                  <a:gd name="csX19" fmla="*/ 364656 w 382353"/>
+                  <a:gd name="csY19" fmla="*/ 129854 h 361950"/>
+                  <a:gd name="csX20" fmla="*/ 182328 w 382353"/>
+                  <a:gd name="csY20" fmla="*/ 242888 h 361950"/>
+                  <a:gd name="csX21" fmla="*/ 129941 w 382353"/>
+                  <a:gd name="csY21" fmla="*/ 190500 h 361950"/>
+                  <a:gd name="csX22" fmla="*/ 182328 w 382353"/>
+                  <a:gd name="csY22" fmla="*/ 138113 h 361950"/>
+                  <a:gd name="csX23" fmla="*/ 234716 w 382353"/>
+                  <a:gd name="csY23" fmla="*/ 190500 h 361950"/>
+                  <a:gd name="csX24" fmla="*/ 182328 w 382353"/>
+                  <a:gd name="csY24" fmla="*/ 242888 h 361950"/>
+                  <a:gd name="csX0" fmla="*/ 364656 w 364656"/>
+                  <a:gd name="csY0" fmla="*/ 129854 h 361950"/>
+                  <a:gd name="csX1" fmla="*/ 354226 w 364656"/>
+                  <a:gd name="csY1" fmla="*/ 101594 h 361950"/>
+                  <a:gd name="csX2" fmla="*/ 326327 w 364656"/>
+                  <a:gd name="csY2" fmla="*/ 62541 h 361950"/>
+                  <a:gd name="csX3" fmla="*/ 315678 w 364656"/>
+                  <a:gd name="csY3" fmla="*/ 29318 h 361950"/>
+                  <a:gd name="csX4" fmla="*/ 315678 w 364656"/>
+                  <a:gd name="csY4" fmla="*/ 0 h 361950"/>
+                  <a:gd name="csX5" fmla="*/ 48978 w 364656"/>
+                  <a:gd name="csY5" fmla="*/ 0 h 361950"/>
+                  <a:gd name="csX6" fmla="*/ 48978 w 364656"/>
+                  <a:gd name="csY6" fmla="*/ 29308 h 361950"/>
+                  <a:gd name="csX7" fmla="*/ 38329 w 364656"/>
+                  <a:gd name="csY7" fmla="*/ 62532 h 361950"/>
+                  <a:gd name="csX8" fmla="*/ 10430 w 364656"/>
+                  <a:gd name="csY8" fmla="*/ 101584 h 361950"/>
+                  <a:gd name="csX9" fmla="*/ 0 w 364656"/>
+                  <a:gd name="csY9" fmla="*/ 129845 h 361950"/>
+                  <a:gd name="csX10" fmla="*/ 20403 w 364656"/>
+                  <a:gd name="csY10" fmla="*/ 333375 h 361950"/>
+                  <a:gd name="csX11" fmla="*/ 20403 w 364656"/>
+                  <a:gd name="csY11" fmla="*/ 361950 h 361950"/>
+                  <a:gd name="csX12" fmla="*/ 96603 w 364656"/>
+                  <a:gd name="csY12" fmla="*/ 361950 h 361950"/>
+                  <a:gd name="csX13" fmla="*/ 96603 w 364656"/>
+                  <a:gd name="csY13" fmla="*/ 333375 h 361950"/>
+                  <a:gd name="csX14" fmla="*/ 268053 w 364656"/>
+                  <a:gd name="csY14" fmla="*/ 333375 h 361950"/>
+                  <a:gd name="csX15" fmla="*/ 268053 w 364656"/>
+                  <a:gd name="csY15" fmla="*/ 361950 h 361950"/>
+                  <a:gd name="csX16" fmla="*/ 344253 w 364656"/>
+                  <a:gd name="csY16" fmla="*/ 361950 h 361950"/>
+                  <a:gd name="csX17" fmla="*/ 344253 w 364656"/>
+                  <a:gd name="csY17" fmla="*/ 333375 h 361950"/>
+                  <a:gd name="csX18" fmla="*/ 364656 w 364656"/>
+                  <a:gd name="csY18" fmla="*/ 129854 h 361950"/>
+                  <a:gd name="csX19" fmla="*/ 182328 w 364656"/>
+                  <a:gd name="csY19" fmla="*/ 242888 h 361950"/>
+                  <a:gd name="csX20" fmla="*/ 129941 w 364656"/>
+                  <a:gd name="csY20" fmla="*/ 190500 h 361950"/>
+                  <a:gd name="csX21" fmla="*/ 182328 w 364656"/>
+                  <a:gd name="csY21" fmla="*/ 138113 h 361950"/>
+                  <a:gd name="csX22" fmla="*/ 234716 w 364656"/>
+                  <a:gd name="csY22" fmla="*/ 190500 h 361950"/>
+                  <a:gd name="csX23" fmla="*/ 182328 w 364656"/>
+                  <a:gd name="csY23" fmla="*/ 242888 h 361950"/>
+                  <a:gd name="csX0" fmla="*/ 364656 w 364656"/>
+                  <a:gd name="csY0" fmla="*/ 129854 h 361950"/>
+                  <a:gd name="csX1" fmla="*/ 354226 w 364656"/>
+                  <a:gd name="csY1" fmla="*/ 101594 h 361950"/>
+                  <a:gd name="csX2" fmla="*/ 326327 w 364656"/>
+                  <a:gd name="csY2" fmla="*/ 62541 h 361950"/>
+                  <a:gd name="csX3" fmla="*/ 315678 w 364656"/>
+                  <a:gd name="csY3" fmla="*/ 29318 h 361950"/>
+                  <a:gd name="csX4" fmla="*/ 315678 w 364656"/>
+                  <a:gd name="csY4" fmla="*/ 0 h 361950"/>
+                  <a:gd name="csX5" fmla="*/ 48978 w 364656"/>
+                  <a:gd name="csY5" fmla="*/ 0 h 361950"/>
+                  <a:gd name="csX6" fmla="*/ 48978 w 364656"/>
+                  <a:gd name="csY6" fmla="*/ 29308 h 361950"/>
+                  <a:gd name="csX7" fmla="*/ 38329 w 364656"/>
+                  <a:gd name="csY7" fmla="*/ 62532 h 361950"/>
+                  <a:gd name="csX8" fmla="*/ 10430 w 364656"/>
+                  <a:gd name="csY8" fmla="*/ 101584 h 361950"/>
+                  <a:gd name="csX9" fmla="*/ 0 w 364656"/>
+                  <a:gd name="csY9" fmla="*/ 129845 h 361950"/>
+                  <a:gd name="csX10" fmla="*/ 20403 w 364656"/>
+                  <a:gd name="csY10" fmla="*/ 333375 h 361950"/>
+                  <a:gd name="csX11" fmla="*/ 96603 w 364656"/>
+                  <a:gd name="csY11" fmla="*/ 361950 h 361950"/>
+                  <a:gd name="csX12" fmla="*/ 96603 w 364656"/>
+                  <a:gd name="csY12" fmla="*/ 333375 h 361950"/>
+                  <a:gd name="csX13" fmla="*/ 268053 w 364656"/>
+                  <a:gd name="csY13" fmla="*/ 333375 h 361950"/>
+                  <a:gd name="csX14" fmla="*/ 268053 w 364656"/>
+                  <a:gd name="csY14" fmla="*/ 361950 h 361950"/>
+                  <a:gd name="csX15" fmla="*/ 344253 w 364656"/>
+                  <a:gd name="csY15" fmla="*/ 361950 h 361950"/>
+                  <a:gd name="csX16" fmla="*/ 344253 w 364656"/>
+                  <a:gd name="csY16" fmla="*/ 333375 h 361950"/>
+                  <a:gd name="csX17" fmla="*/ 364656 w 364656"/>
+                  <a:gd name="csY17" fmla="*/ 129854 h 361950"/>
+                  <a:gd name="csX18" fmla="*/ 182328 w 364656"/>
+                  <a:gd name="csY18" fmla="*/ 242888 h 361950"/>
+                  <a:gd name="csX19" fmla="*/ 129941 w 364656"/>
+                  <a:gd name="csY19" fmla="*/ 190500 h 361950"/>
+                  <a:gd name="csX20" fmla="*/ 182328 w 364656"/>
+                  <a:gd name="csY20" fmla="*/ 138113 h 361950"/>
+                  <a:gd name="csX21" fmla="*/ 234716 w 364656"/>
+                  <a:gd name="csY21" fmla="*/ 190500 h 361950"/>
+                  <a:gd name="csX22" fmla="*/ 182328 w 364656"/>
+                  <a:gd name="csY22" fmla="*/ 242888 h 361950"/>
+                  <a:gd name="csX0" fmla="*/ 364656 w 364656"/>
+                  <a:gd name="csY0" fmla="*/ 129854 h 361950"/>
+                  <a:gd name="csX1" fmla="*/ 354226 w 364656"/>
+                  <a:gd name="csY1" fmla="*/ 101594 h 361950"/>
+                  <a:gd name="csX2" fmla="*/ 326327 w 364656"/>
+                  <a:gd name="csY2" fmla="*/ 62541 h 361950"/>
+                  <a:gd name="csX3" fmla="*/ 315678 w 364656"/>
+                  <a:gd name="csY3" fmla="*/ 29318 h 361950"/>
+                  <a:gd name="csX4" fmla="*/ 315678 w 364656"/>
+                  <a:gd name="csY4" fmla="*/ 0 h 361950"/>
+                  <a:gd name="csX5" fmla="*/ 48978 w 364656"/>
+                  <a:gd name="csY5" fmla="*/ 0 h 361950"/>
+                  <a:gd name="csX6" fmla="*/ 48978 w 364656"/>
+                  <a:gd name="csY6" fmla="*/ 29308 h 361950"/>
+                  <a:gd name="csX7" fmla="*/ 38329 w 364656"/>
+                  <a:gd name="csY7" fmla="*/ 62532 h 361950"/>
+                  <a:gd name="csX8" fmla="*/ 10430 w 364656"/>
+                  <a:gd name="csY8" fmla="*/ 101584 h 361950"/>
+                  <a:gd name="csX9" fmla="*/ 0 w 364656"/>
+                  <a:gd name="csY9" fmla="*/ 129845 h 361950"/>
+                  <a:gd name="csX10" fmla="*/ 20403 w 364656"/>
+                  <a:gd name="csY10" fmla="*/ 333375 h 361950"/>
+                  <a:gd name="csX11" fmla="*/ 96603 w 364656"/>
+                  <a:gd name="csY11" fmla="*/ 333375 h 361950"/>
+                  <a:gd name="csX12" fmla="*/ 268053 w 364656"/>
+                  <a:gd name="csY12" fmla="*/ 333375 h 361950"/>
+                  <a:gd name="csX13" fmla="*/ 268053 w 364656"/>
+                  <a:gd name="csY13" fmla="*/ 361950 h 361950"/>
+                  <a:gd name="csX14" fmla="*/ 344253 w 364656"/>
+                  <a:gd name="csY14" fmla="*/ 361950 h 361950"/>
+                  <a:gd name="csX15" fmla="*/ 344253 w 364656"/>
+                  <a:gd name="csY15" fmla="*/ 333375 h 361950"/>
+                  <a:gd name="csX16" fmla="*/ 364656 w 364656"/>
+                  <a:gd name="csY16" fmla="*/ 129854 h 361950"/>
+                  <a:gd name="csX17" fmla="*/ 182328 w 364656"/>
+                  <a:gd name="csY17" fmla="*/ 242888 h 361950"/>
+                  <a:gd name="csX18" fmla="*/ 129941 w 364656"/>
+                  <a:gd name="csY18" fmla="*/ 190500 h 361950"/>
+                  <a:gd name="csX19" fmla="*/ 182328 w 364656"/>
+                  <a:gd name="csY19" fmla="*/ 138113 h 361950"/>
+                  <a:gd name="csX20" fmla="*/ 234716 w 364656"/>
+                  <a:gd name="csY20" fmla="*/ 190500 h 361950"/>
+                  <a:gd name="csX21" fmla="*/ 182328 w 364656"/>
+                  <a:gd name="csY21" fmla="*/ 242888 h 361950"/>
+                  <a:gd name="csX0" fmla="*/ 364656 w 364656"/>
+                  <a:gd name="csY0" fmla="*/ 129854 h 361950"/>
+                  <a:gd name="csX1" fmla="*/ 354226 w 364656"/>
+                  <a:gd name="csY1" fmla="*/ 101594 h 361950"/>
+                  <a:gd name="csX2" fmla="*/ 326327 w 364656"/>
+                  <a:gd name="csY2" fmla="*/ 62541 h 361950"/>
+                  <a:gd name="csX3" fmla="*/ 315678 w 364656"/>
+                  <a:gd name="csY3" fmla="*/ 29318 h 361950"/>
+                  <a:gd name="csX4" fmla="*/ 315678 w 364656"/>
+                  <a:gd name="csY4" fmla="*/ 0 h 361950"/>
+                  <a:gd name="csX5" fmla="*/ 48978 w 364656"/>
+                  <a:gd name="csY5" fmla="*/ 0 h 361950"/>
+                  <a:gd name="csX6" fmla="*/ 48978 w 364656"/>
+                  <a:gd name="csY6" fmla="*/ 29308 h 361950"/>
+                  <a:gd name="csX7" fmla="*/ 38329 w 364656"/>
+                  <a:gd name="csY7" fmla="*/ 62532 h 361950"/>
+                  <a:gd name="csX8" fmla="*/ 10430 w 364656"/>
+                  <a:gd name="csY8" fmla="*/ 101584 h 361950"/>
+                  <a:gd name="csX9" fmla="*/ 0 w 364656"/>
+                  <a:gd name="csY9" fmla="*/ 129845 h 361950"/>
+                  <a:gd name="csX10" fmla="*/ 20403 w 364656"/>
+                  <a:gd name="csY10" fmla="*/ 333375 h 361950"/>
+                  <a:gd name="csX11" fmla="*/ 96603 w 364656"/>
+                  <a:gd name="csY11" fmla="*/ 333375 h 361950"/>
+                  <a:gd name="csX12" fmla="*/ 268053 w 364656"/>
+                  <a:gd name="csY12" fmla="*/ 333375 h 361950"/>
+                  <a:gd name="csX13" fmla="*/ 344253 w 364656"/>
+                  <a:gd name="csY13" fmla="*/ 361950 h 361950"/>
+                  <a:gd name="csX14" fmla="*/ 344253 w 364656"/>
+                  <a:gd name="csY14" fmla="*/ 333375 h 361950"/>
+                  <a:gd name="csX15" fmla="*/ 364656 w 364656"/>
+                  <a:gd name="csY15" fmla="*/ 129854 h 361950"/>
+                  <a:gd name="csX16" fmla="*/ 182328 w 364656"/>
+                  <a:gd name="csY16" fmla="*/ 242888 h 361950"/>
+                  <a:gd name="csX17" fmla="*/ 129941 w 364656"/>
+                  <a:gd name="csY17" fmla="*/ 190500 h 361950"/>
+                  <a:gd name="csX18" fmla="*/ 182328 w 364656"/>
+                  <a:gd name="csY18" fmla="*/ 138113 h 361950"/>
+                  <a:gd name="csX19" fmla="*/ 234716 w 364656"/>
+                  <a:gd name="csY19" fmla="*/ 190500 h 361950"/>
+                  <a:gd name="csX20" fmla="*/ 182328 w 364656"/>
+                  <a:gd name="csY20" fmla="*/ 242888 h 361950"/>
+                  <a:gd name="csX0" fmla="*/ 364656 w 364656"/>
+                  <a:gd name="csY0" fmla="*/ 129854 h 333375"/>
+                  <a:gd name="csX1" fmla="*/ 354226 w 364656"/>
+                  <a:gd name="csY1" fmla="*/ 101594 h 333375"/>
+                  <a:gd name="csX2" fmla="*/ 326327 w 364656"/>
+                  <a:gd name="csY2" fmla="*/ 62541 h 333375"/>
+                  <a:gd name="csX3" fmla="*/ 315678 w 364656"/>
+                  <a:gd name="csY3" fmla="*/ 29318 h 333375"/>
+                  <a:gd name="csX4" fmla="*/ 315678 w 364656"/>
+                  <a:gd name="csY4" fmla="*/ 0 h 333375"/>
+                  <a:gd name="csX5" fmla="*/ 48978 w 364656"/>
+                  <a:gd name="csY5" fmla="*/ 0 h 333375"/>
+                  <a:gd name="csX6" fmla="*/ 48978 w 364656"/>
+                  <a:gd name="csY6" fmla="*/ 29308 h 333375"/>
+                  <a:gd name="csX7" fmla="*/ 38329 w 364656"/>
+                  <a:gd name="csY7" fmla="*/ 62532 h 333375"/>
+                  <a:gd name="csX8" fmla="*/ 10430 w 364656"/>
+                  <a:gd name="csY8" fmla="*/ 101584 h 333375"/>
+                  <a:gd name="csX9" fmla="*/ 0 w 364656"/>
+                  <a:gd name="csY9" fmla="*/ 129845 h 333375"/>
+                  <a:gd name="csX10" fmla="*/ 20403 w 364656"/>
+                  <a:gd name="csY10" fmla="*/ 333375 h 333375"/>
+                  <a:gd name="csX11" fmla="*/ 96603 w 364656"/>
+                  <a:gd name="csY11" fmla="*/ 333375 h 333375"/>
+                  <a:gd name="csX12" fmla="*/ 268053 w 364656"/>
+                  <a:gd name="csY12" fmla="*/ 333375 h 333375"/>
+                  <a:gd name="csX13" fmla="*/ 344253 w 364656"/>
+                  <a:gd name="csY13" fmla="*/ 333375 h 333375"/>
+                  <a:gd name="csX14" fmla="*/ 364656 w 364656"/>
+                  <a:gd name="csY14" fmla="*/ 129854 h 333375"/>
+                  <a:gd name="csX15" fmla="*/ 182328 w 364656"/>
+                  <a:gd name="csY15" fmla="*/ 242888 h 333375"/>
+                  <a:gd name="csX16" fmla="*/ 129941 w 364656"/>
+                  <a:gd name="csY16" fmla="*/ 190500 h 333375"/>
+                  <a:gd name="csX17" fmla="*/ 182328 w 364656"/>
+                  <a:gd name="csY17" fmla="*/ 138113 h 333375"/>
+                  <a:gd name="csX18" fmla="*/ 234716 w 364656"/>
+                  <a:gd name="csY18" fmla="*/ 190500 h 333375"/>
+                  <a:gd name="csX19" fmla="*/ 182328 w 364656"/>
+                  <a:gd name="csY19" fmla="*/ 242888 h 333375"/>
+                </a:gdLst>
+                <a:ahLst/>
+                <a:cxnLst>
+                  <a:cxn ang="0">
+                    <a:pos x="csX0" y="csY0"/>
+                  </a:cxn>
+                  <a:cxn ang="0">
+                    <a:pos x="csX1" y="csY1"/>
+                  </a:cxn>
+                  <a:cxn ang="0">
+                    <a:pos x="csX2" y="csY2"/>
+                  </a:cxn>
+                  <a:cxn ang="0">
+                    <a:pos x="csX3" y="csY3"/>
+                  </a:cxn>
+                  <a:cxn ang="0">
+                    <a:pos x="csX4" y="csY4"/>
+                  </a:cxn>
+                  <a:cxn ang="0">
+                    <a:pos x="csX5" y="csY5"/>
+                  </a:cxn>
+                  <a:cxn ang="0">
+                    <a:pos x="csX6" y="csY6"/>
+                  </a:cxn>
+                  <a:cxn ang="0">
+                    <a:pos x="csX7" y="csY7"/>
+                  </a:cxn>
+                  <a:cxn ang="0">
+                    <a:pos x="csX8" y="csY8"/>
+                  </a:cxn>
+                  <a:cxn ang="0">
+                    <a:pos x="csX9" y="csY9"/>
+                  </a:cxn>
+                  <a:cxn ang="0">
+                    <a:pos x="csX10" y="csY10"/>
+                  </a:cxn>
+                  <a:cxn ang="0">
+                    <a:pos x="csX11" y="csY11"/>
+                  </a:cxn>
+                  <a:cxn ang="0">
+                    <a:pos x="csX12" y="csY12"/>
+                  </a:cxn>
+                  <a:cxn ang="0">
+                    <a:pos x="csX13" y="csY13"/>
+                  </a:cxn>
+                  <a:cxn ang="0">
+                    <a:pos x="csX14" y="csY14"/>
+                  </a:cxn>
+                  <a:cxn ang="0">
+                    <a:pos x="csX15" y="csY15"/>
+                  </a:cxn>
+                  <a:cxn ang="0">
+                    <a:pos x="csX16" y="csY16"/>
+                  </a:cxn>
+                  <a:cxn ang="0">
+                    <a:pos x="csX17" y="csY17"/>
+                  </a:cxn>
+                  <a:cxn ang="0">
+                    <a:pos x="csX18" y="csY18"/>
+                  </a:cxn>
+                  <a:cxn ang="0">
+                    <a:pos x="csX19" y="csY19"/>
+                  </a:cxn>
+                </a:cxnLst>
+                <a:rect l="l" t="t" r="r" b="b"/>
+                <a:pathLst>
+                  <a:path w="364656" h="333375">
+                    <a:moveTo>
+                      <a:pt x="364656" y="129854"/>
+                    </a:moveTo>
+                    <a:cubicBezTo>
+                      <a:pt x="363769" y="119671"/>
+                      <a:pt x="360167" y="109912"/>
+                      <a:pt x="354226" y="101594"/>
+                    </a:cubicBezTo>
+                    <a:lnTo>
+                      <a:pt x="326327" y="62541"/>
+                    </a:lnTo>
+                    <a:cubicBezTo>
+                      <a:pt x="319401" y="52848"/>
+                      <a:pt x="315678" y="41232"/>
+                      <a:pt x="315678" y="29318"/>
+                    </a:cubicBezTo>
+                    <a:lnTo>
+                      <a:pt x="315678" y="0"/>
+                    </a:lnTo>
+                    <a:lnTo>
+                      <a:pt x="48978" y="0"/>
+                    </a:lnTo>
+                    <a:lnTo>
+                      <a:pt x="48978" y="29308"/>
+                    </a:lnTo>
+                    <a:cubicBezTo>
+                      <a:pt x="48978" y="41222"/>
+                      <a:pt x="45255" y="52838"/>
+                      <a:pt x="38329" y="62532"/>
+                    </a:cubicBezTo>
+                    <a:lnTo>
+                      <a:pt x="10430" y="101584"/>
+                    </a:lnTo>
+                    <a:cubicBezTo>
+                      <a:pt x="4489" y="109902"/>
+                      <a:pt x="887" y="119662"/>
+                      <a:pt x="0" y="129845"/>
+                    </a:cubicBezTo>
+                    <a:lnTo>
+                      <a:pt x="20403" y="333375"/>
+                    </a:lnTo>
+                    <a:lnTo>
+                      <a:pt x="96603" y="333375"/>
+                    </a:lnTo>
+                    <a:lnTo>
+                      <a:pt x="268053" y="333375"/>
+                    </a:lnTo>
+                    <a:lnTo>
+                      <a:pt x="344253" y="333375"/>
+                    </a:lnTo>
+                    <a:lnTo>
+                      <a:pt x="364656" y="129854"/>
+                    </a:lnTo>
+                    <a:close/>
+                    <a:moveTo>
+                      <a:pt x="182328" y="242888"/>
+                    </a:moveTo>
+                    <a:cubicBezTo>
+                      <a:pt x="153395" y="242888"/>
+                      <a:pt x="129941" y="219433"/>
+                      <a:pt x="129941" y="190500"/>
+                    </a:cubicBezTo>
+                    <a:cubicBezTo>
+                      <a:pt x="129941" y="161567"/>
+                      <a:pt x="153395" y="138113"/>
+                      <a:pt x="182328" y="138113"/>
+                    </a:cubicBezTo>
+                    <a:cubicBezTo>
+                      <a:pt x="211261" y="138113"/>
+                      <a:pt x="234716" y="161567"/>
+                      <a:pt x="234716" y="190500"/>
+                    </a:cubicBezTo>
+                    <a:cubicBezTo>
+                      <a:pt x="234684" y="219420"/>
+                      <a:pt x="211248" y="242856"/>
+                      <a:pt x="182328" y="242888"/>
+                    </a:cubicBezTo>
+                    <a:close/>
+                  </a:path>
+                </a:pathLst>
+              </a:custGeom>
+              <a:solidFill>
+                <a:srgbClr val="333333"/>
+              </a:solidFill>
+              <a:ln w="9525" cap="flat">
+                <a:noFill/>
+                <a:prstDash val="solid"/>
+                <a:miter/>
+              </a:ln>
+            </p:spPr>
+            <p:txBody>
+              <a:bodyPr/>
+              <a:lstStyle/>
+              <a:p>
+                <a:endParaRPr lang="fr-CA"/>
+              </a:p>
+            </p:txBody>
+          </p:sp>
+        </p:grpSp>
+      </p:grpSp>
+      <p:sp>
+        <p:nvSpPr>
+          <p:cNvPr id="87" name="TextBox 86">
+            <a:extLst>
+              <a:ext uri="{FF2B5EF4-FFF2-40B4-BE49-F238E27FC236}">
+                <a16:creationId xmlns:a16="http://schemas.microsoft.com/office/drawing/2014/main" id="{092890CB-D113-B19E-3D1F-B2125D3A67B6}"/>
+              </a:ext>
+            </a:extLst>
+          </p:cNvPr>
+          <p:cNvSpPr txBox="1">
+            <a:spLocks noChangeAspect="1"/>
+          </p:cNvSpPr>
+          <p:nvPr/>
+        </p:nvSpPr>
+        <p:spPr>
+          <a:xfrm>
+            <a:off x="11144526" y="2046434"/>
+            <a:ext cx="709769" cy="1080000"/>
+          </a:xfrm>
+          <a:custGeom>
+            <a:avLst/>
+            <a:gdLst/>
+            <a:ahLst/>
+            <a:cxnLst/>
+            <a:rect l="l" t="t" r="r" b="b"/>
+            <a:pathLst>
+              <a:path w="237529" h="361429">
+                <a:moveTo>
+                  <a:pt x="119658" y="80591"/>
+                </a:moveTo>
+                <a:cubicBezTo>
+                  <a:pt x="110086" y="149798"/>
+                  <a:pt x="104075" y="200400"/>
+                  <a:pt x="101624" y="232395"/>
+                </a:cubicBezTo>
+                <a:lnTo>
+                  <a:pt x="133973" y="232395"/>
+                </a:lnTo>
+                <a:cubicBezTo>
+                  <a:pt x="129217" y="191458"/>
+                  <a:pt x="124446" y="140857"/>
+                  <a:pt x="119658" y="80591"/>
+                </a:cubicBezTo>
+                <a:close/>
+                <a:moveTo>
+                  <a:pt x="47941" y="0"/>
+                </a:moveTo>
+                <a:lnTo>
+                  <a:pt x="183784" y="0"/>
+                </a:lnTo>
+                <a:lnTo>
+                  <a:pt x="237529" y="361429"/>
+                </a:lnTo>
+                <a:lnTo>
+                  <a:pt x="141479" y="361429"/>
+                </a:lnTo>
+                <a:lnTo>
+                  <a:pt x="136439" y="296466"/>
+                </a:lnTo>
+                <a:lnTo>
+                  <a:pt x="102817" y="296466"/>
+                </a:lnTo>
+                <a:lnTo>
+                  <a:pt x="97166" y="361429"/>
+                </a:lnTo>
+                <a:lnTo>
+                  <a:pt x="0" y="361429"/>
+                </a:lnTo>
+                <a:close/>
+              </a:path>
+            </a:pathLst>
+          </a:custGeom>
+          <a:solidFill>
+            <a:srgbClr val="CCCCCC"/>
+          </a:solidFill>
+          <a:ln>
+            <a:noFill/>
+          </a:ln>
+          <a:effectLst/>
+        </p:spPr>
+        <p:txBody>
+          <a:bodyPr rot="0" spcFirstLastPara="0" vertOverflow="overflow" horzOverflow="overflow" vert="horz" wrap="square" lIns="91440" tIns="45720" rIns="91440" bIns="45720" numCol="1" spcCol="0" rtlCol="0" fromWordArt="0" anchor="t" anchorCtr="0" forceAA="0" compatLnSpc="1">
+            <a:prstTxWarp prst="textNoShape">
+              <a:avLst/>
+            </a:prstTxWarp>
+            <a:noAutofit/>
+          </a:bodyPr>
+          <a:lstStyle/>
+          <a:p>
+            <a:endParaRPr lang="fr-CA" dirty="0">
+              <a:solidFill>
+                <a:srgbClr val="CCCCCC"/>
+              </a:solidFill>
+              <a:latin typeface="Impact" panose="020B0806030902050204" pitchFamily="34" charset="0"/>
+            </a:endParaRPr>
+          </a:p>
+        </p:txBody>
+      </p:sp>
+    </p:spTree>
+    <p:extLst>
+      <p:ext uri="{BB962C8B-B14F-4D97-AF65-F5344CB8AC3E}">
+        <p14:creationId xmlns:p14="http://schemas.microsoft.com/office/powerpoint/2010/main" val="603778871"/>
+      </p:ext>
+    </p:extLst>
+  </p:cSld>
+  <p:clrMapOvr>
+    <a:masterClrMapping/>
+  </p:clrMapOvr>
+</p:sld>
+</file>
+
+<file path=ppt/slides/slide2.xml><?xml version="1.0" encoding="utf-8"?>
+<p:sld xmlns:a="http://schemas.openxmlformats.org/drawingml/2006/main" xmlns:r="http://schemas.openxmlformats.org/officeDocument/2006/relationships" xmlns:p="http://schemas.openxmlformats.org/presentationml/2006/main">
+  <p:cSld>
+    <p:bg>
+      <p:bgPr>
+        <a:solidFill>
+          <a:srgbClr val="444444"/>
+        </a:solidFill>
+        <a:effectLst/>
+      </p:bgPr>
+    </p:bg>
+    <p:spTree>
+      <p:nvGrpSpPr>
+        <p:cNvPr id="1" name="">
+          <a:extLst>
+            <a:ext uri="{FF2B5EF4-FFF2-40B4-BE49-F238E27FC236}">
+              <a16:creationId xmlns:a16="http://schemas.microsoft.com/office/drawing/2014/main" id="{B8A7F415-8A09-87F1-31A3-5B8B6B7DE6D2}"/>
+            </a:ext>
+          </a:extLst>
+        </p:cNvPr>
+        <p:cNvGrpSpPr/>
+        <p:nvPr/>
+      </p:nvGrpSpPr>
+      <p:grpSpPr>
+        <a:xfrm>
+          <a:off x="0" y="0"/>
+          <a:ext cx="0" cy="0"/>
+          <a:chOff x="0" y="0"/>
+          <a:chExt cx="0" cy="0"/>
+        </a:xfrm>
+      </p:grpSpPr>
+      <p:grpSp>
+        <p:nvGrpSpPr>
+          <p:cNvPr id="2" name="Group 1">
+            <a:extLst>
+              <a:ext uri="{FF2B5EF4-FFF2-40B4-BE49-F238E27FC236}">
+                <a16:creationId xmlns:a16="http://schemas.microsoft.com/office/drawing/2014/main" id="{7F078CFF-B0DB-B059-DC18-EE87EB8839F3}"/>
+              </a:ext>
+            </a:extLst>
+          </p:cNvPr>
+          <p:cNvGrpSpPr/>
+          <p:nvPr/>
+        </p:nvGrpSpPr>
+        <p:grpSpPr>
+          <a:xfrm>
+            <a:off x="870673" y="764428"/>
+            <a:ext cx="1080000" cy="1080000"/>
+            <a:chOff x="8491670" y="3710070"/>
+            <a:chExt cx="1080000" cy="1080000"/>
+          </a:xfrm>
+        </p:grpSpPr>
+        <p:sp>
+          <p:nvSpPr>
+            <p:cNvPr id="3" name="Freeform: Shape 2">
+              <a:extLst>
+                <a:ext uri="{FF2B5EF4-FFF2-40B4-BE49-F238E27FC236}">
+                  <a16:creationId xmlns:a16="http://schemas.microsoft.com/office/drawing/2014/main" id="{0D747F74-7EA2-B71D-BDA2-4C05E0144C72}"/>
+                </a:ext>
+              </a:extLst>
+            </p:cNvPr>
+            <p:cNvSpPr/>
+            <p:nvPr/>
+          </p:nvSpPr>
+          <p:spPr>
+            <a:xfrm>
+              <a:off x="9031670" y="3710070"/>
+              <a:ext cx="540000" cy="1080000"/>
+            </a:xfrm>
+            <a:custGeom>
+              <a:avLst/>
+              <a:gdLst>
+                <a:gd name="csX0" fmla="*/ 0 w 540000"/>
+                <a:gd name="csY0" fmla="*/ 0 h 1080000"/>
+                <a:gd name="csX1" fmla="*/ 540000 w 540000"/>
+                <a:gd name="csY1" fmla="*/ 540000 h 1080000"/>
+                <a:gd name="csX2" fmla="*/ 0 w 540000"/>
+                <a:gd name="csY2" fmla="*/ 1080000 h 1080000"/>
+              </a:gdLst>
+              <a:ahLst/>
+              <a:cxnLst>
+                <a:cxn ang="0">
+                  <a:pos x="csX0" y="csY0"/>
+                </a:cxn>
+                <a:cxn ang="0">
+                  <a:pos x="csX1" y="csY1"/>
+                </a:cxn>
+                <a:cxn ang="0">
+                  <a:pos x="csX2" y="csY2"/>
+                </a:cxn>
+              </a:cxnLst>
+              <a:rect l="l" t="t" r="r" b="b"/>
+              <a:pathLst>
+                <a:path w="540000" h="1080000">
+                  <a:moveTo>
+                    <a:pt x="0" y="0"/>
+                  </a:moveTo>
+                  <a:cubicBezTo>
+                    <a:pt x="298234" y="0"/>
+                    <a:pt x="540000" y="241766"/>
+                    <a:pt x="540000" y="540000"/>
+                  </a:cubicBezTo>
+                  <a:cubicBezTo>
+                    <a:pt x="540000" y="838234"/>
+                    <a:pt x="298234" y="1080000"/>
+                    <a:pt x="0" y="1080000"/>
+                  </a:cubicBezTo>
+                  <a:close/>
+                </a:path>
+              </a:pathLst>
+            </a:custGeom>
+            <a:solidFill>
+              <a:schemeClr val="bg1"/>
+            </a:solidFill>
+            <a:ln>
+              <a:noFill/>
+            </a:ln>
+          </p:spPr>
+          <p:style>
+            <a:lnRef idx="2">
+              <a:schemeClr val="accent1">
+                <a:shade val="15000"/>
+              </a:schemeClr>
+            </a:lnRef>
+            <a:fillRef idx="1">
+              <a:schemeClr val="accent1"/>
+            </a:fillRef>
+            <a:effectRef idx="0">
+              <a:schemeClr val="accent1"/>
+            </a:effectRef>
+            <a:fontRef idx="minor">
+              <a:schemeClr val="lt1"/>
+            </a:fontRef>
+          </p:style>
+          <p:txBody>
+            <a:bodyPr wrap="square" rtlCol="0" anchor="ctr">
+              <a:noAutofit/>
+            </a:bodyPr>
+            <a:lstStyle/>
+            <a:p>
+              <a:pPr algn="ctr"/>
+              <a:endParaRPr lang="fr-CA"/>
+            </a:p>
+          </p:txBody>
+        </p:sp>
+        <p:sp>
+          <p:nvSpPr>
+            <p:cNvPr id="4" name="Freeform: Shape 3">
+              <a:extLst>
+                <a:ext uri="{FF2B5EF4-FFF2-40B4-BE49-F238E27FC236}">
+                  <a16:creationId xmlns:a16="http://schemas.microsoft.com/office/drawing/2014/main" id="{FEC85BA8-26A0-8FC9-3F34-80868CC3AE14}"/>
+                </a:ext>
+              </a:extLst>
+            </p:cNvPr>
+            <p:cNvSpPr/>
+            <p:nvPr/>
+          </p:nvSpPr>
+          <p:spPr>
+            <a:xfrm>
+              <a:off x="8491670" y="3710070"/>
+              <a:ext cx="540000" cy="1080000"/>
+            </a:xfrm>
+            <a:custGeom>
+              <a:avLst/>
+              <a:gdLst>
+                <a:gd name="csX0" fmla="*/ 540000 w 540000"/>
+                <a:gd name="csY0" fmla="*/ 0 h 1080000"/>
+                <a:gd name="csX1" fmla="*/ 540000 w 540000"/>
+                <a:gd name="csY1" fmla="*/ 1080000 h 1080000"/>
+                <a:gd name="csX2" fmla="*/ 0 w 540000"/>
+                <a:gd name="csY2" fmla="*/ 540000 h 1080000"/>
+                <a:gd name="csX3" fmla="*/ 540000 w 540000"/>
+                <a:gd name="csY3" fmla="*/ 0 h 1080000"/>
+              </a:gdLst>
+              <a:ahLst/>
+              <a:cxnLst>
+                <a:cxn ang="0">
+                  <a:pos x="csX0" y="csY0"/>
+                </a:cxn>
+                <a:cxn ang="0">
+                  <a:pos x="csX1" y="csY1"/>
+                </a:cxn>
+                <a:cxn ang="0">
+                  <a:pos x="csX2" y="csY2"/>
+                </a:cxn>
+                <a:cxn ang="0">
+                  <a:pos x="csX3" y="csY3"/>
+                </a:cxn>
+              </a:cxnLst>
+              <a:rect l="l" t="t" r="r" b="b"/>
+              <a:pathLst>
+                <a:path w="540000" h="1080000">
+                  <a:moveTo>
+                    <a:pt x="540000" y="0"/>
+                  </a:moveTo>
+                  <a:lnTo>
+                    <a:pt x="540000" y="1080000"/>
+                  </a:lnTo>
+                  <a:cubicBezTo>
+                    <a:pt x="241766" y="1080000"/>
+                    <a:pt x="0" y="838234"/>
+                    <a:pt x="0" y="540000"/>
+                  </a:cubicBezTo>
+                  <a:cubicBezTo>
+                    <a:pt x="0" y="241766"/>
+                    <a:pt x="241766" y="0"/>
+                    <a:pt x="540000" y="0"/>
+                  </a:cubicBezTo>
+                  <a:close/>
+                </a:path>
+              </a:pathLst>
+            </a:custGeom>
+            <a:solidFill>
+              <a:srgbClr val="333333"/>
+            </a:solidFill>
+            <a:ln>
+              <a:noFill/>
+            </a:ln>
+          </p:spPr>
+          <p:style>
+            <a:lnRef idx="2">
+              <a:schemeClr val="accent1">
+                <a:shade val="15000"/>
+              </a:schemeClr>
+            </a:lnRef>
+            <a:fillRef idx="1">
+              <a:schemeClr val="accent1"/>
+            </a:fillRef>
+            <a:effectRef idx="0">
+              <a:schemeClr val="accent1"/>
+            </a:effectRef>
+            <a:fontRef idx="minor">
+              <a:schemeClr val="lt1"/>
+            </a:fontRef>
+          </p:style>
+          <p:txBody>
+            <a:bodyPr wrap="square" rtlCol="0" anchor="ctr">
+              <a:noAutofit/>
+            </a:bodyPr>
+            <a:lstStyle/>
+            <a:p>
+              <a:pPr algn="ctr"/>
+              <a:endParaRPr lang="fr-CA"/>
+            </a:p>
+          </p:txBody>
+        </p:sp>
+      </p:grpSp>
+      <p:grpSp>
+        <p:nvGrpSpPr>
+          <p:cNvPr id="5" name="Group 4">
+            <a:extLst>
+              <a:ext uri="{FF2B5EF4-FFF2-40B4-BE49-F238E27FC236}">
+                <a16:creationId xmlns:a16="http://schemas.microsoft.com/office/drawing/2014/main" id="{E1DC0D41-00C3-7BC8-D5AA-3E83B6AC51FF}"/>
+              </a:ext>
+            </a:extLst>
+          </p:cNvPr>
+          <p:cNvGrpSpPr/>
+          <p:nvPr/>
+        </p:nvGrpSpPr>
+        <p:grpSpPr>
+          <a:xfrm>
+            <a:off x="2487139" y="935578"/>
+            <a:ext cx="1094767" cy="1090613"/>
+            <a:chOff x="4234060" y="4446885"/>
+            <a:chExt cx="1094767" cy="1090613"/>
+          </a:xfrm>
+        </p:grpSpPr>
+        <p:grpSp>
+          <p:nvGrpSpPr>
+            <p:cNvPr id="6" name="Group 5">
+              <a:extLst>
+                <a:ext uri="{FF2B5EF4-FFF2-40B4-BE49-F238E27FC236}">
+                  <a16:creationId xmlns:a16="http://schemas.microsoft.com/office/drawing/2014/main" id="{9C5EF6A0-4422-D0C8-B75E-DA21B11E671F}"/>
+                </a:ext>
+              </a:extLst>
+            </p:cNvPr>
+            <p:cNvGrpSpPr/>
+            <p:nvPr/>
+          </p:nvGrpSpPr>
+          <p:grpSpPr>
+            <a:xfrm>
+              <a:off x="4234060" y="4446885"/>
+              <a:ext cx="648652" cy="647700"/>
+              <a:chOff x="4234060" y="4446885"/>
+              <a:chExt cx="648652" cy="647700"/>
+            </a:xfrm>
+          </p:grpSpPr>
+          <p:sp>
+            <p:nvSpPr>
+              <p:cNvPr id="12" name="Graphic 4" descr="Single gear with solid fill">
+                <a:extLst>
+                  <a:ext uri="{FF2B5EF4-FFF2-40B4-BE49-F238E27FC236}">
+                    <a16:creationId xmlns:a16="http://schemas.microsoft.com/office/drawing/2014/main" id="{1A2E21D5-22D8-92C7-C2C5-C6156BC2C1C1}"/>
+                  </a:ext>
+                </a:extLst>
+              </p:cNvPr>
+              <p:cNvSpPr/>
+              <p:nvPr/>
+            </p:nvSpPr>
+            <p:spPr>
+              <a:xfrm rot="1320000">
+                <a:off x="4234060" y="4446885"/>
+                <a:ext cx="648652" cy="647700"/>
+              </a:xfrm>
+              <a:custGeom>
+                <a:avLst/>
+                <a:gdLst>
+                  <a:gd name="csX0" fmla="*/ 323850 w 648652"/>
+                  <a:gd name="csY0" fmla="*/ 438150 h 647700"/>
+                  <a:gd name="csX1" fmla="*/ 209550 w 648652"/>
+                  <a:gd name="csY1" fmla="*/ 323850 h 647700"/>
+                  <a:gd name="csX2" fmla="*/ 323850 w 648652"/>
+                  <a:gd name="csY2" fmla="*/ 209550 h 647700"/>
+                  <a:gd name="csX3" fmla="*/ 438150 w 648652"/>
+                  <a:gd name="csY3" fmla="*/ 323850 h 647700"/>
+                  <a:gd name="csX4" fmla="*/ 323850 w 648652"/>
+                  <a:gd name="csY4" fmla="*/ 438150 h 647700"/>
+                  <a:gd name="csX5" fmla="*/ 581025 w 648652"/>
+                  <a:gd name="csY5" fmla="*/ 252413 h 647700"/>
+                  <a:gd name="csX6" fmla="*/ 556260 w 648652"/>
+                  <a:gd name="csY6" fmla="*/ 193358 h 647700"/>
+                  <a:gd name="csX7" fmla="*/ 580073 w 648652"/>
+                  <a:gd name="csY7" fmla="*/ 121920 h 647700"/>
+                  <a:gd name="csX8" fmla="*/ 525780 w 648652"/>
+                  <a:gd name="csY8" fmla="*/ 67628 h 647700"/>
+                  <a:gd name="csX9" fmla="*/ 454343 w 648652"/>
+                  <a:gd name="csY9" fmla="*/ 91440 h 647700"/>
+                  <a:gd name="csX10" fmla="*/ 394335 w 648652"/>
+                  <a:gd name="csY10" fmla="*/ 66675 h 647700"/>
+                  <a:gd name="csX11" fmla="*/ 361950 w 648652"/>
+                  <a:gd name="csY11" fmla="*/ 0 h 647700"/>
+                  <a:gd name="csX12" fmla="*/ 285750 w 648652"/>
+                  <a:gd name="csY12" fmla="*/ 0 h 647700"/>
+                  <a:gd name="csX13" fmla="*/ 252413 w 648652"/>
+                  <a:gd name="csY13" fmla="*/ 66675 h 647700"/>
+                  <a:gd name="csX14" fmla="*/ 193358 w 648652"/>
+                  <a:gd name="csY14" fmla="*/ 91440 h 647700"/>
+                  <a:gd name="csX15" fmla="*/ 121920 w 648652"/>
+                  <a:gd name="csY15" fmla="*/ 67628 h 647700"/>
+                  <a:gd name="csX16" fmla="*/ 67628 w 648652"/>
+                  <a:gd name="csY16" fmla="*/ 121920 h 647700"/>
+                  <a:gd name="csX17" fmla="*/ 91440 w 648652"/>
+                  <a:gd name="csY17" fmla="*/ 193358 h 647700"/>
+                  <a:gd name="csX18" fmla="*/ 66675 w 648652"/>
+                  <a:gd name="csY18" fmla="*/ 253365 h 647700"/>
+                  <a:gd name="csX19" fmla="*/ 0 w 648652"/>
+                  <a:gd name="csY19" fmla="*/ 285750 h 647700"/>
+                  <a:gd name="csX20" fmla="*/ 0 w 648652"/>
+                  <a:gd name="csY20" fmla="*/ 361950 h 647700"/>
+                  <a:gd name="csX21" fmla="*/ 66675 w 648652"/>
+                  <a:gd name="csY21" fmla="*/ 395288 h 647700"/>
+                  <a:gd name="csX22" fmla="*/ 91440 w 648652"/>
+                  <a:gd name="csY22" fmla="*/ 454343 h 647700"/>
+                  <a:gd name="csX23" fmla="*/ 67628 w 648652"/>
+                  <a:gd name="csY23" fmla="*/ 525780 h 647700"/>
+                  <a:gd name="csX24" fmla="*/ 121920 w 648652"/>
+                  <a:gd name="csY24" fmla="*/ 580073 h 647700"/>
+                  <a:gd name="csX25" fmla="*/ 193358 w 648652"/>
+                  <a:gd name="csY25" fmla="*/ 556260 h 647700"/>
+                  <a:gd name="csX26" fmla="*/ 253365 w 648652"/>
+                  <a:gd name="csY26" fmla="*/ 581025 h 647700"/>
+                  <a:gd name="csX27" fmla="*/ 286703 w 648652"/>
+                  <a:gd name="csY27" fmla="*/ 647700 h 647700"/>
+                  <a:gd name="csX28" fmla="*/ 362903 w 648652"/>
+                  <a:gd name="csY28" fmla="*/ 647700 h 647700"/>
+                  <a:gd name="csX29" fmla="*/ 396240 w 648652"/>
+                  <a:gd name="csY29" fmla="*/ 581025 h 647700"/>
+                  <a:gd name="csX30" fmla="*/ 455295 w 648652"/>
+                  <a:gd name="csY30" fmla="*/ 556260 h 647700"/>
+                  <a:gd name="csX31" fmla="*/ 526733 w 648652"/>
+                  <a:gd name="csY31" fmla="*/ 580073 h 647700"/>
+                  <a:gd name="csX32" fmla="*/ 581025 w 648652"/>
+                  <a:gd name="csY32" fmla="*/ 525780 h 647700"/>
+                  <a:gd name="csX33" fmla="*/ 557213 w 648652"/>
+                  <a:gd name="csY33" fmla="*/ 454343 h 647700"/>
+                  <a:gd name="csX34" fmla="*/ 581978 w 648652"/>
+                  <a:gd name="csY34" fmla="*/ 394335 h 647700"/>
+                  <a:gd name="csX35" fmla="*/ 648653 w 648652"/>
+                  <a:gd name="csY35" fmla="*/ 360998 h 647700"/>
+                  <a:gd name="csX36" fmla="*/ 648653 w 648652"/>
+                  <a:gd name="csY36" fmla="*/ 284798 h 647700"/>
+                  <a:gd name="csX37" fmla="*/ 581025 w 648652"/>
+                  <a:gd name="csY37" fmla="*/ 252413 h 647700"/>
+                </a:gdLst>
+                <a:ahLst/>
+                <a:cxnLst>
+                  <a:cxn ang="0">
+                    <a:pos x="csX0" y="csY0"/>
+                  </a:cxn>
+                  <a:cxn ang="0">
+                    <a:pos x="csX1" y="csY1"/>
+                  </a:cxn>
+                  <a:cxn ang="0">
+                    <a:pos x="csX2" y="csY2"/>
+                  </a:cxn>
+                  <a:cxn ang="0">
+                    <a:pos x="csX3" y="csY3"/>
+                  </a:cxn>
+                  <a:cxn ang="0">
+                    <a:pos x="csX4" y="csY4"/>
+                  </a:cxn>
+                  <a:cxn ang="0">
+                    <a:pos x="csX5" y="csY5"/>
+                  </a:cxn>
+                  <a:cxn ang="0">
+                    <a:pos x="csX6" y="csY6"/>
+                  </a:cxn>
+                  <a:cxn ang="0">
+                    <a:pos x="csX7" y="csY7"/>
+                  </a:cxn>
+                  <a:cxn ang="0">
+                    <a:pos x="csX8" y="csY8"/>
+                  </a:cxn>
+                  <a:cxn ang="0">
+                    <a:pos x="csX9" y="csY9"/>
+                  </a:cxn>
+                  <a:cxn ang="0">
+                    <a:pos x="csX10" y="csY10"/>
+                  </a:cxn>
+                  <a:cxn ang="0">
+                    <a:pos x="csX11" y="csY11"/>
+                  </a:cxn>
+                  <a:cxn ang="0">
+                    <a:pos x="csX12" y="csY12"/>
+                  </a:cxn>
+                  <a:cxn ang="0">
+                    <a:pos x="csX13" y="csY13"/>
+                  </a:cxn>
+                  <a:cxn ang="0">
+                    <a:pos x="csX14" y="csY14"/>
+                  </a:cxn>
+                  <a:cxn ang="0">
+                    <a:pos x="csX15" y="csY15"/>
+                  </a:cxn>
+                  <a:cxn ang="0">
+                    <a:pos x="csX16" y="csY16"/>
+                  </a:cxn>
+                  <a:cxn ang="0">
+                    <a:pos x="csX17" y="csY17"/>
+                  </a:cxn>
+                  <a:cxn ang="0">
+                    <a:pos x="csX18" y="csY18"/>
+                  </a:cxn>
+                  <a:cxn ang="0">
+                    <a:pos x="csX19" y="csY19"/>
+                  </a:cxn>
+                  <a:cxn ang="0">
+                    <a:pos x="csX20" y="csY20"/>
+                  </a:cxn>
+                  <a:cxn ang="0">
+                    <a:pos x="csX21" y="csY21"/>
+                  </a:cxn>
+                  <a:cxn ang="0">
+                    <a:pos x="csX22" y="csY22"/>
+                  </a:cxn>
+                  <a:cxn ang="0">
+                    <a:pos x="csX23" y="csY23"/>
+                  </a:cxn>
+                  <a:cxn ang="0">
+                    <a:pos x="csX24" y="csY24"/>
+                  </a:cxn>
+                  <a:cxn ang="0">
+                    <a:pos x="csX25" y="csY25"/>
+                  </a:cxn>
+                  <a:cxn ang="0">
+                    <a:pos x="csX26" y="csY26"/>
+                  </a:cxn>
+                  <a:cxn ang="0">
+                    <a:pos x="csX27" y="csY27"/>
+                  </a:cxn>
+                  <a:cxn ang="0">
+                    <a:pos x="csX28" y="csY28"/>
+                  </a:cxn>
+                  <a:cxn ang="0">
+                    <a:pos x="csX29" y="csY29"/>
+                  </a:cxn>
+                  <a:cxn ang="0">
+                    <a:pos x="csX30" y="csY30"/>
+                  </a:cxn>
+                  <a:cxn ang="0">
+                    <a:pos x="csX31" y="csY31"/>
+                  </a:cxn>
+                  <a:cxn ang="0">
+                    <a:pos x="csX32" y="csY32"/>
+                  </a:cxn>
+                  <a:cxn ang="0">
+                    <a:pos x="csX33" y="csY33"/>
+                  </a:cxn>
+                  <a:cxn ang="0">
+                    <a:pos x="csX34" y="csY34"/>
+                  </a:cxn>
+                  <a:cxn ang="0">
+                    <a:pos x="csX35" y="csY35"/>
+                  </a:cxn>
+                  <a:cxn ang="0">
+                    <a:pos x="csX36" y="csY36"/>
+                  </a:cxn>
+                  <a:cxn ang="0">
+                    <a:pos x="csX37" y="csY37"/>
+                  </a:cxn>
+                </a:cxnLst>
+                <a:rect l="l" t="t" r="r" b="b"/>
+                <a:pathLst>
+                  <a:path w="648652" h="647700">
+                    <a:moveTo>
+                      <a:pt x="323850" y="438150"/>
+                    </a:moveTo>
+                    <a:cubicBezTo>
+                      <a:pt x="260985" y="438150"/>
+                      <a:pt x="209550" y="386715"/>
+                      <a:pt x="209550" y="323850"/>
+                    </a:cubicBezTo>
+                    <a:cubicBezTo>
+                      <a:pt x="209550" y="260985"/>
+                      <a:pt x="260985" y="209550"/>
+                      <a:pt x="323850" y="209550"/>
+                    </a:cubicBezTo>
+                    <a:cubicBezTo>
+                      <a:pt x="386715" y="209550"/>
+                      <a:pt x="438150" y="260985"/>
+                      <a:pt x="438150" y="323850"/>
+                    </a:cubicBezTo>
+                    <a:cubicBezTo>
+                      <a:pt x="438150" y="386715"/>
+                      <a:pt x="386715" y="438150"/>
+                      <a:pt x="323850" y="438150"/>
+                    </a:cubicBezTo>
+                    <a:close/>
+                    <a:moveTo>
+                      <a:pt x="581025" y="252413"/>
+                    </a:moveTo>
+                    <a:cubicBezTo>
+                      <a:pt x="575310" y="231458"/>
+                      <a:pt x="566738" y="211455"/>
+                      <a:pt x="556260" y="193358"/>
+                    </a:cubicBezTo>
+                    <a:lnTo>
+                      <a:pt x="580073" y="121920"/>
+                    </a:lnTo>
+                    <a:lnTo>
+                      <a:pt x="525780" y="67628"/>
+                    </a:lnTo>
+                    <a:lnTo>
+                      <a:pt x="454343" y="91440"/>
+                    </a:lnTo>
+                    <a:cubicBezTo>
+                      <a:pt x="435293" y="80963"/>
+                      <a:pt x="415290" y="72390"/>
+                      <a:pt x="394335" y="66675"/>
+                    </a:cubicBezTo>
+                    <a:lnTo>
+                      <a:pt x="361950" y="0"/>
+                    </a:lnTo>
+                    <a:lnTo>
+                      <a:pt x="285750" y="0"/>
+                    </a:lnTo>
+                    <a:lnTo>
+                      <a:pt x="252413" y="66675"/>
+                    </a:lnTo>
+                    <a:cubicBezTo>
+                      <a:pt x="231458" y="72390"/>
+                      <a:pt x="211455" y="80963"/>
+                      <a:pt x="193358" y="91440"/>
+                    </a:cubicBezTo>
+                    <a:lnTo>
+                      <a:pt x="121920" y="67628"/>
+                    </a:lnTo>
+                    <a:lnTo>
+                      <a:pt x="67628" y="121920"/>
+                    </a:lnTo>
+                    <a:lnTo>
+                      <a:pt x="91440" y="193358"/>
+                    </a:lnTo>
+                    <a:cubicBezTo>
+                      <a:pt x="80963" y="212408"/>
+                      <a:pt x="72390" y="232410"/>
+                      <a:pt x="66675" y="253365"/>
+                    </a:cubicBezTo>
+                    <a:lnTo>
+                      <a:pt x="0" y="285750"/>
+                    </a:lnTo>
+                    <a:lnTo>
+                      <a:pt x="0" y="361950"/>
+                    </a:lnTo>
+                    <a:lnTo>
+                      <a:pt x="66675" y="395288"/>
+                    </a:lnTo>
+                    <a:cubicBezTo>
+                      <a:pt x="72390" y="416243"/>
+                      <a:pt x="80963" y="436245"/>
+                      <a:pt x="91440" y="454343"/>
+                    </a:cubicBezTo>
+                    <a:lnTo>
+                      <a:pt x="67628" y="525780"/>
+                    </a:lnTo>
+                    <a:lnTo>
+                      <a:pt x="121920" y="580073"/>
+                    </a:lnTo>
+                    <a:lnTo>
+                      <a:pt x="193358" y="556260"/>
+                    </a:lnTo>
+                    <a:cubicBezTo>
+                      <a:pt x="212408" y="566738"/>
+                      <a:pt x="232410" y="575310"/>
+                      <a:pt x="253365" y="581025"/>
+                    </a:cubicBezTo>
+                    <a:lnTo>
+                      <a:pt x="286703" y="647700"/>
+                    </a:lnTo>
+                    <a:lnTo>
+                      <a:pt x="362903" y="647700"/>
+                    </a:lnTo>
+                    <a:lnTo>
+                      <a:pt x="396240" y="581025"/>
+                    </a:lnTo>
+                    <a:cubicBezTo>
+                      <a:pt x="417195" y="575310"/>
+                      <a:pt x="437198" y="566738"/>
+                      <a:pt x="455295" y="556260"/>
+                    </a:cubicBezTo>
+                    <a:lnTo>
+                      <a:pt x="526733" y="580073"/>
+                    </a:lnTo>
+                    <a:lnTo>
+                      <a:pt x="581025" y="525780"/>
+                    </a:lnTo>
+                    <a:lnTo>
+                      <a:pt x="557213" y="454343"/>
+                    </a:lnTo>
+                    <a:cubicBezTo>
+                      <a:pt x="567690" y="435293"/>
+                      <a:pt x="576263" y="415290"/>
+                      <a:pt x="581978" y="394335"/>
+                    </a:cubicBezTo>
+                    <a:lnTo>
+                      <a:pt x="648653" y="360998"/>
+                    </a:lnTo>
+                    <a:lnTo>
+                      <a:pt x="648653" y="284798"/>
+                    </a:lnTo>
+                    <a:lnTo>
+                      <a:pt x="581025" y="252413"/>
+                    </a:lnTo>
+                    <a:close/>
+                  </a:path>
+                </a:pathLst>
+              </a:custGeom>
+              <a:solidFill>
+                <a:srgbClr val="999999"/>
+              </a:solidFill>
+              <a:ln w="9525" cap="flat">
+                <a:noFill/>
+                <a:prstDash val="solid"/>
+                <a:miter/>
+              </a:ln>
+            </p:spPr>
+            <p:txBody>
+              <a:bodyPr/>
+              <a:lstStyle/>
+              <a:p>
+                <a:endParaRPr lang="fr-CA"/>
+              </a:p>
+            </p:txBody>
+          </p:sp>
+          <p:sp>
+            <p:nvSpPr>
+              <p:cNvPr id="13" name="Oval 12">
+                <a:extLst>
+                  <a:ext uri="{FF2B5EF4-FFF2-40B4-BE49-F238E27FC236}">
+                    <a16:creationId xmlns:a16="http://schemas.microsoft.com/office/drawing/2014/main" id="{71FAE719-B728-5BED-78A8-43DCA2B2D5CB}"/>
+                  </a:ext>
+                </a:extLst>
+              </p:cNvPr>
+              <p:cNvSpPr/>
+              <p:nvPr/>
+            </p:nvSpPr>
+            <p:spPr>
+              <a:xfrm rot="1320000">
+                <a:off x="4396223" y="4604048"/>
+                <a:ext cx="324326" cy="333375"/>
+              </a:xfrm>
+              <a:prstGeom prst="ellipse">
+                <a:avLst/>
+              </a:prstGeom>
+              <a:solidFill>
+                <a:srgbClr val="CCCCCC"/>
+              </a:solidFill>
+              <a:ln>
+                <a:noFill/>
+              </a:ln>
+            </p:spPr>
+            <p:style>
+              <a:lnRef idx="2">
+                <a:schemeClr val="accent1">
+                  <a:shade val="15000"/>
+                </a:schemeClr>
+              </a:lnRef>
+              <a:fillRef idx="1">
+                <a:schemeClr val="accent1"/>
+              </a:fillRef>
+              <a:effectRef idx="0">
+                <a:schemeClr val="accent1"/>
+              </a:effectRef>
+              <a:fontRef idx="minor">
+                <a:schemeClr val="lt1"/>
+              </a:fontRef>
+            </p:style>
+            <p:txBody>
+              <a:bodyPr rtlCol="0" anchor="ctr"/>
+              <a:lstStyle/>
+              <a:p>
+                <a:pPr algn="ctr"/>
+                <a:endParaRPr lang="fr-CA"/>
+              </a:p>
+            </p:txBody>
+          </p:sp>
+          <p:sp>
+            <p:nvSpPr>
+              <p:cNvPr id="14" name="Oval 13">
+                <a:extLst>
+                  <a:ext uri="{FF2B5EF4-FFF2-40B4-BE49-F238E27FC236}">
+                    <a16:creationId xmlns:a16="http://schemas.microsoft.com/office/drawing/2014/main" id="{1B8866F2-D136-7844-572E-38640271DF47}"/>
+                  </a:ext>
+                </a:extLst>
+              </p:cNvPr>
+              <p:cNvSpPr/>
+              <p:nvPr/>
+            </p:nvSpPr>
+            <p:spPr>
+              <a:xfrm rot="1320000">
+                <a:off x="4520835" y="4733184"/>
+                <a:ext cx="75102" cy="75102"/>
+              </a:xfrm>
+              <a:prstGeom prst="ellipse">
+                <a:avLst/>
+              </a:prstGeom>
+              <a:solidFill>
+                <a:srgbClr val="333333"/>
+              </a:solidFill>
+              <a:ln>
+                <a:noFill/>
+              </a:ln>
+            </p:spPr>
+            <p:style>
+              <a:lnRef idx="2">
+                <a:schemeClr val="accent1">
+                  <a:shade val="15000"/>
+                </a:schemeClr>
+              </a:lnRef>
+              <a:fillRef idx="1">
+                <a:schemeClr val="accent1"/>
+              </a:fillRef>
+              <a:effectRef idx="0">
+                <a:schemeClr val="accent1"/>
+              </a:effectRef>
+              <a:fontRef idx="minor">
+                <a:schemeClr val="lt1"/>
+              </a:fontRef>
+            </p:style>
+            <p:txBody>
+              <a:bodyPr rtlCol="0" anchor="ctr"/>
+              <a:lstStyle/>
+              <a:p>
+                <a:pPr algn="ctr"/>
+                <a:endParaRPr lang="fr-CA"/>
+              </a:p>
+            </p:txBody>
+          </p:sp>
+        </p:grpSp>
+        <p:grpSp>
+          <p:nvGrpSpPr>
+            <p:cNvPr id="7" name="Group 6">
+              <a:extLst>
+                <a:ext uri="{FF2B5EF4-FFF2-40B4-BE49-F238E27FC236}">
+                  <a16:creationId xmlns:a16="http://schemas.microsoft.com/office/drawing/2014/main" id="{3CDD440B-EE3F-EA8F-F26F-A7DA4CE2F994}"/>
+                </a:ext>
+              </a:extLst>
+            </p:cNvPr>
+            <p:cNvGrpSpPr/>
+            <p:nvPr/>
+          </p:nvGrpSpPr>
+          <p:grpSpPr>
+            <a:xfrm>
+              <a:off x="4680175" y="4889798"/>
+              <a:ext cx="648652" cy="647700"/>
+              <a:chOff x="4680175" y="4889798"/>
+              <a:chExt cx="648652" cy="647700"/>
+            </a:xfrm>
+          </p:grpSpPr>
+          <p:sp>
+            <p:nvSpPr>
+              <p:cNvPr id="8" name="Oval 7">
+                <a:extLst>
+                  <a:ext uri="{FF2B5EF4-FFF2-40B4-BE49-F238E27FC236}">
+                    <a16:creationId xmlns:a16="http://schemas.microsoft.com/office/drawing/2014/main" id="{7CC6F408-37C3-8ADB-FACB-CB267FCD7DAA}"/>
+                  </a:ext>
+                </a:extLst>
+              </p:cNvPr>
+              <p:cNvSpPr/>
+              <p:nvPr/>
+            </p:nvSpPr>
+            <p:spPr>
+              <a:xfrm>
+                <a:off x="4842338" y="5046961"/>
+                <a:ext cx="324326" cy="333375"/>
+              </a:xfrm>
+              <a:prstGeom prst="ellipse">
+                <a:avLst/>
+              </a:prstGeom>
+              <a:solidFill>
+                <a:srgbClr val="CCCCCC"/>
+              </a:solidFill>
+              <a:ln>
+                <a:noFill/>
+              </a:ln>
+            </p:spPr>
+            <p:style>
+              <a:lnRef idx="2">
+                <a:schemeClr val="accent1">
+                  <a:shade val="15000"/>
+                </a:schemeClr>
+              </a:lnRef>
+              <a:fillRef idx="1">
+                <a:schemeClr val="accent1"/>
+              </a:fillRef>
+              <a:effectRef idx="0">
+                <a:schemeClr val="accent1"/>
+              </a:effectRef>
+              <a:fontRef idx="minor">
+                <a:schemeClr val="lt1"/>
+              </a:fontRef>
+            </p:style>
+            <p:txBody>
+              <a:bodyPr rtlCol="0" anchor="ctr"/>
+              <a:lstStyle/>
+              <a:p>
+                <a:pPr algn="ctr"/>
+                <a:endParaRPr lang="fr-CA"/>
+              </a:p>
+            </p:txBody>
+          </p:sp>
+          <p:sp>
+            <p:nvSpPr>
+              <p:cNvPr id="10" name="Graphic 4" descr="Single gear with solid fill">
+                <a:extLst>
+                  <a:ext uri="{FF2B5EF4-FFF2-40B4-BE49-F238E27FC236}">
+                    <a16:creationId xmlns:a16="http://schemas.microsoft.com/office/drawing/2014/main" id="{B6B56CEA-6AA2-5C80-AE80-1FC12B2ECD58}"/>
+                  </a:ext>
+                </a:extLst>
+              </p:cNvPr>
+              <p:cNvSpPr/>
+              <p:nvPr/>
+            </p:nvSpPr>
+            <p:spPr>
+              <a:xfrm>
+                <a:off x="4680175" y="4889798"/>
+                <a:ext cx="648652" cy="647700"/>
+              </a:xfrm>
+              <a:custGeom>
+                <a:avLst/>
+                <a:gdLst>
+                  <a:gd name="csX0" fmla="*/ 323850 w 648652"/>
+                  <a:gd name="csY0" fmla="*/ 438150 h 647700"/>
+                  <a:gd name="csX1" fmla="*/ 209550 w 648652"/>
+                  <a:gd name="csY1" fmla="*/ 323850 h 647700"/>
+                  <a:gd name="csX2" fmla="*/ 323850 w 648652"/>
+                  <a:gd name="csY2" fmla="*/ 209550 h 647700"/>
+                  <a:gd name="csX3" fmla="*/ 438150 w 648652"/>
+                  <a:gd name="csY3" fmla="*/ 323850 h 647700"/>
+                  <a:gd name="csX4" fmla="*/ 323850 w 648652"/>
+                  <a:gd name="csY4" fmla="*/ 438150 h 647700"/>
+                  <a:gd name="csX5" fmla="*/ 581025 w 648652"/>
+                  <a:gd name="csY5" fmla="*/ 252413 h 647700"/>
+                  <a:gd name="csX6" fmla="*/ 556260 w 648652"/>
+                  <a:gd name="csY6" fmla="*/ 193358 h 647700"/>
+                  <a:gd name="csX7" fmla="*/ 580073 w 648652"/>
+                  <a:gd name="csY7" fmla="*/ 121920 h 647700"/>
+                  <a:gd name="csX8" fmla="*/ 525780 w 648652"/>
+                  <a:gd name="csY8" fmla="*/ 67628 h 647700"/>
+                  <a:gd name="csX9" fmla="*/ 454343 w 648652"/>
+                  <a:gd name="csY9" fmla="*/ 91440 h 647700"/>
+                  <a:gd name="csX10" fmla="*/ 394335 w 648652"/>
+                  <a:gd name="csY10" fmla="*/ 66675 h 647700"/>
+                  <a:gd name="csX11" fmla="*/ 361950 w 648652"/>
+                  <a:gd name="csY11" fmla="*/ 0 h 647700"/>
+                  <a:gd name="csX12" fmla="*/ 285750 w 648652"/>
+                  <a:gd name="csY12" fmla="*/ 0 h 647700"/>
+                  <a:gd name="csX13" fmla="*/ 252413 w 648652"/>
+                  <a:gd name="csY13" fmla="*/ 66675 h 647700"/>
+                  <a:gd name="csX14" fmla="*/ 193358 w 648652"/>
+                  <a:gd name="csY14" fmla="*/ 91440 h 647700"/>
+                  <a:gd name="csX15" fmla="*/ 121920 w 648652"/>
+                  <a:gd name="csY15" fmla="*/ 67628 h 647700"/>
+                  <a:gd name="csX16" fmla="*/ 67628 w 648652"/>
+                  <a:gd name="csY16" fmla="*/ 121920 h 647700"/>
+                  <a:gd name="csX17" fmla="*/ 91440 w 648652"/>
+                  <a:gd name="csY17" fmla="*/ 193358 h 647700"/>
+                  <a:gd name="csX18" fmla="*/ 66675 w 648652"/>
+                  <a:gd name="csY18" fmla="*/ 253365 h 647700"/>
+                  <a:gd name="csX19" fmla="*/ 0 w 648652"/>
+                  <a:gd name="csY19" fmla="*/ 285750 h 647700"/>
+                  <a:gd name="csX20" fmla="*/ 0 w 648652"/>
+                  <a:gd name="csY20" fmla="*/ 361950 h 647700"/>
+                  <a:gd name="csX21" fmla="*/ 66675 w 648652"/>
+                  <a:gd name="csY21" fmla="*/ 395288 h 647700"/>
+                  <a:gd name="csX22" fmla="*/ 91440 w 648652"/>
+                  <a:gd name="csY22" fmla="*/ 454343 h 647700"/>
+                  <a:gd name="csX23" fmla="*/ 67628 w 648652"/>
+                  <a:gd name="csY23" fmla="*/ 525780 h 647700"/>
+                  <a:gd name="csX24" fmla="*/ 121920 w 648652"/>
+                  <a:gd name="csY24" fmla="*/ 580073 h 647700"/>
+                  <a:gd name="csX25" fmla="*/ 193358 w 648652"/>
+                  <a:gd name="csY25" fmla="*/ 556260 h 647700"/>
+                  <a:gd name="csX26" fmla="*/ 253365 w 648652"/>
+                  <a:gd name="csY26" fmla="*/ 581025 h 647700"/>
+                  <a:gd name="csX27" fmla="*/ 286703 w 648652"/>
+                  <a:gd name="csY27" fmla="*/ 647700 h 647700"/>
+                  <a:gd name="csX28" fmla="*/ 362903 w 648652"/>
+                  <a:gd name="csY28" fmla="*/ 647700 h 647700"/>
+                  <a:gd name="csX29" fmla="*/ 396240 w 648652"/>
+                  <a:gd name="csY29" fmla="*/ 581025 h 647700"/>
+                  <a:gd name="csX30" fmla="*/ 455295 w 648652"/>
+                  <a:gd name="csY30" fmla="*/ 556260 h 647700"/>
+                  <a:gd name="csX31" fmla="*/ 526733 w 648652"/>
+                  <a:gd name="csY31" fmla="*/ 580073 h 647700"/>
+                  <a:gd name="csX32" fmla="*/ 581025 w 648652"/>
+                  <a:gd name="csY32" fmla="*/ 525780 h 647700"/>
+                  <a:gd name="csX33" fmla="*/ 557213 w 648652"/>
+                  <a:gd name="csY33" fmla="*/ 454343 h 647700"/>
+                  <a:gd name="csX34" fmla="*/ 581978 w 648652"/>
+                  <a:gd name="csY34" fmla="*/ 394335 h 647700"/>
+                  <a:gd name="csX35" fmla="*/ 648653 w 648652"/>
+                  <a:gd name="csY35" fmla="*/ 360998 h 647700"/>
+                  <a:gd name="csX36" fmla="*/ 648653 w 648652"/>
+                  <a:gd name="csY36" fmla="*/ 284798 h 647700"/>
+                  <a:gd name="csX37" fmla="*/ 581025 w 648652"/>
+                  <a:gd name="csY37" fmla="*/ 252413 h 647700"/>
+                </a:gdLst>
+                <a:ahLst/>
+                <a:cxnLst>
+                  <a:cxn ang="0">
+                    <a:pos x="csX0" y="csY0"/>
+                  </a:cxn>
+                  <a:cxn ang="0">
+                    <a:pos x="csX1" y="csY1"/>
+                  </a:cxn>
+                  <a:cxn ang="0">
+                    <a:pos x="csX2" y="csY2"/>
+                  </a:cxn>
+                  <a:cxn ang="0">
+                    <a:pos x="csX3" y="csY3"/>
+                  </a:cxn>
+                  <a:cxn ang="0">
+                    <a:pos x="csX4" y="csY4"/>
+                  </a:cxn>
+                  <a:cxn ang="0">
+                    <a:pos x="csX5" y="csY5"/>
+                  </a:cxn>
+                  <a:cxn ang="0">
+                    <a:pos x="csX6" y="csY6"/>
+                  </a:cxn>
+                  <a:cxn ang="0">
+                    <a:pos x="csX7" y="csY7"/>
+                  </a:cxn>
+                  <a:cxn ang="0">
+                    <a:pos x="csX8" y="csY8"/>
+                  </a:cxn>
+                  <a:cxn ang="0">
+                    <a:pos x="csX9" y="csY9"/>
+                  </a:cxn>
+                  <a:cxn ang="0">
+                    <a:pos x="csX10" y="csY10"/>
+                  </a:cxn>
+                  <a:cxn ang="0">
+                    <a:pos x="csX11" y="csY11"/>
+                  </a:cxn>
+                  <a:cxn ang="0">
+                    <a:pos x="csX12" y="csY12"/>
+                  </a:cxn>
+                  <a:cxn ang="0">
+                    <a:pos x="csX13" y="csY13"/>
+                  </a:cxn>
+                  <a:cxn ang="0">
+                    <a:pos x="csX14" y="csY14"/>
+                  </a:cxn>
+                  <a:cxn ang="0">
+                    <a:pos x="csX15" y="csY15"/>
+                  </a:cxn>
+                  <a:cxn ang="0">
+                    <a:pos x="csX16" y="csY16"/>
+                  </a:cxn>
+                  <a:cxn ang="0">
+                    <a:pos x="csX17" y="csY17"/>
+                  </a:cxn>
+                  <a:cxn ang="0">
+                    <a:pos x="csX18" y="csY18"/>
+                  </a:cxn>
+                  <a:cxn ang="0">
+                    <a:pos x="csX19" y="csY19"/>
+                  </a:cxn>
+                  <a:cxn ang="0">
+                    <a:pos x="csX20" y="csY20"/>
+                  </a:cxn>
+                  <a:cxn ang="0">
+                    <a:pos x="csX21" y="csY21"/>
+                  </a:cxn>
+                  <a:cxn ang="0">
+                    <a:pos x="csX22" y="csY22"/>
+                  </a:cxn>
+                  <a:cxn ang="0">
+                    <a:pos x="csX23" y="csY23"/>
+                  </a:cxn>
+                  <a:cxn ang="0">
+                    <a:pos x="csX24" y="csY24"/>
+                  </a:cxn>
+                  <a:cxn ang="0">
+                    <a:pos x="csX25" y="csY25"/>
+                  </a:cxn>
+                  <a:cxn ang="0">
+                    <a:pos x="csX26" y="csY26"/>
+                  </a:cxn>
+                  <a:cxn ang="0">
+                    <a:pos x="csX27" y="csY27"/>
+                  </a:cxn>
+                  <a:cxn ang="0">
+                    <a:pos x="csX28" y="csY28"/>
+                  </a:cxn>
+                  <a:cxn ang="0">
+                    <a:pos x="csX29" y="csY29"/>
+                  </a:cxn>
+                  <a:cxn ang="0">
+                    <a:pos x="csX30" y="csY30"/>
+                  </a:cxn>
+                  <a:cxn ang="0">
+                    <a:pos x="csX31" y="csY31"/>
+                  </a:cxn>
+                  <a:cxn ang="0">
+                    <a:pos x="csX32" y="csY32"/>
+                  </a:cxn>
+                  <a:cxn ang="0">
+                    <a:pos x="csX33" y="csY33"/>
+                  </a:cxn>
+                  <a:cxn ang="0">
+                    <a:pos x="csX34" y="csY34"/>
+                  </a:cxn>
+                  <a:cxn ang="0">
+                    <a:pos x="csX35" y="csY35"/>
+                  </a:cxn>
+                  <a:cxn ang="0">
+                    <a:pos x="csX36" y="csY36"/>
+                  </a:cxn>
+                  <a:cxn ang="0">
+                    <a:pos x="csX37" y="csY37"/>
+                  </a:cxn>
+                </a:cxnLst>
+                <a:rect l="l" t="t" r="r" b="b"/>
+                <a:pathLst>
+                  <a:path w="648652" h="647700">
+                    <a:moveTo>
+                      <a:pt x="323850" y="438150"/>
+                    </a:moveTo>
+                    <a:cubicBezTo>
+                      <a:pt x="260985" y="438150"/>
+                      <a:pt x="209550" y="386715"/>
+                      <a:pt x="209550" y="323850"/>
+                    </a:cubicBezTo>
+                    <a:cubicBezTo>
+                      <a:pt x="209550" y="260985"/>
+                      <a:pt x="260985" y="209550"/>
+                      <a:pt x="323850" y="209550"/>
+                    </a:cubicBezTo>
+                    <a:cubicBezTo>
+                      <a:pt x="386715" y="209550"/>
+                      <a:pt x="438150" y="260985"/>
+                      <a:pt x="438150" y="323850"/>
+                    </a:cubicBezTo>
+                    <a:cubicBezTo>
+                      <a:pt x="438150" y="386715"/>
+                      <a:pt x="386715" y="438150"/>
+                      <a:pt x="323850" y="438150"/>
+                    </a:cubicBezTo>
+                    <a:close/>
+                    <a:moveTo>
+                      <a:pt x="581025" y="252413"/>
+                    </a:moveTo>
+                    <a:cubicBezTo>
+                      <a:pt x="575310" y="231458"/>
+                      <a:pt x="566738" y="211455"/>
+                      <a:pt x="556260" y="193358"/>
+                    </a:cubicBezTo>
+                    <a:lnTo>
+                      <a:pt x="580073" y="121920"/>
+                    </a:lnTo>
+                    <a:lnTo>
+                      <a:pt x="525780" y="67628"/>
+                    </a:lnTo>
+                    <a:lnTo>
+                      <a:pt x="454343" y="91440"/>
+                    </a:lnTo>
+                    <a:cubicBezTo>
+                      <a:pt x="435293" y="80963"/>
+                      <a:pt x="415290" y="72390"/>
+                      <a:pt x="394335" y="66675"/>
+                    </a:cubicBezTo>
+                    <a:lnTo>
+                      <a:pt x="361950" y="0"/>
+                    </a:lnTo>
+                    <a:lnTo>
+                      <a:pt x="285750" y="0"/>
+                    </a:lnTo>
+                    <a:lnTo>
+                      <a:pt x="252413" y="66675"/>
+                    </a:lnTo>
+                    <a:cubicBezTo>
+                      <a:pt x="231458" y="72390"/>
+                      <a:pt x="211455" y="80963"/>
+                      <a:pt x="193358" y="91440"/>
+                    </a:cubicBezTo>
+                    <a:lnTo>
+                      <a:pt x="121920" y="67628"/>
+                    </a:lnTo>
+                    <a:lnTo>
+                      <a:pt x="67628" y="121920"/>
+                    </a:lnTo>
+                    <a:lnTo>
+                      <a:pt x="91440" y="193358"/>
+                    </a:lnTo>
+                    <a:cubicBezTo>
+                      <a:pt x="80963" y="212408"/>
+                      <a:pt x="72390" y="232410"/>
+                      <a:pt x="66675" y="253365"/>
+                    </a:cubicBezTo>
+                    <a:lnTo>
+                      <a:pt x="0" y="285750"/>
+                    </a:lnTo>
+                    <a:lnTo>
+                      <a:pt x="0" y="361950"/>
+                    </a:lnTo>
+                    <a:lnTo>
+                      <a:pt x="66675" y="395288"/>
+                    </a:lnTo>
+                    <a:cubicBezTo>
+                      <a:pt x="72390" y="416243"/>
+                      <a:pt x="80963" y="436245"/>
+                      <a:pt x="91440" y="454343"/>
+                    </a:cubicBezTo>
+                    <a:lnTo>
+                      <a:pt x="67628" y="525780"/>
+                    </a:lnTo>
+                    <a:lnTo>
+                      <a:pt x="121920" y="580073"/>
+                    </a:lnTo>
+                    <a:lnTo>
+                      <a:pt x="193358" y="556260"/>
+                    </a:lnTo>
+                    <a:cubicBezTo>
+                      <a:pt x="212408" y="566738"/>
+                      <a:pt x="232410" y="575310"/>
+                      <a:pt x="253365" y="581025"/>
+                    </a:cubicBezTo>
+                    <a:lnTo>
+                      <a:pt x="286703" y="647700"/>
+                    </a:lnTo>
+                    <a:lnTo>
+                      <a:pt x="362903" y="647700"/>
+                    </a:lnTo>
+                    <a:lnTo>
+                      <a:pt x="396240" y="581025"/>
+                    </a:lnTo>
+                    <a:cubicBezTo>
+                      <a:pt x="417195" y="575310"/>
+                      <a:pt x="437198" y="566738"/>
+                      <a:pt x="455295" y="556260"/>
+                    </a:cubicBezTo>
+                    <a:lnTo>
+                      <a:pt x="526733" y="580073"/>
+                    </a:lnTo>
+                    <a:lnTo>
+                      <a:pt x="581025" y="525780"/>
+                    </a:lnTo>
+                    <a:lnTo>
+                      <a:pt x="557213" y="454343"/>
+                    </a:lnTo>
+                    <a:cubicBezTo>
+                      <a:pt x="567690" y="435293"/>
+                      <a:pt x="576263" y="415290"/>
+                      <a:pt x="581978" y="394335"/>
+                    </a:cubicBezTo>
+                    <a:lnTo>
+                      <a:pt x="648653" y="360998"/>
+                    </a:lnTo>
+                    <a:lnTo>
+                      <a:pt x="648653" y="284798"/>
+                    </a:lnTo>
+                    <a:lnTo>
+                      <a:pt x="581025" y="252413"/>
+                    </a:lnTo>
+                    <a:close/>
+                  </a:path>
+                </a:pathLst>
+              </a:custGeom>
+              <a:solidFill>
+                <a:srgbClr val="999999"/>
+              </a:solidFill>
+              <a:ln w="9525" cap="flat">
+                <a:noFill/>
+                <a:prstDash val="solid"/>
+                <a:miter/>
+              </a:ln>
+            </p:spPr>
+            <p:txBody>
+              <a:bodyPr/>
+              <a:lstStyle/>
+              <a:p>
+                <a:endParaRPr lang="fr-CA"/>
+              </a:p>
+            </p:txBody>
+          </p:sp>
+          <p:sp>
+            <p:nvSpPr>
+              <p:cNvPr id="11" name="Oval 10">
+                <a:extLst>
+                  <a:ext uri="{FF2B5EF4-FFF2-40B4-BE49-F238E27FC236}">
+                    <a16:creationId xmlns:a16="http://schemas.microsoft.com/office/drawing/2014/main" id="{05403B4E-C359-917A-1CB4-7665C62D2FDE}"/>
+                  </a:ext>
+                </a:extLst>
+              </p:cNvPr>
+              <p:cNvSpPr/>
+              <p:nvPr/>
+            </p:nvSpPr>
+            <p:spPr>
+              <a:xfrm rot="1320000">
+                <a:off x="4966950" y="5176097"/>
+                <a:ext cx="75102" cy="75102"/>
+              </a:xfrm>
+              <a:prstGeom prst="ellipse">
+                <a:avLst/>
+              </a:prstGeom>
+              <a:solidFill>
+                <a:srgbClr val="333333"/>
+              </a:solidFill>
+              <a:ln>
+                <a:noFill/>
+              </a:ln>
+            </p:spPr>
+            <p:style>
+              <a:lnRef idx="2">
+                <a:schemeClr val="accent1">
+                  <a:shade val="15000"/>
+                </a:schemeClr>
+              </a:lnRef>
+              <a:fillRef idx="1">
+                <a:schemeClr val="accent1"/>
+              </a:fillRef>
+              <a:effectRef idx="0">
+                <a:schemeClr val="accent1"/>
+              </a:effectRef>
+              <a:fontRef idx="minor">
+                <a:schemeClr val="lt1"/>
+              </a:fontRef>
+            </p:style>
+            <p:txBody>
+              <a:bodyPr rtlCol="0" anchor="ctr"/>
+              <a:lstStyle/>
+              <a:p>
+                <a:pPr algn="ctr"/>
+                <a:endParaRPr lang="fr-CA"/>
+              </a:p>
+            </p:txBody>
+          </p:sp>
+        </p:grpSp>
+      </p:grpSp>
+      <p:grpSp>
+        <p:nvGrpSpPr>
+          <p:cNvPr id="47" name="Group 46">
+            <a:extLst>
+              <a:ext uri="{FF2B5EF4-FFF2-40B4-BE49-F238E27FC236}">
+                <a16:creationId xmlns:a16="http://schemas.microsoft.com/office/drawing/2014/main" id="{E962D614-A401-70C3-1239-3AC060A92253}"/>
+              </a:ext>
+            </a:extLst>
+          </p:cNvPr>
+          <p:cNvGrpSpPr/>
+          <p:nvPr/>
+        </p:nvGrpSpPr>
+        <p:grpSpPr>
+          <a:xfrm>
+            <a:off x="5183005" y="451610"/>
+            <a:ext cx="2151245" cy="3592076"/>
+            <a:chOff x="5183005" y="451610"/>
+            <a:chExt cx="2151245" cy="3592076"/>
+          </a:xfrm>
+        </p:grpSpPr>
+        <p:sp>
+          <p:nvSpPr>
+            <p:cNvPr id="46" name="Oval 45">
+              <a:extLst>
+                <a:ext uri="{FF2B5EF4-FFF2-40B4-BE49-F238E27FC236}">
+                  <a16:creationId xmlns:a16="http://schemas.microsoft.com/office/drawing/2014/main" id="{547D310F-E481-EEAD-DBFF-9F3F94B48743}"/>
+                </a:ext>
+              </a:extLst>
+            </p:cNvPr>
+            <p:cNvSpPr/>
+            <p:nvPr/>
+          </p:nvSpPr>
+          <p:spPr>
+            <a:xfrm>
+              <a:off x="5715000" y="2997200"/>
+              <a:ext cx="825500" cy="901700"/>
+            </a:xfrm>
+            <a:prstGeom prst="ellipse">
+              <a:avLst/>
+            </a:prstGeom>
+            <a:solidFill>
+              <a:srgbClr val="999999"/>
+            </a:solidFill>
+            <a:ln>
+              <a:noFill/>
+            </a:ln>
+          </p:spPr>
+          <p:style>
+            <a:lnRef idx="2">
+              <a:schemeClr val="accent1">
+                <a:shade val="15000"/>
+              </a:schemeClr>
+            </a:lnRef>
+            <a:fillRef idx="1">
+              <a:schemeClr val="accent1"/>
+            </a:fillRef>
+            <a:effectRef idx="0">
+              <a:schemeClr val="accent1"/>
+            </a:effectRef>
+            <a:fontRef idx="minor">
+              <a:schemeClr val="lt1"/>
+            </a:fontRef>
+          </p:style>
+          <p:txBody>
+            <a:bodyPr rtlCol="0" anchor="ctr"/>
+            <a:lstStyle/>
+            <a:p>
+              <a:pPr algn="ctr"/>
+              <a:endParaRPr lang="fr-CA"/>
+            </a:p>
+          </p:txBody>
+        </p:sp>
+        <p:grpSp>
+          <p:nvGrpSpPr>
+            <p:cNvPr id="45" name="Group 44">
+              <a:extLst>
+                <a:ext uri="{FF2B5EF4-FFF2-40B4-BE49-F238E27FC236}">
+                  <a16:creationId xmlns:a16="http://schemas.microsoft.com/office/drawing/2014/main" id="{5744F132-23F5-0A22-9BD2-546615F28F91}"/>
+                </a:ext>
+              </a:extLst>
+            </p:cNvPr>
+            <p:cNvGrpSpPr/>
+            <p:nvPr/>
+          </p:nvGrpSpPr>
+          <p:grpSpPr>
+            <a:xfrm>
+              <a:off x="5183005" y="451610"/>
+              <a:ext cx="2151245" cy="3592076"/>
+              <a:chOff x="5183005" y="451610"/>
+              <a:chExt cx="2151245" cy="3592076"/>
+            </a:xfrm>
+          </p:grpSpPr>
+          <p:sp>
+            <p:nvSpPr>
+              <p:cNvPr id="70" name="Freeform: Shape 69">
+                <a:extLst>
+                  <a:ext uri="{FF2B5EF4-FFF2-40B4-BE49-F238E27FC236}">
+                    <a16:creationId xmlns:a16="http://schemas.microsoft.com/office/drawing/2014/main" id="{E941FF87-D3F7-0541-04C2-720F5DDF54EC}"/>
+                  </a:ext>
+                </a:extLst>
+              </p:cNvPr>
+              <p:cNvSpPr/>
+              <p:nvPr/>
+            </p:nvSpPr>
+            <p:spPr>
+              <a:xfrm>
+                <a:off x="5189006" y="451610"/>
+                <a:ext cx="1848676" cy="380337"/>
+              </a:xfrm>
+              <a:custGeom>
+                <a:avLst/>
+                <a:gdLst>
+                  <a:gd name="csX0" fmla="*/ 28575 w 361949"/>
+                  <a:gd name="csY0" fmla="*/ 85725 h 85725"/>
+                  <a:gd name="csX1" fmla="*/ 333375 w 361949"/>
+                  <a:gd name="csY1" fmla="*/ 85725 h 85725"/>
+                  <a:gd name="csX2" fmla="*/ 361950 w 361949"/>
+                  <a:gd name="csY2" fmla="*/ 57150 h 85725"/>
+                  <a:gd name="csX3" fmla="*/ 333375 w 361949"/>
+                  <a:gd name="csY3" fmla="*/ 28575 h 85725"/>
+                  <a:gd name="csX4" fmla="*/ 242888 w 361949"/>
+                  <a:gd name="csY4" fmla="*/ 28575 h 85725"/>
+                  <a:gd name="csX5" fmla="*/ 233867 w 361949"/>
+                  <a:gd name="csY5" fmla="*/ 10535 h 85725"/>
+                  <a:gd name="csX6" fmla="*/ 216827 w 361949"/>
+                  <a:gd name="csY6" fmla="*/ 0 h 85725"/>
+                  <a:gd name="csX7" fmla="*/ 145123 w 361949"/>
+                  <a:gd name="csY7" fmla="*/ 0 h 85725"/>
+                  <a:gd name="csX8" fmla="*/ 128083 w 361949"/>
+                  <a:gd name="csY8" fmla="*/ 10535 h 85725"/>
+                  <a:gd name="csX9" fmla="*/ 119063 w 361949"/>
+                  <a:gd name="csY9" fmla="*/ 28575 h 85725"/>
+                  <a:gd name="csX10" fmla="*/ 28575 w 361949"/>
+                  <a:gd name="csY10" fmla="*/ 28575 h 85725"/>
+                  <a:gd name="csX11" fmla="*/ 0 w 361949"/>
+                  <a:gd name="csY11" fmla="*/ 57150 h 85725"/>
+                  <a:gd name="csX12" fmla="*/ 28575 w 361949"/>
+                  <a:gd name="csY12" fmla="*/ 85725 h 85725"/>
+                </a:gdLst>
+                <a:ahLst/>
+                <a:cxnLst>
+                  <a:cxn ang="0">
+                    <a:pos x="csX0" y="csY0"/>
+                  </a:cxn>
+                  <a:cxn ang="0">
+                    <a:pos x="csX1" y="csY1"/>
+                  </a:cxn>
+                  <a:cxn ang="0">
+                    <a:pos x="csX2" y="csY2"/>
+                  </a:cxn>
+                  <a:cxn ang="0">
+                    <a:pos x="csX3" y="csY3"/>
+                  </a:cxn>
+                  <a:cxn ang="0">
+                    <a:pos x="csX4" y="csY4"/>
+                  </a:cxn>
+                  <a:cxn ang="0">
+                    <a:pos x="csX5" y="csY5"/>
+                  </a:cxn>
+                  <a:cxn ang="0">
+                    <a:pos x="csX6" y="csY6"/>
+                  </a:cxn>
+                  <a:cxn ang="0">
+                    <a:pos x="csX7" y="csY7"/>
+                  </a:cxn>
+                  <a:cxn ang="0">
+                    <a:pos x="csX8" y="csY8"/>
+                  </a:cxn>
+                  <a:cxn ang="0">
+                    <a:pos x="csX9" y="csY9"/>
+                  </a:cxn>
+                  <a:cxn ang="0">
+                    <a:pos x="csX10" y="csY10"/>
+                  </a:cxn>
+                  <a:cxn ang="0">
+                    <a:pos x="csX11" y="csY11"/>
+                  </a:cxn>
+                  <a:cxn ang="0">
+                    <a:pos x="csX12" y="csY12"/>
+                  </a:cxn>
+                </a:cxnLst>
+                <a:rect l="l" t="t" r="r" b="b"/>
+                <a:pathLst>
+                  <a:path w="361949" h="85725">
+                    <a:moveTo>
+                      <a:pt x="28575" y="85725"/>
+                    </a:moveTo>
+                    <a:lnTo>
+                      <a:pt x="333375" y="85725"/>
+                    </a:lnTo>
+                    <a:cubicBezTo>
+                      <a:pt x="349156" y="85725"/>
+                      <a:pt x="361950" y="72932"/>
+                      <a:pt x="361950" y="57150"/>
+                    </a:cubicBezTo>
+                    <a:cubicBezTo>
+                      <a:pt x="361950" y="41369"/>
+                      <a:pt x="349156" y="28575"/>
+                      <a:pt x="333375" y="28575"/>
+                    </a:cubicBezTo>
+                    <a:lnTo>
+                      <a:pt x="242888" y="28575"/>
+                    </a:lnTo>
+                    <a:lnTo>
+                      <a:pt x="233867" y="10535"/>
+                    </a:lnTo>
+                    <a:cubicBezTo>
+                      <a:pt x="230641" y="4079"/>
+                      <a:pt x="224044" y="0"/>
+                      <a:pt x="216827" y="0"/>
+                    </a:cubicBezTo>
+                    <a:lnTo>
+                      <a:pt x="145123" y="0"/>
+                    </a:lnTo>
+                    <a:cubicBezTo>
+                      <a:pt x="137906" y="0"/>
+                      <a:pt x="131309" y="4079"/>
+                      <a:pt x="128083" y="10535"/>
+                    </a:cubicBezTo>
+                    <a:lnTo>
+                      <a:pt x="119063" y="28575"/>
+                    </a:lnTo>
+                    <a:lnTo>
+                      <a:pt x="28575" y="28575"/>
+                    </a:lnTo>
+                    <a:cubicBezTo>
+                      <a:pt x="12793" y="28575"/>
+                      <a:pt x="0" y="41369"/>
+                      <a:pt x="0" y="57150"/>
+                    </a:cubicBezTo>
+                    <a:cubicBezTo>
+                      <a:pt x="0" y="72932"/>
+                      <a:pt x="12793" y="85725"/>
+                      <a:pt x="28575" y="85725"/>
+                    </a:cubicBezTo>
+                    <a:close/>
+                  </a:path>
+                </a:pathLst>
+              </a:custGeom>
+              <a:solidFill>
+                <a:srgbClr val="333333"/>
+              </a:solidFill>
+              <a:ln w="9525" cap="flat">
+                <a:noFill/>
+                <a:prstDash val="solid"/>
+                <a:miter/>
+              </a:ln>
+            </p:spPr>
+            <p:txBody>
+              <a:bodyPr/>
+              <a:lstStyle/>
+              <a:p>
+                <a:endParaRPr lang="fr-CA"/>
+              </a:p>
+            </p:txBody>
+          </p:sp>
+          <p:sp>
+            <p:nvSpPr>
+              <p:cNvPr id="71" name="Freeform: Shape 70">
+                <a:extLst>
+                  <a:ext uri="{FF2B5EF4-FFF2-40B4-BE49-F238E27FC236}">
+                    <a16:creationId xmlns:a16="http://schemas.microsoft.com/office/drawing/2014/main" id="{639804AD-C66C-5F6C-40B6-F36420C7B2EF}"/>
+                  </a:ext>
+                </a:extLst>
+              </p:cNvPr>
+              <p:cNvSpPr/>
+              <p:nvPr/>
+            </p:nvSpPr>
+            <p:spPr>
+              <a:xfrm>
+                <a:off x="5273570" y="1000986"/>
+                <a:ext cx="2060680" cy="1394571"/>
+              </a:xfrm>
+              <a:custGeom>
+                <a:avLst/>
+                <a:gdLst>
+                  <a:gd name="csX0" fmla="*/ 365322 w 403457"/>
+                  <a:gd name="csY0" fmla="*/ 47625 h 314325"/>
+                  <a:gd name="csX1" fmla="*/ 318078 w 403457"/>
+                  <a:gd name="csY1" fmla="*/ 47625 h 314325"/>
+                  <a:gd name="csX2" fmla="*/ 323850 w 403457"/>
+                  <a:gd name="csY2" fmla="*/ 0 h 314325"/>
+                  <a:gd name="csX3" fmla="*/ 0 w 403457"/>
+                  <a:gd name="csY3" fmla="*/ 0 h 314325"/>
+                  <a:gd name="csX4" fmla="*/ 38100 w 403457"/>
+                  <a:gd name="csY4" fmla="*/ 314325 h 314325"/>
+                  <a:gd name="csX5" fmla="*/ 285750 w 403457"/>
+                  <a:gd name="csY5" fmla="*/ 314325 h 314325"/>
+                  <a:gd name="csX6" fmla="*/ 293570 w 403457"/>
+                  <a:gd name="csY6" fmla="*/ 249784 h 314325"/>
+                  <a:gd name="csX7" fmla="*/ 352625 w 403457"/>
+                  <a:gd name="csY7" fmla="*/ 241906 h 314325"/>
+                  <a:gd name="csX8" fmla="*/ 385267 w 403457"/>
+                  <a:gd name="csY8" fmla="*/ 209798 h 314325"/>
+                  <a:gd name="csX9" fmla="*/ 403031 w 403457"/>
+                  <a:gd name="csY9" fmla="*/ 91373 h 314325"/>
+                  <a:gd name="csX10" fmla="*/ 371001 w 403457"/>
+                  <a:gd name="csY10" fmla="*/ 48046 h 314325"/>
+                  <a:gd name="csX11" fmla="*/ 365322 w 403457"/>
+                  <a:gd name="csY11" fmla="*/ 47625 h 314325"/>
+                  <a:gd name="csX12" fmla="*/ 347605 w 403457"/>
+                  <a:gd name="csY12" fmla="*/ 204140 h 314325"/>
+                  <a:gd name="csX13" fmla="*/ 298352 w 403457"/>
+                  <a:gd name="csY13" fmla="*/ 210712 h 314325"/>
+                  <a:gd name="csX14" fmla="*/ 313449 w 403457"/>
+                  <a:gd name="csY14" fmla="*/ 85725 h 314325"/>
+                  <a:gd name="csX15" fmla="*/ 365322 w 403457"/>
+                  <a:gd name="csY15" fmla="*/ 85725 h 314325"/>
+                </a:gdLst>
+                <a:ahLst/>
+                <a:cxnLst>
+                  <a:cxn ang="0">
+                    <a:pos x="csX0" y="csY0"/>
+                  </a:cxn>
+                  <a:cxn ang="0">
+                    <a:pos x="csX1" y="csY1"/>
+                  </a:cxn>
+                  <a:cxn ang="0">
+                    <a:pos x="csX2" y="csY2"/>
+                  </a:cxn>
+                  <a:cxn ang="0">
+                    <a:pos x="csX3" y="csY3"/>
+                  </a:cxn>
+                  <a:cxn ang="0">
+                    <a:pos x="csX4" y="csY4"/>
+                  </a:cxn>
+                  <a:cxn ang="0">
+                    <a:pos x="csX5" y="csY5"/>
+                  </a:cxn>
+                  <a:cxn ang="0">
+                    <a:pos x="csX6" y="csY6"/>
+                  </a:cxn>
+                  <a:cxn ang="0">
+                    <a:pos x="csX7" y="csY7"/>
+                  </a:cxn>
+                  <a:cxn ang="0">
+                    <a:pos x="csX8" y="csY8"/>
+                  </a:cxn>
+                  <a:cxn ang="0">
+                    <a:pos x="csX9" y="csY9"/>
+                  </a:cxn>
+                  <a:cxn ang="0">
+                    <a:pos x="csX10" y="csY10"/>
+                  </a:cxn>
+                  <a:cxn ang="0">
+                    <a:pos x="csX11" y="csY11"/>
+                  </a:cxn>
+                  <a:cxn ang="0">
+                    <a:pos x="csX12" y="csY12"/>
+                  </a:cxn>
+                  <a:cxn ang="0">
+                    <a:pos x="csX13" y="csY13"/>
+                  </a:cxn>
+                  <a:cxn ang="0">
+                    <a:pos x="csX14" y="csY14"/>
+                  </a:cxn>
+                  <a:cxn ang="0">
+                    <a:pos x="csX15" y="csY15"/>
+                  </a:cxn>
+                </a:cxnLst>
+                <a:rect l="l" t="t" r="r" b="b"/>
+                <a:pathLst>
+                  <a:path w="403457" h="314325">
+                    <a:moveTo>
+                      <a:pt x="365322" y="47625"/>
+                    </a:moveTo>
+                    <a:lnTo>
+                      <a:pt x="318078" y="47625"/>
+                    </a:lnTo>
+                    <a:lnTo>
+                      <a:pt x="323850" y="0"/>
+                    </a:lnTo>
+                    <a:lnTo>
+                      <a:pt x="0" y="0"/>
+                    </a:lnTo>
+                    <a:lnTo>
+                      <a:pt x="38100" y="314325"/>
+                    </a:lnTo>
+                    <a:lnTo>
+                      <a:pt x="285750" y="314325"/>
+                    </a:lnTo>
+                    <a:lnTo>
+                      <a:pt x="293570" y="249784"/>
+                    </a:lnTo>
+                    <a:lnTo>
+                      <a:pt x="352625" y="241906"/>
+                    </a:lnTo>
+                    <a:cubicBezTo>
+                      <a:pt x="369440" y="239664"/>
+                      <a:pt x="382749" y="226574"/>
+                      <a:pt x="385267" y="209798"/>
+                    </a:cubicBezTo>
+                    <a:lnTo>
+                      <a:pt x="403031" y="91373"/>
+                    </a:lnTo>
+                    <a:cubicBezTo>
+                      <a:pt x="406151" y="70564"/>
+                      <a:pt x="391810" y="51165"/>
+                      <a:pt x="371001" y="48046"/>
+                    </a:cubicBezTo>
+                    <a:cubicBezTo>
+                      <a:pt x="369121" y="47764"/>
+                      <a:pt x="367223" y="47623"/>
+                      <a:pt x="365322" y="47625"/>
+                    </a:cubicBezTo>
+                    <a:close/>
+                    <a:moveTo>
+                      <a:pt x="347605" y="204140"/>
+                    </a:moveTo>
+                    <a:lnTo>
+                      <a:pt x="298352" y="210712"/>
+                    </a:lnTo>
+                    <a:lnTo>
+                      <a:pt x="313449" y="85725"/>
+                    </a:lnTo>
+                    <a:lnTo>
+                      <a:pt x="365322" y="85725"/>
+                    </a:lnTo>
+                    <a:close/>
+                  </a:path>
+                </a:pathLst>
+              </a:custGeom>
+              <a:solidFill>
+                <a:srgbClr val="CCCCCC"/>
+              </a:solidFill>
+              <a:ln w="9525" cap="flat">
+                <a:noFill/>
+                <a:prstDash val="solid"/>
+                <a:miter/>
+              </a:ln>
+            </p:spPr>
+            <p:txBody>
+              <a:bodyPr/>
+              <a:lstStyle/>
+              <a:p>
+                <a:endParaRPr lang="fr-CA"/>
+              </a:p>
+            </p:txBody>
+          </p:sp>
+          <p:sp>
+            <p:nvSpPr>
+              <p:cNvPr id="73" name="Freeform: Shape 72">
+                <a:extLst>
+                  <a:ext uri="{FF2B5EF4-FFF2-40B4-BE49-F238E27FC236}">
+                    <a16:creationId xmlns:a16="http://schemas.microsoft.com/office/drawing/2014/main" id="{0438848E-381A-072F-74F6-E88EB80B2896}"/>
+                  </a:ext>
+                </a:extLst>
+              </p:cNvPr>
+              <p:cNvSpPr/>
+              <p:nvPr/>
+            </p:nvSpPr>
+            <p:spPr>
+              <a:xfrm>
+                <a:off x="5183005" y="2564596"/>
+                <a:ext cx="1862500" cy="1479090"/>
+              </a:xfrm>
+              <a:custGeom>
+                <a:avLst/>
+                <a:gdLst>
+                  <a:gd name="csX0" fmla="*/ 382353 w 400049"/>
+                  <a:gd name="csY0" fmla="*/ 129854 h 361950"/>
+                  <a:gd name="csX1" fmla="*/ 371923 w 400049"/>
+                  <a:gd name="csY1" fmla="*/ 101594 h 361950"/>
+                  <a:gd name="csX2" fmla="*/ 344024 w 400049"/>
+                  <a:gd name="csY2" fmla="*/ 62541 h 361950"/>
+                  <a:gd name="csX3" fmla="*/ 333375 w 400049"/>
+                  <a:gd name="csY3" fmla="*/ 29318 h 361950"/>
+                  <a:gd name="csX4" fmla="*/ 333375 w 400049"/>
+                  <a:gd name="csY4" fmla="*/ 0 h 361950"/>
+                  <a:gd name="csX5" fmla="*/ 66675 w 400049"/>
+                  <a:gd name="csY5" fmla="*/ 0 h 361950"/>
+                  <a:gd name="csX6" fmla="*/ 66675 w 400049"/>
+                  <a:gd name="csY6" fmla="*/ 29308 h 361950"/>
+                  <a:gd name="csX7" fmla="*/ 56026 w 400049"/>
+                  <a:gd name="csY7" fmla="*/ 62532 h 361950"/>
+                  <a:gd name="csX8" fmla="*/ 28127 w 400049"/>
+                  <a:gd name="csY8" fmla="*/ 101584 h 361950"/>
+                  <a:gd name="csX9" fmla="*/ 17697 w 400049"/>
+                  <a:gd name="csY9" fmla="*/ 129845 h 361950"/>
+                  <a:gd name="csX10" fmla="*/ 0 w 400049"/>
+                  <a:gd name="csY10" fmla="*/ 333375 h 361950"/>
+                  <a:gd name="csX11" fmla="*/ 38100 w 400049"/>
+                  <a:gd name="csY11" fmla="*/ 333375 h 361950"/>
+                  <a:gd name="csX12" fmla="*/ 38100 w 400049"/>
+                  <a:gd name="csY12" fmla="*/ 361950 h 361950"/>
+                  <a:gd name="csX13" fmla="*/ 114300 w 400049"/>
+                  <a:gd name="csY13" fmla="*/ 361950 h 361950"/>
+                  <a:gd name="csX14" fmla="*/ 114300 w 400049"/>
+                  <a:gd name="csY14" fmla="*/ 333375 h 361950"/>
+                  <a:gd name="csX15" fmla="*/ 285750 w 400049"/>
+                  <a:gd name="csY15" fmla="*/ 333375 h 361950"/>
+                  <a:gd name="csX16" fmla="*/ 285750 w 400049"/>
+                  <a:gd name="csY16" fmla="*/ 361950 h 361950"/>
+                  <a:gd name="csX17" fmla="*/ 361950 w 400049"/>
+                  <a:gd name="csY17" fmla="*/ 361950 h 361950"/>
+                  <a:gd name="csX18" fmla="*/ 361950 w 400049"/>
+                  <a:gd name="csY18" fmla="*/ 333375 h 361950"/>
+                  <a:gd name="csX19" fmla="*/ 400050 w 400049"/>
+                  <a:gd name="csY19" fmla="*/ 333375 h 361950"/>
+                  <a:gd name="csX20" fmla="*/ 200025 w 400049"/>
+                  <a:gd name="csY20" fmla="*/ 242888 h 361950"/>
+                  <a:gd name="csX21" fmla="*/ 147638 w 400049"/>
+                  <a:gd name="csY21" fmla="*/ 190500 h 361950"/>
+                  <a:gd name="csX22" fmla="*/ 200025 w 400049"/>
+                  <a:gd name="csY22" fmla="*/ 138113 h 361950"/>
+                  <a:gd name="csX23" fmla="*/ 252413 w 400049"/>
+                  <a:gd name="csY23" fmla="*/ 190500 h 361950"/>
+                  <a:gd name="csX24" fmla="*/ 200025 w 400049"/>
+                  <a:gd name="csY24" fmla="*/ 242888 h 361950"/>
+                  <a:gd name="csX0" fmla="*/ 364656 w 382353"/>
+                  <a:gd name="csY0" fmla="*/ 129854 h 361950"/>
+                  <a:gd name="csX1" fmla="*/ 354226 w 382353"/>
+                  <a:gd name="csY1" fmla="*/ 101594 h 361950"/>
+                  <a:gd name="csX2" fmla="*/ 326327 w 382353"/>
+                  <a:gd name="csY2" fmla="*/ 62541 h 361950"/>
+                  <a:gd name="csX3" fmla="*/ 315678 w 382353"/>
+                  <a:gd name="csY3" fmla="*/ 29318 h 361950"/>
+                  <a:gd name="csX4" fmla="*/ 315678 w 382353"/>
+                  <a:gd name="csY4" fmla="*/ 0 h 361950"/>
+                  <a:gd name="csX5" fmla="*/ 48978 w 382353"/>
+                  <a:gd name="csY5" fmla="*/ 0 h 361950"/>
+                  <a:gd name="csX6" fmla="*/ 48978 w 382353"/>
+                  <a:gd name="csY6" fmla="*/ 29308 h 361950"/>
+                  <a:gd name="csX7" fmla="*/ 38329 w 382353"/>
+                  <a:gd name="csY7" fmla="*/ 62532 h 361950"/>
+                  <a:gd name="csX8" fmla="*/ 10430 w 382353"/>
+                  <a:gd name="csY8" fmla="*/ 101584 h 361950"/>
+                  <a:gd name="csX9" fmla="*/ 0 w 382353"/>
+                  <a:gd name="csY9" fmla="*/ 129845 h 361950"/>
+                  <a:gd name="csX10" fmla="*/ 20403 w 382353"/>
+                  <a:gd name="csY10" fmla="*/ 333375 h 361950"/>
+                  <a:gd name="csX11" fmla="*/ 20403 w 382353"/>
+                  <a:gd name="csY11" fmla="*/ 361950 h 361950"/>
+                  <a:gd name="csX12" fmla="*/ 96603 w 382353"/>
+                  <a:gd name="csY12" fmla="*/ 361950 h 361950"/>
+                  <a:gd name="csX13" fmla="*/ 96603 w 382353"/>
+                  <a:gd name="csY13" fmla="*/ 333375 h 361950"/>
+                  <a:gd name="csX14" fmla="*/ 268053 w 382353"/>
+                  <a:gd name="csY14" fmla="*/ 333375 h 361950"/>
+                  <a:gd name="csX15" fmla="*/ 268053 w 382353"/>
+                  <a:gd name="csY15" fmla="*/ 361950 h 361950"/>
+                  <a:gd name="csX16" fmla="*/ 344253 w 382353"/>
+                  <a:gd name="csY16" fmla="*/ 361950 h 361950"/>
+                  <a:gd name="csX17" fmla="*/ 344253 w 382353"/>
+                  <a:gd name="csY17" fmla="*/ 333375 h 361950"/>
+                  <a:gd name="csX18" fmla="*/ 382353 w 382353"/>
+                  <a:gd name="csY18" fmla="*/ 333375 h 361950"/>
+                  <a:gd name="csX19" fmla="*/ 364656 w 382353"/>
+                  <a:gd name="csY19" fmla="*/ 129854 h 361950"/>
+                  <a:gd name="csX20" fmla="*/ 182328 w 382353"/>
+                  <a:gd name="csY20" fmla="*/ 242888 h 361950"/>
+                  <a:gd name="csX21" fmla="*/ 129941 w 382353"/>
+                  <a:gd name="csY21" fmla="*/ 190500 h 361950"/>
+                  <a:gd name="csX22" fmla="*/ 182328 w 382353"/>
+                  <a:gd name="csY22" fmla="*/ 138113 h 361950"/>
+                  <a:gd name="csX23" fmla="*/ 234716 w 382353"/>
+                  <a:gd name="csY23" fmla="*/ 190500 h 361950"/>
+                  <a:gd name="csX24" fmla="*/ 182328 w 382353"/>
+                  <a:gd name="csY24" fmla="*/ 242888 h 361950"/>
+                  <a:gd name="csX0" fmla="*/ 364656 w 364656"/>
+                  <a:gd name="csY0" fmla="*/ 129854 h 361950"/>
+                  <a:gd name="csX1" fmla="*/ 354226 w 364656"/>
+                  <a:gd name="csY1" fmla="*/ 101594 h 361950"/>
+                  <a:gd name="csX2" fmla="*/ 326327 w 364656"/>
+                  <a:gd name="csY2" fmla="*/ 62541 h 361950"/>
+                  <a:gd name="csX3" fmla="*/ 315678 w 364656"/>
+                  <a:gd name="csY3" fmla="*/ 29318 h 361950"/>
+                  <a:gd name="csX4" fmla="*/ 315678 w 364656"/>
+                  <a:gd name="csY4" fmla="*/ 0 h 361950"/>
+                  <a:gd name="csX5" fmla="*/ 48978 w 364656"/>
+                  <a:gd name="csY5" fmla="*/ 0 h 361950"/>
+                  <a:gd name="csX6" fmla="*/ 48978 w 364656"/>
+                  <a:gd name="csY6" fmla="*/ 29308 h 361950"/>
+                  <a:gd name="csX7" fmla="*/ 38329 w 364656"/>
+                  <a:gd name="csY7" fmla="*/ 62532 h 361950"/>
+                  <a:gd name="csX8" fmla="*/ 10430 w 364656"/>
+                  <a:gd name="csY8" fmla="*/ 101584 h 361950"/>
+                  <a:gd name="csX9" fmla="*/ 0 w 364656"/>
+                  <a:gd name="csY9" fmla="*/ 129845 h 361950"/>
+                  <a:gd name="csX10" fmla="*/ 20403 w 364656"/>
+                  <a:gd name="csY10" fmla="*/ 333375 h 361950"/>
+                  <a:gd name="csX11" fmla="*/ 20403 w 364656"/>
+                  <a:gd name="csY11" fmla="*/ 361950 h 361950"/>
+                  <a:gd name="csX12" fmla="*/ 96603 w 364656"/>
+                  <a:gd name="csY12" fmla="*/ 361950 h 361950"/>
+                  <a:gd name="csX13" fmla="*/ 96603 w 364656"/>
+                  <a:gd name="csY13" fmla="*/ 333375 h 361950"/>
+                  <a:gd name="csX14" fmla="*/ 268053 w 364656"/>
+                  <a:gd name="csY14" fmla="*/ 333375 h 361950"/>
+                  <a:gd name="csX15" fmla="*/ 268053 w 364656"/>
+                  <a:gd name="csY15" fmla="*/ 361950 h 361950"/>
+                  <a:gd name="csX16" fmla="*/ 344253 w 364656"/>
+                  <a:gd name="csY16" fmla="*/ 361950 h 361950"/>
+                  <a:gd name="csX17" fmla="*/ 344253 w 364656"/>
+                  <a:gd name="csY17" fmla="*/ 333375 h 361950"/>
+                  <a:gd name="csX18" fmla="*/ 364656 w 364656"/>
+                  <a:gd name="csY18" fmla="*/ 129854 h 361950"/>
+                  <a:gd name="csX19" fmla="*/ 182328 w 364656"/>
+                  <a:gd name="csY19" fmla="*/ 242888 h 361950"/>
+                  <a:gd name="csX20" fmla="*/ 129941 w 364656"/>
+                  <a:gd name="csY20" fmla="*/ 190500 h 361950"/>
+                  <a:gd name="csX21" fmla="*/ 182328 w 364656"/>
+                  <a:gd name="csY21" fmla="*/ 138113 h 361950"/>
+                  <a:gd name="csX22" fmla="*/ 234716 w 364656"/>
+                  <a:gd name="csY22" fmla="*/ 190500 h 361950"/>
+                  <a:gd name="csX23" fmla="*/ 182328 w 364656"/>
+                  <a:gd name="csY23" fmla="*/ 242888 h 361950"/>
+                  <a:gd name="csX0" fmla="*/ 364656 w 364656"/>
+                  <a:gd name="csY0" fmla="*/ 129854 h 361950"/>
+                  <a:gd name="csX1" fmla="*/ 354226 w 364656"/>
+                  <a:gd name="csY1" fmla="*/ 101594 h 361950"/>
+                  <a:gd name="csX2" fmla="*/ 326327 w 364656"/>
+                  <a:gd name="csY2" fmla="*/ 62541 h 361950"/>
+                  <a:gd name="csX3" fmla="*/ 315678 w 364656"/>
+                  <a:gd name="csY3" fmla="*/ 29318 h 361950"/>
+                  <a:gd name="csX4" fmla="*/ 315678 w 364656"/>
+                  <a:gd name="csY4" fmla="*/ 0 h 361950"/>
+                  <a:gd name="csX5" fmla="*/ 48978 w 364656"/>
+                  <a:gd name="csY5" fmla="*/ 0 h 361950"/>
+                  <a:gd name="csX6" fmla="*/ 48978 w 364656"/>
+                  <a:gd name="csY6" fmla="*/ 29308 h 361950"/>
+                  <a:gd name="csX7" fmla="*/ 38329 w 364656"/>
+                  <a:gd name="csY7" fmla="*/ 62532 h 361950"/>
+                  <a:gd name="csX8" fmla="*/ 10430 w 364656"/>
+                  <a:gd name="csY8" fmla="*/ 101584 h 361950"/>
+                  <a:gd name="csX9" fmla="*/ 0 w 364656"/>
+                  <a:gd name="csY9" fmla="*/ 129845 h 361950"/>
+                  <a:gd name="csX10" fmla="*/ 20403 w 364656"/>
+                  <a:gd name="csY10" fmla="*/ 333375 h 361950"/>
+                  <a:gd name="csX11" fmla="*/ 96603 w 364656"/>
+                  <a:gd name="csY11" fmla="*/ 361950 h 361950"/>
+                  <a:gd name="csX12" fmla="*/ 96603 w 364656"/>
+                  <a:gd name="csY12" fmla="*/ 333375 h 361950"/>
+                  <a:gd name="csX13" fmla="*/ 268053 w 364656"/>
+                  <a:gd name="csY13" fmla="*/ 333375 h 361950"/>
+                  <a:gd name="csX14" fmla="*/ 268053 w 364656"/>
+                  <a:gd name="csY14" fmla="*/ 361950 h 361950"/>
+                  <a:gd name="csX15" fmla="*/ 344253 w 364656"/>
+                  <a:gd name="csY15" fmla="*/ 361950 h 361950"/>
+                  <a:gd name="csX16" fmla="*/ 344253 w 364656"/>
+                  <a:gd name="csY16" fmla="*/ 333375 h 361950"/>
+                  <a:gd name="csX17" fmla="*/ 364656 w 364656"/>
+                  <a:gd name="csY17" fmla="*/ 129854 h 361950"/>
+                  <a:gd name="csX18" fmla="*/ 182328 w 364656"/>
+                  <a:gd name="csY18" fmla="*/ 242888 h 361950"/>
+                  <a:gd name="csX19" fmla="*/ 129941 w 364656"/>
+                  <a:gd name="csY19" fmla="*/ 190500 h 361950"/>
+                  <a:gd name="csX20" fmla="*/ 182328 w 364656"/>
+                  <a:gd name="csY20" fmla="*/ 138113 h 361950"/>
+                  <a:gd name="csX21" fmla="*/ 234716 w 364656"/>
+                  <a:gd name="csY21" fmla="*/ 190500 h 361950"/>
+                  <a:gd name="csX22" fmla="*/ 182328 w 364656"/>
+                  <a:gd name="csY22" fmla="*/ 242888 h 361950"/>
+                  <a:gd name="csX0" fmla="*/ 364656 w 364656"/>
+                  <a:gd name="csY0" fmla="*/ 129854 h 361950"/>
+                  <a:gd name="csX1" fmla="*/ 354226 w 364656"/>
+                  <a:gd name="csY1" fmla="*/ 101594 h 361950"/>
+                  <a:gd name="csX2" fmla="*/ 326327 w 364656"/>
+                  <a:gd name="csY2" fmla="*/ 62541 h 361950"/>
+                  <a:gd name="csX3" fmla="*/ 315678 w 364656"/>
+                  <a:gd name="csY3" fmla="*/ 29318 h 361950"/>
+                  <a:gd name="csX4" fmla="*/ 315678 w 364656"/>
+                  <a:gd name="csY4" fmla="*/ 0 h 361950"/>
+                  <a:gd name="csX5" fmla="*/ 48978 w 364656"/>
+                  <a:gd name="csY5" fmla="*/ 0 h 361950"/>
+                  <a:gd name="csX6" fmla="*/ 48978 w 364656"/>
+                  <a:gd name="csY6" fmla="*/ 29308 h 361950"/>
+                  <a:gd name="csX7" fmla="*/ 38329 w 364656"/>
+                  <a:gd name="csY7" fmla="*/ 62532 h 361950"/>
+                  <a:gd name="csX8" fmla="*/ 10430 w 364656"/>
+                  <a:gd name="csY8" fmla="*/ 101584 h 361950"/>
+                  <a:gd name="csX9" fmla="*/ 0 w 364656"/>
+                  <a:gd name="csY9" fmla="*/ 129845 h 361950"/>
+                  <a:gd name="csX10" fmla="*/ 20403 w 364656"/>
+                  <a:gd name="csY10" fmla="*/ 333375 h 361950"/>
+                  <a:gd name="csX11" fmla="*/ 96603 w 364656"/>
+                  <a:gd name="csY11" fmla="*/ 333375 h 361950"/>
+                  <a:gd name="csX12" fmla="*/ 268053 w 364656"/>
+                  <a:gd name="csY12" fmla="*/ 333375 h 361950"/>
+                  <a:gd name="csX13" fmla="*/ 268053 w 364656"/>
+                  <a:gd name="csY13" fmla="*/ 361950 h 361950"/>
+                  <a:gd name="csX14" fmla="*/ 344253 w 364656"/>
+                  <a:gd name="csY14" fmla="*/ 361950 h 361950"/>
+                  <a:gd name="csX15" fmla="*/ 344253 w 364656"/>
+                  <a:gd name="csY15" fmla="*/ 333375 h 361950"/>
+                  <a:gd name="csX16" fmla="*/ 364656 w 364656"/>
+                  <a:gd name="csY16" fmla="*/ 129854 h 361950"/>
+                  <a:gd name="csX17" fmla="*/ 182328 w 364656"/>
+                  <a:gd name="csY17" fmla="*/ 242888 h 361950"/>
+                  <a:gd name="csX18" fmla="*/ 129941 w 364656"/>
+                  <a:gd name="csY18" fmla="*/ 190500 h 361950"/>
+                  <a:gd name="csX19" fmla="*/ 182328 w 364656"/>
+                  <a:gd name="csY19" fmla="*/ 138113 h 361950"/>
+                  <a:gd name="csX20" fmla="*/ 234716 w 364656"/>
+                  <a:gd name="csY20" fmla="*/ 190500 h 361950"/>
+                  <a:gd name="csX21" fmla="*/ 182328 w 364656"/>
+                  <a:gd name="csY21" fmla="*/ 242888 h 361950"/>
+                  <a:gd name="csX0" fmla="*/ 364656 w 364656"/>
+                  <a:gd name="csY0" fmla="*/ 129854 h 361950"/>
+                  <a:gd name="csX1" fmla="*/ 354226 w 364656"/>
+                  <a:gd name="csY1" fmla="*/ 101594 h 361950"/>
+                  <a:gd name="csX2" fmla="*/ 326327 w 364656"/>
+                  <a:gd name="csY2" fmla="*/ 62541 h 361950"/>
+                  <a:gd name="csX3" fmla="*/ 315678 w 364656"/>
+                  <a:gd name="csY3" fmla="*/ 29318 h 361950"/>
+                  <a:gd name="csX4" fmla="*/ 315678 w 364656"/>
+                  <a:gd name="csY4" fmla="*/ 0 h 361950"/>
+                  <a:gd name="csX5" fmla="*/ 48978 w 364656"/>
+                  <a:gd name="csY5" fmla="*/ 0 h 361950"/>
+                  <a:gd name="csX6" fmla="*/ 48978 w 364656"/>
+                  <a:gd name="csY6" fmla="*/ 29308 h 361950"/>
+                  <a:gd name="csX7" fmla="*/ 38329 w 364656"/>
+                  <a:gd name="csY7" fmla="*/ 62532 h 361950"/>
+                  <a:gd name="csX8" fmla="*/ 10430 w 364656"/>
+                  <a:gd name="csY8" fmla="*/ 101584 h 361950"/>
+                  <a:gd name="csX9" fmla="*/ 0 w 364656"/>
+                  <a:gd name="csY9" fmla="*/ 129845 h 361950"/>
+                  <a:gd name="csX10" fmla="*/ 20403 w 364656"/>
+                  <a:gd name="csY10" fmla="*/ 333375 h 361950"/>
+                  <a:gd name="csX11" fmla="*/ 96603 w 364656"/>
+                  <a:gd name="csY11" fmla="*/ 333375 h 361950"/>
+                  <a:gd name="csX12" fmla="*/ 268053 w 364656"/>
+                  <a:gd name="csY12" fmla="*/ 333375 h 361950"/>
+                  <a:gd name="csX13" fmla="*/ 344253 w 364656"/>
+                  <a:gd name="csY13" fmla="*/ 361950 h 361950"/>
+                  <a:gd name="csX14" fmla="*/ 344253 w 364656"/>
+                  <a:gd name="csY14" fmla="*/ 333375 h 361950"/>
+                  <a:gd name="csX15" fmla="*/ 364656 w 364656"/>
+                  <a:gd name="csY15" fmla="*/ 129854 h 361950"/>
+                  <a:gd name="csX16" fmla="*/ 182328 w 364656"/>
+                  <a:gd name="csY16" fmla="*/ 242888 h 361950"/>
+                  <a:gd name="csX17" fmla="*/ 129941 w 364656"/>
+                  <a:gd name="csY17" fmla="*/ 190500 h 361950"/>
+                  <a:gd name="csX18" fmla="*/ 182328 w 364656"/>
+                  <a:gd name="csY18" fmla="*/ 138113 h 361950"/>
+                  <a:gd name="csX19" fmla="*/ 234716 w 364656"/>
+                  <a:gd name="csY19" fmla="*/ 190500 h 361950"/>
+                  <a:gd name="csX20" fmla="*/ 182328 w 364656"/>
+                  <a:gd name="csY20" fmla="*/ 242888 h 361950"/>
+                  <a:gd name="csX0" fmla="*/ 364656 w 364656"/>
+                  <a:gd name="csY0" fmla="*/ 129854 h 333375"/>
+                  <a:gd name="csX1" fmla="*/ 354226 w 364656"/>
+                  <a:gd name="csY1" fmla="*/ 101594 h 333375"/>
+                  <a:gd name="csX2" fmla="*/ 326327 w 364656"/>
+                  <a:gd name="csY2" fmla="*/ 62541 h 333375"/>
+                  <a:gd name="csX3" fmla="*/ 315678 w 364656"/>
+                  <a:gd name="csY3" fmla="*/ 29318 h 333375"/>
+                  <a:gd name="csX4" fmla="*/ 315678 w 364656"/>
+                  <a:gd name="csY4" fmla="*/ 0 h 333375"/>
+                  <a:gd name="csX5" fmla="*/ 48978 w 364656"/>
+                  <a:gd name="csY5" fmla="*/ 0 h 333375"/>
+                  <a:gd name="csX6" fmla="*/ 48978 w 364656"/>
+                  <a:gd name="csY6" fmla="*/ 29308 h 333375"/>
+                  <a:gd name="csX7" fmla="*/ 38329 w 364656"/>
+                  <a:gd name="csY7" fmla="*/ 62532 h 333375"/>
+                  <a:gd name="csX8" fmla="*/ 10430 w 364656"/>
+                  <a:gd name="csY8" fmla="*/ 101584 h 333375"/>
+                  <a:gd name="csX9" fmla="*/ 0 w 364656"/>
+                  <a:gd name="csY9" fmla="*/ 129845 h 333375"/>
+                  <a:gd name="csX10" fmla="*/ 20403 w 364656"/>
+                  <a:gd name="csY10" fmla="*/ 333375 h 333375"/>
+                  <a:gd name="csX11" fmla="*/ 96603 w 364656"/>
+                  <a:gd name="csY11" fmla="*/ 333375 h 333375"/>
+                  <a:gd name="csX12" fmla="*/ 268053 w 364656"/>
+                  <a:gd name="csY12" fmla="*/ 333375 h 333375"/>
+                  <a:gd name="csX13" fmla="*/ 344253 w 364656"/>
+                  <a:gd name="csY13" fmla="*/ 333375 h 333375"/>
+                  <a:gd name="csX14" fmla="*/ 364656 w 364656"/>
+                  <a:gd name="csY14" fmla="*/ 129854 h 333375"/>
+                  <a:gd name="csX15" fmla="*/ 182328 w 364656"/>
+                  <a:gd name="csY15" fmla="*/ 242888 h 333375"/>
+                  <a:gd name="csX16" fmla="*/ 129941 w 364656"/>
+                  <a:gd name="csY16" fmla="*/ 190500 h 333375"/>
+                  <a:gd name="csX17" fmla="*/ 182328 w 364656"/>
+                  <a:gd name="csY17" fmla="*/ 138113 h 333375"/>
+                  <a:gd name="csX18" fmla="*/ 234716 w 364656"/>
+                  <a:gd name="csY18" fmla="*/ 190500 h 333375"/>
+                  <a:gd name="csX19" fmla="*/ 182328 w 364656"/>
+                  <a:gd name="csY19" fmla="*/ 242888 h 333375"/>
+                </a:gdLst>
+                <a:ahLst/>
+                <a:cxnLst>
+                  <a:cxn ang="0">
+                    <a:pos x="csX0" y="csY0"/>
+                  </a:cxn>
+                  <a:cxn ang="0">
+                    <a:pos x="csX1" y="csY1"/>
+                  </a:cxn>
+                  <a:cxn ang="0">
+                    <a:pos x="csX2" y="csY2"/>
+                  </a:cxn>
+                  <a:cxn ang="0">
+                    <a:pos x="csX3" y="csY3"/>
+                  </a:cxn>
+                  <a:cxn ang="0">
+                    <a:pos x="csX4" y="csY4"/>
+                  </a:cxn>
+                  <a:cxn ang="0">
+                    <a:pos x="csX5" y="csY5"/>
+                  </a:cxn>
+                  <a:cxn ang="0">
+                    <a:pos x="csX6" y="csY6"/>
+                  </a:cxn>
+                  <a:cxn ang="0">
+                    <a:pos x="csX7" y="csY7"/>
+                  </a:cxn>
+                  <a:cxn ang="0">
+                    <a:pos x="csX8" y="csY8"/>
+                  </a:cxn>
+                  <a:cxn ang="0">
+                    <a:pos x="csX9" y="csY9"/>
+                  </a:cxn>
+                  <a:cxn ang="0">
+                    <a:pos x="csX10" y="csY10"/>
+                  </a:cxn>
+                  <a:cxn ang="0">
+                    <a:pos x="csX11" y="csY11"/>
+                  </a:cxn>
+                  <a:cxn ang="0">
+                    <a:pos x="csX12" y="csY12"/>
+                  </a:cxn>
+                  <a:cxn ang="0">
+                    <a:pos x="csX13" y="csY13"/>
+                  </a:cxn>
+                  <a:cxn ang="0">
+                    <a:pos x="csX14" y="csY14"/>
+                  </a:cxn>
+                  <a:cxn ang="0">
+                    <a:pos x="csX15" y="csY15"/>
+                  </a:cxn>
+                  <a:cxn ang="0">
+                    <a:pos x="csX16" y="csY16"/>
+                  </a:cxn>
+                  <a:cxn ang="0">
+                    <a:pos x="csX17" y="csY17"/>
+                  </a:cxn>
+                  <a:cxn ang="0">
+                    <a:pos x="csX18" y="csY18"/>
+                  </a:cxn>
+                  <a:cxn ang="0">
+                    <a:pos x="csX19" y="csY19"/>
+                  </a:cxn>
+                </a:cxnLst>
+                <a:rect l="l" t="t" r="r" b="b"/>
+                <a:pathLst>
+                  <a:path w="364656" h="333375">
+                    <a:moveTo>
+                      <a:pt x="364656" y="129854"/>
+                    </a:moveTo>
+                    <a:cubicBezTo>
+                      <a:pt x="363769" y="119671"/>
+                      <a:pt x="360167" y="109912"/>
+                      <a:pt x="354226" y="101594"/>
+                    </a:cubicBezTo>
+                    <a:lnTo>
+                      <a:pt x="326327" y="62541"/>
+                    </a:lnTo>
+                    <a:cubicBezTo>
+                      <a:pt x="319401" y="52848"/>
+                      <a:pt x="315678" y="41232"/>
+                      <a:pt x="315678" y="29318"/>
+                    </a:cubicBezTo>
+                    <a:lnTo>
+                      <a:pt x="315678" y="0"/>
+                    </a:lnTo>
+                    <a:lnTo>
+                      <a:pt x="48978" y="0"/>
+                    </a:lnTo>
+                    <a:lnTo>
+                      <a:pt x="48978" y="29308"/>
+                    </a:lnTo>
+                    <a:cubicBezTo>
+                      <a:pt x="48978" y="41222"/>
+                      <a:pt x="45255" y="52838"/>
+                      <a:pt x="38329" y="62532"/>
+                    </a:cubicBezTo>
+                    <a:lnTo>
+                      <a:pt x="10430" y="101584"/>
+                    </a:lnTo>
+                    <a:cubicBezTo>
+                      <a:pt x="4489" y="109902"/>
+                      <a:pt x="887" y="119662"/>
+                      <a:pt x="0" y="129845"/>
+                    </a:cubicBezTo>
+                    <a:lnTo>
+                      <a:pt x="20403" y="333375"/>
+                    </a:lnTo>
+                    <a:lnTo>
+                      <a:pt x="96603" y="333375"/>
+                    </a:lnTo>
+                    <a:lnTo>
+                      <a:pt x="268053" y="333375"/>
+                    </a:lnTo>
+                    <a:lnTo>
+                      <a:pt x="344253" y="333375"/>
+                    </a:lnTo>
+                    <a:lnTo>
+                      <a:pt x="364656" y="129854"/>
+                    </a:lnTo>
+                    <a:close/>
+                    <a:moveTo>
+                      <a:pt x="182328" y="242888"/>
+                    </a:moveTo>
+                    <a:cubicBezTo>
+                      <a:pt x="153395" y="242888"/>
+                      <a:pt x="129941" y="219433"/>
+                      <a:pt x="129941" y="190500"/>
+                    </a:cubicBezTo>
+                    <a:cubicBezTo>
+                      <a:pt x="129941" y="161567"/>
+                      <a:pt x="153395" y="138113"/>
+                      <a:pt x="182328" y="138113"/>
+                    </a:cubicBezTo>
+                    <a:cubicBezTo>
+                      <a:pt x="211261" y="138113"/>
+                      <a:pt x="234716" y="161567"/>
+                      <a:pt x="234716" y="190500"/>
+                    </a:cubicBezTo>
+                    <a:cubicBezTo>
+                      <a:pt x="234684" y="219420"/>
+                      <a:pt x="211248" y="242856"/>
+                      <a:pt x="182328" y="242888"/>
+                    </a:cubicBezTo>
+                    <a:close/>
+                  </a:path>
+                </a:pathLst>
+              </a:custGeom>
+              <a:solidFill>
+                <a:srgbClr val="333333"/>
+              </a:solidFill>
+              <a:ln w="9525" cap="flat">
+                <a:noFill/>
+                <a:prstDash val="solid"/>
+                <a:miter/>
+              </a:ln>
+            </p:spPr>
+            <p:txBody>
+              <a:bodyPr/>
+              <a:lstStyle/>
+              <a:p>
+                <a:endParaRPr lang="fr-CA"/>
+              </a:p>
+            </p:txBody>
+          </p:sp>
+        </p:grpSp>
       </p:grpSp>
     </p:spTree>
     <p:extLst>

--- a/src/asset/assetSources/ColorPkr-Icons.pptx
+++ b/src/asset/assetSources/ColorPkr-Icons.pptx
@@ -7,6 +7,7 @@
   <p:sldIdLst>
     <p:sldId id="257" r:id="rId2"/>
     <p:sldId id="259" r:id="rId3"/>
+    <p:sldId id="263" r:id="rId4"/>
   </p:sldIdLst>
   <p:sldSz cx="12192000" cy="6858000"/>
   <p:notesSz cx="6858000" cy="9144000"/>
@@ -262,7 +263,7 @@
           <a:p>
             <a:fld id="{127E456F-8AE8-4014-B338-718F1CA4F223}" type="datetimeFigureOut">
               <a:rPr lang="fr-CA" smtClean="0"/>
-              <a:t>2026-02-13</a:t>
+              <a:t>2026-02-17</a:t>
             </a:fld>
             <a:endParaRPr lang="fr-CA"/>
           </a:p>
@@ -462,7 +463,7 @@
           <a:p>
             <a:fld id="{127E456F-8AE8-4014-B338-718F1CA4F223}" type="datetimeFigureOut">
               <a:rPr lang="fr-CA" smtClean="0"/>
-              <a:t>2026-02-13</a:t>
+              <a:t>2026-02-17</a:t>
             </a:fld>
             <a:endParaRPr lang="fr-CA"/>
           </a:p>
@@ -672,7 +673,7 @@
           <a:p>
             <a:fld id="{127E456F-8AE8-4014-B338-718F1CA4F223}" type="datetimeFigureOut">
               <a:rPr lang="fr-CA" smtClean="0"/>
-              <a:t>2026-02-13</a:t>
+              <a:t>2026-02-17</a:t>
             </a:fld>
             <a:endParaRPr lang="fr-CA"/>
           </a:p>
@@ -872,7 +873,7 @@
           <a:p>
             <a:fld id="{127E456F-8AE8-4014-B338-718F1CA4F223}" type="datetimeFigureOut">
               <a:rPr lang="fr-CA" smtClean="0"/>
-              <a:t>2026-02-13</a:t>
+              <a:t>2026-02-17</a:t>
             </a:fld>
             <a:endParaRPr lang="fr-CA"/>
           </a:p>
@@ -1148,7 +1149,7 @@
           <a:p>
             <a:fld id="{127E456F-8AE8-4014-B338-718F1CA4F223}" type="datetimeFigureOut">
               <a:rPr lang="fr-CA" smtClean="0"/>
-              <a:t>2026-02-13</a:t>
+              <a:t>2026-02-17</a:t>
             </a:fld>
             <a:endParaRPr lang="fr-CA"/>
           </a:p>
@@ -1416,7 +1417,7 @@
           <a:p>
             <a:fld id="{127E456F-8AE8-4014-B338-718F1CA4F223}" type="datetimeFigureOut">
               <a:rPr lang="fr-CA" smtClean="0"/>
-              <a:t>2026-02-13</a:t>
+              <a:t>2026-02-17</a:t>
             </a:fld>
             <a:endParaRPr lang="fr-CA"/>
           </a:p>
@@ -1831,7 +1832,7 @@
           <a:p>
             <a:fld id="{127E456F-8AE8-4014-B338-718F1CA4F223}" type="datetimeFigureOut">
               <a:rPr lang="fr-CA" smtClean="0"/>
-              <a:t>2026-02-13</a:t>
+              <a:t>2026-02-17</a:t>
             </a:fld>
             <a:endParaRPr lang="fr-CA"/>
           </a:p>
@@ -1973,7 +1974,7 @@
           <a:p>
             <a:fld id="{127E456F-8AE8-4014-B338-718F1CA4F223}" type="datetimeFigureOut">
               <a:rPr lang="fr-CA" smtClean="0"/>
-              <a:t>2026-02-13</a:t>
+              <a:t>2026-02-17</a:t>
             </a:fld>
             <a:endParaRPr lang="fr-CA"/>
           </a:p>
@@ -2086,7 +2087,7 @@
           <a:p>
             <a:fld id="{127E456F-8AE8-4014-B338-718F1CA4F223}" type="datetimeFigureOut">
               <a:rPr lang="fr-CA" smtClean="0"/>
-              <a:t>2026-02-13</a:t>
+              <a:t>2026-02-17</a:t>
             </a:fld>
             <a:endParaRPr lang="fr-CA"/>
           </a:p>
@@ -2399,7 +2400,7 @@
           <a:p>
             <a:fld id="{127E456F-8AE8-4014-B338-718F1CA4F223}" type="datetimeFigureOut">
               <a:rPr lang="fr-CA" smtClean="0"/>
-              <a:t>2026-02-13</a:t>
+              <a:t>2026-02-17</a:t>
             </a:fld>
             <a:endParaRPr lang="fr-CA"/>
           </a:p>
@@ -2688,7 +2689,7 @@
           <a:p>
             <a:fld id="{127E456F-8AE8-4014-B338-718F1CA4F223}" type="datetimeFigureOut">
               <a:rPr lang="fr-CA" smtClean="0"/>
-              <a:t>2026-02-13</a:t>
+              <a:t>2026-02-17</a:t>
             </a:fld>
             <a:endParaRPr lang="fr-CA"/>
           </a:p>
@@ -2931,7 +2932,7 @@
           <a:p>
             <a:fld id="{127E456F-8AE8-4014-B338-718F1CA4F223}" type="datetimeFigureOut">
               <a:rPr lang="fr-CA" smtClean="0"/>
-              <a:t>2026-02-13</a:t>
+              <a:t>2026-02-17</a:t>
             </a:fld>
             <a:endParaRPr lang="fr-CA"/>
           </a:p>
@@ -10999,6 +11000,249 @@
 </p:sld>
 </file>
 
+<file path=ppt/slides/slide3.xml><?xml version="1.0" encoding="utf-8"?>
+<p:sld xmlns:a="http://schemas.openxmlformats.org/drawingml/2006/main" xmlns:r="http://schemas.openxmlformats.org/officeDocument/2006/relationships" xmlns:p="http://schemas.openxmlformats.org/presentationml/2006/main">
+  <p:cSld>
+    <p:spTree>
+      <p:nvGrpSpPr>
+        <p:cNvPr id="1" name="">
+          <a:extLst>
+            <a:ext uri="{FF2B5EF4-FFF2-40B4-BE49-F238E27FC236}">
+              <a16:creationId xmlns:a16="http://schemas.microsoft.com/office/drawing/2014/main" id="{08B5F406-4CC5-F34B-2E66-6732078635D7}"/>
+            </a:ext>
+          </a:extLst>
+        </p:cNvPr>
+        <p:cNvGrpSpPr/>
+        <p:nvPr/>
+      </p:nvGrpSpPr>
+      <p:grpSpPr>
+        <a:xfrm>
+          <a:off x="0" y="0"/>
+          <a:ext cx="0" cy="0"/>
+          <a:chOff x="0" y="0"/>
+          <a:chExt cx="0" cy="0"/>
+        </a:xfrm>
+      </p:grpSpPr>
+      <p:grpSp>
+        <p:nvGrpSpPr>
+          <p:cNvPr id="2" name="Group 1">
+            <a:extLst>
+              <a:ext uri="{FF2B5EF4-FFF2-40B4-BE49-F238E27FC236}">
+                <a16:creationId xmlns:a16="http://schemas.microsoft.com/office/drawing/2014/main" id="{654C04F4-6617-5C91-FCCF-E5B4A056F6C0}"/>
+              </a:ext>
+            </a:extLst>
+          </p:cNvPr>
+          <p:cNvGrpSpPr/>
+          <p:nvPr/>
+        </p:nvGrpSpPr>
+        <p:grpSpPr>
+          <a:xfrm>
+            <a:off x="3892771" y="1292513"/>
+            <a:ext cx="3600000" cy="3117600"/>
+            <a:chOff x="3892771" y="1292513"/>
+            <a:chExt cx="3600000" cy="3117600"/>
+          </a:xfrm>
+        </p:grpSpPr>
+        <p:sp>
+          <p:nvSpPr>
+            <p:cNvPr id="3" name="bl">
+              <a:extLst>
+                <a:ext uri="{FF2B5EF4-FFF2-40B4-BE49-F238E27FC236}">
+                  <a16:creationId xmlns:a16="http://schemas.microsoft.com/office/drawing/2014/main" id="{DAB87D84-B020-FF12-3670-49FFAB95F796}"/>
+                </a:ext>
+              </a:extLst>
+            </p:cNvPr>
+            <p:cNvSpPr/>
+            <p:nvPr/>
+          </p:nvSpPr>
+          <p:spPr>
+            <a:xfrm>
+              <a:off x="3892771" y="1292513"/>
+              <a:ext cx="3600000" cy="3117600"/>
+            </a:xfrm>
+            <a:prstGeom prst="hexagon">
+              <a:avLst/>
+            </a:prstGeom>
+            <a:gradFill>
+              <a:gsLst>
+                <a:gs pos="50000">
+                  <a:schemeClr val="bg1">
+                    <a:alpha val="0"/>
+                  </a:schemeClr>
+                </a:gs>
+                <a:gs pos="100000">
+                  <a:srgbClr val="0000FF"/>
+                </a:gs>
+              </a:gsLst>
+              <a:lin ang="3600000" scaled="0"/>
+            </a:gradFill>
+            <a:ln>
+              <a:noFill/>
+            </a:ln>
+          </p:spPr>
+          <p:style>
+            <a:lnRef idx="2">
+              <a:schemeClr val="accent1">
+                <a:shade val="15000"/>
+              </a:schemeClr>
+            </a:lnRef>
+            <a:fillRef idx="1">
+              <a:schemeClr val="accent1"/>
+            </a:fillRef>
+            <a:effectRef idx="0">
+              <a:schemeClr val="accent1"/>
+            </a:effectRef>
+            <a:fontRef idx="minor">
+              <a:schemeClr val="lt1"/>
+            </a:fontRef>
+          </p:style>
+          <p:txBody>
+            <a:bodyPr rtlCol="0" anchor="ctr"/>
+            <a:lstStyle/>
+            <a:p>
+              <a:pPr algn="ctr"/>
+              <a:endParaRPr lang="fr-CA"/>
+            </a:p>
+          </p:txBody>
+        </p:sp>
+        <p:sp>
+          <p:nvSpPr>
+            <p:cNvPr id="5" name="gr">
+              <a:extLst>
+                <a:ext uri="{FF2B5EF4-FFF2-40B4-BE49-F238E27FC236}">
+                  <a16:creationId xmlns:a16="http://schemas.microsoft.com/office/drawing/2014/main" id="{F55FB8F5-6072-AC0D-0FBA-714BBD565E44}"/>
+                </a:ext>
+              </a:extLst>
+            </p:cNvPr>
+            <p:cNvSpPr/>
+            <p:nvPr/>
+          </p:nvSpPr>
+          <p:spPr>
+            <a:xfrm>
+              <a:off x="3892771" y="1292513"/>
+              <a:ext cx="3600000" cy="3117600"/>
+            </a:xfrm>
+            <a:prstGeom prst="hexagon">
+              <a:avLst/>
+            </a:prstGeom>
+            <a:gradFill>
+              <a:gsLst>
+                <a:gs pos="50000">
+                  <a:schemeClr val="bg1">
+                    <a:alpha val="0"/>
+                  </a:schemeClr>
+                </a:gs>
+                <a:gs pos="100000">
+                  <a:srgbClr val="00FF00"/>
+                </a:gs>
+              </a:gsLst>
+              <a:lin ang="18000000" scaled="0"/>
+            </a:gradFill>
+            <a:ln>
+              <a:noFill/>
+            </a:ln>
+          </p:spPr>
+          <p:style>
+            <a:lnRef idx="2">
+              <a:schemeClr val="accent1">
+                <a:shade val="15000"/>
+              </a:schemeClr>
+            </a:lnRef>
+            <a:fillRef idx="1">
+              <a:schemeClr val="accent1"/>
+            </a:fillRef>
+            <a:effectRef idx="0">
+              <a:schemeClr val="accent1"/>
+            </a:effectRef>
+            <a:fontRef idx="minor">
+              <a:schemeClr val="lt1"/>
+            </a:fontRef>
+          </p:style>
+          <p:txBody>
+            <a:bodyPr rtlCol="0" anchor="ctr"/>
+            <a:lstStyle/>
+            <a:p>
+              <a:pPr algn="ctr"/>
+              <a:endParaRPr lang="fr-CA"/>
+            </a:p>
+          </p:txBody>
+        </p:sp>
+        <p:sp>
+          <p:nvSpPr>
+            <p:cNvPr id="4" name="red">
+              <a:extLst>
+                <a:ext uri="{FF2B5EF4-FFF2-40B4-BE49-F238E27FC236}">
+                  <a16:creationId xmlns:a16="http://schemas.microsoft.com/office/drawing/2014/main" id="{B5B84299-BF8C-81BF-3EFE-404E487607DA}"/>
+                </a:ext>
+              </a:extLst>
+            </p:cNvPr>
+            <p:cNvSpPr/>
+            <p:nvPr/>
+          </p:nvSpPr>
+          <p:spPr>
+            <a:xfrm>
+              <a:off x="3892771" y="1292513"/>
+              <a:ext cx="3600000" cy="3117600"/>
+            </a:xfrm>
+            <a:prstGeom prst="hexagon">
+              <a:avLst/>
+            </a:prstGeom>
+            <a:gradFill>
+              <a:gsLst>
+                <a:gs pos="50000">
+                  <a:schemeClr val="bg1">
+                    <a:alpha val="0"/>
+                  </a:schemeClr>
+                </a:gs>
+                <a:gs pos="100000">
+                  <a:srgbClr val="FF0000"/>
+                </a:gs>
+              </a:gsLst>
+              <a:lin ang="10800000" scaled="0"/>
+            </a:gradFill>
+            <a:ln>
+              <a:noFill/>
+            </a:ln>
+          </p:spPr>
+          <p:style>
+            <a:lnRef idx="2">
+              <a:schemeClr val="accent1">
+                <a:shade val="15000"/>
+              </a:schemeClr>
+            </a:lnRef>
+            <a:fillRef idx="1">
+              <a:schemeClr val="accent1"/>
+            </a:fillRef>
+            <a:effectRef idx="0">
+              <a:schemeClr val="accent1"/>
+            </a:effectRef>
+            <a:fontRef idx="minor">
+              <a:schemeClr val="lt1"/>
+            </a:fontRef>
+          </p:style>
+          <p:txBody>
+            <a:bodyPr rtlCol="0" anchor="ctr"/>
+            <a:lstStyle/>
+            <a:p>
+              <a:pPr algn="ctr"/>
+              <a:endParaRPr lang="fr-CA"/>
+            </a:p>
+          </p:txBody>
+        </p:sp>
+      </p:grpSp>
+    </p:spTree>
+    <p:extLst>
+      <p:ext uri="{BB962C8B-B14F-4D97-AF65-F5344CB8AC3E}">
+        <p14:creationId xmlns:p14="http://schemas.microsoft.com/office/powerpoint/2010/main" val="3946201895"/>
+      </p:ext>
+    </p:extLst>
+  </p:cSld>
+  <p:clrMapOvr>
+    <a:masterClrMapping/>
+  </p:clrMapOvr>
+</p:sld>
+</file>
+
 <file path=ppt/theme/theme1.xml><?xml version="1.0" encoding="utf-8"?>
 <a:theme xmlns:a="http://schemas.openxmlformats.org/drawingml/2006/main" name="Office Theme">
   <a:themeElements>

--- a/src/asset/assetSources/ColorPkr-Icons.pptx
+++ b/src/asset/assetSources/ColorPkr-Icons.pptx
@@ -8,6 +8,7 @@
     <p:sldId id="257" r:id="rId2"/>
     <p:sldId id="259" r:id="rId3"/>
     <p:sldId id="263" r:id="rId4"/>
+    <p:sldId id="264" r:id="rId5"/>
   </p:sldIdLst>
   <p:sldSz cx="12192000" cy="6858000"/>
   <p:notesSz cx="6858000" cy="9144000"/>
@@ -11003,6 +11004,26 @@
 <file path=ppt/slides/slide3.xml><?xml version="1.0" encoding="utf-8"?>
 <p:sld xmlns:a="http://schemas.openxmlformats.org/drawingml/2006/main" xmlns:r="http://schemas.openxmlformats.org/officeDocument/2006/relationships" xmlns:p="http://schemas.openxmlformats.org/presentationml/2006/main">
   <p:cSld>
+    <p:bg>
+      <p:bgPr>
+        <a:gradFill>
+          <a:gsLst>
+            <a:gs pos="0">
+              <a:schemeClr val="bg1">
+                <a:lumMod val="65000"/>
+              </a:schemeClr>
+            </a:gs>
+            <a:gs pos="100000">
+              <a:schemeClr val="bg1">
+                <a:lumMod val="95000"/>
+              </a:schemeClr>
+            </a:gs>
+          </a:gsLst>
+          <a:lin ang="5400000" scaled="1"/>
+        </a:gradFill>
+        <a:effectLst/>
+      </p:bgPr>
+    </p:bg>
     <p:spTree>
       <p:nvGrpSpPr>
         <p:cNvPr id="1" name="">
@@ -11037,7 +11058,7 @@
         </p:nvGrpSpPr>
         <p:grpSpPr>
           <a:xfrm>
-            <a:off x="3892771" y="1292513"/>
+            <a:off x="3863275" y="2374062"/>
             <a:ext cx="3600000" cy="3117600"/>
             <a:chOff x="3892771" y="1292513"/>
             <a:chExt cx="3600000" cy="3117600"/>
@@ -11230,10 +11251,387 @@
           </p:txBody>
         </p:sp>
       </p:grpSp>
+      <p:sp>
+        <p:nvSpPr>
+          <p:cNvPr id="6" name="Title 5">
+            <a:extLst>
+              <a:ext uri="{FF2B5EF4-FFF2-40B4-BE49-F238E27FC236}">
+                <a16:creationId xmlns:a16="http://schemas.microsoft.com/office/drawing/2014/main" id="{DC4FB99D-D68F-95C0-4821-C03B6500BB08}"/>
+              </a:ext>
+            </a:extLst>
+          </p:cNvPr>
+          <p:cNvSpPr>
+            <a:spLocks noGrp="1"/>
+          </p:cNvSpPr>
+          <p:nvPr>
+            <p:ph type="title"/>
+          </p:nvPr>
+        </p:nvSpPr>
+        <p:spPr/>
+        <p:txBody>
+          <a:bodyPr/>
+          <a:lstStyle/>
+          <a:p>
+            <a:r>
+              <a:rPr lang="en-US" dirty="0"/>
+              <a:t>Logo transparent</a:t>
+            </a:r>
+            <a:endParaRPr lang="fr-CA" dirty="0"/>
+          </a:p>
+        </p:txBody>
+      </p:sp>
     </p:spTree>
     <p:extLst>
       <p:ext uri="{BB962C8B-B14F-4D97-AF65-F5344CB8AC3E}">
         <p14:creationId xmlns:p14="http://schemas.microsoft.com/office/powerpoint/2010/main" val="3946201895"/>
+      </p:ext>
+    </p:extLst>
+  </p:cSld>
+  <p:clrMapOvr>
+    <a:masterClrMapping/>
+  </p:clrMapOvr>
+</p:sld>
+</file>
+
+<file path=ppt/slides/slide4.xml><?xml version="1.0" encoding="utf-8"?>
+<p:sld xmlns:a="http://schemas.openxmlformats.org/drawingml/2006/main" xmlns:r="http://schemas.openxmlformats.org/officeDocument/2006/relationships" xmlns:p="http://schemas.openxmlformats.org/presentationml/2006/main">
+  <p:cSld>
+    <p:bg>
+      <p:bgPr>
+        <a:gradFill>
+          <a:gsLst>
+            <a:gs pos="0">
+              <a:schemeClr val="bg1">
+                <a:lumMod val="65000"/>
+              </a:schemeClr>
+            </a:gs>
+            <a:gs pos="100000">
+              <a:schemeClr val="bg1">
+                <a:lumMod val="95000"/>
+              </a:schemeClr>
+            </a:gs>
+          </a:gsLst>
+          <a:lin ang="5400000" scaled="1"/>
+        </a:gradFill>
+        <a:effectLst/>
+      </p:bgPr>
+    </p:bg>
+    <p:spTree>
+      <p:nvGrpSpPr>
+        <p:cNvPr id="1" name="">
+          <a:extLst>
+            <a:ext uri="{FF2B5EF4-FFF2-40B4-BE49-F238E27FC236}">
+              <a16:creationId xmlns:a16="http://schemas.microsoft.com/office/drawing/2014/main" id="{E83E3B12-1C76-3B0E-E368-98C9E3976BB7}"/>
+            </a:ext>
+          </a:extLst>
+        </p:cNvPr>
+        <p:cNvGrpSpPr/>
+        <p:nvPr/>
+      </p:nvGrpSpPr>
+      <p:grpSpPr>
+        <a:xfrm>
+          <a:off x="0" y="0"/>
+          <a:ext cx="0" cy="0"/>
+          <a:chOff x="0" y="0"/>
+          <a:chExt cx="0" cy="0"/>
+        </a:xfrm>
+      </p:grpSpPr>
+      <p:grpSp>
+        <p:nvGrpSpPr>
+          <p:cNvPr id="8" name="Group 7">
+            <a:extLst>
+              <a:ext uri="{FF2B5EF4-FFF2-40B4-BE49-F238E27FC236}">
+                <a16:creationId xmlns:a16="http://schemas.microsoft.com/office/drawing/2014/main" id="{5F510AFA-D7C4-227F-3A28-8736C07F21AD}"/>
+              </a:ext>
+            </a:extLst>
+          </p:cNvPr>
+          <p:cNvGrpSpPr/>
+          <p:nvPr/>
+        </p:nvGrpSpPr>
+        <p:grpSpPr>
+          <a:xfrm>
+            <a:off x="3998468" y="2509255"/>
+            <a:ext cx="3600000" cy="3117600"/>
+            <a:chOff x="3998468" y="2509255"/>
+            <a:chExt cx="3600000" cy="3117600"/>
+          </a:xfrm>
+        </p:grpSpPr>
+        <p:sp>
+          <p:nvSpPr>
+            <p:cNvPr id="7" name="red">
+              <a:extLst>
+                <a:ext uri="{FF2B5EF4-FFF2-40B4-BE49-F238E27FC236}">
+                  <a16:creationId xmlns:a16="http://schemas.microsoft.com/office/drawing/2014/main" id="{D21C7405-2A7C-6927-0B5A-FCA6F5345743}"/>
+                </a:ext>
+              </a:extLst>
+            </p:cNvPr>
+            <p:cNvSpPr/>
+            <p:nvPr/>
+          </p:nvSpPr>
+          <p:spPr>
+            <a:xfrm>
+              <a:off x="3998468" y="2509255"/>
+              <a:ext cx="3600000" cy="3117600"/>
+            </a:xfrm>
+            <a:prstGeom prst="hexagon">
+              <a:avLst/>
+            </a:prstGeom>
+            <a:solidFill>
+              <a:schemeClr val="bg1"/>
+            </a:solidFill>
+            <a:ln>
+              <a:noFill/>
+            </a:ln>
+          </p:spPr>
+          <p:style>
+            <a:lnRef idx="2">
+              <a:schemeClr val="accent1">
+                <a:shade val="15000"/>
+              </a:schemeClr>
+            </a:lnRef>
+            <a:fillRef idx="1">
+              <a:schemeClr val="accent1"/>
+            </a:fillRef>
+            <a:effectRef idx="0">
+              <a:schemeClr val="accent1"/>
+            </a:effectRef>
+            <a:fontRef idx="minor">
+              <a:schemeClr val="lt1"/>
+            </a:fontRef>
+          </p:style>
+          <p:txBody>
+            <a:bodyPr rtlCol="0" anchor="ctr"/>
+            <a:lstStyle/>
+            <a:p>
+              <a:pPr algn="ctr"/>
+              <a:endParaRPr lang="fr-CA"/>
+            </a:p>
+          </p:txBody>
+        </p:sp>
+        <p:sp>
+          <p:nvSpPr>
+            <p:cNvPr id="3" name="bl">
+              <a:extLst>
+                <a:ext uri="{FF2B5EF4-FFF2-40B4-BE49-F238E27FC236}">
+                  <a16:creationId xmlns:a16="http://schemas.microsoft.com/office/drawing/2014/main" id="{256B0B49-2867-EAFA-6BF4-7193658814D2}"/>
+                </a:ext>
+              </a:extLst>
+            </p:cNvPr>
+            <p:cNvSpPr/>
+            <p:nvPr/>
+          </p:nvSpPr>
+          <p:spPr>
+            <a:xfrm>
+              <a:off x="3998468" y="2509255"/>
+              <a:ext cx="3600000" cy="3117600"/>
+            </a:xfrm>
+            <a:prstGeom prst="hexagon">
+              <a:avLst/>
+            </a:prstGeom>
+            <a:gradFill>
+              <a:gsLst>
+                <a:gs pos="50000">
+                  <a:schemeClr val="bg1">
+                    <a:alpha val="0"/>
+                  </a:schemeClr>
+                </a:gs>
+                <a:gs pos="100000">
+                  <a:srgbClr val="0000FF"/>
+                </a:gs>
+              </a:gsLst>
+              <a:lin ang="3600000" scaled="0"/>
+            </a:gradFill>
+            <a:ln>
+              <a:noFill/>
+            </a:ln>
+          </p:spPr>
+          <p:style>
+            <a:lnRef idx="2">
+              <a:schemeClr val="accent1">
+                <a:shade val="15000"/>
+              </a:schemeClr>
+            </a:lnRef>
+            <a:fillRef idx="1">
+              <a:schemeClr val="accent1"/>
+            </a:fillRef>
+            <a:effectRef idx="0">
+              <a:schemeClr val="accent1"/>
+            </a:effectRef>
+            <a:fontRef idx="minor">
+              <a:schemeClr val="lt1"/>
+            </a:fontRef>
+          </p:style>
+          <p:txBody>
+            <a:bodyPr rtlCol="0" anchor="ctr"/>
+            <a:lstStyle/>
+            <a:p>
+              <a:pPr algn="ctr"/>
+              <a:endParaRPr lang="fr-CA"/>
+            </a:p>
+          </p:txBody>
+        </p:sp>
+        <p:sp>
+          <p:nvSpPr>
+            <p:cNvPr id="5" name="gr">
+              <a:extLst>
+                <a:ext uri="{FF2B5EF4-FFF2-40B4-BE49-F238E27FC236}">
+                  <a16:creationId xmlns:a16="http://schemas.microsoft.com/office/drawing/2014/main" id="{C9FFF6F8-0789-B581-8F8C-84391F3FD3B6}"/>
+                </a:ext>
+              </a:extLst>
+            </p:cNvPr>
+            <p:cNvSpPr/>
+            <p:nvPr/>
+          </p:nvSpPr>
+          <p:spPr>
+            <a:xfrm>
+              <a:off x="3998468" y="2509255"/>
+              <a:ext cx="3600000" cy="3117600"/>
+            </a:xfrm>
+            <a:prstGeom prst="hexagon">
+              <a:avLst/>
+            </a:prstGeom>
+            <a:gradFill>
+              <a:gsLst>
+                <a:gs pos="50000">
+                  <a:schemeClr val="bg1">
+                    <a:alpha val="0"/>
+                  </a:schemeClr>
+                </a:gs>
+                <a:gs pos="100000">
+                  <a:srgbClr val="00FF00"/>
+                </a:gs>
+              </a:gsLst>
+              <a:lin ang="18000000" scaled="0"/>
+            </a:gradFill>
+            <a:ln>
+              <a:noFill/>
+            </a:ln>
+          </p:spPr>
+          <p:style>
+            <a:lnRef idx="2">
+              <a:schemeClr val="accent1">
+                <a:shade val="15000"/>
+              </a:schemeClr>
+            </a:lnRef>
+            <a:fillRef idx="1">
+              <a:schemeClr val="accent1"/>
+            </a:fillRef>
+            <a:effectRef idx="0">
+              <a:schemeClr val="accent1"/>
+            </a:effectRef>
+            <a:fontRef idx="minor">
+              <a:schemeClr val="lt1"/>
+            </a:fontRef>
+          </p:style>
+          <p:txBody>
+            <a:bodyPr rtlCol="0" anchor="ctr"/>
+            <a:lstStyle/>
+            <a:p>
+              <a:pPr algn="ctr"/>
+              <a:endParaRPr lang="fr-CA"/>
+            </a:p>
+          </p:txBody>
+        </p:sp>
+        <p:sp>
+          <p:nvSpPr>
+            <p:cNvPr id="4" name="red">
+              <a:extLst>
+                <a:ext uri="{FF2B5EF4-FFF2-40B4-BE49-F238E27FC236}">
+                  <a16:creationId xmlns:a16="http://schemas.microsoft.com/office/drawing/2014/main" id="{6C70FA2D-6AE9-3FA3-A92E-21BB447D475C}"/>
+                </a:ext>
+              </a:extLst>
+            </p:cNvPr>
+            <p:cNvSpPr/>
+            <p:nvPr/>
+          </p:nvSpPr>
+          <p:spPr>
+            <a:xfrm>
+              <a:off x="3998468" y="2509255"/>
+              <a:ext cx="3600000" cy="3117600"/>
+            </a:xfrm>
+            <a:prstGeom prst="hexagon">
+              <a:avLst/>
+            </a:prstGeom>
+            <a:gradFill>
+              <a:gsLst>
+                <a:gs pos="50000">
+                  <a:schemeClr val="bg1">
+                    <a:alpha val="0"/>
+                  </a:schemeClr>
+                </a:gs>
+                <a:gs pos="100000">
+                  <a:srgbClr val="FF0000"/>
+                </a:gs>
+              </a:gsLst>
+              <a:lin ang="10800000" scaled="0"/>
+            </a:gradFill>
+            <a:ln>
+              <a:noFill/>
+            </a:ln>
+          </p:spPr>
+          <p:style>
+            <a:lnRef idx="2">
+              <a:schemeClr val="accent1">
+                <a:shade val="15000"/>
+              </a:schemeClr>
+            </a:lnRef>
+            <a:fillRef idx="1">
+              <a:schemeClr val="accent1"/>
+            </a:fillRef>
+            <a:effectRef idx="0">
+              <a:schemeClr val="accent1"/>
+            </a:effectRef>
+            <a:fontRef idx="minor">
+              <a:schemeClr val="lt1"/>
+            </a:fontRef>
+          </p:style>
+          <p:txBody>
+            <a:bodyPr rtlCol="0" anchor="ctr"/>
+            <a:lstStyle/>
+            <a:p>
+              <a:pPr algn="ctr"/>
+              <a:endParaRPr lang="fr-CA"/>
+            </a:p>
+          </p:txBody>
+        </p:sp>
+      </p:grpSp>
+      <p:sp>
+        <p:nvSpPr>
+          <p:cNvPr id="6" name="Title 5">
+            <a:extLst>
+              <a:ext uri="{FF2B5EF4-FFF2-40B4-BE49-F238E27FC236}">
+                <a16:creationId xmlns:a16="http://schemas.microsoft.com/office/drawing/2014/main" id="{0CE7BAAE-C196-9651-07BC-383F08866AB5}"/>
+              </a:ext>
+            </a:extLst>
+          </p:cNvPr>
+          <p:cNvSpPr>
+            <a:spLocks noGrp="1"/>
+          </p:cNvSpPr>
+          <p:nvPr>
+            <p:ph type="title"/>
+          </p:nvPr>
+        </p:nvSpPr>
+        <p:spPr/>
+        <p:txBody>
+          <a:bodyPr/>
+          <a:lstStyle/>
+          <a:p>
+            <a:r>
+              <a:rPr lang="en-US" dirty="0"/>
+              <a:t>Logo Fond </a:t>
+            </a:r>
+            <a:r>
+              <a:rPr lang="en-US" dirty="0" err="1"/>
+              <a:t>blanc</a:t>
+            </a:r>
+            <a:endParaRPr lang="fr-CA" dirty="0"/>
+          </a:p>
+        </p:txBody>
+      </p:sp>
+    </p:spTree>
+    <p:extLst>
+      <p:ext uri="{BB962C8B-B14F-4D97-AF65-F5344CB8AC3E}">
+        <p14:creationId xmlns:p14="http://schemas.microsoft.com/office/powerpoint/2010/main" val="3220208299"/>
       </p:ext>
     </p:extLst>
   </p:cSld>

--- a/src/asset/assetSources/ColorPkr-Icons.pptx
+++ b/src/asset/assetSources/ColorPkr-Icons.pptx
@@ -264,7 +264,7 @@
           <a:p>
             <a:fld id="{127E456F-8AE8-4014-B338-718F1CA4F223}" type="datetimeFigureOut">
               <a:rPr lang="fr-CA" smtClean="0"/>
-              <a:t>2026-02-17</a:t>
+              <a:t>2026-02-20</a:t>
             </a:fld>
             <a:endParaRPr lang="fr-CA"/>
           </a:p>
@@ -464,7 +464,7 @@
           <a:p>
             <a:fld id="{127E456F-8AE8-4014-B338-718F1CA4F223}" type="datetimeFigureOut">
               <a:rPr lang="fr-CA" smtClean="0"/>
-              <a:t>2026-02-17</a:t>
+              <a:t>2026-02-20</a:t>
             </a:fld>
             <a:endParaRPr lang="fr-CA"/>
           </a:p>
@@ -674,7 +674,7 @@
           <a:p>
             <a:fld id="{127E456F-8AE8-4014-B338-718F1CA4F223}" type="datetimeFigureOut">
               <a:rPr lang="fr-CA" smtClean="0"/>
-              <a:t>2026-02-17</a:t>
+              <a:t>2026-02-20</a:t>
             </a:fld>
             <a:endParaRPr lang="fr-CA"/>
           </a:p>
@@ -874,7 +874,7 @@
           <a:p>
             <a:fld id="{127E456F-8AE8-4014-B338-718F1CA4F223}" type="datetimeFigureOut">
               <a:rPr lang="fr-CA" smtClean="0"/>
-              <a:t>2026-02-17</a:t>
+              <a:t>2026-02-20</a:t>
             </a:fld>
             <a:endParaRPr lang="fr-CA"/>
           </a:p>
@@ -1150,7 +1150,7 @@
           <a:p>
             <a:fld id="{127E456F-8AE8-4014-B338-718F1CA4F223}" type="datetimeFigureOut">
               <a:rPr lang="fr-CA" smtClean="0"/>
-              <a:t>2026-02-17</a:t>
+              <a:t>2026-02-20</a:t>
             </a:fld>
             <a:endParaRPr lang="fr-CA"/>
           </a:p>
@@ -1418,7 +1418,7 @@
           <a:p>
             <a:fld id="{127E456F-8AE8-4014-B338-718F1CA4F223}" type="datetimeFigureOut">
               <a:rPr lang="fr-CA" smtClean="0"/>
-              <a:t>2026-02-17</a:t>
+              <a:t>2026-02-20</a:t>
             </a:fld>
             <a:endParaRPr lang="fr-CA"/>
           </a:p>
@@ -1833,7 +1833,7 @@
           <a:p>
             <a:fld id="{127E456F-8AE8-4014-B338-718F1CA4F223}" type="datetimeFigureOut">
               <a:rPr lang="fr-CA" smtClean="0"/>
-              <a:t>2026-02-17</a:t>
+              <a:t>2026-02-20</a:t>
             </a:fld>
             <a:endParaRPr lang="fr-CA"/>
           </a:p>
@@ -1975,7 +1975,7 @@
           <a:p>
             <a:fld id="{127E456F-8AE8-4014-B338-718F1CA4F223}" type="datetimeFigureOut">
               <a:rPr lang="fr-CA" smtClean="0"/>
-              <a:t>2026-02-17</a:t>
+              <a:t>2026-02-20</a:t>
             </a:fld>
             <a:endParaRPr lang="fr-CA"/>
           </a:p>
@@ -2088,7 +2088,7 @@
           <a:p>
             <a:fld id="{127E456F-8AE8-4014-B338-718F1CA4F223}" type="datetimeFigureOut">
               <a:rPr lang="fr-CA" smtClean="0"/>
-              <a:t>2026-02-17</a:t>
+              <a:t>2026-02-20</a:t>
             </a:fld>
             <a:endParaRPr lang="fr-CA"/>
           </a:p>
@@ -2401,7 +2401,7 @@
           <a:p>
             <a:fld id="{127E456F-8AE8-4014-B338-718F1CA4F223}" type="datetimeFigureOut">
               <a:rPr lang="fr-CA" smtClean="0"/>
-              <a:t>2026-02-17</a:t>
+              <a:t>2026-02-20</a:t>
             </a:fld>
             <a:endParaRPr lang="fr-CA"/>
           </a:p>
@@ -2690,7 +2690,7 @@
           <a:p>
             <a:fld id="{127E456F-8AE8-4014-B338-718F1CA4F223}" type="datetimeFigureOut">
               <a:rPr lang="fr-CA" smtClean="0"/>
-              <a:t>2026-02-17</a:t>
+              <a:t>2026-02-20</a:t>
             </a:fld>
             <a:endParaRPr lang="fr-CA"/>
           </a:p>
@@ -2933,7 +2933,7 @@
           <a:p>
             <a:fld id="{127E456F-8AE8-4014-B338-718F1CA4F223}" type="datetimeFigureOut">
               <a:rPr lang="fr-CA" smtClean="0"/>
-              <a:t>2026-02-17</a:t>
+              <a:t>2026-02-20</a:t>
             </a:fld>
             <a:endParaRPr lang="fr-CA"/>
           </a:p>
@@ -8758,6 +8758,1582 @@
           </a:p>
         </p:txBody>
       </p:sp>
+      <p:grpSp>
+        <p:nvGrpSpPr>
+          <p:cNvPr id="8" name="Group 7">
+            <a:extLst>
+              <a:ext uri="{FF2B5EF4-FFF2-40B4-BE49-F238E27FC236}">
+                <a16:creationId xmlns:a16="http://schemas.microsoft.com/office/drawing/2014/main" id="{CEAC5E29-B711-075E-A946-AB37F83D9E21}"/>
+              </a:ext>
+            </a:extLst>
+          </p:cNvPr>
+          <p:cNvGrpSpPr>
+            <a:grpSpLocks noChangeAspect="1"/>
+          </p:cNvGrpSpPr>
+          <p:nvPr/>
+        </p:nvGrpSpPr>
+        <p:grpSpPr>
+          <a:xfrm>
+            <a:off x="3147868" y="4876662"/>
+            <a:ext cx="769929" cy="720000"/>
+            <a:chOff x="4382930" y="1044131"/>
+            <a:chExt cx="4485670" cy="4194779"/>
+          </a:xfrm>
+        </p:grpSpPr>
+        <p:sp>
+          <p:nvSpPr>
+            <p:cNvPr id="10" name="Oval 9">
+              <a:extLst>
+                <a:ext uri="{FF2B5EF4-FFF2-40B4-BE49-F238E27FC236}">
+                  <a16:creationId xmlns:a16="http://schemas.microsoft.com/office/drawing/2014/main" id="{A151374D-9141-0827-6DEA-52BE923A1B36}"/>
+                </a:ext>
+              </a:extLst>
+            </p:cNvPr>
+            <p:cNvSpPr/>
+            <p:nvPr/>
+          </p:nvSpPr>
+          <p:spPr>
+            <a:xfrm>
+              <a:off x="5372454" y="3449130"/>
+              <a:ext cx="1238865" cy="1447335"/>
+            </a:xfrm>
+            <a:prstGeom prst="ellipse">
+              <a:avLst/>
+            </a:prstGeom>
+            <a:solidFill>
+              <a:srgbClr val="333333"/>
+            </a:solidFill>
+          </p:spPr>
+          <p:style>
+            <a:lnRef idx="2">
+              <a:schemeClr val="accent1">
+                <a:shade val="15000"/>
+              </a:schemeClr>
+            </a:lnRef>
+            <a:fillRef idx="1">
+              <a:schemeClr val="accent1"/>
+            </a:fillRef>
+            <a:effectRef idx="0">
+              <a:schemeClr val="accent1"/>
+            </a:effectRef>
+            <a:fontRef idx="minor">
+              <a:schemeClr val="lt1"/>
+            </a:fontRef>
+          </p:style>
+          <p:txBody>
+            <a:bodyPr rtlCol="0" anchor="ctr"/>
+            <a:lstStyle/>
+            <a:p>
+              <a:pPr algn="ctr"/>
+              <a:endParaRPr lang="fr-CA"/>
+            </a:p>
+          </p:txBody>
+        </p:sp>
+        <p:sp>
+          <p:nvSpPr>
+            <p:cNvPr id="11" name="Graphic 14" descr="Lock with solid fill">
+              <a:extLst>
+                <a:ext uri="{FF2B5EF4-FFF2-40B4-BE49-F238E27FC236}">
+                  <a16:creationId xmlns:a16="http://schemas.microsoft.com/office/drawing/2014/main" id="{17BF92F5-FE88-F47E-999D-D92035BCF8F4}"/>
+                </a:ext>
+              </a:extLst>
+            </p:cNvPr>
+            <p:cNvSpPr/>
+            <p:nvPr/>
+          </p:nvSpPr>
+          <p:spPr>
+            <a:xfrm>
+              <a:off x="4382930" y="1044131"/>
+              <a:ext cx="3217913" cy="4194779"/>
+            </a:xfrm>
+            <a:custGeom>
+              <a:avLst/>
+              <a:gdLst>
+                <a:gd name="csX0" fmla="*/ 285750 w 533400"/>
+                <a:gd name="csY0" fmla="*/ 549593 h 695325"/>
+                <a:gd name="csX1" fmla="*/ 285750 w 533400"/>
+                <a:gd name="csY1" fmla="*/ 600075 h 695325"/>
+                <a:gd name="csX2" fmla="*/ 247650 w 533400"/>
+                <a:gd name="csY2" fmla="*/ 600075 h 695325"/>
+                <a:gd name="csX3" fmla="*/ 247650 w 533400"/>
+                <a:gd name="csY3" fmla="*/ 549593 h 695325"/>
+                <a:gd name="csX4" fmla="*/ 209550 w 533400"/>
+                <a:gd name="csY4" fmla="*/ 495300 h 695325"/>
+                <a:gd name="csX5" fmla="*/ 266700 w 533400"/>
+                <a:gd name="csY5" fmla="*/ 438150 h 695325"/>
+                <a:gd name="csX6" fmla="*/ 323850 w 533400"/>
+                <a:gd name="csY6" fmla="*/ 495300 h 695325"/>
+                <a:gd name="csX7" fmla="*/ 285750 w 533400"/>
+                <a:gd name="csY7" fmla="*/ 549593 h 695325"/>
+                <a:gd name="csX8" fmla="*/ 123825 w 533400"/>
+                <a:gd name="csY8" fmla="*/ 200025 h 695325"/>
+                <a:gd name="csX9" fmla="*/ 266700 w 533400"/>
+                <a:gd name="csY9" fmla="*/ 57150 h 695325"/>
+                <a:gd name="csX10" fmla="*/ 409575 w 533400"/>
+                <a:gd name="csY10" fmla="*/ 200025 h 695325"/>
+                <a:gd name="csX11" fmla="*/ 409575 w 533400"/>
+                <a:gd name="csY11" fmla="*/ 305753 h 695325"/>
+                <a:gd name="csX12" fmla="*/ 266700 w 533400"/>
+                <a:gd name="csY12" fmla="*/ 295275 h 695325"/>
+                <a:gd name="csX13" fmla="*/ 123825 w 533400"/>
+                <a:gd name="csY13" fmla="*/ 305753 h 695325"/>
+                <a:gd name="csX14" fmla="*/ 123825 w 533400"/>
+                <a:gd name="csY14" fmla="*/ 200025 h 695325"/>
+                <a:gd name="csX15" fmla="*/ 466725 w 533400"/>
+                <a:gd name="csY15" fmla="*/ 309563 h 695325"/>
+                <a:gd name="csX16" fmla="*/ 466725 w 533400"/>
+                <a:gd name="csY16" fmla="*/ 200025 h 695325"/>
+                <a:gd name="csX17" fmla="*/ 266700 w 533400"/>
+                <a:gd name="csY17" fmla="*/ 0 h 695325"/>
+                <a:gd name="csX18" fmla="*/ 66675 w 533400"/>
+                <a:gd name="csY18" fmla="*/ 200025 h 695325"/>
+                <a:gd name="csX19" fmla="*/ 66675 w 533400"/>
+                <a:gd name="csY19" fmla="*/ 309563 h 695325"/>
+                <a:gd name="csX20" fmla="*/ 0 w 533400"/>
+                <a:gd name="csY20" fmla="*/ 314325 h 695325"/>
+                <a:gd name="csX21" fmla="*/ 0 w 533400"/>
+                <a:gd name="csY21" fmla="*/ 676275 h 695325"/>
+                <a:gd name="csX22" fmla="*/ 266700 w 533400"/>
+                <a:gd name="csY22" fmla="*/ 695325 h 695325"/>
+                <a:gd name="csX23" fmla="*/ 533400 w 533400"/>
+                <a:gd name="csY23" fmla="*/ 676275 h 695325"/>
+                <a:gd name="csX24" fmla="*/ 533400 w 533400"/>
+                <a:gd name="csY24" fmla="*/ 314325 h 695325"/>
+                <a:gd name="csX25" fmla="*/ 466725 w 533400"/>
+                <a:gd name="csY25" fmla="*/ 309563 h 695325"/>
+              </a:gdLst>
+              <a:ahLst/>
+              <a:cxnLst>
+                <a:cxn ang="0">
+                  <a:pos x="csX0" y="csY0"/>
+                </a:cxn>
+                <a:cxn ang="0">
+                  <a:pos x="csX1" y="csY1"/>
+                </a:cxn>
+                <a:cxn ang="0">
+                  <a:pos x="csX2" y="csY2"/>
+                </a:cxn>
+                <a:cxn ang="0">
+                  <a:pos x="csX3" y="csY3"/>
+                </a:cxn>
+                <a:cxn ang="0">
+                  <a:pos x="csX4" y="csY4"/>
+                </a:cxn>
+                <a:cxn ang="0">
+                  <a:pos x="csX5" y="csY5"/>
+                </a:cxn>
+                <a:cxn ang="0">
+                  <a:pos x="csX6" y="csY6"/>
+                </a:cxn>
+                <a:cxn ang="0">
+                  <a:pos x="csX7" y="csY7"/>
+                </a:cxn>
+                <a:cxn ang="0">
+                  <a:pos x="csX8" y="csY8"/>
+                </a:cxn>
+                <a:cxn ang="0">
+                  <a:pos x="csX9" y="csY9"/>
+                </a:cxn>
+                <a:cxn ang="0">
+                  <a:pos x="csX10" y="csY10"/>
+                </a:cxn>
+                <a:cxn ang="0">
+                  <a:pos x="csX11" y="csY11"/>
+                </a:cxn>
+                <a:cxn ang="0">
+                  <a:pos x="csX12" y="csY12"/>
+                </a:cxn>
+                <a:cxn ang="0">
+                  <a:pos x="csX13" y="csY13"/>
+                </a:cxn>
+                <a:cxn ang="0">
+                  <a:pos x="csX14" y="csY14"/>
+                </a:cxn>
+                <a:cxn ang="0">
+                  <a:pos x="csX15" y="csY15"/>
+                </a:cxn>
+                <a:cxn ang="0">
+                  <a:pos x="csX16" y="csY16"/>
+                </a:cxn>
+                <a:cxn ang="0">
+                  <a:pos x="csX17" y="csY17"/>
+                </a:cxn>
+                <a:cxn ang="0">
+                  <a:pos x="csX18" y="csY18"/>
+                </a:cxn>
+                <a:cxn ang="0">
+                  <a:pos x="csX19" y="csY19"/>
+                </a:cxn>
+                <a:cxn ang="0">
+                  <a:pos x="csX20" y="csY20"/>
+                </a:cxn>
+                <a:cxn ang="0">
+                  <a:pos x="csX21" y="csY21"/>
+                </a:cxn>
+                <a:cxn ang="0">
+                  <a:pos x="csX22" y="csY22"/>
+                </a:cxn>
+                <a:cxn ang="0">
+                  <a:pos x="csX23" y="csY23"/>
+                </a:cxn>
+                <a:cxn ang="0">
+                  <a:pos x="csX24" y="csY24"/>
+                </a:cxn>
+                <a:cxn ang="0">
+                  <a:pos x="csX25" y="csY25"/>
+                </a:cxn>
+              </a:cxnLst>
+              <a:rect l="l" t="t" r="r" b="b"/>
+              <a:pathLst>
+                <a:path w="533400" h="695325">
+                  <a:moveTo>
+                    <a:pt x="285750" y="549593"/>
+                  </a:moveTo>
+                  <a:lnTo>
+                    <a:pt x="285750" y="600075"/>
+                  </a:lnTo>
+                  <a:lnTo>
+                    <a:pt x="247650" y="600075"/>
+                  </a:lnTo>
+                  <a:lnTo>
+                    <a:pt x="247650" y="549593"/>
+                  </a:lnTo>
+                  <a:cubicBezTo>
+                    <a:pt x="225743" y="541973"/>
+                    <a:pt x="209550" y="521017"/>
+                    <a:pt x="209550" y="495300"/>
+                  </a:cubicBezTo>
+                  <a:cubicBezTo>
+                    <a:pt x="209550" y="463868"/>
+                    <a:pt x="235268" y="438150"/>
+                    <a:pt x="266700" y="438150"/>
+                  </a:cubicBezTo>
+                  <a:cubicBezTo>
+                    <a:pt x="298133" y="438150"/>
+                    <a:pt x="323850" y="463868"/>
+                    <a:pt x="323850" y="495300"/>
+                  </a:cubicBezTo>
+                  <a:cubicBezTo>
+                    <a:pt x="323850" y="520065"/>
+                    <a:pt x="307658" y="541020"/>
+                    <a:pt x="285750" y="549593"/>
+                  </a:cubicBezTo>
+                  <a:close/>
+                  <a:moveTo>
+                    <a:pt x="123825" y="200025"/>
+                  </a:moveTo>
+                  <a:cubicBezTo>
+                    <a:pt x="123825" y="120968"/>
+                    <a:pt x="187643" y="57150"/>
+                    <a:pt x="266700" y="57150"/>
+                  </a:cubicBezTo>
+                  <a:cubicBezTo>
+                    <a:pt x="345758" y="57150"/>
+                    <a:pt x="409575" y="120968"/>
+                    <a:pt x="409575" y="200025"/>
+                  </a:cubicBezTo>
+                  <a:lnTo>
+                    <a:pt x="409575" y="305753"/>
+                  </a:lnTo>
+                  <a:lnTo>
+                    <a:pt x="266700" y="295275"/>
+                  </a:lnTo>
+                  <a:lnTo>
+                    <a:pt x="123825" y="305753"/>
+                  </a:lnTo>
+                  <a:lnTo>
+                    <a:pt x="123825" y="200025"/>
+                  </a:lnTo>
+                  <a:close/>
+                  <a:moveTo>
+                    <a:pt x="466725" y="309563"/>
+                  </a:moveTo>
+                  <a:lnTo>
+                    <a:pt x="466725" y="200025"/>
+                  </a:lnTo>
+                  <a:cubicBezTo>
+                    <a:pt x="466725" y="89535"/>
+                    <a:pt x="377190" y="0"/>
+                    <a:pt x="266700" y="0"/>
+                  </a:cubicBezTo>
+                  <a:cubicBezTo>
+                    <a:pt x="156210" y="0"/>
+                    <a:pt x="66675" y="89535"/>
+                    <a:pt x="66675" y="200025"/>
+                  </a:cubicBezTo>
+                  <a:lnTo>
+                    <a:pt x="66675" y="309563"/>
+                  </a:lnTo>
+                  <a:lnTo>
+                    <a:pt x="0" y="314325"/>
+                  </a:lnTo>
+                  <a:lnTo>
+                    <a:pt x="0" y="676275"/>
+                  </a:lnTo>
+                  <a:lnTo>
+                    <a:pt x="266700" y="695325"/>
+                  </a:lnTo>
+                  <a:lnTo>
+                    <a:pt x="533400" y="676275"/>
+                  </a:lnTo>
+                  <a:lnTo>
+                    <a:pt x="533400" y="314325"/>
+                  </a:lnTo>
+                  <a:lnTo>
+                    <a:pt x="466725" y="309563"/>
+                  </a:lnTo>
+                  <a:close/>
+                </a:path>
+              </a:pathLst>
+            </a:custGeom>
+            <a:solidFill>
+              <a:srgbClr val="CCCCCC"/>
+            </a:solidFill>
+            <a:ln w="9525" cap="flat">
+              <a:noFill/>
+              <a:prstDash val="solid"/>
+              <a:miter/>
+            </a:ln>
+          </p:spPr>
+          <p:txBody>
+            <a:bodyPr/>
+            <a:lstStyle/>
+            <a:p>
+              <a:endParaRPr lang="fr-CA"/>
+            </a:p>
+          </p:txBody>
+        </p:sp>
+        <p:sp>
+          <p:nvSpPr>
+            <p:cNvPr id="12" name="Rectangle 11">
+              <a:extLst>
+                <a:ext uri="{FF2B5EF4-FFF2-40B4-BE49-F238E27FC236}">
+                  <a16:creationId xmlns:a16="http://schemas.microsoft.com/office/drawing/2014/main" id="{F034F56A-ABDF-A7AE-586B-36EBD475EB02}"/>
+                </a:ext>
+              </a:extLst>
+            </p:cNvPr>
+            <p:cNvSpPr/>
+            <p:nvPr/>
+          </p:nvSpPr>
+          <p:spPr>
+            <a:xfrm>
+              <a:off x="4738785" y="2982771"/>
+              <a:ext cx="2506202" cy="36000"/>
+            </a:xfrm>
+            <a:prstGeom prst="rect">
+              <a:avLst/>
+            </a:prstGeom>
+            <a:solidFill>
+              <a:srgbClr val="999999"/>
+            </a:solidFill>
+            <a:ln>
+              <a:noFill/>
+            </a:ln>
+          </p:spPr>
+          <p:style>
+            <a:lnRef idx="2">
+              <a:schemeClr val="accent1">
+                <a:shade val="15000"/>
+              </a:schemeClr>
+            </a:lnRef>
+            <a:fillRef idx="1">
+              <a:schemeClr val="accent1"/>
+            </a:fillRef>
+            <a:effectRef idx="0">
+              <a:schemeClr val="accent1"/>
+            </a:effectRef>
+            <a:fontRef idx="minor">
+              <a:schemeClr val="lt1"/>
+            </a:fontRef>
+          </p:style>
+          <p:txBody>
+            <a:bodyPr rtlCol="0" anchor="ctr"/>
+            <a:lstStyle/>
+            <a:p>
+              <a:pPr algn="ctr"/>
+              <a:endParaRPr lang="fr-CA"/>
+            </a:p>
+          </p:txBody>
+        </p:sp>
+        <p:sp>
+          <p:nvSpPr>
+            <p:cNvPr id="16" name="Rectangle 15">
+              <a:extLst>
+                <a:ext uri="{FF2B5EF4-FFF2-40B4-BE49-F238E27FC236}">
+                  <a16:creationId xmlns:a16="http://schemas.microsoft.com/office/drawing/2014/main" id="{60A6AFB1-5458-854F-7E1B-C2E99A61C58D}"/>
+                </a:ext>
+              </a:extLst>
+            </p:cNvPr>
+            <p:cNvSpPr/>
+            <p:nvPr/>
+          </p:nvSpPr>
+          <p:spPr>
+            <a:xfrm>
+              <a:off x="4738785" y="3292458"/>
+              <a:ext cx="2506202" cy="36000"/>
+            </a:xfrm>
+            <a:prstGeom prst="rect">
+              <a:avLst/>
+            </a:prstGeom>
+            <a:solidFill>
+              <a:srgbClr val="999999"/>
+            </a:solidFill>
+            <a:ln>
+              <a:noFill/>
+            </a:ln>
+          </p:spPr>
+          <p:style>
+            <a:lnRef idx="2">
+              <a:schemeClr val="accent1">
+                <a:shade val="15000"/>
+              </a:schemeClr>
+            </a:lnRef>
+            <a:fillRef idx="1">
+              <a:schemeClr val="accent1"/>
+            </a:fillRef>
+            <a:effectRef idx="0">
+              <a:schemeClr val="accent1"/>
+            </a:effectRef>
+            <a:fontRef idx="minor">
+              <a:schemeClr val="lt1"/>
+            </a:fontRef>
+          </p:style>
+          <p:txBody>
+            <a:bodyPr rtlCol="0" anchor="ctr"/>
+            <a:lstStyle/>
+            <a:p>
+              <a:pPr algn="ctr"/>
+              <a:endParaRPr lang="fr-CA"/>
+            </a:p>
+          </p:txBody>
+        </p:sp>
+        <p:sp>
+          <p:nvSpPr>
+            <p:cNvPr id="17" name="Rectangle 16">
+              <a:extLst>
+                <a:ext uri="{FF2B5EF4-FFF2-40B4-BE49-F238E27FC236}">
+                  <a16:creationId xmlns:a16="http://schemas.microsoft.com/office/drawing/2014/main" id="{8BFB72CE-026E-741A-184B-1097CDE4A09D}"/>
+                </a:ext>
+              </a:extLst>
+            </p:cNvPr>
+            <p:cNvSpPr/>
+            <p:nvPr/>
+          </p:nvSpPr>
+          <p:spPr>
+            <a:xfrm>
+              <a:off x="4738785" y="4838668"/>
+              <a:ext cx="2506202" cy="36000"/>
+            </a:xfrm>
+            <a:prstGeom prst="rect">
+              <a:avLst/>
+            </a:prstGeom>
+            <a:solidFill>
+              <a:srgbClr val="999999"/>
+            </a:solidFill>
+            <a:ln>
+              <a:noFill/>
+            </a:ln>
+          </p:spPr>
+          <p:style>
+            <a:lnRef idx="2">
+              <a:schemeClr val="accent1">
+                <a:shade val="15000"/>
+              </a:schemeClr>
+            </a:lnRef>
+            <a:fillRef idx="1">
+              <a:schemeClr val="accent1"/>
+            </a:fillRef>
+            <a:effectRef idx="0">
+              <a:schemeClr val="accent1"/>
+            </a:effectRef>
+            <a:fontRef idx="minor">
+              <a:schemeClr val="lt1"/>
+            </a:fontRef>
+          </p:style>
+          <p:txBody>
+            <a:bodyPr rtlCol="0" anchor="ctr"/>
+            <a:lstStyle/>
+            <a:p>
+              <a:pPr algn="ctr"/>
+              <a:endParaRPr lang="fr-CA"/>
+            </a:p>
+          </p:txBody>
+        </p:sp>
+        <p:sp>
+          <p:nvSpPr>
+            <p:cNvPr id="18" name="Rectangle 17">
+              <a:extLst>
+                <a:ext uri="{FF2B5EF4-FFF2-40B4-BE49-F238E27FC236}">
+                  <a16:creationId xmlns:a16="http://schemas.microsoft.com/office/drawing/2014/main" id="{4A2B254F-6707-3A8C-9A6D-3CAC6D86CC79}"/>
+                </a:ext>
+              </a:extLst>
+            </p:cNvPr>
+            <p:cNvSpPr/>
+            <p:nvPr/>
+          </p:nvSpPr>
+          <p:spPr>
+            <a:xfrm>
+              <a:off x="4738785" y="3602146"/>
+              <a:ext cx="2506202" cy="36000"/>
+            </a:xfrm>
+            <a:prstGeom prst="rect">
+              <a:avLst/>
+            </a:prstGeom>
+            <a:solidFill>
+              <a:srgbClr val="999999"/>
+            </a:solidFill>
+            <a:ln>
+              <a:noFill/>
+            </a:ln>
+          </p:spPr>
+          <p:style>
+            <a:lnRef idx="2">
+              <a:schemeClr val="accent1">
+                <a:shade val="15000"/>
+              </a:schemeClr>
+            </a:lnRef>
+            <a:fillRef idx="1">
+              <a:schemeClr val="accent1"/>
+            </a:fillRef>
+            <a:effectRef idx="0">
+              <a:schemeClr val="accent1"/>
+            </a:effectRef>
+            <a:fontRef idx="minor">
+              <a:schemeClr val="lt1"/>
+            </a:fontRef>
+          </p:style>
+          <p:txBody>
+            <a:bodyPr rtlCol="0" anchor="ctr"/>
+            <a:lstStyle/>
+            <a:p>
+              <a:pPr algn="ctr"/>
+              <a:endParaRPr lang="fr-CA"/>
+            </a:p>
+          </p:txBody>
+        </p:sp>
+        <p:sp>
+          <p:nvSpPr>
+            <p:cNvPr id="38" name="Oval 37">
+              <a:extLst>
+                <a:ext uri="{FF2B5EF4-FFF2-40B4-BE49-F238E27FC236}">
+                  <a16:creationId xmlns:a16="http://schemas.microsoft.com/office/drawing/2014/main" id="{679F61AE-C427-F1BF-9AFA-53104C19784C}"/>
+                </a:ext>
+              </a:extLst>
+            </p:cNvPr>
+            <p:cNvSpPr/>
+            <p:nvPr/>
+          </p:nvSpPr>
+          <p:spPr>
+            <a:xfrm>
+              <a:off x="7968600" y="1794206"/>
+              <a:ext cx="900000" cy="900000"/>
+            </a:xfrm>
+            <a:prstGeom prst="ellipse">
+              <a:avLst/>
+            </a:prstGeom>
+            <a:solidFill>
+              <a:srgbClr val="CCCCCC"/>
+            </a:solidFill>
+            <a:ln>
+              <a:noFill/>
+            </a:ln>
+          </p:spPr>
+          <p:style>
+            <a:lnRef idx="2">
+              <a:schemeClr val="accent1">
+                <a:shade val="15000"/>
+              </a:schemeClr>
+            </a:lnRef>
+            <a:fillRef idx="1">
+              <a:schemeClr val="accent1"/>
+            </a:fillRef>
+            <a:effectRef idx="0">
+              <a:schemeClr val="accent1"/>
+            </a:effectRef>
+            <a:fontRef idx="minor">
+              <a:schemeClr val="lt1"/>
+            </a:fontRef>
+          </p:style>
+          <p:txBody>
+            <a:bodyPr rtlCol="0" anchor="ctr"/>
+            <a:lstStyle/>
+            <a:p>
+              <a:pPr algn="ctr"/>
+              <a:endParaRPr lang="fr-CA"/>
+            </a:p>
+          </p:txBody>
+        </p:sp>
+        <p:sp>
+          <p:nvSpPr>
+            <p:cNvPr id="57" name="Oval 56">
+              <a:extLst>
+                <a:ext uri="{FF2B5EF4-FFF2-40B4-BE49-F238E27FC236}">
+                  <a16:creationId xmlns:a16="http://schemas.microsoft.com/office/drawing/2014/main" id="{978F1734-6217-B8A2-92BC-95490DF76CEB}"/>
+                </a:ext>
+              </a:extLst>
+            </p:cNvPr>
+            <p:cNvSpPr/>
+            <p:nvPr/>
+          </p:nvSpPr>
+          <p:spPr>
+            <a:xfrm>
+              <a:off x="7968600" y="3057103"/>
+              <a:ext cx="900000" cy="900000"/>
+            </a:xfrm>
+            <a:prstGeom prst="ellipse">
+              <a:avLst/>
+            </a:prstGeom>
+            <a:solidFill>
+              <a:srgbClr val="999999"/>
+            </a:solidFill>
+            <a:ln>
+              <a:noFill/>
+            </a:ln>
+          </p:spPr>
+          <p:style>
+            <a:lnRef idx="2">
+              <a:schemeClr val="accent1">
+                <a:shade val="15000"/>
+              </a:schemeClr>
+            </a:lnRef>
+            <a:fillRef idx="1">
+              <a:schemeClr val="accent1"/>
+            </a:fillRef>
+            <a:effectRef idx="0">
+              <a:schemeClr val="accent1"/>
+            </a:effectRef>
+            <a:fontRef idx="minor">
+              <a:schemeClr val="lt1"/>
+            </a:fontRef>
+          </p:style>
+          <p:txBody>
+            <a:bodyPr rtlCol="0" anchor="ctr"/>
+            <a:lstStyle/>
+            <a:p>
+              <a:pPr algn="ctr"/>
+              <a:endParaRPr lang="fr-CA"/>
+            </a:p>
+          </p:txBody>
+        </p:sp>
+        <p:sp>
+          <p:nvSpPr>
+            <p:cNvPr id="58" name="Oval 57">
+              <a:extLst>
+                <a:ext uri="{FF2B5EF4-FFF2-40B4-BE49-F238E27FC236}">
+                  <a16:creationId xmlns:a16="http://schemas.microsoft.com/office/drawing/2014/main" id="{DCC56F4A-E6D6-FEB8-B4C6-B80EF6CC3CB1}"/>
+                </a:ext>
+              </a:extLst>
+            </p:cNvPr>
+            <p:cNvSpPr/>
+            <p:nvPr/>
+          </p:nvSpPr>
+          <p:spPr>
+            <a:xfrm>
+              <a:off x="7968600" y="4320000"/>
+              <a:ext cx="900000" cy="900000"/>
+            </a:xfrm>
+            <a:prstGeom prst="ellipse">
+              <a:avLst/>
+            </a:prstGeom>
+            <a:solidFill>
+              <a:srgbClr val="666666"/>
+            </a:solidFill>
+            <a:ln>
+              <a:noFill/>
+            </a:ln>
+          </p:spPr>
+          <p:style>
+            <a:lnRef idx="2">
+              <a:schemeClr val="accent1">
+                <a:shade val="15000"/>
+              </a:schemeClr>
+            </a:lnRef>
+            <a:fillRef idx="1">
+              <a:schemeClr val="accent1"/>
+            </a:fillRef>
+            <a:effectRef idx="0">
+              <a:schemeClr val="accent1"/>
+            </a:effectRef>
+            <a:fontRef idx="minor">
+              <a:schemeClr val="lt1"/>
+            </a:fontRef>
+          </p:style>
+          <p:txBody>
+            <a:bodyPr rtlCol="0" anchor="ctr"/>
+            <a:lstStyle/>
+            <a:p>
+              <a:pPr algn="ctr"/>
+              <a:endParaRPr lang="fr-CA"/>
+            </a:p>
+          </p:txBody>
+        </p:sp>
+      </p:grpSp>
+      <p:grpSp>
+        <p:nvGrpSpPr>
+          <p:cNvPr id="67" name="Group 66">
+            <a:extLst>
+              <a:ext uri="{FF2B5EF4-FFF2-40B4-BE49-F238E27FC236}">
+                <a16:creationId xmlns:a16="http://schemas.microsoft.com/office/drawing/2014/main" id="{70B7A775-3F4C-6D85-9764-FA1DF273B9BF}"/>
+              </a:ext>
+            </a:extLst>
+          </p:cNvPr>
+          <p:cNvGrpSpPr>
+            <a:grpSpLocks noChangeAspect="1"/>
+          </p:cNvGrpSpPr>
+          <p:nvPr/>
+        </p:nvGrpSpPr>
+        <p:grpSpPr>
+          <a:xfrm>
+            <a:off x="5320138" y="4765998"/>
+            <a:ext cx="986198" cy="720000"/>
+            <a:chOff x="4382930" y="1044131"/>
+            <a:chExt cx="5745670" cy="4194779"/>
+          </a:xfrm>
+        </p:grpSpPr>
+        <p:sp>
+          <p:nvSpPr>
+            <p:cNvPr id="68" name="Oval 67">
+              <a:extLst>
+                <a:ext uri="{FF2B5EF4-FFF2-40B4-BE49-F238E27FC236}">
+                  <a16:creationId xmlns:a16="http://schemas.microsoft.com/office/drawing/2014/main" id="{6B2F96EB-FE80-D406-A71E-A97C73A0F481}"/>
+                </a:ext>
+              </a:extLst>
+            </p:cNvPr>
+            <p:cNvSpPr/>
+            <p:nvPr/>
+          </p:nvSpPr>
+          <p:spPr>
+            <a:xfrm>
+              <a:off x="5372454" y="3449130"/>
+              <a:ext cx="1238865" cy="1447335"/>
+            </a:xfrm>
+            <a:prstGeom prst="ellipse">
+              <a:avLst/>
+            </a:prstGeom>
+            <a:solidFill>
+              <a:srgbClr val="333333"/>
+            </a:solidFill>
+          </p:spPr>
+          <p:style>
+            <a:lnRef idx="2">
+              <a:schemeClr val="accent1">
+                <a:shade val="15000"/>
+              </a:schemeClr>
+            </a:lnRef>
+            <a:fillRef idx="1">
+              <a:schemeClr val="accent1"/>
+            </a:fillRef>
+            <a:effectRef idx="0">
+              <a:schemeClr val="accent1"/>
+            </a:effectRef>
+            <a:fontRef idx="minor">
+              <a:schemeClr val="lt1"/>
+            </a:fontRef>
+          </p:style>
+          <p:txBody>
+            <a:bodyPr rtlCol="0" anchor="ctr"/>
+            <a:lstStyle/>
+            <a:p>
+              <a:pPr algn="ctr"/>
+              <a:endParaRPr lang="fr-CA"/>
+            </a:p>
+          </p:txBody>
+        </p:sp>
+        <p:sp>
+          <p:nvSpPr>
+            <p:cNvPr id="69" name="Graphic 14" descr="Lock with solid fill">
+              <a:extLst>
+                <a:ext uri="{FF2B5EF4-FFF2-40B4-BE49-F238E27FC236}">
+                  <a16:creationId xmlns:a16="http://schemas.microsoft.com/office/drawing/2014/main" id="{B9F5F76D-9D29-E743-EC31-A5A8FF2C886E}"/>
+                </a:ext>
+              </a:extLst>
+            </p:cNvPr>
+            <p:cNvSpPr/>
+            <p:nvPr/>
+          </p:nvSpPr>
+          <p:spPr>
+            <a:xfrm>
+              <a:off x="4382930" y="1044131"/>
+              <a:ext cx="3217913" cy="4194779"/>
+            </a:xfrm>
+            <a:custGeom>
+              <a:avLst/>
+              <a:gdLst>
+                <a:gd name="csX0" fmla="*/ 285750 w 533400"/>
+                <a:gd name="csY0" fmla="*/ 549593 h 695325"/>
+                <a:gd name="csX1" fmla="*/ 285750 w 533400"/>
+                <a:gd name="csY1" fmla="*/ 600075 h 695325"/>
+                <a:gd name="csX2" fmla="*/ 247650 w 533400"/>
+                <a:gd name="csY2" fmla="*/ 600075 h 695325"/>
+                <a:gd name="csX3" fmla="*/ 247650 w 533400"/>
+                <a:gd name="csY3" fmla="*/ 549593 h 695325"/>
+                <a:gd name="csX4" fmla="*/ 209550 w 533400"/>
+                <a:gd name="csY4" fmla="*/ 495300 h 695325"/>
+                <a:gd name="csX5" fmla="*/ 266700 w 533400"/>
+                <a:gd name="csY5" fmla="*/ 438150 h 695325"/>
+                <a:gd name="csX6" fmla="*/ 323850 w 533400"/>
+                <a:gd name="csY6" fmla="*/ 495300 h 695325"/>
+                <a:gd name="csX7" fmla="*/ 285750 w 533400"/>
+                <a:gd name="csY7" fmla="*/ 549593 h 695325"/>
+                <a:gd name="csX8" fmla="*/ 123825 w 533400"/>
+                <a:gd name="csY8" fmla="*/ 200025 h 695325"/>
+                <a:gd name="csX9" fmla="*/ 266700 w 533400"/>
+                <a:gd name="csY9" fmla="*/ 57150 h 695325"/>
+                <a:gd name="csX10" fmla="*/ 409575 w 533400"/>
+                <a:gd name="csY10" fmla="*/ 200025 h 695325"/>
+                <a:gd name="csX11" fmla="*/ 409575 w 533400"/>
+                <a:gd name="csY11" fmla="*/ 305753 h 695325"/>
+                <a:gd name="csX12" fmla="*/ 266700 w 533400"/>
+                <a:gd name="csY12" fmla="*/ 295275 h 695325"/>
+                <a:gd name="csX13" fmla="*/ 123825 w 533400"/>
+                <a:gd name="csY13" fmla="*/ 305753 h 695325"/>
+                <a:gd name="csX14" fmla="*/ 123825 w 533400"/>
+                <a:gd name="csY14" fmla="*/ 200025 h 695325"/>
+                <a:gd name="csX15" fmla="*/ 466725 w 533400"/>
+                <a:gd name="csY15" fmla="*/ 309563 h 695325"/>
+                <a:gd name="csX16" fmla="*/ 466725 w 533400"/>
+                <a:gd name="csY16" fmla="*/ 200025 h 695325"/>
+                <a:gd name="csX17" fmla="*/ 266700 w 533400"/>
+                <a:gd name="csY17" fmla="*/ 0 h 695325"/>
+                <a:gd name="csX18" fmla="*/ 66675 w 533400"/>
+                <a:gd name="csY18" fmla="*/ 200025 h 695325"/>
+                <a:gd name="csX19" fmla="*/ 66675 w 533400"/>
+                <a:gd name="csY19" fmla="*/ 309563 h 695325"/>
+                <a:gd name="csX20" fmla="*/ 0 w 533400"/>
+                <a:gd name="csY20" fmla="*/ 314325 h 695325"/>
+                <a:gd name="csX21" fmla="*/ 0 w 533400"/>
+                <a:gd name="csY21" fmla="*/ 676275 h 695325"/>
+                <a:gd name="csX22" fmla="*/ 266700 w 533400"/>
+                <a:gd name="csY22" fmla="*/ 695325 h 695325"/>
+                <a:gd name="csX23" fmla="*/ 533400 w 533400"/>
+                <a:gd name="csY23" fmla="*/ 676275 h 695325"/>
+                <a:gd name="csX24" fmla="*/ 533400 w 533400"/>
+                <a:gd name="csY24" fmla="*/ 314325 h 695325"/>
+                <a:gd name="csX25" fmla="*/ 466725 w 533400"/>
+                <a:gd name="csY25" fmla="*/ 309563 h 695325"/>
+              </a:gdLst>
+              <a:ahLst/>
+              <a:cxnLst>
+                <a:cxn ang="0">
+                  <a:pos x="csX0" y="csY0"/>
+                </a:cxn>
+                <a:cxn ang="0">
+                  <a:pos x="csX1" y="csY1"/>
+                </a:cxn>
+                <a:cxn ang="0">
+                  <a:pos x="csX2" y="csY2"/>
+                </a:cxn>
+                <a:cxn ang="0">
+                  <a:pos x="csX3" y="csY3"/>
+                </a:cxn>
+                <a:cxn ang="0">
+                  <a:pos x="csX4" y="csY4"/>
+                </a:cxn>
+                <a:cxn ang="0">
+                  <a:pos x="csX5" y="csY5"/>
+                </a:cxn>
+                <a:cxn ang="0">
+                  <a:pos x="csX6" y="csY6"/>
+                </a:cxn>
+                <a:cxn ang="0">
+                  <a:pos x="csX7" y="csY7"/>
+                </a:cxn>
+                <a:cxn ang="0">
+                  <a:pos x="csX8" y="csY8"/>
+                </a:cxn>
+                <a:cxn ang="0">
+                  <a:pos x="csX9" y="csY9"/>
+                </a:cxn>
+                <a:cxn ang="0">
+                  <a:pos x="csX10" y="csY10"/>
+                </a:cxn>
+                <a:cxn ang="0">
+                  <a:pos x="csX11" y="csY11"/>
+                </a:cxn>
+                <a:cxn ang="0">
+                  <a:pos x="csX12" y="csY12"/>
+                </a:cxn>
+                <a:cxn ang="0">
+                  <a:pos x="csX13" y="csY13"/>
+                </a:cxn>
+                <a:cxn ang="0">
+                  <a:pos x="csX14" y="csY14"/>
+                </a:cxn>
+                <a:cxn ang="0">
+                  <a:pos x="csX15" y="csY15"/>
+                </a:cxn>
+                <a:cxn ang="0">
+                  <a:pos x="csX16" y="csY16"/>
+                </a:cxn>
+                <a:cxn ang="0">
+                  <a:pos x="csX17" y="csY17"/>
+                </a:cxn>
+                <a:cxn ang="0">
+                  <a:pos x="csX18" y="csY18"/>
+                </a:cxn>
+                <a:cxn ang="0">
+                  <a:pos x="csX19" y="csY19"/>
+                </a:cxn>
+                <a:cxn ang="0">
+                  <a:pos x="csX20" y="csY20"/>
+                </a:cxn>
+                <a:cxn ang="0">
+                  <a:pos x="csX21" y="csY21"/>
+                </a:cxn>
+                <a:cxn ang="0">
+                  <a:pos x="csX22" y="csY22"/>
+                </a:cxn>
+                <a:cxn ang="0">
+                  <a:pos x="csX23" y="csY23"/>
+                </a:cxn>
+                <a:cxn ang="0">
+                  <a:pos x="csX24" y="csY24"/>
+                </a:cxn>
+                <a:cxn ang="0">
+                  <a:pos x="csX25" y="csY25"/>
+                </a:cxn>
+              </a:cxnLst>
+              <a:rect l="l" t="t" r="r" b="b"/>
+              <a:pathLst>
+                <a:path w="533400" h="695325">
+                  <a:moveTo>
+                    <a:pt x="285750" y="549593"/>
+                  </a:moveTo>
+                  <a:lnTo>
+                    <a:pt x="285750" y="600075"/>
+                  </a:lnTo>
+                  <a:lnTo>
+                    <a:pt x="247650" y="600075"/>
+                  </a:lnTo>
+                  <a:lnTo>
+                    <a:pt x="247650" y="549593"/>
+                  </a:lnTo>
+                  <a:cubicBezTo>
+                    <a:pt x="225743" y="541973"/>
+                    <a:pt x="209550" y="521017"/>
+                    <a:pt x="209550" y="495300"/>
+                  </a:cubicBezTo>
+                  <a:cubicBezTo>
+                    <a:pt x="209550" y="463868"/>
+                    <a:pt x="235268" y="438150"/>
+                    <a:pt x="266700" y="438150"/>
+                  </a:cubicBezTo>
+                  <a:cubicBezTo>
+                    <a:pt x="298133" y="438150"/>
+                    <a:pt x="323850" y="463868"/>
+                    <a:pt x="323850" y="495300"/>
+                  </a:cubicBezTo>
+                  <a:cubicBezTo>
+                    <a:pt x="323850" y="520065"/>
+                    <a:pt x="307658" y="541020"/>
+                    <a:pt x="285750" y="549593"/>
+                  </a:cubicBezTo>
+                  <a:close/>
+                  <a:moveTo>
+                    <a:pt x="123825" y="200025"/>
+                  </a:moveTo>
+                  <a:cubicBezTo>
+                    <a:pt x="123825" y="120968"/>
+                    <a:pt x="187643" y="57150"/>
+                    <a:pt x="266700" y="57150"/>
+                  </a:cubicBezTo>
+                  <a:cubicBezTo>
+                    <a:pt x="345758" y="57150"/>
+                    <a:pt x="409575" y="120968"/>
+                    <a:pt x="409575" y="200025"/>
+                  </a:cubicBezTo>
+                  <a:lnTo>
+                    <a:pt x="409575" y="305753"/>
+                  </a:lnTo>
+                  <a:lnTo>
+                    <a:pt x="266700" y="295275"/>
+                  </a:lnTo>
+                  <a:lnTo>
+                    <a:pt x="123825" y="305753"/>
+                  </a:lnTo>
+                  <a:lnTo>
+                    <a:pt x="123825" y="200025"/>
+                  </a:lnTo>
+                  <a:close/>
+                  <a:moveTo>
+                    <a:pt x="466725" y="309563"/>
+                  </a:moveTo>
+                  <a:lnTo>
+                    <a:pt x="466725" y="200025"/>
+                  </a:lnTo>
+                  <a:cubicBezTo>
+                    <a:pt x="466725" y="89535"/>
+                    <a:pt x="377190" y="0"/>
+                    <a:pt x="266700" y="0"/>
+                  </a:cubicBezTo>
+                  <a:cubicBezTo>
+                    <a:pt x="156210" y="0"/>
+                    <a:pt x="66675" y="89535"/>
+                    <a:pt x="66675" y="200025"/>
+                  </a:cubicBezTo>
+                  <a:lnTo>
+                    <a:pt x="66675" y="309563"/>
+                  </a:lnTo>
+                  <a:lnTo>
+                    <a:pt x="0" y="314325"/>
+                  </a:lnTo>
+                  <a:lnTo>
+                    <a:pt x="0" y="676275"/>
+                  </a:lnTo>
+                  <a:lnTo>
+                    <a:pt x="266700" y="695325"/>
+                  </a:lnTo>
+                  <a:lnTo>
+                    <a:pt x="533400" y="676275"/>
+                  </a:lnTo>
+                  <a:lnTo>
+                    <a:pt x="533400" y="314325"/>
+                  </a:lnTo>
+                  <a:lnTo>
+                    <a:pt x="466725" y="309563"/>
+                  </a:lnTo>
+                  <a:close/>
+                </a:path>
+              </a:pathLst>
+            </a:custGeom>
+            <a:solidFill>
+              <a:srgbClr val="CCCCCC"/>
+            </a:solidFill>
+            <a:ln w="9525" cap="flat">
+              <a:noFill/>
+              <a:prstDash val="solid"/>
+              <a:miter/>
+            </a:ln>
+          </p:spPr>
+          <p:txBody>
+            <a:bodyPr/>
+            <a:lstStyle/>
+            <a:p>
+              <a:endParaRPr lang="fr-CA"/>
+            </a:p>
+          </p:txBody>
+        </p:sp>
+        <p:sp>
+          <p:nvSpPr>
+            <p:cNvPr id="70" name="Rectangle 69">
+              <a:extLst>
+                <a:ext uri="{FF2B5EF4-FFF2-40B4-BE49-F238E27FC236}">
+                  <a16:creationId xmlns:a16="http://schemas.microsoft.com/office/drawing/2014/main" id="{7F9A19E6-6F74-523C-60F0-A0662EDE2C11}"/>
+                </a:ext>
+              </a:extLst>
+            </p:cNvPr>
+            <p:cNvSpPr/>
+            <p:nvPr/>
+          </p:nvSpPr>
+          <p:spPr>
+            <a:xfrm>
+              <a:off x="4738785" y="2982771"/>
+              <a:ext cx="2506202" cy="36000"/>
+            </a:xfrm>
+            <a:prstGeom prst="rect">
+              <a:avLst/>
+            </a:prstGeom>
+            <a:solidFill>
+              <a:srgbClr val="999999"/>
+            </a:solidFill>
+            <a:ln>
+              <a:noFill/>
+            </a:ln>
+          </p:spPr>
+          <p:style>
+            <a:lnRef idx="2">
+              <a:schemeClr val="accent1">
+                <a:shade val="15000"/>
+              </a:schemeClr>
+            </a:lnRef>
+            <a:fillRef idx="1">
+              <a:schemeClr val="accent1"/>
+            </a:fillRef>
+            <a:effectRef idx="0">
+              <a:schemeClr val="accent1"/>
+            </a:effectRef>
+            <a:fontRef idx="minor">
+              <a:schemeClr val="lt1"/>
+            </a:fontRef>
+          </p:style>
+          <p:txBody>
+            <a:bodyPr rtlCol="0" anchor="ctr"/>
+            <a:lstStyle/>
+            <a:p>
+              <a:pPr algn="ctr"/>
+              <a:endParaRPr lang="fr-CA"/>
+            </a:p>
+          </p:txBody>
+        </p:sp>
+        <p:sp>
+          <p:nvSpPr>
+            <p:cNvPr id="71" name="Rectangle 70">
+              <a:extLst>
+                <a:ext uri="{FF2B5EF4-FFF2-40B4-BE49-F238E27FC236}">
+                  <a16:creationId xmlns:a16="http://schemas.microsoft.com/office/drawing/2014/main" id="{28C543A9-3CB8-A748-0551-D42E973976C8}"/>
+                </a:ext>
+              </a:extLst>
+            </p:cNvPr>
+            <p:cNvSpPr/>
+            <p:nvPr/>
+          </p:nvSpPr>
+          <p:spPr>
+            <a:xfrm>
+              <a:off x="4738785" y="3292458"/>
+              <a:ext cx="2506202" cy="36000"/>
+            </a:xfrm>
+            <a:prstGeom prst="rect">
+              <a:avLst/>
+            </a:prstGeom>
+            <a:solidFill>
+              <a:srgbClr val="999999"/>
+            </a:solidFill>
+            <a:ln>
+              <a:noFill/>
+            </a:ln>
+          </p:spPr>
+          <p:style>
+            <a:lnRef idx="2">
+              <a:schemeClr val="accent1">
+                <a:shade val="15000"/>
+              </a:schemeClr>
+            </a:lnRef>
+            <a:fillRef idx="1">
+              <a:schemeClr val="accent1"/>
+            </a:fillRef>
+            <a:effectRef idx="0">
+              <a:schemeClr val="accent1"/>
+            </a:effectRef>
+            <a:fontRef idx="minor">
+              <a:schemeClr val="lt1"/>
+            </a:fontRef>
+          </p:style>
+          <p:txBody>
+            <a:bodyPr rtlCol="0" anchor="ctr"/>
+            <a:lstStyle/>
+            <a:p>
+              <a:pPr algn="ctr"/>
+              <a:endParaRPr lang="fr-CA"/>
+            </a:p>
+          </p:txBody>
+        </p:sp>
+        <p:sp>
+          <p:nvSpPr>
+            <p:cNvPr id="72" name="Rectangle 71">
+              <a:extLst>
+                <a:ext uri="{FF2B5EF4-FFF2-40B4-BE49-F238E27FC236}">
+                  <a16:creationId xmlns:a16="http://schemas.microsoft.com/office/drawing/2014/main" id="{6620083A-717F-7D71-8FDC-6AA2899E1617}"/>
+                </a:ext>
+              </a:extLst>
+            </p:cNvPr>
+            <p:cNvSpPr/>
+            <p:nvPr/>
+          </p:nvSpPr>
+          <p:spPr>
+            <a:xfrm>
+              <a:off x="4738785" y="4838668"/>
+              <a:ext cx="2506202" cy="36000"/>
+            </a:xfrm>
+            <a:prstGeom prst="rect">
+              <a:avLst/>
+            </a:prstGeom>
+            <a:solidFill>
+              <a:srgbClr val="999999"/>
+            </a:solidFill>
+            <a:ln>
+              <a:noFill/>
+            </a:ln>
+          </p:spPr>
+          <p:style>
+            <a:lnRef idx="2">
+              <a:schemeClr val="accent1">
+                <a:shade val="15000"/>
+              </a:schemeClr>
+            </a:lnRef>
+            <a:fillRef idx="1">
+              <a:schemeClr val="accent1"/>
+            </a:fillRef>
+            <a:effectRef idx="0">
+              <a:schemeClr val="accent1"/>
+            </a:effectRef>
+            <a:fontRef idx="minor">
+              <a:schemeClr val="lt1"/>
+            </a:fontRef>
+          </p:style>
+          <p:txBody>
+            <a:bodyPr rtlCol="0" anchor="ctr"/>
+            <a:lstStyle/>
+            <a:p>
+              <a:pPr algn="ctr"/>
+              <a:endParaRPr lang="fr-CA"/>
+            </a:p>
+          </p:txBody>
+        </p:sp>
+        <p:sp>
+          <p:nvSpPr>
+            <p:cNvPr id="73" name="Rectangle 72">
+              <a:extLst>
+                <a:ext uri="{FF2B5EF4-FFF2-40B4-BE49-F238E27FC236}">
+                  <a16:creationId xmlns:a16="http://schemas.microsoft.com/office/drawing/2014/main" id="{406C49F0-4D19-61AD-5FCA-10AE919B6D9D}"/>
+                </a:ext>
+              </a:extLst>
+            </p:cNvPr>
+            <p:cNvSpPr/>
+            <p:nvPr/>
+          </p:nvSpPr>
+          <p:spPr>
+            <a:xfrm>
+              <a:off x="4738785" y="3602146"/>
+              <a:ext cx="2506202" cy="36000"/>
+            </a:xfrm>
+            <a:prstGeom prst="rect">
+              <a:avLst/>
+            </a:prstGeom>
+            <a:solidFill>
+              <a:srgbClr val="999999"/>
+            </a:solidFill>
+            <a:ln>
+              <a:noFill/>
+            </a:ln>
+          </p:spPr>
+          <p:style>
+            <a:lnRef idx="2">
+              <a:schemeClr val="accent1">
+                <a:shade val="15000"/>
+              </a:schemeClr>
+            </a:lnRef>
+            <a:fillRef idx="1">
+              <a:schemeClr val="accent1"/>
+            </a:fillRef>
+            <a:effectRef idx="0">
+              <a:schemeClr val="accent1"/>
+            </a:effectRef>
+            <a:fontRef idx="minor">
+              <a:schemeClr val="lt1"/>
+            </a:fontRef>
+          </p:style>
+          <p:txBody>
+            <a:bodyPr rtlCol="0" anchor="ctr"/>
+            <a:lstStyle/>
+            <a:p>
+              <a:pPr algn="ctr"/>
+              <a:endParaRPr lang="fr-CA"/>
+            </a:p>
+          </p:txBody>
+        </p:sp>
+        <p:sp>
+          <p:nvSpPr>
+            <p:cNvPr id="74" name="Oval 73">
+              <a:extLst>
+                <a:ext uri="{FF2B5EF4-FFF2-40B4-BE49-F238E27FC236}">
+                  <a16:creationId xmlns:a16="http://schemas.microsoft.com/office/drawing/2014/main" id="{1288DEFD-D501-8E43-E117-BFB7EBC15C53}"/>
+                </a:ext>
+              </a:extLst>
+            </p:cNvPr>
+            <p:cNvSpPr/>
+            <p:nvPr/>
+          </p:nvSpPr>
+          <p:spPr>
+            <a:xfrm>
+              <a:off x="7968600" y="1794206"/>
+              <a:ext cx="900000" cy="900000"/>
+            </a:xfrm>
+            <a:prstGeom prst="ellipse">
+              <a:avLst/>
+            </a:prstGeom>
+            <a:solidFill>
+              <a:srgbClr val="CCCCCC"/>
+            </a:solidFill>
+            <a:ln>
+              <a:noFill/>
+            </a:ln>
+          </p:spPr>
+          <p:style>
+            <a:lnRef idx="2">
+              <a:schemeClr val="accent1">
+                <a:shade val="15000"/>
+              </a:schemeClr>
+            </a:lnRef>
+            <a:fillRef idx="1">
+              <a:schemeClr val="accent1"/>
+            </a:fillRef>
+            <a:effectRef idx="0">
+              <a:schemeClr val="accent1"/>
+            </a:effectRef>
+            <a:fontRef idx="minor">
+              <a:schemeClr val="lt1"/>
+            </a:fontRef>
+          </p:style>
+          <p:txBody>
+            <a:bodyPr rtlCol="0" anchor="ctr"/>
+            <a:lstStyle/>
+            <a:p>
+              <a:pPr algn="ctr"/>
+              <a:endParaRPr lang="fr-CA"/>
+            </a:p>
+          </p:txBody>
+        </p:sp>
+        <p:sp>
+          <p:nvSpPr>
+            <p:cNvPr id="75" name="Oval 74">
+              <a:extLst>
+                <a:ext uri="{FF2B5EF4-FFF2-40B4-BE49-F238E27FC236}">
+                  <a16:creationId xmlns:a16="http://schemas.microsoft.com/office/drawing/2014/main" id="{B30E1662-5913-3D9C-652C-3BA26825C292}"/>
+                </a:ext>
+              </a:extLst>
+            </p:cNvPr>
+            <p:cNvSpPr/>
+            <p:nvPr/>
+          </p:nvSpPr>
+          <p:spPr>
+            <a:xfrm>
+              <a:off x="7968600" y="3057103"/>
+              <a:ext cx="900000" cy="900000"/>
+            </a:xfrm>
+            <a:prstGeom prst="ellipse">
+              <a:avLst/>
+            </a:prstGeom>
+            <a:solidFill>
+              <a:srgbClr val="999999"/>
+            </a:solidFill>
+            <a:ln>
+              <a:noFill/>
+            </a:ln>
+          </p:spPr>
+          <p:style>
+            <a:lnRef idx="2">
+              <a:schemeClr val="accent1">
+                <a:shade val="15000"/>
+              </a:schemeClr>
+            </a:lnRef>
+            <a:fillRef idx="1">
+              <a:schemeClr val="accent1"/>
+            </a:fillRef>
+            <a:effectRef idx="0">
+              <a:schemeClr val="accent1"/>
+            </a:effectRef>
+            <a:fontRef idx="minor">
+              <a:schemeClr val="lt1"/>
+            </a:fontRef>
+          </p:style>
+          <p:txBody>
+            <a:bodyPr rtlCol="0" anchor="ctr"/>
+            <a:lstStyle/>
+            <a:p>
+              <a:pPr algn="ctr"/>
+              <a:endParaRPr lang="fr-CA"/>
+            </a:p>
+          </p:txBody>
+        </p:sp>
+        <p:sp>
+          <p:nvSpPr>
+            <p:cNvPr id="76" name="Oval 75">
+              <a:extLst>
+                <a:ext uri="{FF2B5EF4-FFF2-40B4-BE49-F238E27FC236}">
+                  <a16:creationId xmlns:a16="http://schemas.microsoft.com/office/drawing/2014/main" id="{563A1BE3-227C-3679-2D29-EE0ED4AAF6A9}"/>
+                </a:ext>
+              </a:extLst>
+            </p:cNvPr>
+            <p:cNvSpPr/>
+            <p:nvPr/>
+          </p:nvSpPr>
+          <p:spPr>
+            <a:xfrm>
+              <a:off x="7968600" y="4320000"/>
+              <a:ext cx="900000" cy="900000"/>
+            </a:xfrm>
+            <a:prstGeom prst="ellipse">
+              <a:avLst/>
+            </a:prstGeom>
+            <a:solidFill>
+              <a:srgbClr val="666666"/>
+            </a:solidFill>
+            <a:ln>
+              <a:noFill/>
+            </a:ln>
+          </p:spPr>
+          <p:style>
+            <a:lnRef idx="2">
+              <a:schemeClr val="accent1">
+                <a:shade val="15000"/>
+              </a:schemeClr>
+            </a:lnRef>
+            <a:fillRef idx="1">
+              <a:schemeClr val="accent1"/>
+            </a:fillRef>
+            <a:effectRef idx="0">
+              <a:schemeClr val="accent1"/>
+            </a:effectRef>
+            <a:fontRef idx="minor">
+              <a:schemeClr val="lt1"/>
+            </a:fontRef>
+          </p:style>
+          <p:txBody>
+            <a:bodyPr rtlCol="0" anchor="ctr"/>
+            <a:lstStyle/>
+            <a:p>
+              <a:pPr algn="ctr"/>
+              <a:endParaRPr lang="fr-CA"/>
+            </a:p>
+          </p:txBody>
+        </p:sp>
+        <p:sp>
+          <p:nvSpPr>
+            <p:cNvPr id="77" name="Oval 76">
+              <a:extLst>
+                <a:ext uri="{FF2B5EF4-FFF2-40B4-BE49-F238E27FC236}">
+                  <a16:creationId xmlns:a16="http://schemas.microsoft.com/office/drawing/2014/main" id="{2C8F58FE-4157-5630-E6DE-0C17A433C07A}"/>
+                </a:ext>
+              </a:extLst>
+            </p:cNvPr>
+            <p:cNvSpPr/>
+            <p:nvPr/>
+          </p:nvSpPr>
+          <p:spPr>
+            <a:xfrm>
+              <a:off x="9228600" y="1796013"/>
+              <a:ext cx="900000" cy="900000"/>
+            </a:xfrm>
+            <a:prstGeom prst="ellipse">
+              <a:avLst/>
+            </a:prstGeom>
+            <a:solidFill>
+              <a:srgbClr val="666666"/>
+            </a:solidFill>
+            <a:ln>
+              <a:noFill/>
+            </a:ln>
+          </p:spPr>
+          <p:style>
+            <a:lnRef idx="2">
+              <a:schemeClr val="accent1">
+                <a:shade val="15000"/>
+              </a:schemeClr>
+            </a:lnRef>
+            <a:fillRef idx="1">
+              <a:schemeClr val="accent1"/>
+            </a:fillRef>
+            <a:effectRef idx="0">
+              <a:schemeClr val="accent1"/>
+            </a:effectRef>
+            <a:fontRef idx="minor">
+              <a:schemeClr val="lt1"/>
+            </a:fontRef>
+          </p:style>
+          <p:txBody>
+            <a:bodyPr rtlCol="0" anchor="ctr"/>
+            <a:lstStyle/>
+            <a:p>
+              <a:pPr algn="ctr"/>
+              <a:endParaRPr lang="fr-CA"/>
+            </a:p>
+          </p:txBody>
+        </p:sp>
+        <p:sp>
+          <p:nvSpPr>
+            <p:cNvPr id="84" name="Oval 83">
+              <a:extLst>
+                <a:ext uri="{FF2B5EF4-FFF2-40B4-BE49-F238E27FC236}">
+                  <a16:creationId xmlns:a16="http://schemas.microsoft.com/office/drawing/2014/main" id="{C198B737-ABC1-C762-B81E-95D438867949}"/>
+                </a:ext>
+              </a:extLst>
+            </p:cNvPr>
+            <p:cNvSpPr/>
+            <p:nvPr/>
+          </p:nvSpPr>
+          <p:spPr>
+            <a:xfrm>
+              <a:off x="9228600" y="3060000"/>
+              <a:ext cx="900000" cy="900000"/>
+            </a:xfrm>
+            <a:prstGeom prst="ellipse">
+              <a:avLst/>
+            </a:prstGeom>
+            <a:solidFill>
+              <a:srgbClr val="999999"/>
+            </a:solidFill>
+            <a:ln>
+              <a:noFill/>
+            </a:ln>
+          </p:spPr>
+          <p:style>
+            <a:lnRef idx="2">
+              <a:schemeClr val="accent1">
+                <a:shade val="15000"/>
+              </a:schemeClr>
+            </a:lnRef>
+            <a:fillRef idx="1">
+              <a:schemeClr val="accent1"/>
+            </a:fillRef>
+            <a:effectRef idx="0">
+              <a:schemeClr val="accent1"/>
+            </a:effectRef>
+            <a:fontRef idx="minor">
+              <a:schemeClr val="lt1"/>
+            </a:fontRef>
+          </p:style>
+          <p:txBody>
+            <a:bodyPr rtlCol="0" anchor="ctr"/>
+            <a:lstStyle/>
+            <a:p>
+              <a:pPr algn="ctr"/>
+              <a:endParaRPr lang="fr-CA"/>
+            </a:p>
+          </p:txBody>
+        </p:sp>
+        <p:sp>
+          <p:nvSpPr>
+            <p:cNvPr id="85" name="Oval 84">
+              <a:extLst>
+                <a:ext uri="{FF2B5EF4-FFF2-40B4-BE49-F238E27FC236}">
+                  <a16:creationId xmlns:a16="http://schemas.microsoft.com/office/drawing/2014/main" id="{59A1F453-0F0D-5311-8924-CF7B21886EEF}"/>
+                </a:ext>
+              </a:extLst>
+            </p:cNvPr>
+            <p:cNvSpPr/>
+            <p:nvPr/>
+          </p:nvSpPr>
+          <p:spPr>
+            <a:xfrm>
+              <a:off x="9228600" y="4320000"/>
+              <a:ext cx="900000" cy="900000"/>
+            </a:xfrm>
+            <a:prstGeom prst="ellipse">
+              <a:avLst/>
+            </a:prstGeom>
+            <a:solidFill>
+              <a:srgbClr val="CCCCCC"/>
+            </a:solidFill>
+            <a:ln>
+              <a:noFill/>
+            </a:ln>
+          </p:spPr>
+          <p:style>
+            <a:lnRef idx="2">
+              <a:schemeClr val="accent1">
+                <a:shade val="15000"/>
+              </a:schemeClr>
+            </a:lnRef>
+            <a:fillRef idx="1">
+              <a:schemeClr val="accent1"/>
+            </a:fillRef>
+            <a:effectRef idx="0">
+              <a:schemeClr val="accent1"/>
+            </a:effectRef>
+            <a:fontRef idx="minor">
+              <a:schemeClr val="lt1"/>
+            </a:fontRef>
+          </p:style>
+          <p:txBody>
+            <a:bodyPr rtlCol="0" anchor="ctr"/>
+            <a:lstStyle/>
+            <a:p>
+              <a:pPr algn="ctr"/>
+              <a:endParaRPr lang="fr-CA"/>
+            </a:p>
+          </p:txBody>
+        </p:sp>
+      </p:grpSp>
     </p:spTree>
     <p:extLst>
       <p:ext uri="{BB962C8B-B14F-4D97-AF65-F5344CB8AC3E}">
@@ -10044,10 +11620,10 @@
       </p:grpSp>
       <p:grpSp>
         <p:nvGrpSpPr>
-          <p:cNvPr id="47" name="Group 46">
+          <p:cNvPr id="19" name="Group 18">
             <a:extLst>
               <a:ext uri="{FF2B5EF4-FFF2-40B4-BE49-F238E27FC236}">
-                <a16:creationId xmlns:a16="http://schemas.microsoft.com/office/drawing/2014/main" id="{E962D614-A401-70C3-1239-3AC060A92253}"/>
+                <a16:creationId xmlns:a16="http://schemas.microsoft.com/office/drawing/2014/main" id="{DC138631-3CA8-1604-F0FC-364586555413}"/>
               </a:ext>
             </a:extLst>
           </p:cNvPr>
@@ -10056,18 +11632,18 @@
         </p:nvGrpSpPr>
         <p:grpSpPr>
           <a:xfrm>
-            <a:off x="5183005" y="451610"/>
-            <a:ext cx="2151245" cy="3592076"/>
-            <a:chOff x="5183005" y="451610"/>
-            <a:chExt cx="2151245" cy="3592076"/>
+            <a:off x="692589" y="2253024"/>
+            <a:ext cx="832242" cy="832242"/>
+            <a:chOff x="1611721" y="3648318"/>
+            <a:chExt cx="2440062" cy="2440062"/>
           </a:xfrm>
         </p:grpSpPr>
         <p:sp>
           <p:nvSpPr>
-            <p:cNvPr id="46" name="Oval 45">
+            <p:cNvPr id="20" name="Rectangle 19">
               <a:extLst>
                 <a:ext uri="{FF2B5EF4-FFF2-40B4-BE49-F238E27FC236}">
-                  <a16:creationId xmlns:a16="http://schemas.microsoft.com/office/drawing/2014/main" id="{547D310F-E481-EEAD-DBFF-9F3F94B48743}"/>
+                  <a16:creationId xmlns:a16="http://schemas.microsoft.com/office/drawing/2014/main" id="{C3CE23FB-AFDB-44DC-32D0-55FA939FF209}"/>
                 </a:ext>
               </a:extLst>
             </p:cNvPr>
@@ -10076,8 +11652,1277 @@
           </p:nvSpPr>
           <p:spPr>
             <a:xfrm>
-              <a:off x="5715000" y="2997200"/>
-              <a:ext cx="825500" cy="901700"/>
+              <a:off x="2331720" y="4777740"/>
+              <a:ext cx="1158240" cy="1013460"/>
+            </a:xfrm>
+            <a:prstGeom prst="rect">
+              <a:avLst/>
+            </a:prstGeom>
+            <a:solidFill>
+              <a:srgbClr val="999999"/>
+            </a:solidFill>
+          </p:spPr>
+          <p:style>
+            <a:lnRef idx="2">
+              <a:schemeClr val="accent1">
+                <a:shade val="15000"/>
+              </a:schemeClr>
+            </a:lnRef>
+            <a:fillRef idx="1">
+              <a:schemeClr val="accent1"/>
+            </a:fillRef>
+            <a:effectRef idx="0">
+              <a:schemeClr val="accent1"/>
+            </a:effectRef>
+            <a:fontRef idx="minor">
+              <a:schemeClr val="lt1"/>
+            </a:fontRef>
+          </p:style>
+          <p:txBody>
+            <a:bodyPr rtlCol="0" anchor="ctr"/>
+            <a:lstStyle/>
+            <a:p>
+              <a:pPr algn="ctr"/>
+              <a:endParaRPr lang="fr-CA"/>
+            </a:p>
+          </p:txBody>
+        </p:sp>
+        <p:sp>
+          <p:nvSpPr>
+            <p:cNvPr id="21" name="Rectangle 20">
+              <a:extLst>
+                <a:ext uri="{FF2B5EF4-FFF2-40B4-BE49-F238E27FC236}">
+                  <a16:creationId xmlns:a16="http://schemas.microsoft.com/office/drawing/2014/main" id="{68D04D74-C250-873A-D00A-EC8784736892}"/>
+                </a:ext>
+              </a:extLst>
+            </p:cNvPr>
+            <p:cNvSpPr/>
+            <p:nvPr/>
+          </p:nvSpPr>
+          <p:spPr>
+            <a:xfrm>
+              <a:off x="2103120" y="3764280"/>
+              <a:ext cx="1501140" cy="1013460"/>
+            </a:xfrm>
+            <a:prstGeom prst="rect">
+              <a:avLst/>
+            </a:prstGeom>
+            <a:solidFill>
+              <a:schemeClr val="bg1"/>
+            </a:solidFill>
+          </p:spPr>
+          <p:style>
+            <a:lnRef idx="2">
+              <a:schemeClr val="accent1">
+                <a:shade val="15000"/>
+              </a:schemeClr>
+            </a:lnRef>
+            <a:fillRef idx="1">
+              <a:schemeClr val="accent1"/>
+            </a:fillRef>
+            <a:effectRef idx="0">
+              <a:schemeClr val="accent1"/>
+            </a:effectRef>
+            <a:fontRef idx="minor">
+              <a:schemeClr val="lt1"/>
+            </a:fontRef>
+          </p:style>
+          <p:txBody>
+            <a:bodyPr rtlCol="0" anchor="ctr"/>
+            <a:lstStyle/>
+            <a:p>
+              <a:pPr algn="ctr"/>
+              <a:endParaRPr lang="fr-CA"/>
+            </a:p>
+          </p:txBody>
+        </p:sp>
+        <p:sp>
+          <p:nvSpPr>
+            <p:cNvPr id="22" name="Freeform: Shape 21">
+              <a:extLst>
+                <a:ext uri="{FF2B5EF4-FFF2-40B4-BE49-F238E27FC236}">
+                  <a16:creationId xmlns:a16="http://schemas.microsoft.com/office/drawing/2014/main" id="{737B7A3C-5082-832B-9A9E-575E199D34D6}"/>
+                </a:ext>
+              </a:extLst>
+            </p:cNvPr>
+            <p:cNvSpPr/>
+            <p:nvPr/>
+          </p:nvSpPr>
+          <p:spPr>
+            <a:xfrm>
+              <a:off x="1611721" y="3648318"/>
+              <a:ext cx="2440062" cy="2440062"/>
+            </a:xfrm>
+            <a:custGeom>
+              <a:avLst/>
+              <a:gdLst>
+                <a:gd name="csX0" fmla="*/ 295275 w 647700"/>
+                <a:gd name="csY0" fmla="*/ 400050 h 647700"/>
+                <a:gd name="csX1" fmla="*/ 352425 w 647700"/>
+                <a:gd name="csY1" fmla="*/ 400050 h 647700"/>
+                <a:gd name="csX2" fmla="*/ 352425 w 647700"/>
+                <a:gd name="csY2" fmla="*/ 457200 h 647700"/>
+                <a:gd name="csX3" fmla="*/ 295275 w 647700"/>
+                <a:gd name="csY3" fmla="*/ 457200 h 647700"/>
+                <a:gd name="csX4" fmla="*/ 323850 w 647700"/>
+                <a:gd name="csY4" fmla="*/ 333375 h 647700"/>
+                <a:gd name="csX5" fmla="*/ 228600 w 647700"/>
+                <a:gd name="csY5" fmla="*/ 428625 h 647700"/>
+                <a:gd name="csX6" fmla="*/ 323850 w 647700"/>
+                <a:gd name="csY6" fmla="*/ 523875 h 647700"/>
+                <a:gd name="csX7" fmla="*/ 419100 w 647700"/>
+                <a:gd name="csY7" fmla="*/ 428625 h 647700"/>
+                <a:gd name="csX8" fmla="*/ 323850 w 647700"/>
+                <a:gd name="csY8" fmla="*/ 333375 h 647700"/>
+                <a:gd name="csX9" fmla="*/ 190500 w 647700"/>
+                <a:gd name="csY9" fmla="*/ 95250 h 647700"/>
+                <a:gd name="csX10" fmla="*/ 247650 w 647700"/>
+                <a:gd name="csY10" fmla="*/ 95250 h 647700"/>
+                <a:gd name="csX11" fmla="*/ 247650 w 647700"/>
+                <a:gd name="csY11" fmla="*/ 238125 h 647700"/>
+                <a:gd name="csX12" fmla="*/ 190500 w 647700"/>
+                <a:gd name="csY12" fmla="*/ 238125 h 647700"/>
+                <a:gd name="csX13" fmla="*/ 152400 w 647700"/>
+                <a:gd name="csY13" fmla="*/ 57150 h 647700"/>
+                <a:gd name="csX14" fmla="*/ 152400 w 647700"/>
+                <a:gd name="csY14" fmla="*/ 276225 h 647700"/>
+                <a:gd name="csX15" fmla="*/ 495300 w 647700"/>
+                <a:gd name="csY15" fmla="*/ 276225 h 647700"/>
+                <a:gd name="csX16" fmla="*/ 495300 w 647700"/>
+                <a:gd name="csY16" fmla="*/ 57150 h 647700"/>
+                <a:gd name="csX17" fmla="*/ 95250 w 647700"/>
+                <a:gd name="csY17" fmla="*/ 0 h 647700"/>
+                <a:gd name="csX18" fmla="*/ 152400 w 647700"/>
+                <a:gd name="csY18" fmla="*/ 0 h 647700"/>
+                <a:gd name="csX19" fmla="*/ 495300 w 647700"/>
+                <a:gd name="csY19" fmla="*/ 0 h 647700"/>
+                <a:gd name="csX20" fmla="*/ 609600 w 647700"/>
+                <a:gd name="csY20" fmla="*/ 0 h 647700"/>
+                <a:gd name="csX21" fmla="*/ 647700 w 647700"/>
+                <a:gd name="csY21" fmla="*/ 38100 h 647700"/>
+                <a:gd name="csX22" fmla="*/ 647700 w 647700"/>
+                <a:gd name="csY22" fmla="*/ 609600 h 647700"/>
+                <a:gd name="csX23" fmla="*/ 609600 w 647700"/>
+                <a:gd name="csY23" fmla="*/ 647700 h 647700"/>
+                <a:gd name="csX24" fmla="*/ 38100 w 647700"/>
+                <a:gd name="csY24" fmla="*/ 647700 h 647700"/>
+                <a:gd name="csX25" fmla="*/ 0 w 647700"/>
+                <a:gd name="csY25" fmla="*/ 609600 h 647700"/>
+                <a:gd name="csX26" fmla="*/ 0 w 647700"/>
+                <a:gd name="csY26" fmla="*/ 95250 h 647700"/>
+              </a:gdLst>
+              <a:ahLst/>
+              <a:cxnLst>
+                <a:cxn ang="0">
+                  <a:pos x="csX0" y="csY0"/>
+                </a:cxn>
+                <a:cxn ang="0">
+                  <a:pos x="csX1" y="csY1"/>
+                </a:cxn>
+                <a:cxn ang="0">
+                  <a:pos x="csX2" y="csY2"/>
+                </a:cxn>
+                <a:cxn ang="0">
+                  <a:pos x="csX3" y="csY3"/>
+                </a:cxn>
+                <a:cxn ang="0">
+                  <a:pos x="csX4" y="csY4"/>
+                </a:cxn>
+                <a:cxn ang="0">
+                  <a:pos x="csX5" y="csY5"/>
+                </a:cxn>
+                <a:cxn ang="0">
+                  <a:pos x="csX6" y="csY6"/>
+                </a:cxn>
+                <a:cxn ang="0">
+                  <a:pos x="csX7" y="csY7"/>
+                </a:cxn>
+                <a:cxn ang="0">
+                  <a:pos x="csX8" y="csY8"/>
+                </a:cxn>
+                <a:cxn ang="0">
+                  <a:pos x="csX9" y="csY9"/>
+                </a:cxn>
+                <a:cxn ang="0">
+                  <a:pos x="csX10" y="csY10"/>
+                </a:cxn>
+                <a:cxn ang="0">
+                  <a:pos x="csX11" y="csY11"/>
+                </a:cxn>
+                <a:cxn ang="0">
+                  <a:pos x="csX12" y="csY12"/>
+                </a:cxn>
+                <a:cxn ang="0">
+                  <a:pos x="csX13" y="csY13"/>
+                </a:cxn>
+                <a:cxn ang="0">
+                  <a:pos x="csX14" y="csY14"/>
+                </a:cxn>
+                <a:cxn ang="0">
+                  <a:pos x="csX15" y="csY15"/>
+                </a:cxn>
+                <a:cxn ang="0">
+                  <a:pos x="csX16" y="csY16"/>
+                </a:cxn>
+                <a:cxn ang="0">
+                  <a:pos x="csX17" y="csY17"/>
+                </a:cxn>
+                <a:cxn ang="0">
+                  <a:pos x="csX18" y="csY18"/>
+                </a:cxn>
+                <a:cxn ang="0">
+                  <a:pos x="csX19" y="csY19"/>
+                </a:cxn>
+                <a:cxn ang="0">
+                  <a:pos x="csX20" y="csY20"/>
+                </a:cxn>
+                <a:cxn ang="0">
+                  <a:pos x="csX21" y="csY21"/>
+                </a:cxn>
+                <a:cxn ang="0">
+                  <a:pos x="csX22" y="csY22"/>
+                </a:cxn>
+                <a:cxn ang="0">
+                  <a:pos x="csX23" y="csY23"/>
+                </a:cxn>
+                <a:cxn ang="0">
+                  <a:pos x="csX24" y="csY24"/>
+                </a:cxn>
+                <a:cxn ang="0">
+                  <a:pos x="csX25" y="csY25"/>
+                </a:cxn>
+                <a:cxn ang="0">
+                  <a:pos x="csX26" y="csY26"/>
+                </a:cxn>
+              </a:cxnLst>
+              <a:rect l="l" t="t" r="r" b="b"/>
+              <a:pathLst>
+                <a:path w="647700" h="647700">
+                  <a:moveTo>
+                    <a:pt x="295275" y="400050"/>
+                  </a:moveTo>
+                  <a:lnTo>
+                    <a:pt x="352425" y="400050"/>
+                  </a:lnTo>
+                  <a:lnTo>
+                    <a:pt x="352425" y="457200"/>
+                  </a:lnTo>
+                  <a:lnTo>
+                    <a:pt x="295275" y="457200"/>
+                  </a:lnTo>
+                  <a:close/>
+                  <a:moveTo>
+                    <a:pt x="323850" y="333375"/>
+                  </a:moveTo>
+                  <a:cubicBezTo>
+                    <a:pt x="271463" y="333375"/>
+                    <a:pt x="228600" y="376238"/>
+                    <a:pt x="228600" y="428625"/>
+                  </a:cubicBezTo>
+                  <a:cubicBezTo>
+                    <a:pt x="228600" y="481013"/>
+                    <a:pt x="271463" y="523875"/>
+                    <a:pt x="323850" y="523875"/>
+                  </a:cubicBezTo>
+                  <a:cubicBezTo>
+                    <a:pt x="376238" y="523875"/>
+                    <a:pt x="419100" y="481013"/>
+                    <a:pt x="419100" y="428625"/>
+                  </a:cubicBezTo>
+                  <a:cubicBezTo>
+                    <a:pt x="419100" y="376238"/>
+                    <a:pt x="376238" y="333375"/>
+                    <a:pt x="323850" y="333375"/>
+                  </a:cubicBezTo>
+                  <a:close/>
+                  <a:moveTo>
+                    <a:pt x="190500" y="95250"/>
+                  </a:moveTo>
+                  <a:lnTo>
+                    <a:pt x="247650" y="95250"/>
+                  </a:lnTo>
+                  <a:lnTo>
+                    <a:pt x="247650" y="238125"/>
+                  </a:lnTo>
+                  <a:lnTo>
+                    <a:pt x="190500" y="238125"/>
+                  </a:lnTo>
+                  <a:close/>
+                  <a:moveTo>
+                    <a:pt x="152400" y="57150"/>
+                  </a:moveTo>
+                  <a:lnTo>
+                    <a:pt x="152400" y="276225"/>
+                  </a:lnTo>
+                  <a:lnTo>
+                    <a:pt x="495300" y="276225"/>
+                  </a:lnTo>
+                  <a:lnTo>
+                    <a:pt x="495300" y="57150"/>
+                  </a:lnTo>
+                  <a:close/>
+                  <a:moveTo>
+                    <a:pt x="95250" y="0"/>
+                  </a:moveTo>
+                  <a:lnTo>
+                    <a:pt x="152400" y="0"/>
+                  </a:lnTo>
+                  <a:lnTo>
+                    <a:pt x="495300" y="0"/>
+                  </a:lnTo>
+                  <a:lnTo>
+                    <a:pt x="609600" y="0"/>
+                  </a:lnTo>
+                  <a:cubicBezTo>
+                    <a:pt x="630555" y="0"/>
+                    <a:pt x="647700" y="17145"/>
+                    <a:pt x="647700" y="38100"/>
+                  </a:cubicBezTo>
+                  <a:lnTo>
+                    <a:pt x="647700" y="609600"/>
+                  </a:lnTo>
+                  <a:cubicBezTo>
+                    <a:pt x="647700" y="630555"/>
+                    <a:pt x="630555" y="647700"/>
+                    <a:pt x="609600" y="647700"/>
+                  </a:cubicBezTo>
+                  <a:lnTo>
+                    <a:pt x="38100" y="647700"/>
+                  </a:lnTo>
+                  <a:cubicBezTo>
+                    <a:pt x="17145" y="647700"/>
+                    <a:pt x="0" y="630555"/>
+                    <a:pt x="0" y="609600"/>
+                  </a:cubicBezTo>
+                  <a:lnTo>
+                    <a:pt x="0" y="95250"/>
+                  </a:lnTo>
+                  <a:close/>
+                </a:path>
+              </a:pathLst>
+            </a:custGeom>
+            <a:solidFill>
+              <a:srgbClr val="333333"/>
+            </a:solidFill>
+            <a:ln w="9525" cap="flat">
+              <a:noFill/>
+              <a:prstDash val="solid"/>
+              <a:miter/>
+            </a:ln>
+          </p:spPr>
+          <p:txBody>
+            <a:bodyPr wrap="square">
+              <a:noAutofit/>
+            </a:bodyPr>
+            <a:lstStyle/>
+            <a:p>
+              <a:endParaRPr lang="fr-CA"/>
+            </a:p>
+          </p:txBody>
+        </p:sp>
+      </p:grpSp>
+      <p:grpSp>
+        <p:nvGrpSpPr>
+          <p:cNvPr id="32" name="Group 31">
+            <a:extLst>
+              <a:ext uri="{FF2B5EF4-FFF2-40B4-BE49-F238E27FC236}">
+                <a16:creationId xmlns:a16="http://schemas.microsoft.com/office/drawing/2014/main" id="{62CD0A0B-9942-0265-E9C9-0638152FCD28}"/>
+              </a:ext>
+            </a:extLst>
+          </p:cNvPr>
+          <p:cNvGrpSpPr>
+            <a:grpSpLocks noChangeAspect="1"/>
+          </p:cNvGrpSpPr>
+          <p:nvPr/>
+        </p:nvGrpSpPr>
+        <p:grpSpPr>
+          <a:xfrm>
+            <a:off x="715926" y="3310235"/>
+            <a:ext cx="964747" cy="828000"/>
+            <a:chOff x="3600000" y="2709000"/>
+            <a:chExt cx="2520000" cy="2162806"/>
+          </a:xfrm>
+        </p:grpSpPr>
+        <p:sp>
+          <p:nvSpPr>
+            <p:cNvPr id="33" name="Rectangle 32">
+              <a:extLst>
+                <a:ext uri="{FF2B5EF4-FFF2-40B4-BE49-F238E27FC236}">
+                  <a16:creationId xmlns:a16="http://schemas.microsoft.com/office/drawing/2014/main" id="{A2EB0902-8CD1-43A5-69E3-FCA95DDB8921}"/>
+                </a:ext>
+              </a:extLst>
+            </p:cNvPr>
+            <p:cNvSpPr/>
+            <p:nvPr/>
+          </p:nvSpPr>
+          <p:spPr>
+            <a:xfrm>
+              <a:off x="3600000" y="4149000"/>
+              <a:ext cx="360000" cy="720000"/>
+            </a:xfrm>
+            <a:prstGeom prst="rect">
+              <a:avLst/>
+            </a:prstGeom>
+            <a:solidFill>
+              <a:srgbClr val="333333"/>
+            </a:solidFill>
+            <a:ln>
+              <a:noFill/>
+            </a:ln>
+          </p:spPr>
+          <p:style>
+            <a:lnRef idx="2">
+              <a:schemeClr val="accent1">
+                <a:shade val="15000"/>
+              </a:schemeClr>
+            </a:lnRef>
+            <a:fillRef idx="1">
+              <a:schemeClr val="accent1"/>
+            </a:fillRef>
+            <a:effectRef idx="0">
+              <a:schemeClr val="accent1"/>
+            </a:effectRef>
+            <a:fontRef idx="minor">
+              <a:schemeClr val="lt1"/>
+            </a:fontRef>
+          </p:style>
+          <p:txBody>
+            <a:bodyPr rtlCol="0" anchor="ctr"/>
+            <a:lstStyle/>
+            <a:p>
+              <a:pPr algn="ctr"/>
+              <a:endParaRPr lang="fr-CA"/>
+            </a:p>
+          </p:txBody>
+        </p:sp>
+        <p:sp>
+          <p:nvSpPr>
+            <p:cNvPr id="34" name="Rectangle 33">
+              <a:extLst>
+                <a:ext uri="{FF2B5EF4-FFF2-40B4-BE49-F238E27FC236}">
+                  <a16:creationId xmlns:a16="http://schemas.microsoft.com/office/drawing/2014/main" id="{CC308CC2-2771-4183-D982-ECAD4868C217}"/>
+                </a:ext>
+              </a:extLst>
+            </p:cNvPr>
+            <p:cNvSpPr/>
+            <p:nvPr/>
+          </p:nvSpPr>
+          <p:spPr>
+            <a:xfrm>
+              <a:off x="4140000" y="3789000"/>
+              <a:ext cx="360000" cy="1080000"/>
+            </a:xfrm>
+            <a:prstGeom prst="rect">
+              <a:avLst/>
+            </a:prstGeom>
+            <a:solidFill>
+              <a:srgbClr val="666666"/>
+            </a:solidFill>
+            <a:ln>
+              <a:noFill/>
+            </a:ln>
+          </p:spPr>
+          <p:style>
+            <a:lnRef idx="2">
+              <a:schemeClr val="accent1">
+                <a:shade val="15000"/>
+              </a:schemeClr>
+            </a:lnRef>
+            <a:fillRef idx="1">
+              <a:schemeClr val="accent1"/>
+            </a:fillRef>
+            <a:effectRef idx="0">
+              <a:schemeClr val="accent1"/>
+            </a:effectRef>
+            <a:fontRef idx="minor">
+              <a:schemeClr val="lt1"/>
+            </a:fontRef>
+          </p:style>
+          <p:txBody>
+            <a:bodyPr rtlCol="0" anchor="ctr"/>
+            <a:lstStyle/>
+            <a:p>
+              <a:pPr algn="ctr"/>
+              <a:endParaRPr lang="fr-CA"/>
+            </a:p>
+          </p:txBody>
+        </p:sp>
+        <p:sp>
+          <p:nvSpPr>
+            <p:cNvPr id="35" name="Rectangle 34">
+              <a:extLst>
+                <a:ext uri="{FF2B5EF4-FFF2-40B4-BE49-F238E27FC236}">
+                  <a16:creationId xmlns:a16="http://schemas.microsoft.com/office/drawing/2014/main" id="{825F8DC2-7C87-18F8-1DBE-C1CFA875FDCE}"/>
+                </a:ext>
+              </a:extLst>
+            </p:cNvPr>
+            <p:cNvSpPr/>
+            <p:nvPr/>
+          </p:nvSpPr>
+          <p:spPr>
+            <a:xfrm>
+              <a:off x="4680000" y="3429000"/>
+              <a:ext cx="360000" cy="1440000"/>
+            </a:xfrm>
+            <a:prstGeom prst="rect">
+              <a:avLst/>
+            </a:prstGeom>
+            <a:solidFill>
+              <a:srgbClr val="999999"/>
+            </a:solidFill>
+            <a:ln>
+              <a:noFill/>
+            </a:ln>
+          </p:spPr>
+          <p:style>
+            <a:lnRef idx="2">
+              <a:schemeClr val="accent1">
+                <a:shade val="15000"/>
+              </a:schemeClr>
+            </a:lnRef>
+            <a:fillRef idx="1">
+              <a:schemeClr val="accent1"/>
+            </a:fillRef>
+            <a:effectRef idx="0">
+              <a:schemeClr val="accent1"/>
+            </a:effectRef>
+            <a:fontRef idx="minor">
+              <a:schemeClr val="lt1"/>
+            </a:fontRef>
+          </p:style>
+          <p:txBody>
+            <a:bodyPr rtlCol="0" anchor="ctr"/>
+            <a:lstStyle/>
+            <a:p>
+              <a:pPr algn="ctr"/>
+              <a:endParaRPr lang="fr-CA"/>
+            </a:p>
+          </p:txBody>
+        </p:sp>
+        <p:sp>
+          <p:nvSpPr>
+            <p:cNvPr id="36" name="Rectangle 35">
+              <a:extLst>
+                <a:ext uri="{FF2B5EF4-FFF2-40B4-BE49-F238E27FC236}">
+                  <a16:creationId xmlns:a16="http://schemas.microsoft.com/office/drawing/2014/main" id="{84F7DEDF-245A-6216-5C41-1D30AE540C82}"/>
+                </a:ext>
+              </a:extLst>
+            </p:cNvPr>
+            <p:cNvSpPr/>
+            <p:nvPr/>
+          </p:nvSpPr>
+          <p:spPr>
+            <a:xfrm>
+              <a:off x="5220000" y="3071806"/>
+              <a:ext cx="360000" cy="1800000"/>
+            </a:xfrm>
+            <a:prstGeom prst="rect">
+              <a:avLst/>
+            </a:prstGeom>
+            <a:solidFill>
+              <a:srgbClr val="CCCCCC"/>
+            </a:solidFill>
+            <a:ln>
+              <a:noFill/>
+            </a:ln>
+          </p:spPr>
+          <p:style>
+            <a:lnRef idx="2">
+              <a:schemeClr val="accent1">
+                <a:shade val="15000"/>
+              </a:schemeClr>
+            </a:lnRef>
+            <a:fillRef idx="1">
+              <a:schemeClr val="accent1"/>
+            </a:fillRef>
+            <a:effectRef idx="0">
+              <a:schemeClr val="accent1"/>
+            </a:effectRef>
+            <a:fontRef idx="minor">
+              <a:schemeClr val="lt1"/>
+            </a:fontRef>
+          </p:style>
+          <p:txBody>
+            <a:bodyPr rtlCol="0" anchor="ctr"/>
+            <a:lstStyle/>
+            <a:p>
+              <a:pPr algn="ctr"/>
+              <a:endParaRPr lang="fr-CA"/>
+            </a:p>
+          </p:txBody>
+        </p:sp>
+        <p:sp>
+          <p:nvSpPr>
+            <p:cNvPr id="37" name="Rectangle 36">
+              <a:extLst>
+                <a:ext uri="{FF2B5EF4-FFF2-40B4-BE49-F238E27FC236}">
+                  <a16:creationId xmlns:a16="http://schemas.microsoft.com/office/drawing/2014/main" id="{D23A2FF0-536B-6AFA-2608-72AC2B3D2C34}"/>
+                </a:ext>
+              </a:extLst>
+            </p:cNvPr>
+            <p:cNvSpPr/>
+            <p:nvPr/>
+          </p:nvSpPr>
+          <p:spPr>
+            <a:xfrm>
+              <a:off x="5760000" y="2709000"/>
+              <a:ext cx="360000" cy="2160000"/>
+            </a:xfrm>
+            <a:prstGeom prst="rect">
+              <a:avLst/>
+            </a:prstGeom>
+            <a:solidFill>
+              <a:srgbClr val="FFFFFF"/>
+            </a:solidFill>
+            <a:ln>
+              <a:noFill/>
+            </a:ln>
+          </p:spPr>
+          <p:style>
+            <a:lnRef idx="2">
+              <a:schemeClr val="accent1">
+                <a:shade val="15000"/>
+              </a:schemeClr>
+            </a:lnRef>
+            <a:fillRef idx="1">
+              <a:schemeClr val="accent1"/>
+            </a:fillRef>
+            <a:effectRef idx="0">
+              <a:schemeClr val="accent1"/>
+            </a:effectRef>
+            <a:fontRef idx="minor">
+              <a:schemeClr val="lt1"/>
+            </a:fontRef>
+          </p:style>
+          <p:txBody>
+            <a:bodyPr rtlCol="0" anchor="ctr"/>
+            <a:lstStyle/>
+            <a:p>
+              <a:pPr algn="ctr"/>
+              <a:endParaRPr lang="fr-CA"/>
+            </a:p>
+          </p:txBody>
+        </p:sp>
+      </p:grpSp>
+      <p:grpSp>
+        <p:nvGrpSpPr>
+          <p:cNvPr id="52" name="Group 51">
+            <a:extLst>
+              <a:ext uri="{FF2B5EF4-FFF2-40B4-BE49-F238E27FC236}">
+                <a16:creationId xmlns:a16="http://schemas.microsoft.com/office/drawing/2014/main" id="{8A14AC3F-6CFC-1346-3FA4-65BEC42BEE9B}"/>
+              </a:ext>
+            </a:extLst>
+          </p:cNvPr>
+          <p:cNvGrpSpPr/>
+          <p:nvPr/>
+        </p:nvGrpSpPr>
+        <p:grpSpPr>
+          <a:xfrm>
+            <a:off x="4382930" y="1044131"/>
+            <a:ext cx="5745670" cy="4194779"/>
+            <a:chOff x="4382930" y="1044131"/>
+            <a:chExt cx="5745670" cy="4194779"/>
+          </a:xfrm>
+        </p:grpSpPr>
+        <p:sp>
+          <p:nvSpPr>
+            <p:cNvPr id="38" name="Oval 37">
+              <a:extLst>
+                <a:ext uri="{FF2B5EF4-FFF2-40B4-BE49-F238E27FC236}">
+                  <a16:creationId xmlns:a16="http://schemas.microsoft.com/office/drawing/2014/main" id="{FCCF40CD-B47D-D594-0383-1B6D32B1BCCB}"/>
+                </a:ext>
+              </a:extLst>
+            </p:cNvPr>
+            <p:cNvSpPr/>
+            <p:nvPr/>
+          </p:nvSpPr>
+          <p:spPr>
+            <a:xfrm>
+              <a:off x="5372454" y="3449130"/>
+              <a:ext cx="1238865" cy="1447335"/>
+            </a:xfrm>
+            <a:prstGeom prst="ellipse">
+              <a:avLst/>
+            </a:prstGeom>
+            <a:solidFill>
+              <a:srgbClr val="333333"/>
+            </a:solidFill>
+          </p:spPr>
+          <p:style>
+            <a:lnRef idx="2">
+              <a:schemeClr val="accent1">
+                <a:shade val="15000"/>
+              </a:schemeClr>
+            </a:lnRef>
+            <a:fillRef idx="1">
+              <a:schemeClr val="accent1"/>
+            </a:fillRef>
+            <a:effectRef idx="0">
+              <a:schemeClr val="accent1"/>
+            </a:effectRef>
+            <a:fontRef idx="minor">
+              <a:schemeClr val="lt1"/>
+            </a:fontRef>
+          </p:style>
+          <p:txBody>
+            <a:bodyPr rtlCol="0" anchor="ctr"/>
+            <a:lstStyle/>
+            <a:p>
+              <a:pPr algn="ctr"/>
+              <a:endParaRPr lang="fr-CA"/>
+            </a:p>
+          </p:txBody>
+        </p:sp>
+        <p:sp>
+          <p:nvSpPr>
+            <p:cNvPr id="18" name="Graphic 14" descr="Lock with solid fill">
+              <a:extLst>
+                <a:ext uri="{FF2B5EF4-FFF2-40B4-BE49-F238E27FC236}">
+                  <a16:creationId xmlns:a16="http://schemas.microsoft.com/office/drawing/2014/main" id="{B8CC38D9-BE96-77C7-FE14-B6EDB06094BA}"/>
+                </a:ext>
+              </a:extLst>
+            </p:cNvPr>
+            <p:cNvSpPr/>
+            <p:nvPr/>
+          </p:nvSpPr>
+          <p:spPr>
+            <a:xfrm>
+              <a:off x="4382930" y="1044131"/>
+              <a:ext cx="3217913" cy="4194779"/>
+            </a:xfrm>
+            <a:custGeom>
+              <a:avLst/>
+              <a:gdLst>
+                <a:gd name="csX0" fmla="*/ 285750 w 533400"/>
+                <a:gd name="csY0" fmla="*/ 549593 h 695325"/>
+                <a:gd name="csX1" fmla="*/ 285750 w 533400"/>
+                <a:gd name="csY1" fmla="*/ 600075 h 695325"/>
+                <a:gd name="csX2" fmla="*/ 247650 w 533400"/>
+                <a:gd name="csY2" fmla="*/ 600075 h 695325"/>
+                <a:gd name="csX3" fmla="*/ 247650 w 533400"/>
+                <a:gd name="csY3" fmla="*/ 549593 h 695325"/>
+                <a:gd name="csX4" fmla="*/ 209550 w 533400"/>
+                <a:gd name="csY4" fmla="*/ 495300 h 695325"/>
+                <a:gd name="csX5" fmla="*/ 266700 w 533400"/>
+                <a:gd name="csY5" fmla="*/ 438150 h 695325"/>
+                <a:gd name="csX6" fmla="*/ 323850 w 533400"/>
+                <a:gd name="csY6" fmla="*/ 495300 h 695325"/>
+                <a:gd name="csX7" fmla="*/ 285750 w 533400"/>
+                <a:gd name="csY7" fmla="*/ 549593 h 695325"/>
+                <a:gd name="csX8" fmla="*/ 123825 w 533400"/>
+                <a:gd name="csY8" fmla="*/ 200025 h 695325"/>
+                <a:gd name="csX9" fmla="*/ 266700 w 533400"/>
+                <a:gd name="csY9" fmla="*/ 57150 h 695325"/>
+                <a:gd name="csX10" fmla="*/ 409575 w 533400"/>
+                <a:gd name="csY10" fmla="*/ 200025 h 695325"/>
+                <a:gd name="csX11" fmla="*/ 409575 w 533400"/>
+                <a:gd name="csY11" fmla="*/ 305753 h 695325"/>
+                <a:gd name="csX12" fmla="*/ 266700 w 533400"/>
+                <a:gd name="csY12" fmla="*/ 295275 h 695325"/>
+                <a:gd name="csX13" fmla="*/ 123825 w 533400"/>
+                <a:gd name="csY13" fmla="*/ 305753 h 695325"/>
+                <a:gd name="csX14" fmla="*/ 123825 w 533400"/>
+                <a:gd name="csY14" fmla="*/ 200025 h 695325"/>
+                <a:gd name="csX15" fmla="*/ 466725 w 533400"/>
+                <a:gd name="csY15" fmla="*/ 309563 h 695325"/>
+                <a:gd name="csX16" fmla="*/ 466725 w 533400"/>
+                <a:gd name="csY16" fmla="*/ 200025 h 695325"/>
+                <a:gd name="csX17" fmla="*/ 266700 w 533400"/>
+                <a:gd name="csY17" fmla="*/ 0 h 695325"/>
+                <a:gd name="csX18" fmla="*/ 66675 w 533400"/>
+                <a:gd name="csY18" fmla="*/ 200025 h 695325"/>
+                <a:gd name="csX19" fmla="*/ 66675 w 533400"/>
+                <a:gd name="csY19" fmla="*/ 309563 h 695325"/>
+                <a:gd name="csX20" fmla="*/ 0 w 533400"/>
+                <a:gd name="csY20" fmla="*/ 314325 h 695325"/>
+                <a:gd name="csX21" fmla="*/ 0 w 533400"/>
+                <a:gd name="csY21" fmla="*/ 676275 h 695325"/>
+                <a:gd name="csX22" fmla="*/ 266700 w 533400"/>
+                <a:gd name="csY22" fmla="*/ 695325 h 695325"/>
+                <a:gd name="csX23" fmla="*/ 533400 w 533400"/>
+                <a:gd name="csY23" fmla="*/ 676275 h 695325"/>
+                <a:gd name="csX24" fmla="*/ 533400 w 533400"/>
+                <a:gd name="csY24" fmla="*/ 314325 h 695325"/>
+                <a:gd name="csX25" fmla="*/ 466725 w 533400"/>
+                <a:gd name="csY25" fmla="*/ 309563 h 695325"/>
+              </a:gdLst>
+              <a:ahLst/>
+              <a:cxnLst>
+                <a:cxn ang="0">
+                  <a:pos x="csX0" y="csY0"/>
+                </a:cxn>
+                <a:cxn ang="0">
+                  <a:pos x="csX1" y="csY1"/>
+                </a:cxn>
+                <a:cxn ang="0">
+                  <a:pos x="csX2" y="csY2"/>
+                </a:cxn>
+                <a:cxn ang="0">
+                  <a:pos x="csX3" y="csY3"/>
+                </a:cxn>
+                <a:cxn ang="0">
+                  <a:pos x="csX4" y="csY4"/>
+                </a:cxn>
+                <a:cxn ang="0">
+                  <a:pos x="csX5" y="csY5"/>
+                </a:cxn>
+                <a:cxn ang="0">
+                  <a:pos x="csX6" y="csY6"/>
+                </a:cxn>
+                <a:cxn ang="0">
+                  <a:pos x="csX7" y="csY7"/>
+                </a:cxn>
+                <a:cxn ang="0">
+                  <a:pos x="csX8" y="csY8"/>
+                </a:cxn>
+                <a:cxn ang="0">
+                  <a:pos x="csX9" y="csY9"/>
+                </a:cxn>
+                <a:cxn ang="0">
+                  <a:pos x="csX10" y="csY10"/>
+                </a:cxn>
+                <a:cxn ang="0">
+                  <a:pos x="csX11" y="csY11"/>
+                </a:cxn>
+                <a:cxn ang="0">
+                  <a:pos x="csX12" y="csY12"/>
+                </a:cxn>
+                <a:cxn ang="0">
+                  <a:pos x="csX13" y="csY13"/>
+                </a:cxn>
+                <a:cxn ang="0">
+                  <a:pos x="csX14" y="csY14"/>
+                </a:cxn>
+                <a:cxn ang="0">
+                  <a:pos x="csX15" y="csY15"/>
+                </a:cxn>
+                <a:cxn ang="0">
+                  <a:pos x="csX16" y="csY16"/>
+                </a:cxn>
+                <a:cxn ang="0">
+                  <a:pos x="csX17" y="csY17"/>
+                </a:cxn>
+                <a:cxn ang="0">
+                  <a:pos x="csX18" y="csY18"/>
+                </a:cxn>
+                <a:cxn ang="0">
+                  <a:pos x="csX19" y="csY19"/>
+                </a:cxn>
+                <a:cxn ang="0">
+                  <a:pos x="csX20" y="csY20"/>
+                </a:cxn>
+                <a:cxn ang="0">
+                  <a:pos x="csX21" y="csY21"/>
+                </a:cxn>
+                <a:cxn ang="0">
+                  <a:pos x="csX22" y="csY22"/>
+                </a:cxn>
+                <a:cxn ang="0">
+                  <a:pos x="csX23" y="csY23"/>
+                </a:cxn>
+                <a:cxn ang="0">
+                  <a:pos x="csX24" y="csY24"/>
+                </a:cxn>
+                <a:cxn ang="0">
+                  <a:pos x="csX25" y="csY25"/>
+                </a:cxn>
+              </a:cxnLst>
+              <a:rect l="l" t="t" r="r" b="b"/>
+              <a:pathLst>
+                <a:path w="533400" h="695325">
+                  <a:moveTo>
+                    <a:pt x="285750" y="549593"/>
+                  </a:moveTo>
+                  <a:lnTo>
+                    <a:pt x="285750" y="600075"/>
+                  </a:lnTo>
+                  <a:lnTo>
+                    <a:pt x="247650" y="600075"/>
+                  </a:lnTo>
+                  <a:lnTo>
+                    <a:pt x="247650" y="549593"/>
+                  </a:lnTo>
+                  <a:cubicBezTo>
+                    <a:pt x="225743" y="541973"/>
+                    <a:pt x="209550" y="521017"/>
+                    <a:pt x="209550" y="495300"/>
+                  </a:cubicBezTo>
+                  <a:cubicBezTo>
+                    <a:pt x="209550" y="463868"/>
+                    <a:pt x="235268" y="438150"/>
+                    <a:pt x="266700" y="438150"/>
+                  </a:cubicBezTo>
+                  <a:cubicBezTo>
+                    <a:pt x="298133" y="438150"/>
+                    <a:pt x="323850" y="463868"/>
+                    <a:pt x="323850" y="495300"/>
+                  </a:cubicBezTo>
+                  <a:cubicBezTo>
+                    <a:pt x="323850" y="520065"/>
+                    <a:pt x="307658" y="541020"/>
+                    <a:pt x="285750" y="549593"/>
+                  </a:cubicBezTo>
+                  <a:close/>
+                  <a:moveTo>
+                    <a:pt x="123825" y="200025"/>
+                  </a:moveTo>
+                  <a:cubicBezTo>
+                    <a:pt x="123825" y="120968"/>
+                    <a:pt x="187643" y="57150"/>
+                    <a:pt x="266700" y="57150"/>
+                  </a:cubicBezTo>
+                  <a:cubicBezTo>
+                    <a:pt x="345758" y="57150"/>
+                    <a:pt x="409575" y="120968"/>
+                    <a:pt x="409575" y="200025"/>
+                  </a:cubicBezTo>
+                  <a:lnTo>
+                    <a:pt x="409575" y="305753"/>
+                  </a:lnTo>
+                  <a:lnTo>
+                    <a:pt x="266700" y="295275"/>
+                  </a:lnTo>
+                  <a:lnTo>
+                    <a:pt x="123825" y="305753"/>
+                  </a:lnTo>
+                  <a:lnTo>
+                    <a:pt x="123825" y="200025"/>
+                  </a:lnTo>
+                  <a:close/>
+                  <a:moveTo>
+                    <a:pt x="466725" y="309563"/>
+                  </a:moveTo>
+                  <a:lnTo>
+                    <a:pt x="466725" y="200025"/>
+                  </a:lnTo>
+                  <a:cubicBezTo>
+                    <a:pt x="466725" y="89535"/>
+                    <a:pt x="377190" y="0"/>
+                    <a:pt x="266700" y="0"/>
+                  </a:cubicBezTo>
+                  <a:cubicBezTo>
+                    <a:pt x="156210" y="0"/>
+                    <a:pt x="66675" y="89535"/>
+                    <a:pt x="66675" y="200025"/>
+                  </a:cubicBezTo>
+                  <a:lnTo>
+                    <a:pt x="66675" y="309563"/>
+                  </a:lnTo>
+                  <a:lnTo>
+                    <a:pt x="0" y="314325"/>
+                  </a:lnTo>
+                  <a:lnTo>
+                    <a:pt x="0" y="676275"/>
+                  </a:lnTo>
+                  <a:lnTo>
+                    <a:pt x="266700" y="695325"/>
+                  </a:lnTo>
+                  <a:lnTo>
+                    <a:pt x="533400" y="676275"/>
+                  </a:lnTo>
+                  <a:lnTo>
+                    <a:pt x="533400" y="314325"/>
+                  </a:lnTo>
+                  <a:lnTo>
+                    <a:pt x="466725" y="309563"/>
+                  </a:lnTo>
+                  <a:close/>
+                </a:path>
+              </a:pathLst>
+            </a:custGeom>
+            <a:solidFill>
+              <a:srgbClr val="CCCCCC"/>
+            </a:solidFill>
+            <a:ln w="9525" cap="flat">
+              <a:noFill/>
+              <a:prstDash val="solid"/>
+              <a:miter/>
+            </a:ln>
+          </p:spPr>
+          <p:txBody>
+            <a:bodyPr/>
+            <a:lstStyle/>
+            <a:p>
+              <a:endParaRPr lang="fr-CA"/>
+            </a:p>
+          </p:txBody>
+        </p:sp>
+        <p:sp>
+          <p:nvSpPr>
+            <p:cNvPr id="39" name="Rectangle 38">
+              <a:extLst>
+                <a:ext uri="{FF2B5EF4-FFF2-40B4-BE49-F238E27FC236}">
+                  <a16:creationId xmlns:a16="http://schemas.microsoft.com/office/drawing/2014/main" id="{5EFB7B8E-5BA1-39B3-ADF6-1C6E121518EC}"/>
+                </a:ext>
+              </a:extLst>
+            </p:cNvPr>
+            <p:cNvSpPr/>
+            <p:nvPr/>
+          </p:nvSpPr>
+          <p:spPr>
+            <a:xfrm>
+              <a:off x="4738785" y="2982771"/>
+              <a:ext cx="2506202" cy="36000"/>
+            </a:xfrm>
+            <a:prstGeom prst="rect">
+              <a:avLst/>
+            </a:prstGeom>
+            <a:solidFill>
+              <a:srgbClr val="999999"/>
+            </a:solidFill>
+            <a:ln>
+              <a:noFill/>
+            </a:ln>
+          </p:spPr>
+          <p:style>
+            <a:lnRef idx="2">
+              <a:schemeClr val="accent1">
+                <a:shade val="15000"/>
+              </a:schemeClr>
+            </a:lnRef>
+            <a:fillRef idx="1">
+              <a:schemeClr val="accent1"/>
+            </a:fillRef>
+            <a:effectRef idx="0">
+              <a:schemeClr val="accent1"/>
+            </a:effectRef>
+            <a:fontRef idx="minor">
+              <a:schemeClr val="lt1"/>
+            </a:fontRef>
+          </p:style>
+          <p:txBody>
+            <a:bodyPr rtlCol="0" anchor="ctr"/>
+            <a:lstStyle/>
+            <a:p>
+              <a:pPr algn="ctr"/>
+              <a:endParaRPr lang="fr-CA"/>
+            </a:p>
+          </p:txBody>
+        </p:sp>
+        <p:sp>
+          <p:nvSpPr>
+            <p:cNvPr id="40" name="Rectangle 39">
+              <a:extLst>
+                <a:ext uri="{FF2B5EF4-FFF2-40B4-BE49-F238E27FC236}">
+                  <a16:creationId xmlns:a16="http://schemas.microsoft.com/office/drawing/2014/main" id="{1C642BA4-9B7E-DE52-50E9-F2D82D3BD3D6}"/>
+                </a:ext>
+              </a:extLst>
+            </p:cNvPr>
+            <p:cNvSpPr/>
+            <p:nvPr/>
+          </p:nvSpPr>
+          <p:spPr>
+            <a:xfrm>
+              <a:off x="4738785" y="3292458"/>
+              <a:ext cx="2506202" cy="36000"/>
+            </a:xfrm>
+            <a:prstGeom prst="rect">
+              <a:avLst/>
+            </a:prstGeom>
+            <a:solidFill>
+              <a:srgbClr val="999999"/>
+            </a:solidFill>
+            <a:ln>
+              <a:noFill/>
+            </a:ln>
+          </p:spPr>
+          <p:style>
+            <a:lnRef idx="2">
+              <a:schemeClr val="accent1">
+                <a:shade val="15000"/>
+              </a:schemeClr>
+            </a:lnRef>
+            <a:fillRef idx="1">
+              <a:schemeClr val="accent1"/>
+            </a:fillRef>
+            <a:effectRef idx="0">
+              <a:schemeClr val="accent1"/>
+            </a:effectRef>
+            <a:fontRef idx="minor">
+              <a:schemeClr val="lt1"/>
+            </a:fontRef>
+          </p:style>
+          <p:txBody>
+            <a:bodyPr rtlCol="0" anchor="ctr"/>
+            <a:lstStyle/>
+            <a:p>
+              <a:pPr algn="ctr"/>
+              <a:endParaRPr lang="fr-CA"/>
+            </a:p>
+          </p:txBody>
+        </p:sp>
+        <p:sp>
+          <p:nvSpPr>
+            <p:cNvPr id="41" name="Rectangle 40">
+              <a:extLst>
+                <a:ext uri="{FF2B5EF4-FFF2-40B4-BE49-F238E27FC236}">
+                  <a16:creationId xmlns:a16="http://schemas.microsoft.com/office/drawing/2014/main" id="{24B35E88-C14E-B687-3ED1-C18AE914BF74}"/>
+                </a:ext>
+              </a:extLst>
+            </p:cNvPr>
+            <p:cNvSpPr/>
+            <p:nvPr/>
+          </p:nvSpPr>
+          <p:spPr>
+            <a:xfrm>
+              <a:off x="4738785" y="4838668"/>
+              <a:ext cx="2506202" cy="36000"/>
+            </a:xfrm>
+            <a:prstGeom prst="rect">
+              <a:avLst/>
+            </a:prstGeom>
+            <a:solidFill>
+              <a:srgbClr val="999999"/>
+            </a:solidFill>
+            <a:ln>
+              <a:noFill/>
+            </a:ln>
+          </p:spPr>
+          <p:style>
+            <a:lnRef idx="2">
+              <a:schemeClr val="accent1">
+                <a:shade val="15000"/>
+              </a:schemeClr>
+            </a:lnRef>
+            <a:fillRef idx="1">
+              <a:schemeClr val="accent1"/>
+            </a:fillRef>
+            <a:effectRef idx="0">
+              <a:schemeClr val="accent1"/>
+            </a:effectRef>
+            <a:fontRef idx="minor">
+              <a:schemeClr val="lt1"/>
+            </a:fontRef>
+          </p:style>
+          <p:txBody>
+            <a:bodyPr rtlCol="0" anchor="ctr"/>
+            <a:lstStyle/>
+            <a:p>
+              <a:pPr algn="ctr"/>
+              <a:endParaRPr lang="fr-CA"/>
+            </a:p>
+          </p:txBody>
+        </p:sp>
+        <p:sp>
+          <p:nvSpPr>
+            <p:cNvPr id="42" name="Rectangle 41">
+              <a:extLst>
+                <a:ext uri="{FF2B5EF4-FFF2-40B4-BE49-F238E27FC236}">
+                  <a16:creationId xmlns:a16="http://schemas.microsoft.com/office/drawing/2014/main" id="{C088647A-A711-A0FB-8982-346A2DDE1328}"/>
+                </a:ext>
+              </a:extLst>
+            </p:cNvPr>
+            <p:cNvSpPr/>
+            <p:nvPr/>
+          </p:nvSpPr>
+          <p:spPr>
+            <a:xfrm>
+              <a:off x="4738785" y="3602146"/>
+              <a:ext cx="2506202" cy="36000"/>
+            </a:xfrm>
+            <a:prstGeom prst="rect">
+              <a:avLst/>
+            </a:prstGeom>
+            <a:solidFill>
+              <a:srgbClr val="999999"/>
+            </a:solidFill>
+            <a:ln>
+              <a:noFill/>
+            </a:ln>
+          </p:spPr>
+          <p:style>
+            <a:lnRef idx="2">
+              <a:schemeClr val="accent1">
+                <a:shade val="15000"/>
+              </a:schemeClr>
+            </a:lnRef>
+            <a:fillRef idx="1">
+              <a:schemeClr val="accent1"/>
+            </a:fillRef>
+            <a:effectRef idx="0">
+              <a:schemeClr val="accent1"/>
+            </a:effectRef>
+            <a:fontRef idx="minor">
+              <a:schemeClr val="lt1"/>
+            </a:fontRef>
+          </p:style>
+          <p:txBody>
+            <a:bodyPr rtlCol="0" anchor="ctr"/>
+            <a:lstStyle/>
+            <a:p>
+              <a:pPr algn="ctr"/>
+              <a:endParaRPr lang="fr-CA"/>
+            </a:p>
+          </p:txBody>
+        </p:sp>
+        <p:sp>
+          <p:nvSpPr>
+            <p:cNvPr id="43" name="Oval 42">
+              <a:extLst>
+                <a:ext uri="{FF2B5EF4-FFF2-40B4-BE49-F238E27FC236}">
+                  <a16:creationId xmlns:a16="http://schemas.microsoft.com/office/drawing/2014/main" id="{9E42FD7D-AD45-A441-ACFB-4D8B0159775F}"/>
+                </a:ext>
+              </a:extLst>
+            </p:cNvPr>
+            <p:cNvSpPr/>
+            <p:nvPr/>
+          </p:nvSpPr>
+          <p:spPr>
+            <a:xfrm>
+              <a:off x="7968600" y="1794206"/>
+              <a:ext cx="900000" cy="900000"/>
+            </a:xfrm>
+            <a:prstGeom prst="ellipse">
+              <a:avLst/>
+            </a:prstGeom>
+            <a:solidFill>
+              <a:srgbClr val="CCCCCC"/>
+            </a:solidFill>
+            <a:ln>
+              <a:noFill/>
+            </a:ln>
+          </p:spPr>
+          <p:style>
+            <a:lnRef idx="2">
+              <a:schemeClr val="accent1">
+                <a:shade val="15000"/>
+              </a:schemeClr>
+            </a:lnRef>
+            <a:fillRef idx="1">
+              <a:schemeClr val="accent1"/>
+            </a:fillRef>
+            <a:effectRef idx="0">
+              <a:schemeClr val="accent1"/>
+            </a:effectRef>
+            <a:fontRef idx="minor">
+              <a:schemeClr val="lt1"/>
+            </a:fontRef>
+          </p:style>
+          <p:txBody>
+            <a:bodyPr rtlCol="0" anchor="ctr"/>
+            <a:lstStyle/>
+            <a:p>
+              <a:pPr algn="ctr"/>
+              <a:endParaRPr lang="fr-CA"/>
+            </a:p>
+          </p:txBody>
+        </p:sp>
+        <p:sp>
+          <p:nvSpPr>
+            <p:cNvPr id="44" name="Oval 43">
+              <a:extLst>
+                <a:ext uri="{FF2B5EF4-FFF2-40B4-BE49-F238E27FC236}">
+                  <a16:creationId xmlns:a16="http://schemas.microsoft.com/office/drawing/2014/main" id="{8B7DC458-6DB1-7677-E96E-D692A1AAF244}"/>
+                </a:ext>
+              </a:extLst>
+            </p:cNvPr>
+            <p:cNvSpPr/>
+            <p:nvPr/>
+          </p:nvSpPr>
+          <p:spPr>
+            <a:xfrm>
+              <a:off x="7968600" y="3057103"/>
+              <a:ext cx="900000" cy="900000"/>
             </a:xfrm>
             <a:prstGeom prst="ellipse">
               <a:avLst/>
@@ -10114,879 +12959,214 @@
             </a:p>
           </p:txBody>
         </p:sp>
-        <p:grpSp>
-          <p:nvGrpSpPr>
-            <p:cNvPr id="45" name="Group 44">
+        <p:sp>
+          <p:nvSpPr>
+            <p:cNvPr id="48" name="Oval 47">
               <a:extLst>
                 <a:ext uri="{FF2B5EF4-FFF2-40B4-BE49-F238E27FC236}">
-                  <a16:creationId xmlns:a16="http://schemas.microsoft.com/office/drawing/2014/main" id="{5744F132-23F5-0A22-9BD2-546615F28F91}"/>
+                  <a16:creationId xmlns:a16="http://schemas.microsoft.com/office/drawing/2014/main" id="{1B2511C8-7422-0589-62DB-1852899FB6B3}"/>
                 </a:ext>
               </a:extLst>
             </p:cNvPr>
-            <p:cNvGrpSpPr/>
+            <p:cNvSpPr/>
             <p:nvPr/>
-          </p:nvGrpSpPr>
-          <p:grpSpPr>
+          </p:nvSpPr>
+          <p:spPr>
             <a:xfrm>
-              <a:off x="5183005" y="451610"/>
-              <a:ext cx="2151245" cy="3592076"/>
-              <a:chOff x="5183005" y="451610"/>
-              <a:chExt cx="2151245" cy="3592076"/>
+              <a:off x="7968600" y="4320000"/>
+              <a:ext cx="900000" cy="900000"/>
             </a:xfrm>
-          </p:grpSpPr>
-          <p:sp>
-            <p:nvSpPr>
-              <p:cNvPr id="70" name="Freeform: Shape 69">
-                <a:extLst>
-                  <a:ext uri="{FF2B5EF4-FFF2-40B4-BE49-F238E27FC236}">
-                    <a16:creationId xmlns:a16="http://schemas.microsoft.com/office/drawing/2014/main" id="{E941FF87-D3F7-0541-04C2-720F5DDF54EC}"/>
-                  </a:ext>
-                </a:extLst>
-              </p:cNvPr>
-              <p:cNvSpPr/>
-              <p:nvPr/>
-            </p:nvSpPr>
-            <p:spPr>
-              <a:xfrm>
-                <a:off x="5189006" y="451610"/>
-                <a:ext cx="1848676" cy="380337"/>
-              </a:xfrm>
-              <a:custGeom>
-                <a:avLst/>
-                <a:gdLst>
-                  <a:gd name="csX0" fmla="*/ 28575 w 361949"/>
-                  <a:gd name="csY0" fmla="*/ 85725 h 85725"/>
-                  <a:gd name="csX1" fmla="*/ 333375 w 361949"/>
-                  <a:gd name="csY1" fmla="*/ 85725 h 85725"/>
-                  <a:gd name="csX2" fmla="*/ 361950 w 361949"/>
-                  <a:gd name="csY2" fmla="*/ 57150 h 85725"/>
-                  <a:gd name="csX3" fmla="*/ 333375 w 361949"/>
-                  <a:gd name="csY3" fmla="*/ 28575 h 85725"/>
-                  <a:gd name="csX4" fmla="*/ 242888 w 361949"/>
-                  <a:gd name="csY4" fmla="*/ 28575 h 85725"/>
-                  <a:gd name="csX5" fmla="*/ 233867 w 361949"/>
-                  <a:gd name="csY5" fmla="*/ 10535 h 85725"/>
-                  <a:gd name="csX6" fmla="*/ 216827 w 361949"/>
-                  <a:gd name="csY6" fmla="*/ 0 h 85725"/>
-                  <a:gd name="csX7" fmla="*/ 145123 w 361949"/>
-                  <a:gd name="csY7" fmla="*/ 0 h 85725"/>
-                  <a:gd name="csX8" fmla="*/ 128083 w 361949"/>
-                  <a:gd name="csY8" fmla="*/ 10535 h 85725"/>
-                  <a:gd name="csX9" fmla="*/ 119063 w 361949"/>
-                  <a:gd name="csY9" fmla="*/ 28575 h 85725"/>
-                  <a:gd name="csX10" fmla="*/ 28575 w 361949"/>
-                  <a:gd name="csY10" fmla="*/ 28575 h 85725"/>
-                  <a:gd name="csX11" fmla="*/ 0 w 361949"/>
-                  <a:gd name="csY11" fmla="*/ 57150 h 85725"/>
-                  <a:gd name="csX12" fmla="*/ 28575 w 361949"/>
-                  <a:gd name="csY12" fmla="*/ 85725 h 85725"/>
-                </a:gdLst>
-                <a:ahLst/>
-                <a:cxnLst>
-                  <a:cxn ang="0">
-                    <a:pos x="csX0" y="csY0"/>
-                  </a:cxn>
-                  <a:cxn ang="0">
-                    <a:pos x="csX1" y="csY1"/>
-                  </a:cxn>
-                  <a:cxn ang="0">
-                    <a:pos x="csX2" y="csY2"/>
-                  </a:cxn>
-                  <a:cxn ang="0">
-                    <a:pos x="csX3" y="csY3"/>
-                  </a:cxn>
-                  <a:cxn ang="0">
-                    <a:pos x="csX4" y="csY4"/>
-                  </a:cxn>
-                  <a:cxn ang="0">
-                    <a:pos x="csX5" y="csY5"/>
-                  </a:cxn>
-                  <a:cxn ang="0">
-                    <a:pos x="csX6" y="csY6"/>
-                  </a:cxn>
-                  <a:cxn ang="0">
-                    <a:pos x="csX7" y="csY7"/>
-                  </a:cxn>
-                  <a:cxn ang="0">
-                    <a:pos x="csX8" y="csY8"/>
-                  </a:cxn>
-                  <a:cxn ang="0">
-                    <a:pos x="csX9" y="csY9"/>
-                  </a:cxn>
-                  <a:cxn ang="0">
-                    <a:pos x="csX10" y="csY10"/>
-                  </a:cxn>
-                  <a:cxn ang="0">
-                    <a:pos x="csX11" y="csY11"/>
-                  </a:cxn>
-                  <a:cxn ang="0">
-                    <a:pos x="csX12" y="csY12"/>
-                  </a:cxn>
-                </a:cxnLst>
-                <a:rect l="l" t="t" r="r" b="b"/>
-                <a:pathLst>
-                  <a:path w="361949" h="85725">
-                    <a:moveTo>
-                      <a:pt x="28575" y="85725"/>
-                    </a:moveTo>
-                    <a:lnTo>
-                      <a:pt x="333375" y="85725"/>
-                    </a:lnTo>
-                    <a:cubicBezTo>
-                      <a:pt x="349156" y="85725"/>
-                      <a:pt x="361950" y="72932"/>
-                      <a:pt x="361950" y="57150"/>
-                    </a:cubicBezTo>
-                    <a:cubicBezTo>
-                      <a:pt x="361950" y="41369"/>
-                      <a:pt x="349156" y="28575"/>
-                      <a:pt x="333375" y="28575"/>
-                    </a:cubicBezTo>
-                    <a:lnTo>
-                      <a:pt x="242888" y="28575"/>
-                    </a:lnTo>
-                    <a:lnTo>
-                      <a:pt x="233867" y="10535"/>
-                    </a:lnTo>
-                    <a:cubicBezTo>
-                      <a:pt x="230641" y="4079"/>
-                      <a:pt x="224044" y="0"/>
-                      <a:pt x="216827" y="0"/>
-                    </a:cubicBezTo>
-                    <a:lnTo>
-                      <a:pt x="145123" y="0"/>
-                    </a:lnTo>
-                    <a:cubicBezTo>
-                      <a:pt x="137906" y="0"/>
-                      <a:pt x="131309" y="4079"/>
-                      <a:pt x="128083" y="10535"/>
-                    </a:cubicBezTo>
-                    <a:lnTo>
-                      <a:pt x="119063" y="28575"/>
-                    </a:lnTo>
-                    <a:lnTo>
-                      <a:pt x="28575" y="28575"/>
-                    </a:lnTo>
-                    <a:cubicBezTo>
-                      <a:pt x="12793" y="28575"/>
-                      <a:pt x="0" y="41369"/>
-                      <a:pt x="0" y="57150"/>
-                    </a:cubicBezTo>
-                    <a:cubicBezTo>
-                      <a:pt x="0" y="72932"/>
-                      <a:pt x="12793" y="85725"/>
-                      <a:pt x="28575" y="85725"/>
-                    </a:cubicBezTo>
-                    <a:close/>
-                  </a:path>
-                </a:pathLst>
-              </a:custGeom>
-              <a:solidFill>
-                <a:srgbClr val="333333"/>
-              </a:solidFill>
-              <a:ln w="9525" cap="flat">
-                <a:noFill/>
-                <a:prstDash val="solid"/>
-                <a:miter/>
-              </a:ln>
-            </p:spPr>
-            <p:txBody>
-              <a:bodyPr/>
-              <a:lstStyle/>
-              <a:p>
-                <a:endParaRPr lang="fr-CA"/>
-              </a:p>
-            </p:txBody>
-          </p:sp>
-          <p:sp>
-            <p:nvSpPr>
-              <p:cNvPr id="71" name="Freeform: Shape 70">
-                <a:extLst>
-                  <a:ext uri="{FF2B5EF4-FFF2-40B4-BE49-F238E27FC236}">
-                    <a16:creationId xmlns:a16="http://schemas.microsoft.com/office/drawing/2014/main" id="{639804AD-C66C-5F6C-40B6-F36420C7B2EF}"/>
-                  </a:ext>
-                </a:extLst>
-              </p:cNvPr>
-              <p:cNvSpPr/>
-              <p:nvPr/>
-            </p:nvSpPr>
-            <p:spPr>
-              <a:xfrm>
-                <a:off x="5273570" y="1000986"/>
-                <a:ext cx="2060680" cy="1394571"/>
-              </a:xfrm>
-              <a:custGeom>
-                <a:avLst/>
-                <a:gdLst>
-                  <a:gd name="csX0" fmla="*/ 365322 w 403457"/>
-                  <a:gd name="csY0" fmla="*/ 47625 h 314325"/>
-                  <a:gd name="csX1" fmla="*/ 318078 w 403457"/>
-                  <a:gd name="csY1" fmla="*/ 47625 h 314325"/>
-                  <a:gd name="csX2" fmla="*/ 323850 w 403457"/>
-                  <a:gd name="csY2" fmla="*/ 0 h 314325"/>
-                  <a:gd name="csX3" fmla="*/ 0 w 403457"/>
-                  <a:gd name="csY3" fmla="*/ 0 h 314325"/>
-                  <a:gd name="csX4" fmla="*/ 38100 w 403457"/>
-                  <a:gd name="csY4" fmla="*/ 314325 h 314325"/>
-                  <a:gd name="csX5" fmla="*/ 285750 w 403457"/>
-                  <a:gd name="csY5" fmla="*/ 314325 h 314325"/>
-                  <a:gd name="csX6" fmla="*/ 293570 w 403457"/>
-                  <a:gd name="csY6" fmla="*/ 249784 h 314325"/>
-                  <a:gd name="csX7" fmla="*/ 352625 w 403457"/>
-                  <a:gd name="csY7" fmla="*/ 241906 h 314325"/>
-                  <a:gd name="csX8" fmla="*/ 385267 w 403457"/>
-                  <a:gd name="csY8" fmla="*/ 209798 h 314325"/>
-                  <a:gd name="csX9" fmla="*/ 403031 w 403457"/>
-                  <a:gd name="csY9" fmla="*/ 91373 h 314325"/>
-                  <a:gd name="csX10" fmla="*/ 371001 w 403457"/>
-                  <a:gd name="csY10" fmla="*/ 48046 h 314325"/>
-                  <a:gd name="csX11" fmla="*/ 365322 w 403457"/>
-                  <a:gd name="csY11" fmla="*/ 47625 h 314325"/>
-                  <a:gd name="csX12" fmla="*/ 347605 w 403457"/>
-                  <a:gd name="csY12" fmla="*/ 204140 h 314325"/>
-                  <a:gd name="csX13" fmla="*/ 298352 w 403457"/>
-                  <a:gd name="csY13" fmla="*/ 210712 h 314325"/>
-                  <a:gd name="csX14" fmla="*/ 313449 w 403457"/>
-                  <a:gd name="csY14" fmla="*/ 85725 h 314325"/>
-                  <a:gd name="csX15" fmla="*/ 365322 w 403457"/>
-                  <a:gd name="csY15" fmla="*/ 85725 h 314325"/>
-                </a:gdLst>
-                <a:ahLst/>
-                <a:cxnLst>
-                  <a:cxn ang="0">
-                    <a:pos x="csX0" y="csY0"/>
-                  </a:cxn>
-                  <a:cxn ang="0">
-                    <a:pos x="csX1" y="csY1"/>
-                  </a:cxn>
-                  <a:cxn ang="0">
-                    <a:pos x="csX2" y="csY2"/>
-                  </a:cxn>
-                  <a:cxn ang="0">
-                    <a:pos x="csX3" y="csY3"/>
-                  </a:cxn>
-                  <a:cxn ang="0">
-                    <a:pos x="csX4" y="csY4"/>
-                  </a:cxn>
-                  <a:cxn ang="0">
-                    <a:pos x="csX5" y="csY5"/>
-                  </a:cxn>
-                  <a:cxn ang="0">
-                    <a:pos x="csX6" y="csY6"/>
-                  </a:cxn>
-                  <a:cxn ang="0">
-                    <a:pos x="csX7" y="csY7"/>
-                  </a:cxn>
-                  <a:cxn ang="0">
-                    <a:pos x="csX8" y="csY8"/>
-                  </a:cxn>
-                  <a:cxn ang="0">
-                    <a:pos x="csX9" y="csY9"/>
-                  </a:cxn>
-                  <a:cxn ang="0">
-                    <a:pos x="csX10" y="csY10"/>
-                  </a:cxn>
-                  <a:cxn ang="0">
-                    <a:pos x="csX11" y="csY11"/>
-                  </a:cxn>
-                  <a:cxn ang="0">
-                    <a:pos x="csX12" y="csY12"/>
-                  </a:cxn>
-                  <a:cxn ang="0">
-                    <a:pos x="csX13" y="csY13"/>
-                  </a:cxn>
-                  <a:cxn ang="0">
-                    <a:pos x="csX14" y="csY14"/>
-                  </a:cxn>
-                  <a:cxn ang="0">
-                    <a:pos x="csX15" y="csY15"/>
-                  </a:cxn>
-                </a:cxnLst>
-                <a:rect l="l" t="t" r="r" b="b"/>
-                <a:pathLst>
-                  <a:path w="403457" h="314325">
-                    <a:moveTo>
-                      <a:pt x="365322" y="47625"/>
-                    </a:moveTo>
-                    <a:lnTo>
-                      <a:pt x="318078" y="47625"/>
-                    </a:lnTo>
-                    <a:lnTo>
-                      <a:pt x="323850" y="0"/>
-                    </a:lnTo>
-                    <a:lnTo>
-                      <a:pt x="0" y="0"/>
-                    </a:lnTo>
-                    <a:lnTo>
-                      <a:pt x="38100" y="314325"/>
-                    </a:lnTo>
-                    <a:lnTo>
-                      <a:pt x="285750" y="314325"/>
-                    </a:lnTo>
-                    <a:lnTo>
-                      <a:pt x="293570" y="249784"/>
-                    </a:lnTo>
-                    <a:lnTo>
-                      <a:pt x="352625" y="241906"/>
-                    </a:lnTo>
-                    <a:cubicBezTo>
-                      <a:pt x="369440" y="239664"/>
-                      <a:pt x="382749" y="226574"/>
-                      <a:pt x="385267" y="209798"/>
-                    </a:cubicBezTo>
-                    <a:lnTo>
-                      <a:pt x="403031" y="91373"/>
-                    </a:lnTo>
-                    <a:cubicBezTo>
-                      <a:pt x="406151" y="70564"/>
-                      <a:pt x="391810" y="51165"/>
-                      <a:pt x="371001" y="48046"/>
-                    </a:cubicBezTo>
-                    <a:cubicBezTo>
-                      <a:pt x="369121" y="47764"/>
-                      <a:pt x="367223" y="47623"/>
-                      <a:pt x="365322" y="47625"/>
-                    </a:cubicBezTo>
-                    <a:close/>
-                    <a:moveTo>
-                      <a:pt x="347605" y="204140"/>
-                    </a:moveTo>
-                    <a:lnTo>
-                      <a:pt x="298352" y="210712"/>
-                    </a:lnTo>
-                    <a:lnTo>
-                      <a:pt x="313449" y="85725"/>
-                    </a:lnTo>
-                    <a:lnTo>
-                      <a:pt x="365322" y="85725"/>
-                    </a:lnTo>
-                    <a:close/>
-                  </a:path>
-                </a:pathLst>
-              </a:custGeom>
-              <a:solidFill>
-                <a:srgbClr val="CCCCCC"/>
-              </a:solidFill>
-              <a:ln w="9525" cap="flat">
-                <a:noFill/>
-                <a:prstDash val="solid"/>
-                <a:miter/>
-              </a:ln>
-            </p:spPr>
-            <p:txBody>
-              <a:bodyPr/>
-              <a:lstStyle/>
-              <a:p>
-                <a:endParaRPr lang="fr-CA"/>
-              </a:p>
-            </p:txBody>
-          </p:sp>
-          <p:sp>
-            <p:nvSpPr>
-              <p:cNvPr id="73" name="Freeform: Shape 72">
-                <a:extLst>
-                  <a:ext uri="{FF2B5EF4-FFF2-40B4-BE49-F238E27FC236}">
-                    <a16:creationId xmlns:a16="http://schemas.microsoft.com/office/drawing/2014/main" id="{0438848E-381A-072F-74F6-E88EB80B2896}"/>
-                  </a:ext>
-                </a:extLst>
-              </p:cNvPr>
-              <p:cNvSpPr/>
-              <p:nvPr/>
-            </p:nvSpPr>
-            <p:spPr>
-              <a:xfrm>
-                <a:off x="5183005" y="2564596"/>
-                <a:ext cx="1862500" cy="1479090"/>
-              </a:xfrm>
-              <a:custGeom>
-                <a:avLst/>
-                <a:gdLst>
-                  <a:gd name="csX0" fmla="*/ 382353 w 400049"/>
-                  <a:gd name="csY0" fmla="*/ 129854 h 361950"/>
-                  <a:gd name="csX1" fmla="*/ 371923 w 400049"/>
-                  <a:gd name="csY1" fmla="*/ 101594 h 361950"/>
-                  <a:gd name="csX2" fmla="*/ 344024 w 400049"/>
-                  <a:gd name="csY2" fmla="*/ 62541 h 361950"/>
-                  <a:gd name="csX3" fmla="*/ 333375 w 400049"/>
-                  <a:gd name="csY3" fmla="*/ 29318 h 361950"/>
-                  <a:gd name="csX4" fmla="*/ 333375 w 400049"/>
-                  <a:gd name="csY4" fmla="*/ 0 h 361950"/>
-                  <a:gd name="csX5" fmla="*/ 66675 w 400049"/>
-                  <a:gd name="csY5" fmla="*/ 0 h 361950"/>
-                  <a:gd name="csX6" fmla="*/ 66675 w 400049"/>
-                  <a:gd name="csY6" fmla="*/ 29308 h 361950"/>
-                  <a:gd name="csX7" fmla="*/ 56026 w 400049"/>
-                  <a:gd name="csY7" fmla="*/ 62532 h 361950"/>
-                  <a:gd name="csX8" fmla="*/ 28127 w 400049"/>
-                  <a:gd name="csY8" fmla="*/ 101584 h 361950"/>
-                  <a:gd name="csX9" fmla="*/ 17697 w 400049"/>
-                  <a:gd name="csY9" fmla="*/ 129845 h 361950"/>
-                  <a:gd name="csX10" fmla="*/ 0 w 400049"/>
-                  <a:gd name="csY10" fmla="*/ 333375 h 361950"/>
-                  <a:gd name="csX11" fmla="*/ 38100 w 400049"/>
-                  <a:gd name="csY11" fmla="*/ 333375 h 361950"/>
-                  <a:gd name="csX12" fmla="*/ 38100 w 400049"/>
-                  <a:gd name="csY12" fmla="*/ 361950 h 361950"/>
-                  <a:gd name="csX13" fmla="*/ 114300 w 400049"/>
-                  <a:gd name="csY13" fmla="*/ 361950 h 361950"/>
-                  <a:gd name="csX14" fmla="*/ 114300 w 400049"/>
-                  <a:gd name="csY14" fmla="*/ 333375 h 361950"/>
-                  <a:gd name="csX15" fmla="*/ 285750 w 400049"/>
-                  <a:gd name="csY15" fmla="*/ 333375 h 361950"/>
-                  <a:gd name="csX16" fmla="*/ 285750 w 400049"/>
-                  <a:gd name="csY16" fmla="*/ 361950 h 361950"/>
-                  <a:gd name="csX17" fmla="*/ 361950 w 400049"/>
-                  <a:gd name="csY17" fmla="*/ 361950 h 361950"/>
-                  <a:gd name="csX18" fmla="*/ 361950 w 400049"/>
-                  <a:gd name="csY18" fmla="*/ 333375 h 361950"/>
-                  <a:gd name="csX19" fmla="*/ 400050 w 400049"/>
-                  <a:gd name="csY19" fmla="*/ 333375 h 361950"/>
-                  <a:gd name="csX20" fmla="*/ 200025 w 400049"/>
-                  <a:gd name="csY20" fmla="*/ 242888 h 361950"/>
-                  <a:gd name="csX21" fmla="*/ 147638 w 400049"/>
-                  <a:gd name="csY21" fmla="*/ 190500 h 361950"/>
-                  <a:gd name="csX22" fmla="*/ 200025 w 400049"/>
-                  <a:gd name="csY22" fmla="*/ 138113 h 361950"/>
-                  <a:gd name="csX23" fmla="*/ 252413 w 400049"/>
-                  <a:gd name="csY23" fmla="*/ 190500 h 361950"/>
-                  <a:gd name="csX24" fmla="*/ 200025 w 400049"/>
-                  <a:gd name="csY24" fmla="*/ 242888 h 361950"/>
-                  <a:gd name="csX0" fmla="*/ 364656 w 382353"/>
-                  <a:gd name="csY0" fmla="*/ 129854 h 361950"/>
-                  <a:gd name="csX1" fmla="*/ 354226 w 382353"/>
-                  <a:gd name="csY1" fmla="*/ 101594 h 361950"/>
-                  <a:gd name="csX2" fmla="*/ 326327 w 382353"/>
-                  <a:gd name="csY2" fmla="*/ 62541 h 361950"/>
-                  <a:gd name="csX3" fmla="*/ 315678 w 382353"/>
-                  <a:gd name="csY3" fmla="*/ 29318 h 361950"/>
-                  <a:gd name="csX4" fmla="*/ 315678 w 382353"/>
-                  <a:gd name="csY4" fmla="*/ 0 h 361950"/>
-                  <a:gd name="csX5" fmla="*/ 48978 w 382353"/>
-                  <a:gd name="csY5" fmla="*/ 0 h 361950"/>
-                  <a:gd name="csX6" fmla="*/ 48978 w 382353"/>
-                  <a:gd name="csY6" fmla="*/ 29308 h 361950"/>
-                  <a:gd name="csX7" fmla="*/ 38329 w 382353"/>
-                  <a:gd name="csY7" fmla="*/ 62532 h 361950"/>
-                  <a:gd name="csX8" fmla="*/ 10430 w 382353"/>
-                  <a:gd name="csY8" fmla="*/ 101584 h 361950"/>
-                  <a:gd name="csX9" fmla="*/ 0 w 382353"/>
-                  <a:gd name="csY9" fmla="*/ 129845 h 361950"/>
-                  <a:gd name="csX10" fmla="*/ 20403 w 382353"/>
-                  <a:gd name="csY10" fmla="*/ 333375 h 361950"/>
-                  <a:gd name="csX11" fmla="*/ 20403 w 382353"/>
-                  <a:gd name="csY11" fmla="*/ 361950 h 361950"/>
-                  <a:gd name="csX12" fmla="*/ 96603 w 382353"/>
-                  <a:gd name="csY12" fmla="*/ 361950 h 361950"/>
-                  <a:gd name="csX13" fmla="*/ 96603 w 382353"/>
-                  <a:gd name="csY13" fmla="*/ 333375 h 361950"/>
-                  <a:gd name="csX14" fmla="*/ 268053 w 382353"/>
-                  <a:gd name="csY14" fmla="*/ 333375 h 361950"/>
-                  <a:gd name="csX15" fmla="*/ 268053 w 382353"/>
-                  <a:gd name="csY15" fmla="*/ 361950 h 361950"/>
-                  <a:gd name="csX16" fmla="*/ 344253 w 382353"/>
-                  <a:gd name="csY16" fmla="*/ 361950 h 361950"/>
-                  <a:gd name="csX17" fmla="*/ 344253 w 382353"/>
-                  <a:gd name="csY17" fmla="*/ 333375 h 361950"/>
-                  <a:gd name="csX18" fmla="*/ 382353 w 382353"/>
-                  <a:gd name="csY18" fmla="*/ 333375 h 361950"/>
-                  <a:gd name="csX19" fmla="*/ 364656 w 382353"/>
-                  <a:gd name="csY19" fmla="*/ 129854 h 361950"/>
-                  <a:gd name="csX20" fmla="*/ 182328 w 382353"/>
-                  <a:gd name="csY20" fmla="*/ 242888 h 361950"/>
-                  <a:gd name="csX21" fmla="*/ 129941 w 382353"/>
-                  <a:gd name="csY21" fmla="*/ 190500 h 361950"/>
-                  <a:gd name="csX22" fmla="*/ 182328 w 382353"/>
-                  <a:gd name="csY22" fmla="*/ 138113 h 361950"/>
-                  <a:gd name="csX23" fmla="*/ 234716 w 382353"/>
-                  <a:gd name="csY23" fmla="*/ 190500 h 361950"/>
-                  <a:gd name="csX24" fmla="*/ 182328 w 382353"/>
-                  <a:gd name="csY24" fmla="*/ 242888 h 361950"/>
-                  <a:gd name="csX0" fmla="*/ 364656 w 364656"/>
-                  <a:gd name="csY0" fmla="*/ 129854 h 361950"/>
-                  <a:gd name="csX1" fmla="*/ 354226 w 364656"/>
-                  <a:gd name="csY1" fmla="*/ 101594 h 361950"/>
-                  <a:gd name="csX2" fmla="*/ 326327 w 364656"/>
-                  <a:gd name="csY2" fmla="*/ 62541 h 361950"/>
-                  <a:gd name="csX3" fmla="*/ 315678 w 364656"/>
-                  <a:gd name="csY3" fmla="*/ 29318 h 361950"/>
-                  <a:gd name="csX4" fmla="*/ 315678 w 364656"/>
-                  <a:gd name="csY4" fmla="*/ 0 h 361950"/>
-                  <a:gd name="csX5" fmla="*/ 48978 w 364656"/>
-                  <a:gd name="csY5" fmla="*/ 0 h 361950"/>
-                  <a:gd name="csX6" fmla="*/ 48978 w 364656"/>
-                  <a:gd name="csY6" fmla="*/ 29308 h 361950"/>
-                  <a:gd name="csX7" fmla="*/ 38329 w 364656"/>
-                  <a:gd name="csY7" fmla="*/ 62532 h 361950"/>
-                  <a:gd name="csX8" fmla="*/ 10430 w 364656"/>
-                  <a:gd name="csY8" fmla="*/ 101584 h 361950"/>
-                  <a:gd name="csX9" fmla="*/ 0 w 364656"/>
-                  <a:gd name="csY9" fmla="*/ 129845 h 361950"/>
-                  <a:gd name="csX10" fmla="*/ 20403 w 364656"/>
-                  <a:gd name="csY10" fmla="*/ 333375 h 361950"/>
-                  <a:gd name="csX11" fmla="*/ 20403 w 364656"/>
-                  <a:gd name="csY11" fmla="*/ 361950 h 361950"/>
-                  <a:gd name="csX12" fmla="*/ 96603 w 364656"/>
-                  <a:gd name="csY12" fmla="*/ 361950 h 361950"/>
-                  <a:gd name="csX13" fmla="*/ 96603 w 364656"/>
-                  <a:gd name="csY13" fmla="*/ 333375 h 361950"/>
-                  <a:gd name="csX14" fmla="*/ 268053 w 364656"/>
-                  <a:gd name="csY14" fmla="*/ 333375 h 361950"/>
-                  <a:gd name="csX15" fmla="*/ 268053 w 364656"/>
-                  <a:gd name="csY15" fmla="*/ 361950 h 361950"/>
-                  <a:gd name="csX16" fmla="*/ 344253 w 364656"/>
-                  <a:gd name="csY16" fmla="*/ 361950 h 361950"/>
-                  <a:gd name="csX17" fmla="*/ 344253 w 364656"/>
-                  <a:gd name="csY17" fmla="*/ 333375 h 361950"/>
-                  <a:gd name="csX18" fmla="*/ 364656 w 364656"/>
-                  <a:gd name="csY18" fmla="*/ 129854 h 361950"/>
-                  <a:gd name="csX19" fmla="*/ 182328 w 364656"/>
-                  <a:gd name="csY19" fmla="*/ 242888 h 361950"/>
-                  <a:gd name="csX20" fmla="*/ 129941 w 364656"/>
-                  <a:gd name="csY20" fmla="*/ 190500 h 361950"/>
-                  <a:gd name="csX21" fmla="*/ 182328 w 364656"/>
-                  <a:gd name="csY21" fmla="*/ 138113 h 361950"/>
-                  <a:gd name="csX22" fmla="*/ 234716 w 364656"/>
-                  <a:gd name="csY22" fmla="*/ 190500 h 361950"/>
-                  <a:gd name="csX23" fmla="*/ 182328 w 364656"/>
-                  <a:gd name="csY23" fmla="*/ 242888 h 361950"/>
-                  <a:gd name="csX0" fmla="*/ 364656 w 364656"/>
-                  <a:gd name="csY0" fmla="*/ 129854 h 361950"/>
-                  <a:gd name="csX1" fmla="*/ 354226 w 364656"/>
-                  <a:gd name="csY1" fmla="*/ 101594 h 361950"/>
-                  <a:gd name="csX2" fmla="*/ 326327 w 364656"/>
-                  <a:gd name="csY2" fmla="*/ 62541 h 361950"/>
-                  <a:gd name="csX3" fmla="*/ 315678 w 364656"/>
-                  <a:gd name="csY3" fmla="*/ 29318 h 361950"/>
-                  <a:gd name="csX4" fmla="*/ 315678 w 364656"/>
-                  <a:gd name="csY4" fmla="*/ 0 h 361950"/>
-                  <a:gd name="csX5" fmla="*/ 48978 w 364656"/>
-                  <a:gd name="csY5" fmla="*/ 0 h 361950"/>
-                  <a:gd name="csX6" fmla="*/ 48978 w 364656"/>
-                  <a:gd name="csY6" fmla="*/ 29308 h 361950"/>
-                  <a:gd name="csX7" fmla="*/ 38329 w 364656"/>
-                  <a:gd name="csY7" fmla="*/ 62532 h 361950"/>
-                  <a:gd name="csX8" fmla="*/ 10430 w 364656"/>
-                  <a:gd name="csY8" fmla="*/ 101584 h 361950"/>
-                  <a:gd name="csX9" fmla="*/ 0 w 364656"/>
-                  <a:gd name="csY9" fmla="*/ 129845 h 361950"/>
-                  <a:gd name="csX10" fmla="*/ 20403 w 364656"/>
-                  <a:gd name="csY10" fmla="*/ 333375 h 361950"/>
-                  <a:gd name="csX11" fmla="*/ 96603 w 364656"/>
-                  <a:gd name="csY11" fmla="*/ 361950 h 361950"/>
-                  <a:gd name="csX12" fmla="*/ 96603 w 364656"/>
-                  <a:gd name="csY12" fmla="*/ 333375 h 361950"/>
-                  <a:gd name="csX13" fmla="*/ 268053 w 364656"/>
-                  <a:gd name="csY13" fmla="*/ 333375 h 361950"/>
-                  <a:gd name="csX14" fmla="*/ 268053 w 364656"/>
-                  <a:gd name="csY14" fmla="*/ 361950 h 361950"/>
-                  <a:gd name="csX15" fmla="*/ 344253 w 364656"/>
-                  <a:gd name="csY15" fmla="*/ 361950 h 361950"/>
-                  <a:gd name="csX16" fmla="*/ 344253 w 364656"/>
-                  <a:gd name="csY16" fmla="*/ 333375 h 361950"/>
-                  <a:gd name="csX17" fmla="*/ 364656 w 364656"/>
-                  <a:gd name="csY17" fmla="*/ 129854 h 361950"/>
-                  <a:gd name="csX18" fmla="*/ 182328 w 364656"/>
-                  <a:gd name="csY18" fmla="*/ 242888 h 361950"/>
-                  <a:gd name="csX19" fmla="*/ 129941 w 364656"/>
-                  <a:gd name="csY19" fmla="*/ 190500 h 361950"/>
-                  <a:gd name="csX20" fmla="*/ 182328 w 364656"/>
-                  <a:gd name="csY20" fmla="*/ 138113 h 361950"/>
-                  <a:gd name="csX21" fmla="*/ 234716 w 364656"/>
-                  <a:gd name="csY21" fmla="*/ 190500 h 361950"/>
-                  <a:gd name="csX22" fmla="*/ 182328 w 364656"/>
-                  <a:gd name="csY22" fmla="*/ 242888 h 361950"/>
-                  <a:gd name="csX0" fmla="*/ 364656 w 364656"/>
-                  <a:gd name="csY0" fmla="*/ 129854 h 361950"/>
-                  <a:gd name="csX1" fmla="*/ 354226 w 364656"/>
-                  <a:gd name="csY1" fmla="*/ 101594 h 361950"/>
-                  <a:gd name="csX2" fmla="*/ 326327 w 364656"/>
-                  <a:gd name="csY2" fmla="*/ 62541 h 361950"/>
-                  <a:gd name="csX3" fmla="*/ 315678 w 364656"/>
-                  <a:gd name="csY3" fmla="*/ 29318 h 361950"/>
-                  <a:gd name="csX4" fmla="*/ 315678 w 364656"/>
-                  <a:gd name="csY4" fmla="*/ 0 h 361950"/>
-                  <a:gd name="csX5" fmla="*/ 48978 w 364656"/>
-                  <a:gd name="csY5" fmla="*/ 0 h 361950"/>
-                  <a:gd name="csX6" fmla="*/ 48978 w 364656"/>
-                  <a:gd name="csY6" fmla="*/ 29308 h 361950"/>
-                  <a:gd name="csX7" fmla="*/ 38329 w 364656"/>
-                  <a:gd name="csY7" fmla="*/ 62532 h 361950"/>
-                  <a:gd name="csX8" fmla="*/ 10430 w 364656"/>
-                  <a:gd name="csY8" fmla="*/ 101584 h 361950"/>
-                  <a:gd name="csX9" fmla="*/ 0 w 364656"/>
-                  <a:gd name="csY9" fmla="*/ 129845 h 361950"/>
-                  <a:gd name="csX10" fmla="*/ 20403 w 364656"/>
-                  <a:gd name="csY10" fmla="*/ 333375 h 361950"/>
-                  <a:gd name="csX11" fmla="*/ 96603 w 364656"/>
-                  <a:gd name="csY11" fmla="*/ 333375 h 361950"/>
-                  <a:gd name="csX12" fmla="*/ 268053 w 364656"/>
-                  <a:gd name="csY12" fmla="*/ 333375 h 361950"/>
-                  <a:gd name="csX13" fmla="*/ 268053 w 364656"/>
-                  <a:gd name="csY13" fmla="*/ 361950 h 361950"/>
-                  <a:gd name="csX14" fmla="*/ 344253 w 364656"/>
-                  <a:gd name="csY14" fmla="*/ 361950 h 361950"/>
-                  <a:gd name="csX15" fmla="*/ 344253 w 364656"/>
-                  <a:gd name="csY15" fmla="*/ 333375 h 361950"/>
-                  <a:gd name="csX16" fmla="*/ 364656 w 364656"/>
-                  <a:gd name="csY16" fmla="*/ 129854 h 361950"/>
-                  <a:gd name="csX17" fmla="*/ 182328 w 364656"/>
-                  <a:gd name="csY17" fmla="*/ 242888 h 361950"/>
-                  <a:gd name="csX18" fmla="*/ 129941 w 364656"/>
-                  <a:gd name="csY18" fmla="*/ 190500 h 361950"/>
-                  <a:gd name="csX19" fmla="*/ 182328 w 364656"/>
-                  <a:gd name="csY19" fmla="*/ 138113 h 361950"/>
-                  <a:gd name="csX20" fmla="*/ 234716 w 364656"/>
-                  <a:gd name="csY20" fmla="*/ 190500 h 361950"/>
-                  <a:gd name="csX21" fmla="*/ 182328 w 364656"/>
-                  <a:gd name="csY21" fmla="*/ 242888 h 361950"/>
-                  <a:gd name="csX0" fmla="*/ 364656 w 364656"/>
-                  <a:gd name="csY0" fmla="*/ 129854 h 361950"/>
-                  <a:gd name="csX1" fmla="*/ 354226 w 364656"/>
-                  <a:gd name="csY1" fmla="*/ 101594 h 361950"/>
-                  <a:gd name="csX2" fmla="*/ 326327 w 364656"/>
-                  <a:gd name="csY2" fmla="*/ 62541 h 361950"/>
-                  <a:gd name="csX3" fmla="*/ 315678 w 364656"/>
-                  <a:gd name="csY3" fmla="*/ 29318 h 361950"/>
-                  <a:gd name="csX4" fmla="*/ 315678 w 364656"/>
-                  <a:gd name="csY4" fmla="*/ 0 h 361950"/>
-                  <a:gd name="csX5" fmla="*/ 48978 w 364656"/>
-                  <a:gd name="csY5" fmla="*/ 0 h 361950"/>
-                  <a:gd name="csX6" fmla="*/ 48978 w 364656"/>
-                  <a:gd name="csY6" fmla="*/ 29308 h 361950"/>
-                  <a:gd name="csX7" fmla="*/ 38329 w 364656"/>
-                  <a:gd name="csY7" fmla="*/ 62532 h 361950"/>
-                  <a:gd name="csX8" fmla="*/ 10430 w 364656"/>
-                  <a:gd name="csY8" fmla="*/ 101584 h 361950"/>
-                  <a:gd name="csX9" fmla="*/ 0 w 364656"/>
-                  <a:gd name="csY9" fmla="*/ 129845 h 361950"/>
-                  <a:gd name="csX10" fmla="*/ 20403 w 364656"/>
-                  <a:gd name="csY10" fmla="*/ 333375 h 361950"/>
-                  <a:gd name="csX11" fmla="*/ 96603 w 364656"/>
-                  <a:gd name="csY11" fmla="*/ 333375 h 361950"/>
-                  <a:gd name="csX12" fmla="*/ 268053 w 364656"/>
-                  <a:gd name="csY12" fmla="*/ 333375 h 361950"/>
-                  <a:gd name="csX13" fmla="*/ 344253 w 364656"/>
-                  <a:gd name="csY13" fmla="*/ 361950 h 361950"/>
-                  <a:gd name="csX14" fmla="*/ 344253 w 364656"/>
-                  <a:gd name="csY14" fmla="*/ 333375 h 361950"/>
-                  <a:gd name="csX15" fmla="*/ 364656 w 364656"/>
-                  <a:gd name="csY15" fmla="*/ 129854 h 361950"/>
-                  <a:gd name="csX16" fmla="*/ 182328 w 364656"/>
-                  <a:gd name="csY16" fmla="*/ 242888 h 361950"/>
-                  <a:gd name="csX17" fmla="*/ 129941 w 364656"/>
-                  <a:gd name="csY17" fmla="*/ 190500 h 361950"/>
-                  <a:gd name="csX18" fmla="*/ 182328 w 364656"/>
-                  <a:gd name="csY18" fmla="*/ 138113 h 361950"/>
-                  <a:gd name="csX19" fmla="*/ 234716 w 364656"/>
-                  <a:gd name="csY19" fmla="*/ 190500 h 361950"/>
-                  <a:gd name="csX20" fmla="*/ 182328 w 364656"/>
-                  <a:gd name="csY20" fmla="*/ 242888 h 361950"/>
-                  <a:gd name="csX0" fmla="*/ 364656 w 364656"/>
-                  <a:gd name="csY0" fmla="*/ 129854 h 333375"/>
-                  <a:gd name="csX1" fmla="*/ 354226 w 364656"/>
-                  <a:gd name="csY1" fmla="*/ 101594 h 333375"/>
-                  <a:gd name="csX2" fmla="*/ 326327 w 364656"/>
-                  <a:gd name="csY2" fmla="*/ 62541 h 333375"/>
-                  <a:gd name="csX3" fmla="*/ 315678 w 364656"/>
-                  <a:gd name="csY3" fmla="*/ 29318 h 333375"/>
-                  <a:gd name="csX4" fmla="*/ 315678 w 364656"/>
-                  <a:gd name="csY4" fmla="*/ 0 h 333375"/>
-                  <a:gd name="csX5" fmla="*/ 48978 w 364656"/>
-                  <a:gd name="csY5" fmla="*/ 0 h 333375"/>
-                  <a:gd name="csX6" fmla="*/ 48978 w 364656"/>
-                  <a:gd name="csY6" fmla="*/ 29308 h 333375"/>
-                  <a:gd name="csX7" fmla="*/ 38329 w 364656"/>
-                  <a:gd name="csY7" fmla="*/ 62532 h 333375"/>
-                  <a:gd name="csX8" fmla="*/ 10430 w 364656"/>
-                  <a:gd name="csY8" fmla="*/ 101584 h 333375"/>
-                  <a:gd name="csX9" fmla="*/ 0 w 364656"/>
-                  <a:gd name="csY9" fmla="*/ 129845 h 333375"/>
-                  <a:gd name="csX10" fmla="*/ 20403 w 364656"/>
-                  <a:gd name="csY10" fmla="*/ 333375 h 333375"/>
-                  <a:gd name="csX11" fmla="*/ 96603 w 364656"/>
-                  <a:gd name="csY11" fmla="*/ 333375 h 333375"/>
-                  <a:gd name="csX12" fmla="*/ 268053 w 364656"/>
-                  <a:gd name="csY12" fmla="*/ 333375 h 333375"/>
-                  <a:gd name="csX13" fmla="*/ 344253 w 364656"/>
-                  <a:gd name="csY13" fmla="*/ 333375 h 333375"/>
-                  <a:gd name="csX14" fmla="*/ 364656 w 364656"/>
-                  <a:gd name="csY14" fmla="*/ 129854 h 333375"/>
-                  <a:gd name="csX15" fmla="*/ 182328 w 364656"/>
-                  <a:gd name="csY15" fmla="*/ 242888 h 333375"/>
-                  <a:gd name="csX16" fmla="*/ 129941 w 364656"/>
-                  <a:gd name="csY16" fmla="*/ 190500 h 333375"/>
-                  <a:gd name="csX17" fmla="*/ 182328 w 364656"/>
-                  <a:gd name="csY17" fmla="*/ 138113 h 333375"/>
-                  <a:gd name="csX18" fmla="*/ 234716 w 364656"/>
-                  <a:gd name="csY18" fmla="*/ 190500 h 333375"/>
-                  <a:gd name="csX19" fmla="*/ 182328 w 364656"/>
-                  <a:gd name="csY19" fmla="*/ 242888 h 333375"/>
-                </a:gdLst>
-                <a:ahLst/>
-                <a:cxnLst>
-                  <a:cxn ang="0">
-                    <a:pos x="csX0" y="csY0"/>
-                  </a:cxn>
-                  <a:cxn ang="0">
-                    <a:pos x="csX1" y="csY1"/>
-                  </a:cxn>
-                  <a:cxn ang="0">
-                    <a:pos x="csX2" y="csY2"/>
-                  </a:cxn>
-                  <a:cxn ang="0">
-                    <a:pos x="csX3" y="csY3"/>
-                  </a:cxn>
-                  <a:cxn ang="0">
-                    <a:pos x="csX4" y="csY4"/>
-                  </a:cxn>
-                  <a:cxn ang="0">
-                    <a:pos x="csX5" y="csY5"/>
-                  </a:cxn>
-                  <a:cxn ang="0">
-                    <a:pos x="csX6" y="csY6"/>
-                  </a:cxn>
-                  <a:cxn ang="0">
-                    <a:pos x="csX7" y="csY7"/>
-                  </a:cxn>
-                  <a:cxn ang="0">
-                    <a:pos x="csX8" y="csY8"/>
-                  </a:cxn>
-                  <a:cxn ang="0">
-                    <a:pos x="csX9" y="csY9"/>
-                  </a:cxn>
-                  <a:cxn ang="0">
-                    <a:pos x="csX10" y="csY10"/>
-                  </a:cxn>
-                  <a:cxn ang="0">
-                    <a:pos x="csX11" y="csY11"/>
-                  </a:cxn>
-                  <a:cxn ang="0">
-                    <a:pos x="csX12" y="csY12"/>
-                  </a:cxn>
-                  <a:cxn ang="0">
-                    <a:pos x="csX13" y="csY13"/>
-                  </a:cxn>
-                  <a:cxn ang="0">
-                    <a:pos x="csX14" y="csY14"/>
-                  </a:cxn>
-                  <a:cxn ang="0">
-                    <a:pos x="csX15" y="csY15"/>
-                  </a:cxn>
-                  <a:cxn ang="0">
-                    <a:pos x="csX16" y="csY16"/>
-                  </a:cxn>
-                  <a:cxn ang="0">
-                    <a:pos x="csX17" y="csY17"/>
-                  </a:cxn>
-                  <a:cxn ang="0">
-                    <a:pos x="csX18" y="csY18"/>
-                  </a:cxn>
-                  <a:cxn ang="0">
-                    <a:pos x="csX19" y="csY19"/>
-                  </a:cxn>
-                </a:cxnLst>
-                <a:rect l="l" t="t" r="r" b="b"/>
-                <a:pathLst>
-                  <a:path w="364656" h="333375">
-                    <a:moveTo>
-                      <a:pt x="364656" y="129854"/>
-                    </a:moveTo>
-                    <a:cubicBezTo>
-                      <a:pt x="363769" y="119671"/>
-                      <a:pt x="360167" y="109912"/>
-                      <a:pt x="354226" y="101594"/>
-                    </a:cubicBezTo>
-                    <a:lnTo>
-                      <a:pt x="326327" y="62541"/>
-                    </a:lnTo>
-                    <a:cubicBezTo>
-                      <a:pt x="319401" y="52848"/>
-                      <a:pt x="315678" y="41232"/>
-                      <a:pt x="315678" y="29318"/>
-                    </a:cubicBezTo>
-                    <a:lnTo>
-                      <a:pt x="315678" y="0"/>
-                    </a:lnTo>
-                    <a:lnTo>
-                      <a:pt x="48978" y="0"/>
-                    </a:lnTo>
-                    <a:lnTo>
-                      <a:pt x="48978" y="29308"/>
-                    </a:lnTo>
-                    <a:cubicBezTo>
-                      <a:pt x="48978" y="41222"/>
-                      <a:pt x="45255" y="52838"/>
-                      <a:pt x="38329" y="62532"/>
-                    </a:cubicBezTo>
-                    <a:lnTo>
-                      <a:pt x="10430" y="101584"/>
-                    </a:lnTo>
-                    <a:cubicBezTo>
-                      <a:pt x="4489" y="109902"/>
-                      <a:pt x="887" y="119662"/>
-                      <a:pt x="0" y="129845"/>
-                    </a:cubicBezTo>
-                    <a:lnTo>
-                      <a:pt x="20403" y="333375"/>
-                    </a:lnTo>
-                    <a:lnTo>
-                      <a:pt x="96603" y="333375"/>
-                    </a:lnTo>
-                    <a:lnTo>
-                      <a:pt x="268053" y="333375"/>
-                    </a:lnTo>
-                    <a:lnTo>
-                      <a:pt x="344253" y="333375"/>
-                    </a:lnTo>
-                    <a:lnTo>
-                      <a:pt x="364656" y="129854"/>
-                    </a:lnTo>
-                    <a:close/>
-                    <a:moveTo>
-                      <a:pt x="182328" y="242888"/>
-                    </a:moveTo>
-                    <a:cubicBezTo>
-                      <a:pt x="153395" y="242888"/>
-                      <a:pt x="129941" y="219433"/>
-                      <a:pt x="129941" y="190500"/>
-                    </a:cubicBezTo>
-                    <a:cubicBezTo>
-                      <a:pt x="129941" y="161567"/>
-                      <a:pt x="153395" y="138113"/>
-                      <a:pt x="182328" y="138113"/>
-                    </a:cubicBezTo>
-                    <a:cubicBezTo>
-                      <a:pt x="211261" y="138113"/>
-                      <a:pt x="234716" y="161567"/>
-                      <a:pt x="234716" y="190500"/>
-                    </a:cubicBezTo>
-                    <a:cubicBezTo>
-                      <a:pt x="234684" y="219420"/>
-                      <a:pt x="211248" y="242856"/>
-                      <a:pt x="182328" y="242888"/>
-                    </a:cubicBezTo>
-                    <a:close/>
-                  </a:path>
-                </a:pathLst>
-              </a:custGeom>
-              <a:solidFill>
-                <a:srgbClr val="333333"/>
-              </a:solidFill>
-              <a:ln w="9525" cap="flat">
-                <a:noFill/>
-                <a:prstDash val="solid"/>
-                <a:miter/>
-              </a:ln>
-            </p:spPr>
-            <p:txBody>
-              <a:bodyPr/>
-              <a:lstStyle/>
-              <a:p>
-                <a:endParaRPr lang="fr-CA"/>
-              </a:p>
-            </p:txBody>
-          </p:sp>
-        </p:grpSp>
+            <a:prstGeom prst="ellipse">
+              <a:avLst/>
+            </a:prstGeom>
+            <a:solidFill>
+              <a:srgbClr val="666666"/>
+            </a:solidFill>
+            <a:ln>
+              <a:noFill/>
+            </a:ln>
+          </p:spPr>
+          <p:style>
+            <a:lnRef idx="2">
+              <a:schemeClr val="accent1">
+                <a:shade val="15000"/>
+              </a:schemeClr>
+            </a:lnRef>
+            <a:fillRef idx="1">
+              <a:schemeClr val="accent1"/>
+            </a:fillRef>
+            <a:effectRef idx="0">
+              <a:schemeClr val="accent1"/>
+            </a:effectRef>
+            <a:fontRef idx="minor">
+              <a:schemeClr val="lt1"/>
+            </a:fontRef>
+          </p:style>
+          <p:txBody>
+            <a:bodyPr rtlCol="0" anchor="ctr"/>
+            <a:lstStyle/>
+            <a:p>
+              <a:pPr algn="ctr"/>
+              <a:endParaRPr lang="fr-CA"/>
+            </a:p>
+          </p:txBody>
+        </p:sp>
+        <p:sp>
+          <p:nvSpPr>
+            <p:cNvPr id="49" name="Oval 48">
+              <a:extLst>
+                <a:ext uri="{FF2B5EF4-FFF2-40B4-BE49-F238E27FC236}">
+                  <a16:creationId xmlns:a16="http://schemas.microsoft.com/office/drawing/2014/main" id="{338A52C7-C972-BCD0-0EC7-DA5B49912692}"/>
+                </a:ext>
+              </a:extLst>
+            </p:cNvPr>
+            <p:cNvSpPr/>
+            <p:nvPr/>
+          </p:nvSpPr>
+          <p:spPr>
+            <a:xfrm>
+              <a:off x="9228600" y="1796013"/>
+              <a:ext cx="900000" cy="900000"/>
+            </a:xfrm>
+            <a:prstGeom prst="ellipse">
+              <a:avLst/>
+            </a:prstGeom>
+            <a:solidFill>
+              <a:srgbClr val="666666"/>
+            </a:solidFill>
+            <a:ln>
+              <a:noFill/>
+            </a:ln>
+          </p:spPr>
+          <p:style>
+            <a:lnRef idx="2">
+              <a:schemeClr val="accent1">
+                <a:shade val="15000"/>
+              </a:schemeClr>
+            </a:lnRef>
+            <a:fillRef idx="1">
+              <a:schemeClr val="accent1"/>
+            </a:fillRef>
+            <a:effectRef idx="0">
+              <a:schemeClr val="accent1"/>
+            </a:effectRef>
+            <a:fontRef idx="minor">
+              <a:schemeClr val="lt1"/>
+            </a:fontRef>
+          </p:style>
+          <p:txBody>
+            <a:bodyPr rtlCol="0" anchor="ctr"/>
+            <a:lstStyle/>
+            <a:p>
+              <a:pPr algn="ctr"/>
+              <a:endParaRPr lang="fr-CA"/>
+            </a:p>
+          </p:txBody>
+        </p:sp>
+        <p:sp>
+          <p:nvSpPr>
+            <p:cNvPr id="50" name="Oval 49">
+              <a:extLst>
+                <a:ext uri="{FF2B5EF4-FFF2-40B4-BE49-F238E27FC236}">
+                  <a16:creationId xmlns:a16="http://schemas.microsoft.com/office/drawing/2014/main" id="{3BBD0094-1D77-230E-A932-6FC0356489C2}"/>
+                </a:ext>
+              </a:extLst>
+            </p:cNvPr>
+            <p:cNvSpPr/>
+            <p:nvPr/>
+          </p:nvSpPr>
+          <p:spPr>
+            <a:xfrm>
+              <a:off x="9228600" y="3060000"/>
+              <a:ext cx="900000" cy="900000"/>
+            </a:xfrm>
+            <a:prstGeom prst="ellipse">
+              <a:avLst/>
+            </a:prstGeom>
+            <a:solidFill>
+              <a:srgbClr val="999999"/>
+            </a:solidFill>
+            <a:ln>
+              <a:noFill/>
+            </a:ln>
+          </p:spPr>
+          <p:style>
+            <a:lnRef idx="2">
+              <a:schemeClr val="accent1">
+                <a:shade val="15000"/>
+              </a:schemeClr>
+            </a:lnRef>
+            <a:fillRef idx="1">
+              <a:schemeClr val="accent1"/>
+            </a:fillRef>
+            <a:effectRef idx="0">
+              <a:schemeClr val="accent1"/>
+            </a:effectRef>
+            <a:fontRef idx="minor">
+              <a:schemeClr val="lt1"/>
+            </a:fontRef>
+          </p:style>
+          <p:txBody>
+            <a:bodyPr rtlCol="0" anchor="ctr"/>
+            <a:lstStyle/>
+            <a:p>
+              <a:pPr algn="ctr"/>
+              <a:endParaRPr lang="fr-CA"/>
+            </a:p>
+          </p:txBody>
+        </p:sp>
+        <p:sp>
+          <p:nvSpPr>
+            <p:cNvPr id="51" name="Oval 50">
+              <a:extLst>
+                <a:ext uri="{FF2B5EF4-FFF2-40B4-BE49-F238E27FC236}">
+                  <a16:creationId xmlns:a16="http://schemas.microsoft.com/office/drawing/2014/main" id="{E62086E0-0ADB-7346-147B-2B2E5FB76F24}"/>
+                </a:ext>
+              </a:extLst>
+            </p:cNvPr>
+            <p:cNvSpPr/>
+            <p:nvPr/>
+          </p:nvSpPr>
+          <p:spPr>
+            <a:xfrm>
+              <a:off x="9228600" y="4320000"/>
+              <a:ext cx="900000" cy="900000"/>
+            </a:xfrm>
+            <a:prstGeom prst="ellipse">
+              <a:avLst/>
+            </a:prstGeom>
+            <a:solidFill>
+              <a:srgbClr val="CCCCCC"/>
+            </a:solidFill>
+            <a:ln>
+              <a:noFill/>
+            </a:ln>
+          </p:spPr>
+          <p:style>
+            <a:lnRef idx="2">
+              <a:schemeClr val="accent1">
+                <a:shade val="15000"/>
+              </a:schemeClr>
+            </a:lnRef>
+            <a:fillRef idx="1">
+              <a:schemeClr val="accent1"/>
+            </a:fillRef>
+            <a:effectRef idx="0">
+              <a:schemeClr val="accent1"/>
+            </a:effectRef>
+            <a:fontRef idx="minor">
+              <a:schemeClr val="lt1"/>
+            </a:fontRef>
+          </p:style>
+          <p:txBody>
+            <a:bodyPr rtlCol="0" anchor="ctr"/>
+            <a:lstStyle/>
+            <a:p>
+              <a:pPr algn="ctr"/>
+              <a:endParaRPr lang="fr-CA"/>
+            </a:p>
+          </p:txBody>
+        </p:sp>
       </p:grpSp>
     </p:spTree>
     <p:extLst>
